--- a/Design Pattern.pptx
+++ b/Design Pattern.pptx
@@ -5,20 +5,22 @@
     <p:sldMasterId id="2147483648" r:id="rId1"/>
   </p:sldMasterIdLst>
   <p:notesMasterIdLst>
-    <p:notesMasterId r:id="rId10"/>
+    <p:notesMasterId r:id="rId12"/>
   </p:notesMasterIdLst>
   <p:handoutMasterIdLst>
-    <p:handoutMasterId r:id="rId11"/>
+    <p:handoutMasterId r:id="rId13"/>
   </p:handoutMasterIdLst>
   <p:sldIdLst>
     <p:sldId id="256" r:id="rId2"/>
     <p:sldId id="257" r:id="rId3"/>
-    <p:sldId id="258" r:id="rId4"/>
-    <p:sldId id="264" r:id="rId5"/>
-    <p:sldId id="260" r:id="rId6"/>
-    <p:sldId id="263" r:id="rId7"/>
-    <p:sldId id="262" r:id="rId8"/>
-    <p:sldId id="261" r:id="rId9"/>
+    <p:sldId id="264" r:id="rId4"/>
+    <p:sldId id="260" r:id="rId5"/>
+    <p:sldId id="263" r:id="rId6"/>
+    <p:sldId id="266" r:id="rId7"/>
+    <p:sldId id="265" r:id="rId8"/>
+    <p:sldId id="262" r:id="rId9"/>
+    <p:sldId id="261" r:id="rId10"/>
+    <p:sldId id="258" r:id="rId11"/>
   </p:sldIdLst>
   <p:sldSz cx="9144000" cy="6858000" type="screen4x3"/>
   <p:notesSz cx="6858000" cy="9144000"/>
@@ -998,12 +1000,71 @@
           <a:bodyPr/>
           <a:lstStyle/>
           <a:p>
+            <a:pPr marL="0" marR="0" lvl="0" indent="0" algn="r" defTabSz="914400" rtl="0" eaLnBrk="1" fontAlgn="base" latinLnBrk="0" hangingPunct="1">
+              <a:lnSpc>
+                <a:spcPct val="100000"/>
+              </a:lnSpc>
+              <a:spcBef>
+                <a:spcPct val="0"/>
+              </a:spcBef>
+              <a:spcAft>
+                <a:spcPct val="0"/>
+              </a:spcAft>
+              <a:buClrTx/>
+              <a:buSzTx/>
+              <a:buFontTx/>
+              <a:buNone/>
+              <a:tabLst/>
+              <a:defRPr/>
+            </a:pPr>
             <a:fld id="{4CBBC889-3F4B-46E7-9B71-B94EA8D542E0}" type="slidenum">
-              <a:rPr lang="en-US"/>
-              <a:pPr/>
-              <a:t>3</a:t>
+              <a:rPr kumimoji="0" lang="en-US" sz="1200" b="0" i="0" u="none" strike="noStrike" kern="1200" cap="none" spc="0" normalizeH="0" baseline="0" noProof="0">
+                <a:ln>
+                  <a:noFill/>
+                </a:ln>
+                <a:solidFill>
+                  <a:srgbClr val="000000"/>
+                </a:solidFill>
+                <a:effectLst/>
+                <a:uLnTx/>
+                <a:uFillTx/>
+                <a:latin typeface="Arial" charset="0"/>
+                <a:ea typeface="+mn-ea"/>
+                <a:cs typeface="+mn-cs"/>
+              </a:rPr>
+              <a:pPr marL="0" marR="0" lvl="0" indent="0" algn="r" defTabSz="914400" rtl="0" eaLnBrk="1" fontAlgn="base" latinLnBrk="0" hangingPunct="1">
+                <a:lnSpc>
+                  <a:spcPct val="100000"/>
+                </a:lnSpc>
+                <a:spcBef>
+                  <a:spcPct val="0"/>
+                </a:spcBef>
+                <a:spcAft>
+                  <a:spcPct val="0"/>
+                </a:spcAft>
+                <a:buClrTx/>
+                <a:buSzTx/>
+                <a:buFontTx/>
+                <a:buNone/>
+                <a:tabLst/>
+                <a:defRPr/>
+              </a:pPr>
+              <a:t>4</a:t>
             </a:fld>
-            <a:endParaRPr lang="en-US"/>
+            <a:endParaRPr kumimoji="0" lang="en-US" sz="1200" b="0" i="0" u="none" strike="noStrike" kern="1200" cap="none" spc="0" normalizeH="0" baseline="0" noProof="0">
+              <a:ln>
+                <a:noFill/>
+              </a:ln>
+              <a:solidFill>
+                <a:srgbClr val="000000"/>
+              </a:solidFill>
+              <a:effectLst/>
+              <a:uLnTx/>
+              <a:uFillTx/>
+              <a:latin typeface="Arial" charset="0"/>
+              <a:ea typeface="+mn-ea"/>
+              <a:cs typeface="+mn-cs"/>
+            </a:endParaRPr>
           </a:p>
         </p:txBody>
       </p:sp>
@@ -1044,6 +1105,11 @@
         </p:txBody>
       </p:sp>
     </p:spTree>
+    <p:extLst>
+      <p:ext uri="{BB962C8B-B14F-4D97-AF65-F5344CB8AC3E}">
+        <p14:creationId xmlns:p14="http://schemas.microsoft.com/office/powerpoint/2010/main" val="560045621"/>
+      </p:ext>
+    </p:extLst>
   </p:cSld>
   <p:clrMapOvr>
     <a:masterClrMapping/>
@@ -1197,7 +1263,7 @@
     </p:spTree>
     <p:extLst>
       <p:ext uri="{BB962C8B-B14F-4D97-AF65-F5344CB8AC3E}">
-        <p14:creationId xmlns:p14="http://schemas.microsoft.com/office/powerpoint/2010/main" val="560045621"/>
+        <p14:creationId xmlns:p14="http://schemas.microsoft.com/office/powerpoint/2010/main" val="243663391"/>
       </p:ext>
     </p:extLst>
   </p:cSld>
@@ -1353,7 +1419,7 @@
     </p:spTree>
     <p:extLst>
       <p:ext uri="{BB962C8B-B14F-4D97-AF65-F5344CB8AC3E}">
-        <p14:creationId xmlns:p14="http://schemas.microsoft.com/office/powerpoint/2010/main" val="243663391"/>
+        <p14:creationId xmlns:p14="http://schemas.microsoft.com/office/powerpoint/2010/main" val="1635227390"/>
       </p:ext>
     </p:extLst>
   </p:cSld>
@@ -1509,7 +1575,7 @@
     </p:spTree>
     <p:extLst>
       <p:ext uri="{BB962C8B-B14F-4D97-AF65-F5344CB8AC3E}">
-        <p14:creationId xmlns:p14="http://schemas.microsoft.com/office/powerpoint/2010/main" val="1809876284"/>
+        <p14:creationId xmlns:p14="http://schemas.microsoft.com/office/powerpoint/2010/main" val="1870472099"/>
       </p:ext>
     </p:extLst>
   </p:cSld>
@@ -1665,9 +1731,257 @@
     </p:spTree>
     <p:extLst>
       <p:ext uri="{BB962C8B-B14F-4D97-AF65-F5344CB8AC3E}">
+        <p14:creationId xmlns:p14="http://schemas.microsoft.com/office/powerpoint/2010/main" val="1809876284"/>
+      </p:ext>
+    </p:extLst>
+  </p:cSld>
+  <p:clrMapOvr>
+    <a:masterClrMapping/>
+  </p:clrMapOvr>
+</p:notes>
+</file>
+
+<file path=ppt/notesSlides/notesSlide8.xml><?xml version="1.0" encoding="utf-8"?>
+<p:notes xmlns:a="http://schemas.openxmlformats.org/drawingml/2006/main" xmlns:r="http://schemas.openxmlformats.org/officeDocument/2006/relationships" xmlns:p="http://schemas.openxmlformats.org/presentationml/2006/main">
+  <p:cSld>
+    <p:spTree>
+      <p:nvGrpSpPr>
+        <p:cNvPr id="1" name=""/>
+        <p:cNvGrpSpPr/>
+        <p:nvPr/>
+      </p:nvGrpSpPr>
+      <p:grpSpPr>
+        <a:xfrm>
+          <a:off x="0" y="0"/>
+          <a:ext cx="0" cy="0"/>
+          <a:chOff x="0" y="0"/>
+          <a:chExt cx="0" cy="0"/>
+        </a:xfrm>
+      </p:grpSpPr>
+      <p:sp>
+        <p:nvSpPr>
+          <p:cNvPr id="9218" name="Rectangle 7"/>
+          <p:cNvSpPr>
+            <a:spLocks noGrp="1" noChangeArrowheads="1"/>
+          </p:cNvSpPr>
+          <p:nvPr>
+            <p:ph type="sldNum" sz="quarter" idx="5"/>
+          </p:nvPr>
+        </p:nvSpPr>
+        <p:spPr>
+          <a:noFill/>
+          <a:ln>
+            <a:miter lim="800000"/>
+            <a:headEnd/>
+            <a:tailEnd/>
+          </a:ln>
+        </p:spPr>
+        <p:txBody>
+          <a:bodyPr/>
+          <a:lstStyle/>
+          <a:p>
+            <a:pPr marL="0" marR="0" lvl="0" indent="0" algn="r" defTabSz="914400" rtl="0" eaLnBrk="1" fontAlgn="base" latinLnBrk="0" hangingPunct="1">
+              <a:lnSpc>
+                <a:spcPct val="100000"/>
+              </a:lnSpc>
+              <a:spcBef>
+                <a:spcPct val="0"/>
+              </a:spcBef>
+              <a:spcAft>
+                <a:spcPct val="0"/>
+              </a:spcAft>
+              <a:buClrTx/>
+              <a:buSzTx/>
+              <a:buFontTx/>
+              <a:buNone/>
+              <a:tabLst/>
+              <a:defRPr/>
+            </a:pPr>
+            <a:fld id="{4CBBC889-3F4B-46E7-9B71-B94EA8D542E0}" type="slidenum">
+              <a:rPr kumimoji="0" lang="en-US" sz="1200" b="0" i="0" u="none" strike="noStrike" kern="1200" cap="none" spc="0" normalizeH="0" baseline="0" noProof="0">
+                <a:ln>
+                  <a:noFill/>
+                </a:ln>
+                <a:solidFill>
+                  <a:srgbClr val="000000"/>
+                </a:solidFill>
+                <a:effectLst/>
+                <a:uLnTx/>
+                <a:uFillTx/>
+                <a:latin typeface="Arial" charset="0"/>
+                <a:ea typeface="+mn-ea"/>
+                <a:cs typeface="+mn-cs"/>
+              </a:rPr>
+              <a:pPr marL="0" marR="0" lvl="0" indent="0" algn="r" defTabSz="914400" rtl="0" eaLnBrk="1" fontAlgn="base" latinLnBrk="0" hangingPunct="1">
+                <a:lnSpc>
+                  <a:spcPct val="100000"/>
+                </a:lnSpc>
+                <a:spcBef>
+                  <a:spcPct val="0"/>
+                </a:spcBef>
+                <a:spcAft>
+                  <a:spcPct val="0"/>
+                </a:spcAft>
+                <a:buClrTx/>
+                <a:buSzTx/>
+                <a:buFontTx/>
+                <a:buNone/>
+                <a:tabLst/>
+                <a:defRPr/>
+              </a:pPr>
+              <a:t>9</a:t>
+            </a:fld>
+            <a:endParaRPr kumimoji="0" lang="en-US" sz="1200" b="0" i="0" u="none" strike="noStrike" kern="1200" cap="none" spc="0" normalizeH="0" baseline="0" noProof="0">
+              <a:ln>
+                <a:noFill/>
+              </a:ln>
+              <a:solidFill>
+                <a:srgbClr val="000000"/>
+              </a:solidFill>
+              <a:effectLst/>
+              <a:uLnTx/>
+              <a:uFillTx/>
+              <a:latin typeface="Arial" charset="0"/>
+              <a:ea typeface="+mn-ea"/>
+              <a:cs typeface="+mn-cs"/>
+            </a:endParaRPr>
+          </a:p>
+        </p:txBody>
+      </p:sp>
+      <p:sp>
+        <p:nvSpPr>
+          <p:cNvPr id="9219" name="Rectangle 2"/>
+          <p:cNvSpPr>
+            <a:spLocks noGrp="1" noRot="1" noChangeAspect="1" noChangeArrowheads="1" noTextEdit="1"/>
+          </p:cNvSpPr>
+          <p:nvPr>
+            <p:ph type="sldImg"/>
+          </p:nvPr>
+        </p:nvSpPr>
+        <p:spPr>
+          <a:ln/>
+        </p:spPr>
+      </p:sp>
+      <p:sp>
+        <p:nvSpPr>
+          <p:cNvPr id="9220" name="Rectangle 3"/>
+          <p:cNvSpPr>
+            <a:spLocks noGrp="1" noChangeArrowheads="1"/>
+          </p:cNvSpPr>
+          <p:nvPr>
+            <p:ph type="body" idx="1"/>
+          </p:nvPr>
+        </p:nvSpPr>
+        <p:spPr>
+          <a:noFill/>
+        </p:spPr>
+        <p:txBody>
+          <a:bodyPr/>
+          <a:lstStyle/>
+          <a:p>
+            <a:pPr eaLnBrk="1" hangingPunct="1"/>
+            <a:endParaRPr lang="en-US"/>
+          </a:p>
+        </p:txBody>
+      </p:sp>
+    </p:spTree>
+    <p:extLst>
+      <p:ext uri="{BB962C8B-B14F-4D97-AF65-F5344CB8AC3E}">
         <p14:creationId xmlns:p14="http://schemas.microsoft.com/office/powerpoint/2010/main" val="3393269181"/>
       </p:ext>
     </p:extLst>
+  </p:cSld>
+  <p:clrMapOvr>
+    <a:masterClrMapping/>
+  </p:clrMapOvr>
+</p:notes>
+</file>
+
+<file path=ppt/notesSlides/notesSlide9.xml><?xml version="1.0" encoding="utf-8"?>
+<p:notes xmlns:a="http://schemas.openxmlformats.org/drawingml/2006/main" xmlns:r="http://schemas.openxmlformats.org/officeDocument/2006/relationships" xmlns:p="http://schemas.openxmlformats.org/presentationml/2006/main">
+  <p:cSld>
+    <p:spTree>
+      <p:nvGrpSpPr>
+        <p:cNvPr id="1" name=""/>
+        <p:cNvGrpSpPr/>
+        <p:nvPr/>
+      </p:nvGrpSpPr>
+      <p:grpSpPr>
+        <a:xfrm>
+          <a:off x="0" y="0"/>
+          <a:ext cx="0" cy="0"/>
+          <a:chOff x="0" y="0"/>
+          <a:chExt cx="0" cy="0"/>
+        </a:xfrm>
+      </p:grpSpPr>
+      <p:sp>
+        <p:nvSpPr>
+          <p:cNvPr id="9218" name="Rectangle 7"/>
+          <p:cNvSpPr>
+            <a:spLocks noGrp="1" noChangeArrowheads="1"/>
+          </p:cNvSpPr>
+          <p:nvPr>
+            <p:ph type="sldNum" sz="quarter" idx="5"/>
+          </p:nvPr>
+        </p:nvSpPr>
+        <p:spPr>
+          <a:noFill/>
+          <a:ln>
+            <a:miter lim="800000"/>
+            <a:headEnd/>
+            <a:tailEnd/>
+          </a:ln>
+        </p:spPr>
+        <p:txBody>
+          <a:bodyPr/>
+          <a:lstStyle/>
+          <a:p>
+            <a:fld id="{4CBBC889-3F4B-46E7-9B71-B94EA8D542E0}" type="slidenum">
+              <a:rPr lang="en-US"/>
+              <a:pPr/>
+              <a:t>10</a:t>
+            </a:fld>
+            <a:endParaRPr lang="en-US"/>
+          </a:p>
+        </p:txBody>
+      </p:sp>
+      <p:sp>
+        <p:nvSpPr>
+          <p:cNvPr id="9219" name="Rectangle 2"/>
+          <p:cNvSpPr>
+            <a:spLocks noGrp="1" noRot="1" noChangeAspect="1" noChangeArrowheads="1" noTextEdit="1"/>
+          </p:cNvSpPr>
+          <p:nvPr>
+            <p:ph type="sldImg"/>
+          </p:nvPr>
+        </p:nvSpPr>
+        <p:spPr>
+          <a:ln/>
+        </p:spPr>
+      </p:sp>
+      <p:sp>
+        <p:nvSpPr>
+          <p:cNvPr id="9220" name="Rectangle 3"/>
+          <p:cNvSpPr>
+            <a:spLocks noGrp="1" noChangeArrowheads="1"/>
+          </p:cNvSpPr>
+          <p:nvPr>
+            <p:ph type="body" idx="1"/>
+          </p:nvPr>
+        </p:nvSpPr>
+        <p:spPr>
+          <a:noFill/>
+        </p:spPr>
+        <p:txBody>
+          <a:bodyPr/>
+          <a:lstStyle/>
+          <a:p>
+            <a:pPr eaLnBrk="1" hangingPunct="1"/>
+            <a:endParaRPr lang="en-US"/>
+          </a:p>
+        </p:txBody>
+      </p:sp>
+    </p:spTree>
   </p:cSld>
   <p:clrMapOvr>
     <a:masterClrMapping/>
@@ -4167,211 +4481,7 @@
 </p:sld>
 </file>
 
-<file path=ppt/slides/slide2.xml><?xml version="1.0" encoding="utf-8"?>
-<p:sld xmlns:a="http://schemas.openxmlformats.org/drawingml/2006/main" xmlns:r="http://schemas.openxmlformats.org/officeDocument/2006/relationships" xmlns:p="http://schemas.openxmlformats.org/presentationml/2006/main">
-  <p:cSld>
-    <p:spTree>
-      <p:nvGrpSpPr>
-        <p:cNvPr id="1" name=""/>
-        <p:cNvGrpSpPr/>
-        <p:nvPr/>
-      </p:nvGrpSpPr>
-      <p:grpSpPr>
-        <a:xfrm>
-          <a:off x="0" y="0"/>
-          <a:ext cx="0" cy="0"/>
-          <a:chOff x="0" y="0"/>
-          <a:chExt cx="0" cy="0"/>
-        </a:xfrm>
-      </p:grpSpPr>
-      <p:sp>
-        <p:nvSpPr>
-          <p:cNvPr id="4098" name="Rectangle 2"/>
-          <p:cNvSpPr>
-            <a:spLocks noGrp="1" noChangeArrowheads="1"/>
-          </p:cNvSpPr>
-          <p:nvPr>
-            <p:ph type="title"/>
-          </p:nvPr>
-        </p:nvSpPr>
-        <p:spPr>
-          <a:xfrm>
-            <a:off x="457200" y="274638"/>
-            <a:ext cx="8229600" cy="1143000"/>
-          </a:xfrm>
-        </p:spPr>
-        <p:txBody>
-          <a:bodyPr wrap="square" anchor="ctr">
-            <a:normAutofit/>
-          </a:bodyPr>
-          <a:lstStyle/>
-          <a:p>
-            <a:pPr eaLnBrk="1" hangingPunct="1"/>
-            <a:r>
-              <a:rPr lang="en-US" b="1"/>
-              <a:t>What’s inside our presentation?</a:t>
-            </a:r>
-            <a:endParaRPr lang="uk-UA" b="1"/>
-          </a:p>
-        </p:txBody>
-      </p:sp>
-      <p:pic>
-        <p:nvPicPr>
-          <p:cNvPr id="3" name="Picture 2" descr="Question Cat">
-            <a:extLst>
-              <a:ext uri="{FF2B5EF4-FFF2-40B4-BE49-F238E27FC236}">
-                <a16:creationId xmlns:a16="http://schemas.microsoft.com/office/drawing/2014/main" id="{36C99DB6-D8FC-57D6-D038-DA86C55D2AA4}"/>
-              </a:ext>
-            </a:extLst>
-          </p:cNvPr>
-          <p:cNvPicPr>
-            <a:picLocks noChangeAspect="1"/>
-          </p:cNvPicPr>
-          <p:nvPr/>
-        </p:nvPicPr>
-        <p:blipFill>
-          <a:blip r:embed="rId3">
-            <a:extLst>
-              <a:ext uri="{28A0092B-C50C-407E-A947-70E740481C1C}">
-                <a14:useLocalDpi xmlns:a14="http://schemas.microsoft.com/office/drawing/2010/main" val="0"/>
-              </a:ext>
-            </a:extLst>
-          </a:blip>
-          <a:stretch>
-            <a:fillRect/>
-          </a:stretch>
-        </p:blipFill>
-        <p:spPr>
-          <a:xfrm>
-            <a:off x="5138896" y="1524000"/>
-            <a:ext cx="3951288" cy="3951288"/>
-          </a:xfrm>
-          <a:prstGeom prst="rect">
-            <a:avLst/>
-          </a:prstGeom>
-          <a:noFill/>
-        </p:spPr>
-      </p:pic>
-      <p:sp>
-        <p:nvSpPr>
-          <p:cNvPr id="36867" name="Rectangle 3"/>
-          <p:cNvSpPr>
-            <a:spLocks noGrp="1" noChangeArrowheads="1"/>
-          </p:cNvSpPr>
-          <p:nvPr>
-            <p:ph sz="quarter" idx="4"/>
-          </p:nvPr>
-        </p:nvSpPr>
-        <p:spPr>
-          <a:xfrm>
-            <a:off x="457200" y="1681162"/>
-            <a:ext cx="5105400" cy="3951288"/>
-          </a:xfrm>
-        </p:spPr>
-        <p:txBody>
-          <a:bodyPr wrap="square" anchor="t">
-            <a:normAutofit/>
-          </a:bodyPr>
-          <a:lstStyle/>
-          <a:p>
-            <a:pPr marL="0" indent="0" eaLnBrk="1" hangingPunct="1">
-              <a:lnSpc>
-                <a:spcPct val="90000"/>
-              </a:lnSpc>
-              <a:buNone/>
-              <a:defRPr/>
-            </a:pPr>
-            <a:r>
-              <a:rPr lang="en-US" sz="3600" b="1" u="sng" dirty="0">
-                <a:solidFill>
-                  <a:srgbClr val="A8A400"/>
-                </a:solidFill>
-              </a:rPr>
-              <a:t>Content:</a:t>
-            </a:r>
-          </a:p>
-          <a:p>
-            <a:pPr marL="457200" indent="-457200" eaLnBrk="1" hangingPunct="1">
-              <a:lnSpc>
-                <a:spcPct val="90000"/>
-              </a:lnSpc>
-              <a:buFont typeface="+mj-lt"/>
-              <a:buAutoNum type="arabicPeriod"/>
-              <a:defRPr/>
-            </a:pPr>
-            <a:r>
-              <a:rPr lang="en-US" dirty="0"/>
-              <a:t>Problems and naive solution.</a:t>
-            </a:r>
-          </a:p>
-          <a:p>
-            <a:pPr marL="457200" indent="-457200" eaLnBrk="1" hangingPunct="1">
-              <a:lnSpc>
-                <a:spcPct val="90000"/>
-              </a:lnSpc>
-              <a:buFont typeface="+mj-lt"/>
-              <a:buAutoNum type="arabicPeriod"/>
-              <a:defRPr/>
-            </a:pPr>
-            <a:r>
-              <a:rPr lang="en-US" dirty="0"/>
-              <a:t>Introduction to Visitor design pattern.</a:t>
-            </a:r>
-          </a:p>
-          <a:p>
-            <a:pPr marL="457200" indent="-457200" eaLnBrk="1" hangingPunct="1">
-              <a:lnSpc>
-                <a:spcPct val="90000"/>
-              </a:lnSpc>
-              <a:buFont typeface="+mj-lt"/>
-              <a:buAutoNum type="arabicPeriod"/>
-              <a:defRPr/>
-            </a:pPr>
-            <a:r>
-              <a:rPr lang="en-US" dirty="0"/>
-              <a:t>How to solve problem with Visitor.</a:t>
-            </a:r>
-          </a:p>
-          <a:p>
-            <a:pPr marL="457200" indent="-457200" eaLnBrk="1" hangingPunct="1">
-              <a:lnSpc>
-                <a:spcPct val="90000"/>
-              </a:lnSpc>
-              <a:buFont typeface="+mj-lt"/>
-              <a:buAutoNum type="arabicPeriod"/>
-              <a:defRPr/>
-            </a:pPr>
-            <a:r>
-              <a:rPr lang="en-US" dirty="0"/>
-              <a:t>Similar problem.</a:t>
-            </a:r>
-          </a:p>
-          <a:p>
-            <a:pPr marL="457200" indent="-457200" eaLnBrk="1" hangingPunct="1">
-              <a:lnSpc>
-                <a:spcPct val="90000"/>
-              </a:lnSpc>
-              <a:buFont typeface="+mj-lt"/>
-              <a:buAutoNum type="arabicPeriod"/>
-              <a:defRPr/>
-            </a:pPr>
-            <a:r>
-              <a:rPr lang="en-US" dirty="0"/>
-              <a:t>Pros and cons to our design pattern.</a:t>
-            </a:r>
-            <a:endParaRPr lang="uk-UA" dirty="0"/>
-          </a:p>
-        </p:txBody>
-      </p:sp>
-    </p:spTree>
-  </p:cSld>
-  <p:clrMapOvr>
-    <a:masterClrMapping/>
-  </p:clrMapOvr>
-</p:sld>
-</file>
-
-<file path=ppt/slides/slide3.xml><?xml version="1.0" encoding="utf-8"?>
+<file path=ppt/slides/slide10.xml><?xml version="1.0" encoding="utf-8"?>
 <p:sld xmlns:a="http://schemas.openxmlformats.org/drawingml/2006/main" xmlns:r="http://schemas.openxmlformats.org/officeDocument/2006/relationships" xmlns:p="http://schemas.openxmlformats.org/presentationml/2006/main">
   <p:cSld>
     <p:bg>
@@ -4510,7 +4620,211 @@
 </p:sld>
 </file>
 
-<file path=ppt/slides/slide4.xml><?xml version="1.0" encoding="utf-8"?>
+<file path=ppt/slides/slide2.xml><?xml version="1.0" encoding="utf-8"?>
+<p:sld xmlns:a="http://schemas.openxmlformats.org/drawingml/2006/main" xmlns:r="http://schemas.openxmlformats.org/officeDocument/2006/relationships" xmlns:p="http://schemas.openxmlformats.org/presentationml/2006/main">
+  <p:cSld>
+    <p:spTree>
+      <p:nvGrpSpPr>
+        <p:cNvPr id="1" name=""/>
+        <p:cNvGrpSpPr/>
+        <p:nvPr/>
+      </p:nvGrpSpPr>
+      <p:grpSpPr>
+        <a:xfrm>
+          <a:off x="0" y="0"/>
+          <a:ext cx="0" cy="0"/>
+          <a:chOff x="0" y="0"/>
+          <a:chExt cx="0" cy="0"/>
+        </a:xfrm>
+      </p:grpSpPr>
+      <p:sp>
+        <p:nvSpPr>
+          <p:cNvPr id="4098" name="Rectangle 2"/>
+          <p:cNvSpPr>
+            <a:spLocks noGrp="1" noChangeArrowheads="1"/>
+          </p:cNvSpPr>
+          <p:nvPr>
+            <p:ph type="title"/>
+          </p:nvPr>
+        </p:nvSpPr>
+        <p:spPr>
+          <a:xfrm>
+            <a:off x="457200" y="274638"/>
+            <a:ext cx="8229600" cy="1143000"/>
+          </a:xfrm>
+        </p:spPr>
+        <p:txBody>
+          <a:bodyPr wrap="square" anchor="ctr">
+            <a:normAutofit/>
+          </a:bodyPr>
+          <a:lstStyle/>
+          <a:p>
+            <a:pPr eaLnBrk="1" hangingPunct="1"/>
+            <a:r>
+              <a:rPr lang="en-US" b="1"/>
+              <a:t>What’s inside our presentation?</a:t>
+            </a:r>
+            <a:endParaRPr lang="uk-UA" b="1"/>
+          </a:p>
+        </p:txBody>
+      </p:sp>
+      <p:pic>
+        <p:nvPicPr>
+          <p:cNvPr id="3" name="Picture 2" descr="Question Cat">
+            <a:extLst>
+              <a:ext uri="{FF2B5EF4-FFF2-40B4-BE49-F238E27FC236}">
+                <a16:creationId xmlns:a16="http://schemas.microsoft.com/office/drawing/2014/main" id="{36C99DB6-D8FC-57D6-D038-DA86C55D2AA4}"/>
+              </a:ext>
+            </a:extLst>
+          </p:cNvPr>
+          <p:cNvPicPr>
+            <a:picLocks noChangeAspect="1"/>
+          </p:cNvPicPr>
+          <p:nvPr/>
+        </p:nvPicPr>
+        <p:blipFill>
+          <a:blip r:embed="rId3">
+            <a:extLst>
+              <a:ext uri="{28A0092B-C50C-407E-A947-70E740481C1C}">
+                <a14:useLocalDpi xmlns:a14="http://schemas.microsoft.com/office/drawing/2010/main" val="0"/>
+              </a:ext>
+            </a:extLst>
+          </a:blip>
+          <a:stretch>
+            <a:fillRect/>
+          </a:stretch>
+        </p:blipFill>
+        <p:spPr>
+          <a:xfrm>
+            <a:off x="5138896" y="1524000"/>
+            <a:ext cx="3951288" cy="3951288"/>
+          </a:xfrm>
+          <a:prstGeom prst="rect">
+            <a:avLst/>
+          </a:prstGeom>
+          <a:noFill/>
+        </p:spPr>
+      </p:pic>
+      <p:sp>
+        <p:nvSpPr>
+          <p:cNvPr id="36867" name="Rectangle 3"/>
+          <p:cNvSpPr>
+            <a:spLocks noGrp="1" noChangeArrowheads="1"/>
+          </p:cNvSpPr>
+          <p:nvPr>
+            <p:ph sz="quarter" idx="4"/>
+          </p:nvPr>
+        </p:nvSpPr>
+        <p:spPr>
+          <a:xfrm>
+            <a:off x="457200" y="1681162"/>
+            <a:ext cx="5105400" cy="3951288"/>
+          </a:xfrm>
+        </p:spPr>
+        <p:txBody>
+          <a:bodyPr wrap="square" anchor="t">
+            <a:normAutofit/>
+          </a:bodyPr>
+          <a:lstStyle/>
+          <a:p>
+            <a:pPr marL="0" indent="0" eaLnBrk="1" hangingPunct="1">
+              <a:lnSpc>
+                <a:spcPct val="90000"/>
+              </a:lnSpc>
+              <a:buNone/>
+              <a:defRPr/>
+            </a:pPr>
+            <a:r>
+              <a:rPr lang="en-US" sz="3600" b="1" u="sng" dirty="0">
+                <a:solidFill>
+                  <a:srgbClr val="A8A400"/>
+                </a:solidFill>
+              </a:rPr>
+              <a:t>Content:</a:t>
+            </a:r>
+          </a:p>
+          <a:p>
+            <a:pPr marL="457200" indent="-457200" eaLnBrk="1" hangingPunct="1">
+              <a:lnSpc>
+                <a:spcPct val="90000"/>
+              </a:lnSpc>
+              <a:buFont typeface="+mj-lt"/>
+              <a:buAutoNum type="arabicPeriod"/>
+              <a:defRPr/>
+            </a:pPr>
+            <a:r>
+              <a:rPr lang="en-US" dirty="0"/>
+              <a:t>Problems and naive solution.</a:t>
+            </a:r>
+          </a:p>
+          <a:p>
+            <a:pPr marL="457200" indent="-457200" eaLnBrk="1" hangingPunct="1">
+              <a:lnSpc>
+                <a:spcPct val="90000"/>
+              </a:lnSpc>
+              <a:buFont typeface="+mj-lt"/>
+              <a:buAutoNum type="arabicPeriod"/>
+              <a:defRPr/>
+            </a:pPr>
+            <a:r>
+              <a:rPr lang="en-US" dirty="0"/>
+              <a:t>Introduction to Visitor design pattern.</a:t>
+            </a:r>
+          </a:p>
+          <a:p>
+            <a:pPr marL="457200" indent="-457200" eaLnBrk="1" hangingPunct="1">
+              <a:lnSpc>
+                <a:spcPct val="90000"/>
+              </a:lnSpc>
+              <a:buFont typeface="+mj-lt"/>
+              <a:buAutoNum type="arabicPeriod"/>
+              <a:defRPr/>
+            </a:pPr>
+            <a:r>
+              <a:rPr lang="en-US" dirty="0"/>
+              <a:t>How to solve problem with Visitor.</a:t>
+            </a:r>
+          </a:p>
+          <a:p>
+            <a:pPr marL="457200" indent="-457200" eaLnBrk="1" hangingPunct="1">
+              <a:lnSpc>
+                <a:spcPct val="90000"/>
+              </a:lnSpc>
+              <a:buFont typeface="+mj-lt"/>
+              <a:buAutoNum type="arabicPeriod"/>
+              <a:defRPr/>
+            </a:pPr>
+            <a:r>
+              <a:rPr lang="en-US" dirty="0"/>
+              <a:t>Similar problem.</a:t>
+            </a:r>
+          </a:p>
+          <a:p>
+            <a:pPr marL="457200" indent="-457200" eaLnBrk="1" hangingPunct="1">
+              <a:lnSpc>
+                <a:spcPct val="90000"/>
+              </a:lnSpc>
+              <a:buFont typeface="+mj-lt"/>
+              <a:buAutoNum type="arabicPeriod"/>
+              <a:defRPr/>
+            </a:pPr>
+            <a:r>
+              <a:rPr lang="en-US" dirty="0"/>
+              <a:t>Pros and cons to our design pattern.</a:t>
+            </a:r>
+            <a:endParaRPr lang="uk-UA" dirty="0"/>
+          </a:p>
+        </p:txBody>
+      </p:sp>
+    </p:spTree>
+  </p:cSld>
+  <p:clrMapOvr>
+    <a:masterClrMapping/>
+  </p:clrMapOvr>
+</p:sld>
+</file>
+
+<file path=ppt/slides/slide3.xml><?xml version="1.0" encoding="utf-8"?>
 <p:sld xmlns:a="http://schemas.openxmlformats.org/drawingml/2006/main" xmlns:r="http://schemas.openxmlformats.org/officeDocument/2006/relationships" xmlns:p="http://schemas.openxmlformats.org/presentationml/2006/main">
   <p:cSld>
     <p:spTree>
@@ -4639,6 +4953,434 @@
   <p:clrMapOvr>
     <a:masterClrMapping/>
   </p:clrMapOvr>
+</p:sld>
+</file>
+
+<file path=ppt/slides/slide4.xml><?xml version="1.0" encoding="utf-8"?>
+<p:sld xmlns:a="http://schemas.openxmlformats.org/drawingml/2006/main" xmlns:r="http://schemas.openxmlformats.org/officeDocument/2006/relationships" xmlns:p="http://schemas.openxmlformats.org/presentationml/2006/main">
+  <p:cSld>
+    <p:bg>
+      <p:bgPr>
+        <a:blipFill dpi="0" rotWithShape="0">
+          <a:blip r:embed="rId3" cstate="print"/>
+          <a:srcRect/>
+          <a:stretch>
+            <a:fillRect/>
+          </a:stretch>
+        </a:blipFill>
+        <a:effectLst/>
+      </p:bgPr>
+    </p:bg>
+    <p:spTree>
+      <p:nvGrpSpPr>
+        <p:cNvPr id="1" name=""/>
+        <p:cNvGrpSpPr/>
+        <p:nvPr/>
+      </p:nvGrpSpPr>
+      <p:grpSpPr>
+        <a:xfrm>
+          <a:off x="0" y="0"/>
+          <a:ext cx="0" cy="0"/>
+          <a:chOff x="0" y="0"/>
+          <a:chExt cx="0" cy="0"/>
+        </a:xfrm>
+      </p:grpSpPr>
+      <p:sp>
+        <p:nvSpPr>
+          <p:cNvPr id="5122" name="Rectangle 2"/>
+          <p:cNvSpPr>
+            <a:spLocks noGrp="1" noChangeArrowheads="1"/>
+          </p:cNvSpPr>
+          <p:nvPr>
+            <p:ph type="title"/>
+          </p:nvPr>
+        </p:nvSpPr>
+        <p:spPr>
+          <a:xfrm>
+            <a:off x="1908175" y="117475"/>
+            <a:ext cx="7056438" cy="719138"/>
+          </a:xfrm>
+        </p:spPr>
+        <p:txBody>
+          <a:bodyPr/>
+          <a:lstStyle/>
+          <a:p>
+            <a:pPr eaLnBrk="1" hangingPunct="1"/>
+            <a:r>
+              <a:rPr lang="en-US" b="1" dirty="0">
+                <a:solidFill>
+                  <a:schemeClr val="bg2"/>
+                </a:solidFill>
+              </a:rPr>
+              <a:t>Preview to our Real-world problem</a:t>
+            </a:r>
+          </a:p>
+        </p:txBody>
+      </p:sp>
+      <p:sp>
+        <p:nvSpPr>
+          <p:cNvPr id="5123" name="Rectangle 3"/>
+          <p:cNvSpPr>
+            <a:spLocks noGrp="1" noChangeArrowheads="1"/>
+          </p:cNvSpPr>
+          <p:nvPr>
+            <p:ph type="body" idx="1"/>
+          </p:nvPr>
+        </p:nvSpPr>
+        <p:spPr>
+          <a:xfrm>
+            <a:off x="1908175" y="908050"/>
+            <a:ext cx="7056438" cy="5832475"/>
+          </a:xfrm>
+        </p:spPr>
+        <p:txBody>
+          <a:bodyPr/>
+          <a:lstStyle/>
+          <a:p>
+            <a:pPr rtl="0">
+              <a:spcBef>
+                <a:spcPts val="0"/>
+              </a:spcBef>
+              <a:spcAft>
+                <a:spcPts val="800"/>
+              </a:spcAft>
+            </a:pPr>
+            <a:r>
+              <a:rPr lang="en-US" sz="2400" b="0" i="0" u="none" strike="noStrike" dirty="0">
+                <a:solidFill>
+                  <a:srgbClr val="000000"/>
+                </a:solidFill>
+                <a:effectLst/>
+                <a:latin typeface="Amasis MT Pro Medium" panose="02040604050005020304" pitchFamily="18" charset="0"/>
+              </a:rPr>
+              <a:t>Imagine that you are building an app working with geographic information structured as one colossal graph. Each node of the graph represents a complex entity such as a city, but also more granular things like industries, sightseeing areas, etc. Each node type is represented by its own class, while each specific node is an object. </a:t>
+            </a:r>
+            <a:endParaRPr lang="en-US" sz="1800" b="0" dirty="0">
+              <a:effectLst/>
+              <a:latin typeface="Amasis MT Pro Medium" panose="02040604050005020304" pitchFamily="18" charset="0"/>
+            </a:endParaRPr>
+          </a:p>
+        </p:txBody>
+      </p:sp>
+      <p:pic>
+        <p:nvPicPr>
+          <p:cNvPr id="2" name="Picture 1">
+            <a:extLst>
+              <a:ext uri="{FF2B5EF4-FFF2-40B4-BE49-F238E27FC236}">
+                <a16:creationId xmlns:a16="http://schemas.microsoft.com/office/drawing/2014/main" id="{0D542016-D485-FF7A-314D-06FD6C653DFB}"/>
+              </a:ext>
+            </a:extLst>
+          </p:cNvPr>
+          <p:cNvPicPr>
+            <a:picLocks noChangeAspect="1"/>
+          </p:cNvPicPr>
+          <p:nvPr/>
+        </p:nvPicPr>
+        <p:blipFill>
+          <a:blip r:embed="rId4"/>
+          <a:stretch>
+            <a:fillRect/>
+          </a:stretch>
+        </p:blipFill>
+        <p:spPr>
+          <a:xfrm>
+            <a:off x="1794276" y="1752600"/>
+            <a:ext cx="7349723" cy="4435673"/>
+          </a:xfrm>
+          <a:prstGeom prst="rect">
+            <a:avLst/>
+          </a:prstGeom>
+        </p:spPr>
+      </p:pic>
+    </p:spTree>
+    <p:extLst>
+      <p:ext uri="{BB962C8B-B14F-4D97-AF65-F5344CB8AC3E}">
+        <p14:creationId xmlns:p14="http://schemas.microsoft.com/office/powerpoint/2010/main" val="3475863417"/>
+      </p:ext>
+    </p:extLst>
+  </p:cSld>
+  <p:clrMapOvr>
+    <a:masterClrMapping/>
+  </p:clrMapOvr>
+  <p:timing>
+    <p:tnLst>
+      <p:par>
+        <p:cTn id="1" dur="indefinite" restart="never" nodeType="tmRoot">
+          <p:childTnLst>
+            <p:seq concurrent="1" nextAc="seek">
+              <p:cTn id="2" dur="indefinite" nodeType="mainSeq">
+                <p:childTnLst>
+                  <p:par>
+                    <p:cTn id="3" fill="hold">
+                      <p:stCondLst>
+                        <p:cond delay="indefinite"/>
+                      </p:stCondLst>
+                      <p:childTnLst>
+                        <p:par>
+                          <p:cTn id="4" fill="hold">
+                            <p:stCondLst>
+                              <p:cond delay="0"/>
+                            </p:stCondLst>
+                            <p:childTnLst>
+                              <p:par>
+                                <p:cTn id="5" presetID="2" presetClass="entr" presetSubtype="4" fill="hold" grpId="0" nodeType="clickEffect">
+                                  <p:stCondLst>
+                                    <p:cond delay="0"/>
+                                  </p:stCondLst>
+                                  <p:childTnLst>
+                                    <p:set>
+                                      <p:cBhvr>
+                                        <p:cTn id="6" dur="1" fill="hold">
+                                          <p:stCondLst>
+                                            <p:cond delay="0"/>
+                                          </p:stCondLst>
+                                        </p:cTn>
+                                        <p:tgtEl>
+                                          <p:spTgt spid="5123">
+                                            <p:txEl>
+                                              <p:pRg st="0" end="0"/>
+                                            </p:txEl>
+                                          </p:spTgt>
+                                        </p:tgtEl>
+                                        <p:attrNameLst>
+                                          <p:attrName>style.visibility</p:attrName>
+                                        </p:attrNameLst>
+                                      </p:cBhvr>
+                                      <p:to>
+                                        <p:strVal val="visible"/>
+                                      </p:to>
+                                    </p:set>
+                                    <p:anim calcmode="lin" valueType="num">
+                                      <p:cBhvr additive="base">
+                                        <p:cTn id="7" dur="500" fill="hold"/>
+                                        <p:tgtEl>
+                                          <p:spTgt spid="5123">
+                                            <p:txEl>
+                                              <p:pRg st="0" end="0"/>
+                                            </p:txEl>
+                                          </p:spTgt>
+                                        </p:tgtEl>
+                                        <p:attrNameLst>
+                                          <p:attrName>ppt_x</p:attrName>
+                                        </p:attrNameLst>
+                                      </p:cBhvr>
+                                      <p:tavLst>
+                                        <p:tav tm="0">
+                                          <p:val>
+                                            <p:strVal val="#ppt_x"/>
+                                          </p:val>
+                                        </p:tav>
+                                        <p:tav tm="100000">
+                                          <p:val>
+                                            <p:strVal val="#ppt_x"/>
+                                          </p:val>
+                                        </p:tav>
+                                      </p:tavLst>
+                                    </p:anim>
+                                    <p:anim calcmode="lin" valueType="num">
+                                      <p:cBhvr additive="base">
+                                        <p:cTn id="8" dur="500" fill="hold"/>
+                                        <p:tgtEl>
+                                          <p:spTgt spid="5123">
+                                            <p:txEl>
+                                              <p:pRg st="0" end="0"/>
+                                            </p:txEl>
+                                          </p:spTgt>
+                                        </p:tgtEl>
+                                        <p:attrNameLst>
+                                          <p:attrName>ppt_y</p:attrName>
+                                        </p:attrNameLst>
+                                      </p:cBhvr>
+                                      <p:tavLst>
+                                        <p:tav tm="0">
+                                          <p:val>
+                                            <p:strVal val="1+#ppt_h/2"/>
+                                          </p:val>
+                                        </p:tav>
+                                        <p:tav tm="100000">
+                                          <p:val>
+                                            <p:strVal val="#ppt_y"/>
+                                          </p:val>
+                                        </p:tav>
+                                      </p:tavLst>
+                                    </p:anim>
+                                  </p:childTnLst>
+                                </p:cTn>
+                              </p:par>
+                            </p:childTnLst>
+                          </p:cTn>
+                        </p:par>
+                      </p:childTnLst>
+                    </p:cTn>
+                  </p:par>
+                  <p:par>
+                    <p:cTn id="9" fill="hold">
+                      <p:stCondLst>
+                        <p:cond delay="indefinite"/>
+                      </p:stCondLst>
+                      <p:childTnLst>
+                        <p:par>
+                          <p:cTn id="10" fill="hold">
+                            <p:stCondLst>
+                              <p:cond delay="0"/>
+                            </p:stCondLst>
+                            <p:childTnLst>
+                              <p:par>
+                                <p:cTn id="11" presetID="22" presetClass="exit" presetSubtype="4" fill="hold" grpId="1" nodeType="clickEffect">
+                                  <p:stCondLst>
+                                    <p:cond delay="0"/>
+                                  </p:stCondLst>
+                                  <p:childTnLst>
+                                    <p:animEffect transition="out" filter="wipe(down)">
+                                      <p:cBhvr>
+                                        <p:cTn id="12" dur="500"/>
+                                        <p:tgtEl>
+                                          <p:spTgt spid="5123">
+                                            <p:txEl>
+                                              <p:pRg st="0" end="0"/>
+                                            </p:txEl>
+                                          </p:spTgt>
+                                        </p:tgtEl>
+                                      </p:cBhvr>
+                                    </p:animEffect>
+                                    <p:set>
+                                      <p:cBhvr>
+                                        <p:cTn id="13" dur="1" fill="hold">
+                                          <p:stCondLst>
+                                            <p:cond delay="499"/>
+                                          </p:stCondLst>
+                                        </p:cTn>
+                                        <p:tgtEl>
+                                          <p:spTgt spid="5123">
+                                            <p:txEl>
+                                              <p:pRg st="0" end="0"/>
+                                            </p:txEl>
+                                          </p:spTgt>
+                                        </p:tgtEl>
+                                        <p:attrNameLst>
+                                          <p:attrName>style.visibility</p:attrName>
+                                        </p:attrNameLst>
+                                      </p:cBhvr>
+                                      <p:to>
+                                        <p:strVal val="hidden"/>
+                                      </p:to>
+                                    </p:set>
+                                  </p:childTnLst>
+                                </p:cTn>
+                              </p:par>
+                              <p:par>
+                                <p:cTn id="14" presetID="42" presetClass="entr" presetSubtype="0" fill="hold" nodeType="withEffect">
+                                  <p:stCondLst>
+                                    <p:cond delay="250"/>
+                                  </p:stCondLst>
+                                  <p:childTnLst>
+                                    <p:set>
+                                      <p:cBhvr>
+                                        <p:cTn id="15" dur="1" fill="hold">
+                                          <p:stCondLst>
+                                            <p:cond delay="0"/>
+                                          </p:stCondLst>
+                                        </p:cTn>
+                                        <p:tgtEl>
+                                          <p:spTgt spid="2"/>
+                                        </p:tgtEl>
+                                        <p:attrNameLst>
+                                          <p:attrName>style.visibility</p:attrName>
+                                        </p:attrNameLst>
+                                      </p:cBhvr>
+                                      <p:to>
+                                        <p:strVal val="visible"/>
+                                      </p:to>
+                                    </p:set>
+                                    <p:animEffect transition="in" filter="fade">
+                                      <p:cBhvr>
+                                        <p:cTn id="16" dur="1000"/>
+                                        <p:tgtEl>
+                                          <p:spTgt spid="2"/>
+                                        </p:tgtEl>
+                                      </p:cBhvr>
+                                    </p:animEffect>
+                                    <p:anim calcmode="lin" valueType="num">
+                                      <p:cBhvr>
+                                        <p:cTn id="17" dur="1000" fill="hold"/>
+                                        <p:tgtEl>
+                                          <p:spTgt spid="2"/>
+                                        </p:tgtEl>
+                                        <p:attrNameLst>
+                                          <p:attrName>ppt_x</p:attrName>
+                                        </p:attrNameLst>
+                                      </p:cBhvr>
+                                      <p:tavLst>
+                                        <p:tav tm="0">
+                                          <p:val>
+                                            <p:strVal val="#ppt_x"/>
+                                          </p:val>
+                                        </p:tav>
+                                        <p:tav tm="100000">
+                                          <p:val>
+                                            <p:strVal val="#ppt_x"/>
+                                          </p:val>
+                                        </p:tav>
+                                      </p:tavLst>
+                                    </p:anim>
+                                    <p:anim calcmode="lin" valueType="num">
+                                      <p:cBhvr>
+                                        <p:cTn id="18" dur="1000" fill="hold"/>
+                                        <p:tgtEl>
+                                          <p:spTgt spid="2"/>
+                                        </p:tgtEl>
+                                        <p:attrNameLst>
+                                          <p:attrName>ppt_y</p:attrName>
+                                        </p:attrNameLst>
+                                      </p:cBhvr>
+                                      <p:tavLst>
+                                        <p:tav tm="0">
+                                          <p:val>
+                                            <p:strVal val="#ppt_y+.1"/>
+                                          </p:val>
+                                        </p:tav>
+                                        <p:tav tm="100000">
+                                          <p:val>
+                                            <p:strVal val="#ppt_y"/>
+                                          </p:val>
+                                        </p:tav>
+                                      </p:tavLst>
+                                    </p:anim>
+                                  </p:childTnLst>
+                                </p:cTn>
+                              </p:par>
+                            </p:childTnLst>
+                          </p:cTn>
+                        </p:par>
+                      </p:childTnLst>
+                    </p:cTn>
+                  </p:par>
+                </p:childTnLst>
+              </p:cTn>
+              <p:prevCondLst>
+                <p:cond evt="onPrev" delay="0">
+                  <p:tgtEl>
+                    <p:sldTgt/>
+                  </p:tgtEl>
+                </p:cond>
+              </p:prevCondLst>
+              <p:nextCondLst>
+                <p:cond evt="onNext" delay="0">
+                  <p:tgtEl>
+                    <p:sldTgt/>
+                  </p:tgtEl>
+                </p:cond>
+              </p:nextCondLst>
+            </p:seq>
+          </p:childTnLst>
+        </p:cTn>
+      </p:par>
+    </p:tnLst>
+    <p:bldLst>
+      <p:bldP spid="5123" grpId="0" build="p"/>
+      <p:bldP spid="5123" grpId="1" build="p"/>
+    </p:bldLst>
+  </p:timing>
 </p:sld>
 </file>
 
@@ -4698,7 +5440,7 @@
                   <a:schemeClr val="bg2"/>
                 </a:solidFill>
               </a:rPr>
-              <a:t>Preview to our Real-world problem</a:t>
+              <a:t>Problem: </a:t>
             </a:r>
           </a:p>
         </p:txBody>
@@ -4715,7 +5457,7 @@
         </p:nvSpPr>
         <p:spPr>
           <a:xfrm>
-            <a:off x="1908175" y="908050"/>
+            <a:off x="1908175" y="909638"/>
             <a:ext cx="7056438" cy="5832475"/>
           </a:xfrm>
         </p:spPr>
@@ -4723,35 +5465,70 @@
           <a:bodyPr/>
           <a:lstStyle/>
           <a:p>
-            <a:pPr rtl="0">
-              <a:spcBef>
-                <a:spcPts val="0"/>
-              </a:spcBef>
-              <a:spcAft>
-                <a:spcPts val="800"/>
-              </a:spcAft>
-            </a:pPr>
-            <a:r>
-              <a:rPr lang="en-US" sz="2400" b="0" i="0" u="none" strike="noStrike" dirty="0">
+            <a:pPr eaLnBrk="1" hangingPunct="1"/>
+            <a:r>
+              <a:rPr lang="en-US" sz="3200" dirty="0">
                 <a:solidFill>
-                  <a:srgbClr val="000000"/>
+                  <a:schemeClr val="bg2"/>
                 </a:solidFill>
-                <a:effectLst/>
                 <a:latin typeface="Amasis MT Pro Medium" panose="02040604050005020304" pitchFamily="18" charset="0"/>
               </a:rPr>
-              <a:t>Imagine that you are building an app working with geographic information structured as one colossal graph. Each node of the graph represents a complex entity such as a city, but also more granular things like industries, sightseeing areas, etc. Each node type is represented by its own class, while each specific node is an object. </a:t>
-            </a:r>
-            <a:endParaRPr lang="en-US" sz="1800" b="0" dirty="0">
-              <a:effectLst/>
-              <a:latin typeface="Amasis MT Pro Medium" panose="02040604050005020304" pitchFamily="18" charset="0"/>
-            </a:endParaRPr>
+              <a:t>From the graph for that city, now , we need to implement to export the graph to XML format. </a:t>
+            </a:r>
           </a:p>
         </p:txBody>
       </p:sp>
+      <p:pic>
+        <p:nvPicPr>
+          <p:cNvPr id="2052" name="Picture 4" descr="Exporting the graph into XML">
+            <a:extLst>
+              <a:ext uri="{FF2B5EF4-FFF2-40B4-BE49-F238E27FC236}">
+                <a16:creationId xmlns:a16="http://schemas.microsoft.com/office/drawing/2014/main" id="{8D5218A4-D3E1-CC0F-3BC9-C31A88360A2D}"/>
+              </a:ext>
+            </a:extLst>
+          </p:cNvPr>
+          <p:cNvPicPr>
+            <a:picLocks noChangeAspect="1" noChangeArrowheads="1"/>
+          </p:cNvPicPr>
+          <p:nvPr/>
+        </p:nvPicPr>
+        <p:blipFill>
+          <a:blip r:embed="rId4">
+            <a:extLst>
+              <a:ext uri="{28A0092B-C50C-407E-A947-70E740481C1C}">
+                <a14:useLocalDpi xmlns:a14="http://schemas.microsoft.com/office/drawing/2010/main" val="0"/>
+              </a:ext>
+            </a:extLst>
+          </a:blip>
+          <a:srcRect/>
+          <a:stretch>
+            <a:fillRect/>
+          </a:stretch>
+        </p:blipFill>
+        <p:spPr bwMode="auto">
+          <a:xfrm>
+            <a:off x="1676400" y="3048000"/>
+            <a:ext cx="7606748" cy="3124200"/>
+          </a:xfrm>
+          <a:prstGeom prst="rect">
+            <a:avLst/>
+          </a:prstGeom>
+          <a:noFill/>
+          <a:extLst>
+            <a:ext uri="{909E8E84-426E-40DD-AFC4-6F175D3DCCD1}">
+              <a14:hiddenFill xmlns:a14="http://schemas.microsoft.com/office/drawing/2010/main">
+                <a:solidFill>
+                  <a:srgbClr val="FFFFFF"/>
+                </a:solidFill>
+              </a14:hiddenFill>
+            </a:ext>
+          </a:extLst>
+        </p:spPr>
+      </p:pic>
     </p:spTree>
     <p:extLst>
       <p:ext uri="{BB962C8B-B14F-4D97-AF65-F5344CB8AC3E}">
-        <p14:creationId xmlns:p14="http://schemas.microsoft.com/office/powerpoint/2010/main" val="3475863417"/>
+        <p14:creationId xmlns:p14="http://schemas.microsoft.com/office/powerpoint/2010/main" val="1524857489"/>
       </p:ext>
     </p:extLst>
   </p:cSld>
@@ -4812,12 +5589,12 @@
           <a:p>
             <a:pPr eaLnBrk="1" hangingPunct="1"/>
             <a:r>
-              <a:rPr lang="en-US" b="1">
+              <a:rPr lang="en-US" sz="4000" b="1" dirty="0">
                 <a:solidFill>
-                  <a:schemeClr val="bg2"/>
+                  <a:srgbClr val="FFC000"/>
                 </a:solidFill>
               </a:rPr>
-              <a:t>Print Slide Master</a:t>
+              <a:t>Naive solution:</a:t>
             </a:r>
           </a:p>
         </p:txBody>
@@ -4842,60 +5619,85 @@
           <a:bodyPr/>
           <a:lstStyle/>
           <a:p>
-            <a:pPr eaLnBrk="1" hangingPunct="1"/>
-            <a:r>
-              <a:rPr lang="en-US" sz="2000" dirty="0">
+            <a:pPr rtl="0">
+              <a:spcBef>
+                <a:spcPts val="0"/>
+              </a:spcBef>
+              <a:spcAft>
+                <a:spcPts val="800"/>
+              </a:spcAft>
+            </a:pPr>
+            <a:r>
+              <a:rPr lang="en-US" sz="2400" b="0" i="0" u="none" strike="noStrike" dirty="0">
+                <a:solidFill>
+                  <a:srgbClr val="000000"/>
+                </a:solidFill>
+                <a:effectLst/>
+                <a:latin typeface="Amasis MT Pro Medium" panose="02040604050005020304" pitchFamily="18" charset="0"/>
+              </a:rPr>
+              <a:t>You planned to add an export method to each node class and then leverage recursion to go over each node of the graph, executing the export method.</a:t>
+            </a:r>
+          </a:p>
+          <a:p>
+            <a:pPr marL="0" indent="0" rtl="0">
+              <a:spcBef>
+                <a:spcPts val="0"/>
+              </a:spcBef>
+              <a:spcAft>
+                <a:spcPts val="800"/>
+              </a:spcAft>
+              <a:buNone/>
+            </a:pPr>
+            <a:r>
+              <a:rPr lang="en-US" sz="3200" dirty="0">
+                <a:solidFill>
+                  <a:srgbClr val="000000"/>
+                </a:solidFill>
+                <a:latin typeface="Amasis MT Pro Medium" panose="02040604050005020304" pitchFamily="18" charset="0"/>
+              </a:rPr>
+              <a:t>→</a:t>
+            </a:r>
+            <a:r>
+              <a:rPr lang="en-US" sz="3200" b="0" i="0" u="none" strike="noStrike" dirty="0">
+                <a:solidFill>
+                  <a:srgbClr val="000000"/>
+                </a:solidFill>
+                <a:effectLst/>
+                <a:latin typeface="Amasis MT Pro Medium" panose="02040604050005020304" pitchFamily="18" charset="0"/>
+              </a:rPr>
+              <a:t> </a:t>
+            </a:r>
+            <a:r>
+              <a:rPr lang="en-US" sz="3200" b="1" u="sng" strike="noStrike" dirty="0">
+                <a:solidFill>
+                  <a:srgbClr val="000000"/>
+                </a:solidFill>
+                <a:effectLst/>
+                <a:latin typeface="Amasis MT Pro Medium" panose="02040604050005020304" pitchFamily="18" charset="0"/>
+              </a:rPr>
+              <a:t>This solution was simple.</a:t>
+            </a:r>
+            <a:br>
+              <a:rPr lang="en-US" sz="1800" dirty="0">
                 <a:solidFill>
                   <a:schemeClr val="bg2"/>
                 </a:solidFill>
+                <a:latin typeface="Amasis MT Pro Medium" panose="02040604050005020304" pitchFamily="18" charset="0"/>
               </a:rPr>
-              <a:t>Our PowerPoint templates and backgrounds are «pre-made» presentation shells («pre-made» slides). All design backgrounds, graphics, typefaces, and colors have been created and are pre-set by an expert graphic designers which are working with some of the most prominent businesses in the world.</a:t>
-            </a:r>
-          </a:p>
-          <a:p>
-            <a:pPr eaLnBrk="1" hangingPunct="1"/>
-            <a:endParaRPr lang="en-US" sz="2000" dirty="0">
+            </a:br>
+            <a:endParaRPr lang="en-US" dirty="0">
               <a:solidFill>
                 <a:schemeClr val="bg2"/>
               </a:solidFill>
+              <a:latin typeface="Amasis MT Pro Medium" panose="02040604050005020304" pitchFamily="18" charset="0"/>
             </a:endParaRPr>
-          </a:p>
-          <a:p>
-            <a:pPr eaLnBrk="1" hangingPunct="1"/>
-            <a:r>
-              <a:rPr lang="en-US" sz="2000" dirty="0">
-                <a:solidFill>
-                  <a:schemeClr val="bg2"/>
-                </a:solidFill>
-              </a:rPr>
-              <a:t>You simply insert your text. That's it! You just can't go wrong with these templates and backgrounds!</a:t>
-            </a:r>
-          </a:p>
-          <a:p>
-            <a:pPr eaLnBrk="1" hangingPunct="1"/>
-            <a:endParaRPr lang="en-US" sz="2000" dirty="0">
-              <a:solidFill>
-                <a:schemeClr val="bg2"/>
-              </a:solidFill>
-            </a:endParaRPr>
-          </a:p>
-          <a:p>
-            <a:pPr eaLnBrk="1" hangingPunct="1"/>
-            <a:r>
-              <a:rPr lang="en-US" sz="2000" dirty="0">
-                <a:solidFill>
-                  <a:schemeClr val="bg2"/>
-                </a:solidFill>
-              </a:rPr>
-              <a:t>Download this template as well as our others at http://poweredtemplate.com/technology-computers-ppt-powerpoint-templates.html </a:t>
-            </a:r>
           </a:p>
         </p:txBody>
       </p:sp>
     </p:spTree>
     <p:extLst>
       <p:ext uri="{BB962C8B-B14F-4D97-AF65-F5344CB8AC3E}">
-        <p14:creationId xmlns:p14="http://schemas.microsoft.com/office/powerpoint/2010/main" val="1524857489"/>
+        <p14:creationId xmlns:p14="http://schemas.microsoft.com/office/powerpoint/2010/main" val="3007697759"/>
       </p:ext>
     </p:extLst>
   </p:cSld>
@@ -4906,6 +5708,2379 @@
 </file>
 
 <file path=ppt/slides/slide7.xml><?xml version="1.0" encoding="utf-8"?>
+<p:sld xmlns:a="http://schemas.openxmlformats.org/drawingml/2006/main" xmlns:r="http://schemas.openxmlformats.org/officeDocument/2006/relationships" xmlns:p="http://schemas.openxmlformats.org/presentationml/2006/main">
+  <p:cSld>
+    <p:bg>
+      <p:bgPr>
+        <a:blipFill dpi="0" rotWithShape="0">
+          <a:blip r:embed="rId3" cstate="print"/>
+          <a:srcRect/>
+          <a:stretch>
+            <a:fillRect/>
+          </a:stretch>
+        </a:blipFill>
+        <a:effectLst/>
+      </p:bgPr>
+    </p:bg>
+    <p:spTree>
+      <p:nvGrpSpPr>
+        <p:cNvPr id="1" name=""/>
+        <p:cNvGrpSpPr/>
+        <p:nvPr/>
+      </p:nvGrpSpPr>
+      <p:grpSpPr>
+        <a:xfrm>
+          <a:off x="0" y="0"/>
+          <a:ext cx="0" cy="0"/>
+          <a:chOff x="0" y="0"/>
+          <a:chExt cx="0" cy="0"/>
+        </a:xfrm>
+      </p:grpSpPr>
+      <p:sp>
+        <p:nvSpPr>
+          <p:cNvPr id="44" name="Rectangle: Rounded Corners 43">
+            <a:extLst>
+              <a:ext uri="{FF2B5EF4-FFF2-40B4-BE49-F238E27FC236}">
+                <a16:creationId xmlns:a16="http://schemas.microsoft.com/office/drawing/2014/main" id="{D16DEECA-C3C9-28B1-4A54-6B507EA3DA25}"/>
+              </a:ext>
+            </a:extLst>
+          </p:cNvPr>
+          <p:cNvSpPr/>
+          <p:nvPr/>
+        </p:nvSpPr>
+        <p:spPr>
+          <a:xfrm>
+            <a:off x="1981200" y="2159845"/>
+            <a:ext cx="3886200" cy="4446281"/>
+          </a:xfrm>
+          <a:prstGeom prst="roundRect">
+            <a:avLst/>
+          </a:prstGeom>
+          <a:ln w="38100">
+            <a:prstDash val="dash"/>
+          </a:ln>
+        </p:spPr>
+        <p:style>
+          <a:lnRef idx="2">
+            <a:schemeClr val="accent6"/>
+          </a:lnRef>
+          <a:fillRef idx="1">
+            <a:schemeClr val="lt1"/>
+          </a:fillRef>
+          <a:effectRef idx="0">
+            <a:schemeClr val="accent6"/>
+          </a:effectRef>
+          <a:fontRef idx="minor">
+            <a:schemeClr val="dk1"/>
+          </a:fontRef>
+        </p:style>
+        <p:txBody>
+          <a:bodyPr rtlCol="0" anchor="ctr"/>
+          <a:lstStyle/>
+          <a:p>
+            <a:pPr algn="ctr"/>
+            <a:endParaRPr lang="en-US"/>
+          </a:p>
+        </p:txBody>
+      </p:sp>
+      <p:sp>
+        <p:nvSpPr>
+          <p:cNvPr id="33" name="Rectangle: Rounded Corners 32">
+            <a:extLst>
+              <a:ext uri="{FF2B5EF4-FFF2-40B4-BE49-F238E27FC236}">
+                <a16:creationId xmlns:a16="http://schemas.microsoft.com/office/drawing/2014/main" id="{91733ED7-5991-32B7-CA0A-FB5A92676123}"/>
+              </a:ext>
+            </a:extLst>
+          </p:cNvPr>
+          <p:cNvSpPr/>
+          <p:nvPr/>
+        </p:nvSpPr>
+        <p:spPr>
+          <a:xfrm>
+            <a:off x="2814252" y="5684590"/>
+            <a:ext cx="1762760" cy="430169"/>
+          </a:xfrm>
+          <a:prstGeom prst="roundRect">
+            <a:avLst/>
+          </a:prstGeom>
+        </p:spPr>
+        <p:style>
+          <a:lnRef idx="2">
+            <a:schemeClr val="accent5">
+              <a:shade val="50000"/>
+            </a:schemeClr>
+          </a:lnRef>
+          <a:fillRef idx="1">
+            <a:schemeClr val="accent5"/>
+          </a:fillRef>
+          <a:effectRef idx="0">
+            <a:schemeClr val="accent5"/>
+          </a:effectRef>
+          <a:fontRef idx="minor">
+            <a:schemeClr val="lt1"/>
+          </a:fontRef>
+        </p:style>
+        <p:txBody>
+          <a:bodyPr rtlCol="0" anchor="ctr"/>
+          <a:lstStyle/>
+          <a:p>
+            <a:pPr algn="ctr"/>
+            <a:endParaRPr lang="en-US"/>
+          </a:p>
+        </p:txBody>
+      </p:sp>
+      <p:sp>
+        <p:nvSpPr>
+          <p:cNvPr id="34" name="Rectangle: Rounded Corners 33">
+            <a:extLst>
+              <a:ext uri="{FF2B5EF4-FFF2-40B4-BE49-F238E27FC236}">
+                <a16:creationId xmlns:a16="http://schemas.microsoft.com/office/drawing/2014/main" id="{FA1A9F37-5F09-C1E9-E416-8E292264A88F}"/>
+              </a:ext>
+            </a:extLst>
+          </p:cNvPr>
+          <p:cNvSpPr/>
+          <p:nvPr/>
+        </p:nvSpPr>
+        <p:spPr>
+          <a:xfrm>
+            <a:off x="3110142" y="5144001"/>
+            <a:ext cx="1762760" cy="430169"/>
+          </a:xfrm>
+          <a:prstGeom prst="roundRect">
+            <a:avLst/>
+          </a:prstGeom>
+        </p:spPr>
+        <p:style>
+          <a:lnRef idx="2">
+            <a:schemeClr val="accent5">
+              <a:shade val="50000"/>
+            </a:schemeClr>
+          </a:lnRef>
+          <a:fillRef idx="1">
+            <a:schemeClr val="accent5"/>
+          </a:fillRef>
+          <a:effectRef idx="0">
+            <a:schemeClr val="accent5"/>
+          </a:effectRef>
+          <a:fontRef idx="minor">
+            <a:schemeClr val="lt1"/>
+          </a:fontRef>
+        </p:style>
+        <p:txBody>
+          <a:bodyPr rtlCol="0" anchor="ctr"/>
+          <a:lstStyle/>
+          <a:p>
+            <a:pPr algn="ctr"/>
+            <a:endParaRPr lang="en-US"/>
+          </a:p>
+        </p:txBody>
+      </p:sp>
+      <p:sp>
+        <p:nvSpPr>
+          <p:cNvPr id="32" name="Rectangle: Rounded Corners 31">
+            <a:extLst>
+              <a:ext uri="{FF2B5EF4-FFF2-40B4-BE49-F238E27FC236}">
+                <a16:creationId xmlns:a16="http://schemas.microsoft.com/office/drawing/2014/main" id="{733A4228-D7E6-97AF-2905-34C21EC5F0BB}"/>
+              </a:ext>
+            </a:extLst>
+          </p:cNvPr>
+          <p:cNvSpPr/>
+          <p:nvPr/>
+        </p:nvSpPr>
+        <p:spPr>
+          <a:xfrm>
+            <a:off x="2769150" y="3328429"/>
+            <a:ext cx="1762760" cy="430169"/>
+          </a:xfrm>
+          <a:prstGeom prst="roundRect">
+            <a:avLst/>
+          </a:prstGeom>
+        </p:spPr>
+        <p:style>
+          <a:lnRef idx="2">
+            <a:schemeClr val="accent5">
+              <a:shade val="50000"/>
+            </a:schemeClr>
+          </a:lnRef>
+          <a:fillRef idx="1">
+            <a:schemeClr val="accent5"/>
+          </a:fillRef>
+          <a:effectRef idx="0">
+            <a:schemeClr val="accent5"/>
+          </a:effectRef>
+          <a:fontRef idx="minor">
+            <a:schemeClr val="lt1"/>
+          </a:fontRef>
+        </p:style>
+        <p:txBody>
+          <a:bodyPr rtlCol="0" anchor="ctr"/>
+          <a:lstStyle/>
+          <a:p>
+            <a:pPr algn="ctr"/>
+            <a:endParaRPr lang="en-US"/>
+          </a:p>
+        </p:txBody>
+      </p:sp>
+      <p:sp>
+        <p:nvSpPr>
+          <p:cNvPr id="31" name="Rectangle: Rounded Corners 30">
+            <a:extLst>
+              <a:ext uri="{FF2B5EF4-FFF2-40B4-BE49-F238E27FC236}">
+                <a16:creationId xmlns:a16="http://schemas.microsoft.com/office/drawing/2014/main" id="{5CEDB551-E32D-5D9D-81AA-433B67DD7C4A}"/>
+              </a:ext>
+            </a:extLst>
+          </p:cNvPr>
+          <p:cNvSpPr/>
+          <p:nvPr/>
+        </p:nvSpPr>
+        <p:spPr>
+          <a:xfrm>
+            <a:off x="3065040" y="2787840"/>
+            <a:ext cx="1762760" cy="430169"/>
+          </a:xfrm>
+          <a:prstGeom prst="roundRect">
+            <a:avLst/>
+          </a:prstGeom>
+        </p:spPr>
+        <p:style>
+          <a:lnRef idx="2">
+            <a:schemeClr val="accent5">
+              <a:shade val="50000"/>
+            </a:schemeClr>
+          </a:lnRef>
+          <a:fillRef idx="1">
+            <a:schemeClr val="accent5"/>
+          </a:fillRef>
+          <a:effectRef idx="0">
+            <a:schemeClr val="accent5"/>
+          </a:effectRef>
+          <a:fontRef idx="minor">
+            <a:schemeClr val="lt1"/>
+          </a:fontRef>
+        </p:style>
+        <p:txBody>
+          <a:bodyPr rtlCol="0" anchor="ctr"/>
+          <a:lstStyle/>
+          <a:p>
+            <a:pPr algn="ctr"/>
+            <a:endParaRPr lang="en-US"/>
+          </a:p>
+        </p:txBody>
+      </p:sp>
+      <p:sp>
+        <p:nvSpPr>
+          <p:cNvPr id="5122" name="Rectangle 2"/>
+          <p:cNvSpPr>
+            <a:spLocks noGrp="1" noChangeArrowheads="1"/>
+          </p:cNvSpPr>
+          <p:nvPr>
+            <p:ph type="title"/>
+          </p:nvPr>
+        </p:nvSpPr>
+        <p:spPr>
+          <a:xfrm>
+            <a:off x="1828800" y="35560"/>
+            <a:ext cx="7447281" cy="719138"/>
+          </a:xfrm>
+        </p:spPr>
+        <p:txBody>
+          <a:bodyPr/>
+          <a:lstStyle/>
+          <a:p>
+            <a:pPr eaLnBrk="1" hangingPunct="1"/>
+            <a:r>
+              <a:rPr lang="en-US" b="1" dirty="0">
+                <a:solidFill>
+                  <a:schemeClr val="bg2"/>
+                </a:solidFill>
+              </a:rPr>
+              <a:t>Trouble - Why we shouldn’t use it:</a:t>
+            </a:r>
+          </a:p>
+        </p:txBody>
+      </p:sp>
+      <p:sp>
+        <p:nvSpPr>
+          <p:cNvPr id="5123" name="Rectangle 3"/>
+          <p:cNvSpPr>
+            <a:spLocks noGrp="1" noChangeArrowheads="1"/>
+          </p:cNvSpPr>
+          <p:nvPr>
+            <p:ph type="body" idx="1"/>
+          </p:nvPr>
+        </p:nvSpPr>
+        <p:spPr>
+          <a:xfrm>
+            <a:off x="1828800" y="812720"/>
+            <a:ext cx="7056438" cy="1246588"/>
+          </a:xfrm>
+        </p:spPr>
+        <p:txBody>
+          <a:bodyPr/>
+          <a:lstStyle/>
+          <a:p>
+            <a:pPr eaLnBrk="1" hangingPunct="1"/>
+            <a:r>
+              <a:rPr lang="en-US" sz="2400" b="0" i="0" u="none" strike="noStrike" dirty="0">
+                <a:solidFill>
+                  <a:srgbClr val="000000"/>
+                </a:solidFill>
+                <a:effectLst/>
+                <a:latin typeface="Amasis MT Pro Medium" panose="02040604050005020304" pitchFamily="18" charset="0"/>
+              </a:rPr>
+              <a:t>However, the code was already in production and by altering existing node classes, a potential bug in your changes may happens.</a:t>
+            </a:r>
+            <a:endParaRPr lang="en-US" dirty="0">
+              <a:solidFill>
+                <a:schemeClr val="bg2"/>
+              </a:solidFill>
+              <a:latin typeface="Amasis MT Pro Medium" panose="02040604050005020304" pitchFamily="18" charset="0"/>
+            </a:endParaRPr>
+          </a:p>
+        </p:txBody>
+      </p:sp>
+      <p:sp>
+        <p:nvSpPr>
+          <p:cNvPr id="2" name="Cloud 1">
+            <a:extLst>
+              <a:ext uri="{FF2B5EF4-FFF2-40B4-BE49-F238E27FC236}">
+                <a16:creationId xmlns:a16="http://schemas.microsoft.com/office/drawing/2014/main" id="{0264E3C2-6FE2-192A-E224-4EC89231A207}"/>
+              </a:ext>
+            </a:extLst>
+          </p:cNvPr>
+          <p:cNvSpPr/>
+          <p:nvPr/>
+        </p:nvSpPr>
+        <p:spPr>
+          <a:xfrm>
+            <a:off x="5998779" y="3006891"/>
+            <a:ext cx="3256281" cy="1542390"/>
+          </a:xfrm>
+          <a:prstGeom prst="cloud">
+            <a:avLst/>
+          </a:prstGeom>
+        </p:spPr>
+        <p:style>
+          <a:lnRef idx="2">
+            <a:schemeClr val="accent6"/>
+          </a:lnRef>
+          <a:fillRef idx="1">
+            <a:schemeClr val="lt1"/>
+          </a:fillRef>
+          <a:effectRef idx="0">
+            <a:schemeClr val="accent6"/>
+          </a:effectRef>
+          <a:fontRef idx="minor">
+            <a:schemeClr val="dk1"/>
+          </a:fontRef>
+        </p:style>
+        <p:txBody>
+          <a:bodyPr rtlCol="0" anchor="ctr"/>
+          <a:lstStyle/>
+          <a:p>
+            <a:pPr algn="ctr"/>
+            <a:r>
+              <a:rPr lang="en-US" sz="2000" b="1" dirty="0">
+                <a:latin typeface="Amasis MT Pro Medium" panose="02040604050005020304" pitchFamily="18" charset="0"/>
+              </a:rPr>
+              <a:t>&lt;/&gt;XML Export Implementation</a:t>
+            </a:r>
+          </a:p>
+        </p:txBody>
+      </p:sp>
+      <p:sp>
+        <p:nvSpPr>
+          <p:cNvPr id="3" name="Rectangle: Rounded Corners 2">
+            <a:extLst>
+              <a:ext uri="{FF2B5EF4-FFF2-40B4-BE49-F238E27FC236}">
+                <a16:creationId xmlns:a16="http://schemas.microsoft.com/office/drawing/2014/main" id="{A0B2FF38-89F3-C501-0FFD-3A9BB6BA58AF}"/>
+              </a:ext>
+            </a:extLst>
+          </p:cNvPr>
+          <p:cNvSpPr/>
+          <p:nvPr/>
+        </p:nvSpPr>
+        <p:spPr>
+          <a:xfrm>
+            <a:off x="3287487" y="2412413"/>
+            <a:ext cx="1854994" cy="533400"/>
+          </a:xfrm>
+          <a:prstGeom prst="roundRect">
+            <a:avLst/>
+          </a:prstGeom>
+        </p:spPr>
+        <p:style>
+          <a:lnRef idx="2">
+            <a:schemeClr val="accent6"/>
+          </a:lnRef>
+          <a:fillRef idx="1">
+            <a:schemeClr val="lt1"/>
+          </a:fillRef>
+          <a:effectRef idx="0">
+            <a:schemeClr val="accent6"/>
+          </a:effectRef>
+          <a:fontRef idx="minor">
+            <a:schemeClr val="dk1"/>
+          </a:fontRef>
+        </p:style>
+        <p:txBody>
+          <a:bodyPr rtlCol="0" anchor="ctr"/>
+          <a:lstStyle/>
+          <a:p>
+            <a:pPr algn="ctr"/>
+            <a:r>
+              <a:rPr lang="en-US" dirty="0"/>
+              <a:t>Industrial</a:t>
+            </a:r>
+          </a:p>
+        </p:txBody>
+      </p:sp>
+      <p:sp>
+        <p:nvSpPr>
+          <p:cNvPr id="7" name="Rectangle: Rounded Corners 6">
+            <a:extLst>
+              <a:ext uri="{FF2B5EF4-FFF2-40B4-BE49-F238E27FC236}">
+                <a16:creationId xmlns:a16="http://schemas.microsoft.com/office/drawing/2014/main" id="{5A738918-414B-2E8E-B515-EAC236297C00}"/>
+              </a:ext>
+            </a:extLst>
+          </p:cNvPr>
+          <p:cNvSpPr/>
+          <p:nvPr/>
+        </p:nvSpPr>
+        <p:spPr>
+          <a:xfrm>
+            <a:off x="3287487" y="3567269"/>
+            <a:ext cx="1854994" cy="421635"/>
+          </a:xfrm>
+          <a:prstGeom prst="roundRect">
+            <a:avLst/>
+          </a:prstGeom>
+        </p:spPr>
+        <p:style>
+          <a:lnRef idx="2">
+            <a:schemeClr val="accent6"/>
+          </a:lnRef>
+          <a:fillRef idx="1">
+            <a:schemeClr val="lt1"/>
+          </a:fillRef>
+          <a:effectRef idx="0">
+            <a:schemeClr val="accent6"/>
+          </a:effectRef>
+          <a:fontRef idx="minor">
+            <a:schemeClr val="dk1"/>
+          </a:fontRef>
+        </p:style>
+        <p:txBody>
+          <a:bodyPr rtlCol="0" anchor="ctr"/>
+          <a:lstStyle/>
+          <a:p>
+            <a:pPr algn="ctr"/>
+            <a:r>
+              <a:rPr lang="en-US" dirty="0"/>
+              <a:t>Residential</a:t>
+            </a:r>
+          </a:p>
+        </p:txBody>
+      </p:sp>
+      <p:pic>
+        <p:nvPicPr>
+          <p:cNvPr id="5" name="Picture 4" descr="Oil refinery against blue sky">
+            <a:extLst>
+              <a:ext uri="{FF2B5EF4-FFF2-40B4-BE49-F238E27FC236}">
+                <a16:creationId xmlns:a16="http://schemas.microsoft.com/office/drawing/2014/main" id="{F13E4C18-ED29-8B6E-6AB4-F26FDEE706B8}"/>
+              </a:ext>
+            </a:extLst>
+          </p:cNvPr>
+          <p:cNvPicPr>
+            <a:picLocks noChangeAspect="1"/>
+          </p:cNvPicPr>
+          <p:nvPr/>
+        </p:nvPicPr>
+        <p:blipFill>
+          <a:blip r:embed="rId4" cstate="print">
+            <a:extLst>
+              <a:ext uri="{28A0092B-C50C-407E-A947-70E740481C1C}">
+                <a14:useLocalDpi xmlns:a14="http://schemas.microsoft.com/office/drawing/2010/main" val="0"/>
+              </a:ext>
+            </a:extLst>
+          </a:blip>
+          <a:stretch>
+            <a:fillRect/>
+          </a:stretch>
+        </p:blipFill>
+        <p:spPr>
+          <a:xfrm>
+            <a:off x="1879998" y="2159845"/>
+            <a:ext cx="1846287" cy="1038536"/>
+          </a:xfrm>
+          <a:prstGeom prst="rect">
+            <a:avLst/>
+          </a:prstGeom>
+        </p:spPr>
+      </p:pic>
+      <p:pic>
+        <p:nvPicPr>
+          <p:cNvPr id="8" name="Picture 7">
+            <a:extLst>
+              <a:ext uri="{FF2B5EF4-FFF2-40B4-BE49-F238E27FC236}">
+                <a16:creationId xmlns:a16="http://schemas.microsoft.com/office/drawing/2014/main" id="{75B4EBD0-D7F2-F50C-34A6-1DA90C9C127F}"/>
+              </a:ext>
+            </a:extLst>
+          </p:cNvPr>
+          <p:cNvPicPr>
+            <a:picLocks noChangeAspect="1"/>
+          </p:cNvPicPr>
+          <p:nvPr/>
+        </p:nvPicPr>
+        <p:blipFill>
+          <a:blip r:embed="rId5"/>
+          <a:stretch>
+            <a:fillRect/>
+          </a:stretch>
+        </p:blipFill>
+        <p:spPr>
+          <a:xfrm>
+            <a:off x="2334491" y="3202936"/>
+            <a:ext cx="1176338" cy="1172350"/>
+          </a:xfrm>
+          <a:prstGeom prst="rect">
+            <a:avLst/>
+          </a:prstGeom>
+        </p:spPr>
+      </p:pic>
+      <p:sp>
+        <p:nvSpPr>
+          <p:cNvPr id="10" name="Rectangle: Rounded Corners 9">
+            <a:extLst>
+              <a:ext uri="{FF2B5EF4-FFF2-40B4-BE49-F238E27FC236}">
+                <a16:creationId xmlns:a16="http://schemas.microsoft.com/office/drawing/2014/main" id="{9498C5EE-1ED7-594A-B470-E9CF335E3EDC}"/>
+              </a:ext>
+            </a:extLst>
+          </p:cNvPr>
+          <p:cNvSpPr/>
+          <p:nvPr/>
+        </p:nvSpPr>
+        <p:spPr>
+          <a:xfrm>
+            <a:off x="3510829" y="4781369"/>
+            <a:ext cx="1854994" cy="421635"/>
+          </a:xfrm>
+          <a:prstGeom prst="roundRect">
+            <a:avLst/>
+          </a:prstGeom>
+        </p:spPr>
+        <p:style>
+          <a:lnRef idx="2">
+            <a:schemeClr val="accent6"/>
+          </a:lnRef>
+          <a:fillRef idx="1">
+            <a:schemeClr val="lt1"/>
+          </a:fillRef>
+          <a:effectRef idx="0">
+            <a:schemeClr val="accent6"/>
+          </a:effectRef>
+          <a:fontRef idx="minor">
+            <a:schemeClr val="dk1"/>
+          </a:fontRef>
+        </p:style>
+        <p:txBody>
+          <a:bodyPr rtlCol="0" anchor="ctr"/>
+          <a:lstStyle/>
+          <a:p>
+            <a:pPr algn="ctr"/>
+            <a:r>
+              <a:rPr lang="en-US" dirty="0"/>
+              <a:t>Commercial</a:t>
+            </a:r>
+          </a:p>
+        </p:txBody>
+      </p:sp>
+      <p:pic>
+        <p:nvPicPr>
+          <p:cNvPr id="11" name="Picture 10">
+            <a:extLst>
+              <a:ext uri="{FF2B5EF4-FFF2-40B4-BE49-F238E27FC236}">
+                <a16:creationId xmlns:a16="http://schemas.microsoft.com/office/drawing/2014/main" id="{E0C58603-F4A7-BB91-66C0-E93151DFA01A}"/>
+              </a:ext>
+            </a:extLst>
+          </p:cNvPr>
+          <p:cNvPicPr>
+            <a:picLocks noChangeAspect="1"/>
+          </p:cNvPicPr>
+          <p:nvPr/>
+        </p:nvPicPr>
+        <p:blipFill>
+          <a:blip r:embed="rId6"/>
+          <a:stretch>
+            <a:fillRect/>
+          </a:stretch>
+        </p:blipFill>
+        <p:spPr>
+          <a:xfrm>
+            <a:off x="2265016" y="4221152"/>
+            <a:ext cx="1431053" cy="1431053"/>
+          </a:xfrm>
+          <a:prstGeom prst="rect">
+            <a:avLst/>
+          </a:prstGeom>
+        </p:spPr>
+      </p:pic>
+      <p:sp>
+        <p:nvSpPr>
+          <p:cNvPr id="13" name="Rectangle: Rounded Corners 12">
+            <a:extLst>
+              <a:ext uri="{FF2B5EF4-FFF2-40B4-BE49-F238E27FC236}">
+                <a16:creationId xmlns:a16="http://schemas.microsoft.com/office/drawing/2014/main" id="{37C0C07F-103F-2835-E571-5CB4D9F5BD2B}"/>
+              </a:ext>
+            </a:extLst>
+          </p:cNvPr>
+          <p:cNvSpPr/>
+          <p:nvPr/>
+        </p:nvSpPr>
+        <p:spPr>
+          <a:xfrm>
+            <a:off x="3510829" y="5988876"/>
+            <a:ext cx="1854994" cy="421635"/>
+          </a:xfrm>
+          <a:prstGeom prst="roundRect">
+            <a:avLst/>
+          </a:prstGeom>
+        </p:spPr>
+        <p:style>
+          <a:lnRef idx="2">
+            <a:schemeClr val="accent6"/>
+          </a:lnRef>
+          <a:fillRef idx="1">
+            <a:schemeClr val="lt1"/>
+          </a:fillRef>
+          <a:effectRef idx="0">
+            <a:schemeClr val="accent6"/>
+          </a:effectRef>
+          <a:fontRef idx="minor">
+            <a:schemeClr val="dk1"/>
+          </a:fontRef>
+        </p:style>
+        <p:txBody>
+          <a:bodyPr rtlCol="0" anchor="ctr"/>
+          <a:lstStyle/>
+          <a:p>
+            <a:pPr algn="ctr"/>
+            <a:r>
+              <a:rPr lang="en-US" dirty="0"/>
+              <a:t>Construction</a:t>
+            </a:r>
+          </a:p>
+        </p:txBody>
+      </p:sp>
+      <p:pic>
+        <p:nvPicPr>
+          <p:cNvPr id="12" name="Picture 11">
+            <a:extLst>
+              <a:ext uri="{FF2B5EF4-FFF2-40B4-BE49-F238E27FC236}">
+                <a16:creationId xmlns:a16="http://schemas.microsoft.com/office/drawing/2014/main" id="{7CB22B69-CE1A-13B0-0DA0-FE3B55A81C52}"/>
+              </a:ext>
+            </a:extLst>
+          </p:cNvPr>
+          <p:cNvPicPr>
+            <a:picLocks noChangeAspect="1"/>
+          </p:cNvPicPr>
+          <p:nvPr/>
+        </p:nvPicPr>
+        <p:blipFill>
+          <a:blip r:embed="rId7"/>
+          <a:stretch>
+            <a:fillRect/>
+          </a:stretch>
+        </p:blipFill>
+        <p:spPr>
+          <a:xfrm>
+            <a:off x="2545891" y="5672429"/>
+            <a:ext cx="1155433" cy="933697"/>
+          </a:xfrm>
+          <a:prstGeom prst="rect">
+            <a:avLst/>
+          </a:prstGeom>
+        </p:spPr>
+      </p:pic>
+      <p:cxnSp>
+        <p:nvCxnSpPr>
+          <p:cNvPr id="15" name="Connector: Curved 14">
+            <a:extLst>
+              <a:ext uri="{FF2B5EF4-FFF2-40B4-BE49-F238E27FC236}">
+                <a16:creationId xmlns:a16="http://schemas.microsoft.com/office/drawing/2014/main" id="{40538DD7-D1C3-16AF-9876-F2D1CB41373A}"/>
+              </a:ext>
+            </a:extLst>
+          </p:cNvPr>
+          <p:cNvCxnSpPr>
+            <a:cxnSpLocks/>
+            <a:stCxn id="2" idx="3"/>
+            <a:endCxn id="3" idx="3"/>
+          </p:cNvCxnSpPr>
+          <p:nvPr/>
+        </p:nvCxnSpPr>
+        <p:spPr>
+          <a:xfrm rot="16200000" flipV="1">
+            <a:off x="6176718" y="1644876"/>
+            <a:ext cx="415966" cy="2484439"/>
+          </a:xfrm>
+          <a:prstGeom prst="curvedConnector2">
+            <a:avLst/>
+          </a:prstGeom>
+          <a:ln w="57150">
+            <a:prstDash val="sysDash"/>
+            <a:tailEnd type="triangle"/>
+          </a:ln>
+        </p:spPr>
+        <p:style>
+          <a:lnRef idx="1">
+            <a:schemeClr val="accent1"/>
+          </a:lnRef>
+          <a:fillRef idx="0">
+            <a:schemeClr val="accent1"/>
+          </a:fillRef>
+          <a:effectRef idx="0">
+            <a:schemeClr val="accent1"/>
+          </a:effectRef>
+          <a:fontRef idx="minor">
+            <a:schemeClr val="tx1"/>
+          </a:fontRef>
+        </p:style>
+      </p:cxnSp>
+      <p:cxnSp>
+        <p:nvCxnSpPr>
+          <p:cNvPr id="23" name="Connector: Curved 22">
+            <a:extLst>
+              <a:ext uri="{FF2B5EF4-FFF2-40B4-BE49-F238E27FC236}">
+                <a16:creationId xmlns:a16="http://schemas.microsoft.com/office/drawing/2014/main" id="{F9A2297A-C628-F6AB-DE79-94BD1352D834}"/>
+              </a:ext>
+            </a:extLst>
+          </p:cNvPr>
+          <p:cNvCxnSpPr>
+            <a:cxnSpLocks/>
+            <a:stCxn id="2" idx="2"/>
+          </p:cNvCxnSpPr>
+          <p:nvPr/>
+        </p:nvCxnSpPr>
+        <p:spPr>
+          <a:xfrm rot="10800000">
+            <a:off x="5142480" y="3704204"/>
+            <a:ext cx="866400" cy="73882"/>
+          </a:xfrm>
+          <a:prstGeom prst="curvedConnector3">
+            <a:avLst>
+              <a:gd name="adj1" fmla="val 50000"/>
+            </a:avLst>
+          </a:prstGeom>
+          <a:ln w="57150">
+            <a:prstDash val="sysDash"/>
+            <a:tailEnd type="triangle"/>
+          </a:ln>
+        </p:spPr>
+        <p:style>
+          <a:lnRef idx="1">
+            <a:schemeClr val="accent1"/>
+          </a:lnRef>
+          <a:fillRef idx="0">
+            <a:schemeClr val="accent1"/>
+          </a:fillRef>
+          <a:effectRef idx="0">
+            <a:schemeClr val="accent1"/>
+          </a:effectRef>
+          <a:fontRef idx="minor">
+            <a:schemeClr val="tx1"/>
+          </a:fontRef>
+        </p:style>
+      </p:cxnSp>
+      <p:cxnSp>
+        <p:nvCxnSpPr>
+          <p:cNvPr id="25" name="Connector: Curved 24">
+            <a:extLst>
+              <a:ext uri="{FF2B5EF4-FFF2-40B4-BE49-F238E27FC236}">
+                <a16:creationId xmlns:a16="http://schemas.microsoft.com/office/drawing/2014/main" id="{31523BB7-E4A4-F4AB-7E64-0EA561C1229E}"/>
+              </a:ext>
+            </a:extLst>
+          </p:cNvPr>
+          <p:cNvCxnSpPr>
+            <a:cxnSpLocks/>
+            <a:stCxn id="2" idx="1"/>
+          </p:cNvCxnSpPr>
+          <p:nvPr/>
+        </p:nvCxnSpPr>
+        <p:spPr>
+          <a:xfrm rot="5400000">
+            <a:off x="6294306" y="3622749"/>
+            <a:ext cx="407724" cy="2257504"/>
+          </a:xfrm>
+          <a:prstGeom prst="curvedConnector2">
+            <a:avLst/>
+          </a:prstGeom>
+          <a:ln w="57150">
+            <a:prstDash val="sysDash"/>
+            <a:tailEnd type="triangle"/>
+          </a:ln>
+        </p:spPr>
+        <p:style>
+          <a:lnRef idx="1">
+            <a:schemeClr val="accent1"/>
+          </a:lnRef>
+          <a:fillRef idx="0">
+            <a:schemeClr val="accent1"/>
+          </a:fillRef>
+          <a:effectRef idx="0">
+            <a:schemeClr val="accent1"/>
+          </a:effectRef>
+          <a:fontRef idx="minor">
+            <a:schemeClr val="tx1"/>
+          </a:fontRef>
+        </p:style>
+      </p:cxnSp>
+      <p:cxnSp>
+        <p:nvCxnSpPr>
+          <p:cNvPr id="27" name="Connector: Curved 26">
+            <a:extLst>
+              <a:ext uri="{FF2B5EF4-FFF2-40B4-BE49-F238E27FC236}">
+                <a16:creationId xmlns:a16="http://schemas.microsoft.com/office/drawing/2014/main" id="{12E2535B-D525-97C8-D276-1A17B36A0C10}"/>
+              </a:ext>
+            </a:extLst>
+          </p:cNvPr>
+          <p:cNvCxnSpPr>
+            <a:cxnSpLocks/>
+            <a:stCxn id="2" idx="1"/>
+          </p:cNvCxnSpPr>
+          <p:nvPr/>
+        </p:nvCxnSpPr>
+        <p:spPr>
+          <a:xfrm rot="5400000">
+            <a:off x="5650774" y="4244729"/>
+            <a:ext cx="1673236" cy="2279057"/>
+          </a:xfrm>
+          <a:prstGeom prst="curvedConnector2">
+            <a:avLst/>
+          </a:prstGeom>
+          <a:ln w="57150">
+            <a:prstDash val="sysDash"/>
+            <a:tailEnd type="triangle"/>
+          </a:ln>
+        </p:spPr>
+        <p:style>
+          <a:lnRef idx="1">
+            <a:schemeClr val="accent1"/>
+          </a:lnRef>
+          <a:fillRef idx="0">
+            <a:schemeClr val="accent1"/>
+          </a:fillRef>
+          <a:effectRef idx="0">
+            <a:schemeClr val="accent1"/>
+          </a:effectRef>
+          <a:fontRef idx="minor">
+            <a:schemeClr val="tx1"/>
+          </a:fontRef>
+        </p:style>
+      </p:cxnSp>
+      <p:cxnSp>
+        <p:nvCxnSpPr>
+          <p:cNvPr id="35" name="Connector: Curved 34">
+            <a:extLst>
+              <a:ext uri="{FF2B5EF4-FFF2-40B4-BE49-F238E27FC236}">
+                <a16:creationId xmlns:a16="http://schemas.microsoft.com/office/drawing/2014/main" id="{A9451329-AACC-7998-CE66-DE6EF00902B4}"/>
+              </a:ext>
+            </a:extLst>
+          </p:cNvPr>
+          <p:cNvCxnSpPr>
+            <a:cxnSpLocks/>
+          </p:cNvCxnSpPr>
+          <p:nvPr/>
+        </p:nvCxnSpPr>
+        <p:spPr>
+          <a:xfrm rot="10800000">
+            <a:off x="4843099" y="3043327"/>
+            <a:ext cx="1451571" cy="290593"/>
+          </a:xfrm>
+          <a:prstGeom prst="curvedConnector3">
+            <a:avLst>
+              <a:gd name="adj1" fmla="val 50000"/>
+            </a:avLst>
+          </a:prstGeom>
+          <a:ln w="57150">
+            <a:prstDash val="sysDash"/>
+            <a:tailEnd type="triangle"/>
+          </a:ln>
+        </p:spPr>
+        <p:style>
+          <a:lnRef idx="1">
+            <a:schemeClr val="accent1"/>
+          </a:lnRef>
+          <a:fillRef idx="0">
+            <a:schemeClr val="accent1"/>
+          </a:fillRef>
+          <a:effectRef idx="0">
+            <a:schemeClr val="accent1"/>
+          </a:effectRef>
+          <a:fontRef idx="minor">
+            <a:schemeClr val="tx1"/>
+          </a:fontRef>
+        </p:style>
+      </p:cxnSp>
+      <p:cxnSp>
+        <p:nvCxnSpPr>
+          <p:cNvPr id="37" name="Connector: Curved 36">
+            <a:extLst>
+              <a:ext uri="{FF2B5EF4-FFF2-40B4-BE49-F238E27FC236}">
+                <a16:creationId xmlns:a16="http://schemas.microsoft.com/office/drawing/2014/main" id="{7ED85E3C-8913-156A-C535-CBC20CEC910F}"/>
+              </a:ext>
+            </a:extLst>
+          </p:cNvPr>
+          <p:cNvCxnSpPr>
+            <a:cxnSpLocks/>
+          </p:cNvCxnSpPr>
+          <p:nvPr/>
+        </p:nvCxnSpPr>
+        <p:spPr>
+          <a:xfrm rot="10800000">
+            <a:off x="4531910" y="3489235"/>
+            <a:ext cx="1564090" cy="84993"/>
+          </a:xfrm>
+          <a:prstGeom prst="curvedConnector3">
+            <a:avLst>
+              <a:gd name="adj1" fmla="val 50000"/>
+            </a:avLst>
+          </a:prstGeom>
+          <a:ln w="57150">
+            <a:prstDash val="sysDash"/>
+            <a:tailEnd type="triangle"/>
+          </a:ln>
+        </p:spPr>
+        <p:style>
+          <a:lnRef idx="1">
+            <a:schemeClr val="accent1"/>
+          </a:lnRef>
+          <a:fillRef idx="0">
+            <a:schemeClr val="accent1"/>
+          </a:fillRef>
+          <a:effectRef idx="0">
+            <a:schemeClr val="accent1"/>
+          </a:effectRef>
+          <a:fontRef idx="minor">
+            <a:schemeClr val="tx1"/>
+          </a:fontRef>
+        </p:style>
+      </p:cxnSp>
+      <p:cxnSp>
+        <p:nvCxnSpPr>
+          <p:cNvPr id="39" name="Connector: Curved 38">
+            <a:extLst>
+              <a:ext uri="{FF2B5EF4-FFF2-40B4-BE49-F238E27FC236}">
+                <a16:creationId xmlns:a16="http://schemas.microsoft.com/office/drawing/2014/main" id="{E3BA0D15-2556-D4F8-49FC-3904C2EFF500}"/>
+              </a:ext>
+            </a:extLst>
+          </p:cNvPr>
+          <p:cNvCxnSpPr>
+            <a:cxnSpLocks/>
+            <a:stCxn id="2" idx="1"/>
+          </p:cNvCxnSpPr>
+          <p:nvPr/>
+        </p:nvCxnSpPr>
+        <p:spPr>
+          <a:xfrm rot="5400000">
+            <a:off x="5835732" y="3587009"/>
+            <a:ext cx="830559" cy="2751819"/>
+          </a:xfrm>
+          <a:prstGeom prst="curvedConnector2">
+            <a:avLst/>
+          </a:prstGeom>
+          <a:ln w="57150">
+            <a:prstDash val="sysDash"/>
+            <a:tailEnd type="triangle"/>
+          </a:ln>
+        </p:spPr>
+        <p:style>
+          <a:lnRef idx="1">
+            <a:schemeClr val="accent1"/>
+          </a:lnRef>
+          <a:fillRef idx="0">
+            <a:schemeClr val="accent1"/>
+          </a:fillRef>
+          <a:effectRef idx="0">
+            <a:schemeClr val="accent1"/>
+          </a:effectRef>
+          <a:fontRef idx="minor">
+            <a:schemeClr val="tx1"/>
+          </a:fontRef>
+        </p:style>
+      </p:cxnSp>
+      <p:cxnSp>
+        <p:nvCxnSpPr>
+          <p:cNvPr id="41" name="Connector: Curved 40">
+            <a:extLst>
+              <a:ext uri="{FF2B5EF4-FFF2-40B4-BE49-F238E27FC236}">
+                <a16:creationId xmlns:a16="http://schemas.microsoft.com/office/drawing/2014/main" id="{41A0B785-85F8-EEE3-20D9-13E889B44CAD}"/>
+              </a:ext>
+            </a:extLst>
+          </p:cNvPr>
+          <p:cNvCxnSpPr>
+            <a:cxnSpLocks/>
+            <a:stCxn id="2" idx="1"/>
+          </p:cNvCxnSpPr>
+          <p:nvPr/>
+        </p:nvCxnSpPr>
+        <p:spPr>
+          <a:xfrm rot="5400000">
+            <a:off x="5448215" y="3678640"/>
+            <a:ext cx="1309707" cy="3047705"/>
+          </a:xfrm>
+          <a:prstGeom prst="curvedConnector2">
+            <a:avLst/>
+          </a:prstGeom>
+          <a:ln w="57150">
+            <a:prstDash val="sysDash"/>
+            <a:tailEnd type="triangle"/>
+          </a:ln>
+        </p:spPr>
+        <p:style>
+          <a:lnRef idx="1">
+            <a:schemeClr val="accent1"/>
+          </a:lnRef>
+          <a:fillRef idx="0">
+            <a:schemeClr val="accent1"/>
+          </a:fillRef>
+          <a:effectRef idx="0">
+            <a:schemeClr val="accent1"/>
+          </a:effectRef>
+          <a:fontRef idx="minor">
+            <a:schemeClr val="tx1"/>
+          </a:fontRef>
+        </p:style>
+      </p:cxnSp>
+      <p:sp>
+        <p:nvSpPr>
+          <p:cNvPr id="45" name="TextBox 44">
+            <a:extLst>
+              <a:ext uri="{FF2B5EF4-FFF2-40B4-BE49-F238E27FC236}">
+                <a16:creationId xmlns:a16="http://schemas.microsoft.com/office/drawing/2014/main" id="{F32A0661-0C16-3A28-1B15-31EA47378BC2}"/>
+              </a:ext>
+            </a:extLst>
+          </p:cNvPr>
+          <p:cNvSpPr txBox="1"/>
+          <p:nvPr/>
+        </p:nvSpPr>
+        <p:spPr>
+          <a:xfrm>
+            <a:off x="1977608" y="4039510"/>
+            <a:ext cx="3886200" cy="461665"/>
+          </a:xfrm>
+          <a:prstGeom prst="rect">
+            <a:avLst/>
+          </a:prstGeom>
+          <a:noFill/>
+        </p:spPr>
+        <p:txBody>
+          <a:bodyPr wrap="square" rtlCol="0">
+            <a:spAutoFit/>
+          </a:bodyPr>
+          <a:lstStyle/>
+          <a:p>
+            <a:r>
+              <a:rPr lang="en-US" sz="2400" dirty="0">
+                <a:latin typeface="Amasis MT Pro Light" panose="020B0604020202020204" pitchFamily="18" charset="0"/>
+              </a:rPr>
+              <a:t>Existing application’s </a:t>
+            </a:r>
+            <a:r>
+              <a:rPr lang="en-US" sz="2400" dirty="0" err="1">
+                <a:latin typeface="Amasis MT Pro Light" panose="020B0604020202020204" pitchFamily="18" charset="0"/>
+              </a:rPr>
+              <a:t>classses</a:t>
+            </a:r>
+            <a:endParaRPr lang="en-US" sz="2400" dirty="0">
+              <a:latin typeface="Amasis MT Pro Light" panose="020B0604020202020204" pitchFamily="18" charset="0"/>
+            </a:endParaRPr>
+          </a:p>
+        </p:txBody>
+      </p:sp>
+      <p:cxnSp>
+        <p:nvCxnSpPr>
+          <p:cNvPr id="47" name="Straight Connector 46">
+            <a:extLst>
+              <a:ext uri="{FF2B5EF4-FFF2-40B4-BE49-F238E27FC236}">
+                <a16:creationId xmlns:a16="http://schemas.microsoft.com/office/drawing/2014/main" id="{D7A96DFE-9B9D-417A-C637-4E3CCA43EDA3}"/>
+              </a:ext>
+            </a:extLst>
+          </p:cNvPr>
+          <p:cNvCxnSpPr/>
+          <p:nvPr/>
+        </p:nvCxnSpPr>
+        <p:spPr>
+          <a:xfrm>
+            <a:off x="5377522" y="2368674"/>
+            <a:ext cx="1219200" cy="3829031"/>
+          </a:xfrm>
+          <a:prstGeom prst="line">
+            <a:avLst/>
+          </a:prstGeom>
+          <a:ln w="57150">
+            <a:solidFill>
+              <a:srgbClr val="FF0000"/>
+            </a:solidFill>
+            <a:prstDash val="dashDot"/>
+          </a:ln>
+        </p:spPr>
+        <p:style>
+          <a:lnRef idx="1">
+            <a:schemeClr val="accent1"/>
+          </a:lnRef>
+          <a:fillRef idx="0">
+            <a:schemeClr val="accent1"/>
+          </a:fillRef>
+          <a:effectRef idx="0">
+            <a:schemeClr val="accent1"/>
+          </a:effectRef>
+          <a:fontRef idx="minor">
+            <a:schemeClr val="tx1"/>
+          </a:fontRef>
+        </p:style>
+      </p:cxnSp>
+      <p:cxnSp>
+        <p:nvCxnSpPr>
+          <p:cNvPr id="48" name="Straight Connector 47">
+            <a:extLst>
+              <a:ext uri="{FF2B5EF4-FFF2-40B4-BE49-F238E27FC236}">
+                <a16:creationId xmlns:a16="http://schemas.microsoft.com/office/drawing/2014/main" id="{10F22337-8E7F-44F5-E6B3-2671AD134330}"/>
+              </a:ext>
+            </a:extLst>
+          </p:cNvPr>
+          <p:cNvCxnSpPr>
+            <a:cxnSpLocks/>
+          </p:cNvCxnSpPr>
+          <p:nvPr/>
+        </p:nvCxnSpPr>
+        <p:spPr>
+          <a:xfrm flipH="1">
+            <a:off x="5178852" y="2368674"/>
+            <a:ext cx="1265728" cy="3752407"/>
+          </a:xfrm>
+          <a:prstGeom prst="line">
+            <a:avLst/>
+          </a:prstGeom>
+          <a:ln w="57150">
+            <a:solidFill>
+              <a:srgbClr val="FF0000"/>
+            </a:solidFill>
+            <a:prstDash val="dashDot"/>
+          </a:ln>
+        </p:spPr>
+        <p:style>
+          <a:lnRef idx="1">
+            <a:schemeClr val="accent1"/>
+          </a:lnRef>
+          <a:fillRef idx="0">
+            <a:schemeClr val="accent1"/>
+          </a:fillRef>
+          <a:effectRef idx="0">
+            <a:schemeClr val="accent1"/>
+          </a:effectRef>
+          <a:fontRef idx="minor">
+            <a:schemeClr val="tx1"/>
+          </a:fontRef>
+        </p:style>
+      </p:cxnSp>
+    </p:spTree>
+    <p:extLst>
+      <p:ext uri="{BB962C8B-B14F-4D97-AF65-F5344CB8AC3E}">
+        <p14:creationId xmlns:p14="http://schemas.microsoft.com/office/powerpoint/2010/main" val="61285585"/>
+      </p:ext>
+    </p:extLst>
+  </p:cSld>
+  <p:clrMapOvr>
+    <a:masterClrMapping/>
+  </p:clrMapOvr>
+  <p:timing>
+    <p:tnLst>
+      <p:par>
+        <p:cTn id="1" dur="indefinite" restart="never" nodeType="tmRoot">
+          <p:childTnLst>
+            <p:seq concurrent="1" nextAc="seek">
+              <p:cTn id="2" dur="indefinite" nodeType="mainSeq">
+                <p:childTnLst>
+                  <p:par>
+                    <p:cTn id="3" fill="hold">
+                      <p:stCondLst>
+                        <p:cond delay="indefinite"/>
+                      </p:stCondLst>
+                      <p:childTnLst>
+                        <p:par>
+                          <p:cTn id="4" fill="hold">
+                            <p:stCondLst>
+                              <p:cond delay="0"/>
+                            </p:stCondLst>
+                            <p:childTnLst>
+                              <p:par>
+                                <p:cTn id="5" presetID="2" presetClass="entr" presetSubtype="4" fill="hold" grpId="0" nodeType="clickEffect">
+                                  <p:stCondLst>
+                                    <p:cond delay="0"/>
+                                  </p:stCondLst>
+                                  <p:childTnLst>
+                                    <p:set>
+                                      <p:cBhvr>
+                                        <p:cTn id="6" dur="1" fill="hold">
+                                          <p:stCondLst>
+                                            <p:cond delay="0"/>
+                                          </p:stCondLst>
+                                        </p:cTn>
+                                        <p:tgtEl>
+                                          <p:spTgt spid="2"/>
+                                        </p:tgtEl>
+                                        <p:attrNameLst>
+                                          <p:attrName>style.visibility</p:attrName>
+                                        </p:attrNameLst>
+                                      </p:cBhvr>
+                                      <p:to>
+                                        <p:strVal val="visible"/>
+                                      </p:to>
+                                    </p:set>
+                                    <p:anim calcmode="lin" valueType="num">
+                                      <p:cBhvr additive="base">
+                                        <p:cTn id="7" dur="500" fill="hold"/>
+                                        <p:tgtEl>
+                                          <p:spTgt spid="2"/>
+                                        </p:tgtEl>
+                                        <p:attrNameLst>
+                                          <p:attrName>ppt_x</p:attrName>
+                                        </p:attrNameLst>
+                                      </p:cBhvr>
+                                      <p:tavLst>
+                                        <p:tav tm="0">
+                                          <p:val>
+                                            <p:strVal val="#ppt_x"/>
+                                          </p:val>
+                                        </p:tav>
+                                        <p:tav tm="100000">
+                                          <p:val>
+                                            <p:strVal val="#ppt_x"/>
+                                          </p:val>
+                                        </p:tav>
+                                      </p:tavLst>
+                                    </p:anim>
+                                    <p:anim calcmode="lin" valueType="num">
+                                      <p:cBhvr additive="base">
+                                        <p:cTn id="8" dur="500" fill="hold"/>
+                                        <p:tgtEl>
+                                          <p:spTgt spid="2"/>
+                                        </p:tgtEl>
+                                        <p:attrNameLst>
+                                          <p:attrName>ppt_y</p:attrName>
+                                        </p:attrNameLst>
+                                      </p:cBhvr>
+                                      <p:tavLst>
+                                        <p:tav tm="0">
+                                          <p:val>
+                                            <p:strVal val="1+#ppt_h/2"/>
+                                          </p:val>
+                                        </p:tav>
+                                        <p:tav tm="100000">
+                                          <p:val>
+                                            <p:strVal val="#ppt_y"/>
+                                          </p:val>
+                                        </p:tav>
+                                      </p:tavLst>
+                                    </p:anim>
+                                  </p:childTnLst>
+                                </p:cTn>
+                              </p:par>
+                              <p:par>
+                                <p:cTn id="9" presetID="22" presetClass="entr" presetSubtype="4" fill="hold" nodeType="withEffect">
+                                  <p:stCondLst>
+                                    <p:cond delay="750"/>
+                                  </p:stCondLst>
+                                  <p:childTnLst>
+                                    <p:set>
+                                      <p:cBhvr>
+                                        <p:cTn id="10" dur="1" fill="hold">
+                                          <p:stCondLst>
+                                            <p:cond delay="0"/>
+                                          </p:stCondLst>
+                                        </p:cTn>
+                                        <p:tgtEl>
+                                          <p:spTgt spid="15"/>
+                                        </p:tgtEl>
+                                        <p:attrNameLst>
+                                          <p:attrName>style.visibility</p:attrName>
+                                        </p:attrNameLst>
+                                      </p:cBhvr>
+                                      <p:to>
+                                        <p:strVal val="visible"/>
+                                      </p:to>
+                                    </p:set>
+                                    <p:animEffect transition="in" filter="wipe(down)">
+                                      <p:cBhvr>
+                                        <p:cTn id="11" dur="500"/>
+                                        <p:tgtEl>
+                                          <p:spTgt spid="15"/>
+                                        </p:tgtEl>
+                                      </p:cBhvr>
+                                    </p:animEffect>
+                                  </p:childTnLst>
+                                </p:cTn>
+                              </p:par>
+                              <p:par>
+                                <p:cTn id="12" presetID="22" presetClass="entr" presetSubtype="4" fill="hold" grpId="0" nodeType="withEffect">
+                                  <p:stCondLst>
+                                    <p:cond delay="750"/>
+                                  </p:stCondLst>
+                                  <p:childTnLst>
+                                    <p:set>
+                                      <p:cBhvr>
+                                        <p:cTn id="13" dur="1" fill="hold">
+                                          <p:stCondLst>
+                                            <p:cond delay="0"/>
+                                          </p:stCondLst>
+                                        </p:cTn>
+                                        <p:tgtEl>
+                                          <p:spTgt spid="3"/>
+                                        </p:tgtEl>
+                                        <p:attrNameLst>
+                                          <p:attrName>style.visibility</p:attrName>
+                                        </p:attrNameLst>
+                                      </p:cBhvr>
+                                      <p:to>
+                                        <p:strVal val="visible"/>
+                                      </p:to>
+                                    </p:set>
+                                    <p:animEffect transition="in" filter="wipe(down)">
+                                      <p:cBhvr>
+                                        <p:cTn id="14" dur="500"/>
+                                        <p:tgtEl>
+                                          <p:spTgt spid="3"/>
+                                        </p:tgtEl>
+                                      </p:cBhvr>
+                                    </p:animEffect>
+                                  </p:childTnLst>
+                                </p:cTn>
+                              </p:par>
+                              <p:par>
+                                <p:cTn id="15" presetID="22" presetClass="entr" presetSubtype="4" fill="hold" nodeType="withEffect">
+                                  <p:stCondLst>
+                                    <p:cond delay="750"/>
+                                  </p:stCondLst>
+                                  <p:childTnLst>
+                                    <p:set>
+                                      <p:cBhvr>
+                                        <p:cTn id="16" dur="1" fill="hold">
+                                          <p:stCondLst>
+                                            <p:cond delay="0"/>
+                                          </p:stCondLst>
+                                        </p:cTn>
+                                        <p:tgtEl>
+                                          <p:spTgt spid="5"/>
+                                        </p:tgtEl>
+                                        <p:attrNameLst>
+                                          <p:attrName>style.visibility</p:attrName>
+                                        </p:attrNameLst>
+                                      </p:cBhvr>
+                                      <p:to>
+                                        <p:strVal val="visible"/>
+                                      </p:to>
+                                    </p:set>
+                                    <p:animEffect transition="in" filter="wipe(down)">
+                                      <p:cBhvr>
+                                        <p:cTn id="17" dur="500"/>
+                                        <p:tgtEl>
+                                          <p:spTgt spid="5"/>
+                                        </p:tgtEl>
+                                      </p:cBhvr>
+                                    </p:animEffect>
+                                  </p:childTnLst>
+                                </p:cTn>
+                              </p:par>
+                              <p:par>
+                                <p:cTn id="18" presetID="6" presetClass="entr" presetSubtype="16" fill="hold" nodeType="withEffect">
+                                  <p:stCondLst>
+                                    <p:cond delay="1250"/>
+                                  </p:stCondLst>
+                                  <p:childTnLst>
+                                    <p:set>
+                                      <p:cBhvr>
+                                        <p:cTn id="19" dur="1" fill="hold">
+                                          <p:stCondLst>
+                                            <p:cond delay="0"/>
+                                          </p:stCondLst>
+                                        </p:cTn>
+                                        <p:tgtEl>
+                                          <p:spTgt spid="23"/>
+                                        </p:tgtEl>
+                                        <p:attrNameLst>
+                                          <p:attrName>style.visibility</p:attrName>
+                                        </p:attrNameLst>
+                                      </p:cBhvr>
+                                      <p:to>
+                                        <p:strVal val="visible"/>
+                                      </p:to>
+                                    </p:set>
+                                    <p:animEffect transition="in" filter="circle(in)">
+                                      <p:cBhvr>
+                                        <p:cTn id="20" dur="1750"/>
+                                        <p:tgtEl>
+                                          <p:spTgt spid="23"/>
+                                        </p:tgtEl>
+                                      </p:cBhvr>
+                                    </p:animEffect>
+                                  </p:childTnLst>
+                                </p:cTn>
+                              </p:par>
+                              <p:par>
+                                <p:cTn id="21" presetID="6" presetClass="entr" presetSubtype="16" fill="hold" grpId="0" nodeType="withEffect">
+                                  <p:stCondLst>
+                                    <p:cond delay="1250"/>
+                                  </p:stCondLst>
+                                  <p:childTnLst>
+                                    <p:set>
+                                      <p:cBhvr>
+                                        <p:cTn id="22" dur="1" fill="hold">
+                                          <p:stCondLst>
+                                            <p:cond delay="0"/>
+                                          </p:stCondLst>
+                                        </p:cTn>
+                                        <p:tgtEl>
+                                          <p:spTgt spid="7"/>
+                                        </p:tgtEl>
+                                        <p:attrNameLst>
+                                          <p:attrName>style.visibility</p:attrName>
+                                        </p:attrNameLst>
+                                      </p:cBhvr>
+                                      <p:to>
+                                        <p:strVal val="visible"/>
+                                      </p:to>
+                                    </p:set>
+                                    <p:animEffect transition="in" filter="circle(in)">
+                                      <p:cBhvr>
+                                        <p:cTn id="23" dur="1750"/>
+                                        <p:tgtEl>
+                                          <p:spTgt spid="7"/>
+                                        </p:tgtEl>
+                                      </p:cBhvr>
+                                    </p:animEffect>
+                                  </p:childTnLst>
+                                </p:cTn>
+                              </p:par>
+                              <p:par>
+                                <p:cTn id="24" presetID="6" presetClass="entr" presetSubtype="16" fill="hold" nodeType="withEffect">
+                                  <p:stCondLst>
+                                    <p:cond delay="1250"/>
+                                  </p:stCondLst>
+                                  <p:childTnLst>
+                                    <p:set>
+                                      <p:cBhvr>
+                                        <p:cTn id="25" dur="1" fill="hold">
+                                          <p:stCondLst>
+                                            <p:cond delay="0"/>
+                                          </p:stCondLst>
+                                        </p:cTn>
+                                        <p:tgtEl>
+                                          <p:spTgt spid="8"/>
+                                        </p:tgtEl>
+                                        <p:attrNameLst>
+                                          <p:attrName>style.visibility</p:attrName>
+                                        </p:attrNameLst>
+                                      </p:cBhvr>
+                                      <p:to>
+                                        <p:strVal val="visible"/>
+                                      </p:to>
+                                    </p:set>
+                                    <p:animEffect transition="in" filter="circle(in)">
+                                      <p:cBhvr>
+                                        <p:cTn id="26" dur="1750"/>
+                                        <p:tgtEl>
+                                          <p:spTgt spid="8"/>
+                                        </p:tgtEl>
+                                      </p:cBhvr>
+                                    </p:animEffect>
+                                  </p:childTnLst>
+                                </p:cTn>
+                              </p:par>
+                              <p:par>
+                                <p:cTn id="27" presetID="22" presetClass="entr" presetSubtype="4" fill="hold" grpId="0" nodeType="withEffect">
+                                  <p:stCondLst>
+                                    <p:cond delay="3000"/>
+                                  </p:stCondLst>
+                                  <p:childTnLst>
+                                    <p:set>
+                                      <p:cBhvr>
+                                        <p:cTn id="28" dur="1" fill="hold">
+                                          <p:stCondLst>
+                                            <p:cond delay="0"/>
+                                          </p:stCondLst>
+                                        </p:cTn>
+                                        <p:tgtEl>
+                                          <p:spTgt spid="10"/>
+                                        </p:tgtEl>
+                                        <p:attrNameLst>
+                                          <p:attrName>style.visibility</p:attrName>
+                                        </p:attrNameLst>
+                                      </p:cBhvr>
+                                      <p:to>
+                                        <p:strVal val="visible"/>
+                                      </p:to>
+                                    </p:set>
+                                    <p:animEffect transition="in" filter="wipe(down)">
+                                      <p:cBhvr>
+                                        <p:cTn id="29" dur="500"/>
+                                        <p:tgtEl>
+                                          <p:spTgt spid="10"/>
+                                        </p:tgtEl>
+                                      </p:cBhvr>
+                                    </p:animEffect>
+                                  </p:childTnLst>
+                                </p:cTn>
+                              </p:par>
+                              <p:par>
+                                <p:cTn id="30" presetID="22" presetClass="entr" presetSubtype="4" fill="hold" nodeType="withEffect">
+                                  <p:stCondLst>
+                                    <p:cond delay="3000"/>
+                                  </p:stCondLst>
+                                  <p:childTnLst>
+                                    <p:set>
+                                      <p:cBhvr>
+                                        <p:cTn id="31" dur="1" fill="hold">
+                                          <p:stCondLst>
+                                            <p:cond delay="0"/>
+                                          </p:stCondLst>
+                                        </p:cTn>
+                                        <p:tgtEl>
+                                          <p:spTgt spid="11"/>
+                                        </p:tgtEl>
+                                        <p:attrNameLst>
+                                          <p:attrName>style.visibility</p:attrName>
+                                        </p:attrNameLst>
+                                      </p:cBhvr>
+                                      <p:to>
+                                        <p:strVal val="visible"/>
+                                      </p:to>
+                                    </p:set>
+                                    <p:animEffect transition="in" filter="wipe(down)">
+                                      <p:cBhvr>
+                                        <p:cTn id="32" dur="500"/>
+                                        <p:tgtEl>
+                                          <p:spTgt spid="11"/>
+                                        </p:tgtEl>
+                                      </p:cBhvr>
+                                    </p:animEffect>
+                                  </p:childTnLst>
+                                </p:cTn>
+                              </p:par>
+                              <p:par>
+                                <p:cTn id="33" presetID="22" presetClass="entr" presetSubtype="4" fill="hold" nodeType="withEffect">
+                                  <p:stCondLst>
+                                    <p:cond delay="3000"/>
+                                  </p:stCondLst>
+                                  <p:childTnLst>
+                                    <p:set>
+                                      <p:cBhvr>
+                                        <p:cTn id="34" dur="1" fill="hold">
+                                          <p:stCondLst>
+                                            <p:cond delay="0"/>
+                                          </p:stCondLst>
+                                        </p:cTn>
+                                        <p:tgtEl>
+                                          <p:spTgt spid="25"/>
+                                        </p:tgtEl>
+                                        <p:attrNameLst>
+                                          <p:attrName>style.visibility</p:attrName>
+                                        </p:attrNameLst>
+                                      </p:cBhvr>
+                                      <p:to>
+                                        <p:strVal val="visible"/>
+                                      </p:to>
+                                    </p:set>
+                                    <p:animEffect transition="in" filter="wipe(down)">
+                                      <p:cBhvr>
+                                        <p:cTn id="35" dur="500"/>
+                                        <p:tgtEl>
+                                          <p:spTgt spid="25"/>
+                                        </p:tgtEl>
+                                      </p:cBhvr>
+                                    </p:animEffect>
+                                  </p:childTnLst>
+                                </p:cTn>
+                              </p:par>
+                              <p:par>
+                                <p:cTn id="36" presetID="22" presetClass="entr" presetSubtype="4" fill="hold" grpId="0" nodeType="withEffect">
+                                  <p:stCondLst>
+                                    <p:cond delay="3500"/>
+                                  </p:stCondLst>
+                                  <p:childTnLst>
+                                    <p:set>
+                                      <p:cBhvr>
+                                        <p:cTn id="37" dur="1" fill="hold">
+                                          <p:stCondLst>
+                                            <p:cond delay="0"/>
+                                          </p:stCondLst>
+                                        </p:cTn>
+                                        <p:tgtEl>
+                                          <p:spTgt spid="13"/>
+                                        </p:tgtEl>
+                                        <p:attrNameLst>
+                                          <p:attrName>style.visibility</p:attrName>
+                                        </p:attrNameLst>
+                                      </p:cBhvr>
+                                      <p:to>
+                                        <p:strVal val="visible"/>
+                                      </p:to>
+                                    </p:set>
+                                    <p:animEffect transition="in" filter="wipe(down)">
+                                      <p:cBhvr>
+                                        <p:cTn id="38" dur="500"/>
+                                        <p:tgtEl>
+                                          <p:spTgt spid="13"/>
+                                        </p:tgtEl>
+                                      </p:cBhvr>
+                                    </p:animEffect>
+                                  </p:childTnLst>
+                                </p:cTn>
+                              </p:par>
+                              <p:par>
+                                <p:cTn id="39" presetID="22" presetClass="entr" presetSubtype="4" fill="hold" nodeType="withEffect">
+                                  <p:stCondLst>
+                                    <p:cond delay="3500"/>
+                                  </p:stCondLst>
+                                  <p:childTnLst>
+                                    <p:set>
+                                      <p:cBhvr>
+                                        <p:cTn id="40" dur="1" fill="hold">
+                                          <p:stCondLst>
+                                            <p:cond delay="0"/>
+                                          </p:stCondLst>
+                                        </p:cTn>
+                                        <p:tgtEl>
+                                          <p:spTgt spid="12"/>
+                                        </p:tgtEl>
+                                        <p:attrNameLst>
+                                          <p:attrName>style.visibility</p:attrName>
+                                        </p:attrNameLst>
+                                      </p:cBhvr>
+                                      <p:to>
+                                        <p:strVal val="visible"/>
+                                      </p:to>
+                                    </p:set>
+                                    <p:animEffect transition="in" filter="wipe(down)">
+                                      <p:cBhvr>
+                                        <p:cTn id="41" dur="500"/>
+                                        <p:tgtEl>
+                                          <p:spTgt spid="12"/>
+                                        </p:tgtEl>
+                                      </p:cBhvr>
+                                    </p:animEffect>
+                                  </p:childTnLst>
+                                </p:cTn>
+                              </p:par>
+                              <p:par>
+                                <p:cTn id="42" presetID="22" presetClass="entr" presetSubtype="4" fill="hold" nodeType="withEffect">
+                                  <p:stCondLst>
+                                    <p:cond delay="3500"/>
+                                  </p:stCondLst>
+                                  <p:childTnLst>
+                                    <p:set>
+                                      <p:cBhvr>
+                                        <p:cTn id="43" dur="1" fill="hold">
+                                          <p:stCondLst>
+                                            <p:cond delay="0"/>
+                                          </p:stCondLst>
+                                        </p:cTn>
+                                        <p:tgtEl>
+                                          <p:spTgt spid="27"/>
+                                        </p:tgtEl>
+                                        <p:attrNameLst>
+                                          <p:attrName>style.visibility</p:attrName>
+                                        </p:attrNameLst>
+                                      </p:cBhvr>
+                                      <p:to>
+                                        <p:strVal val="visible"/>
+                                      </p:to>
+                                    </p:set>
+                                    <p:animEffect transition="in" filter="wipe(down)">
+                                      <p:cBhvr>
+                                        <p:cTn id="44" dur="500"/>
+                                        <p:tgtEl>
+                                          <p:spTgt spid="27"/>
+                                        </p:tgtEl>
+                                      </p:cBhvr>
+                                    </p:animEffect>
+                                  </p:childTnLst>
+                                </p:cTn>
+                              </p:par>
+                              <p:par>
+                                <p:cTn id="45" presetID="10" presetClass="exit" presetSubtype="0" fill="hold" nodeType="withEffect">
+                                  <p:stCondLst>
+                                    <p:cond delay="4000"/>
+                                  </p:stCondLst>
+                                  <p:childTnLst>
+                                    <p:animEffect transition="out" filter="fade">
+                                      <p:cBhvr>
+                                        <p:cTn id="46" dur="500"/>
+                                        <p:tgtEl>
+                                          <p:spTgt spid="5"/>
+                                        </p:tgtEl>
+                                      </p:cBhvr>
+                                    </p:animEffect>
+                                    <p:set>
+                                      <p:cBhvr>
+                                        <p:cTn id="47" dur="1" fill="hold">
+                                          <p:stCondLst>
+                                            <p:cond delay="499"/>
+                                          </p:stCondLst>
+                                        </p:cTn>
+                                        <p:tgtEl>
+                                          <p:spTgt spid="5"/>
+                                        </p:tgtEl>
+                                        <p:attrNameLst>
+                                          <p:attrName>style.visibility</p:attrName>
+                                        </p:attrNameLst>
+                                      </p:cBhvr>
+                                      <p:to>
+                                        <p:strVal val="hidden"/>
+                                      </p:to>
+                                    </p:set>
+                                  </p:childTnLst>
+                                </p:cTn>
+                              </p:par>
+                              <p:par>
+                                <p:cTn id="48" presetID="10" presetClass="exit" presetSubtype="0" fill="hold" nodeType="withEffect">
+                                  <p:stCondLst>
+                                    <p:cond delay="4000"/>
+                                  </p:stCondLst>
+                                  <p:childTnLst>
+                                    <p:animEffect transition="out" filter="fade">
+                                      <p:cBhvr>
+                                        <p:cTn id="49" dur="500"/>
+                                        <p:tgtEl>
+                                          <p:spTgt spid="8"/>
+                                        </p:tgtEl>
+                                      </p:cBhvr>
+                                    </p:animEffect>
+                                    <p:set>
+                                      <p:cBhvr>
+                                        <p:cTn id="50" dur="1" fill="hold">
+                                          <p:stCondLst>
+                                            <p:cond delay="499"/>
+                                          </p:stCondLst>
+                                        </p:cTn>
+                                        <p:tgtEl>
+                                          <p:spTgt spid="8"/>
+                                        </p:tgtEl>
+                                        <p:attrNameLst>
+                                          <p:attrName>style.visibility</p:attrName>
+                                        </p:attrNameLst>
+                                      </p:cBhvr>
+                                      <p:to>
+                                        <p:strVal val="hidden"/>
+                                      </p:to>
+                                    </p:set>
+                                  </p:childTnLst>
+                                </p:cTn>
+                              </p:par>
+                              <p:par>
+                                <p:cTn id="51" presetID="10" presetClass="exit" presetSubtype="0" fill="hold" nodeType="withEffect">
+                                  <p:stCondLst>
+                                    <p:cond delay="4000"/>
+                                  </p:stCondLst>
+                                  <p:childTnLst>
+                                    <p:animEffect transition="out" filter="fade">
+                                      <p:cBhvr>
+                                        <p:cTn id="52" dur="500"/>
+                                        <p:tgtEl>
+                                          <p:spTgt spid="11"/>
+                                        </p:tgtEl>
+                                      </p:cBhvr>
+                                    </p:animEffect>
+                                    <p:set>
+                                      <p:cBhvr>
+                                        <p:cTn id="53" dur="1" fill="hold">
+                                          <p:stCondLst>
+                                            <p:cond delay="499"/>
+                                          </p:stCondLst>
+                                        </p:cTn>
+                                        <p:tgtEl>
+                                          <p:spTgt spid="11"/>
+                                        </p:tgtEl>
+                                        <p:attrNameLst>
+                                          <p:attrName>style.visibility</p:attrName>
+                                        </p:attrNameLst>
+                                      </p:cBhvr>
+                                      <p:to>
+                                        <p:strVal val="hidden"/>
+                                      </p:to>
+                                    </p:set>
+                                  </p:childTnLst>
+                                </p:cTn>
+                              </p:par>
+                              <p:par>
+                                <p:cTn id="54" presetID="10" presetClass="exit" presetSubtype="0" fill="hold" nodeType="withEffect">
+                                  <p:stCondLst>
+                                    <p:cond delay="4000"/>
+                                  </p:stCondLst>
+                                  <p:childTnLst>
+                                    <p:animEffect transition="out" filter="fade">
+                                      <p:cBhvr>
+                                        <p:cTn id="55" dur="500"/>
+                                        <p:tgtEl>
+                                          <p:spTgt spid="12"/>
+                                        </p:tgtEl>
+                                      </p:cBhvr>
+                                    </p:animEffect>
+                                    <p:set>
+                                      <p:cBhvr>
+                                        <p:cTn id="56" dur="1" fill="hold">
+                                          <p:stCondLst>
+                                            <p:cond delay="499"/>
+                                          </p:stCondLst>
+                                        </p:cTn>
+                                        <p:tgtEl>
+                                          <p:spTgt spid="12"/>
+                                        </p:tgtEl>
+                                        <p:attrNameLst>
+                                          <p:attrName>style.visibility</p:attrName>
+                                        </p:attrNameLst>
+                                      </p:cBhvr>
+                                      <p:to>
+                                        <p:strVal val="hidden"/>
+                                      </p:to>
+                                    </p:set>
+                                  </p:childTnLst>
+                                </p:cTn>
+                              </p:par>
+                            </p:childTnLst>
+                          </p:cTn>
+                        </p:par>
+                        <p:par>
+                          <p:cTn id="57" fill="hold">
+                            <p:stCondLst>
+                              <p:cond delay="4500"/>
+                            </p:stCondLst>
+                            <p:childTnLst>
+                              <p:par>
+                                <p:cTn id="58" presetID="10" presetClass="entr" presetSubtype="0" fill="hold" grpId="0" nodeType="afterEffect">
+                                  <p:stCondLst>
+                                    <p:cond delay="250"/>
+                                  </p:stCondLst>
+                                  <p:childTnLst>
+                                    <p:set>
+                                      <p:cBhvr>
+                                        <p:cTn id="59" dur="1" fill="hold">
+                                          <p:stCondLst>
+                                            <p:cond delay="0"/>
+                                          </p:stCondLst>
+                                        </p:cTn>
+                                        <p:tgtEl>
+                                          <p:spTgt spid="31"/>
+                                        </p:tgtEl>
+                                        <p:attrNameLst>
+                                          <p:attrName>style.visibility</p:attrName>
+                                        </p:attrNameLst>
+                                      </p:cBhvr>
+                                      <p:to>
+                                        <p:strVal val="visible"/>
+                                      </p:to>
+                                    </p:set>
+                                    <p:animEffect transition="in" filter="fade">
+                                      <p:cBhvr>
+                                        <p:cTn id="60" dur="750"/>
+                                        <p:tgtEl>
+                                          <p:spTgt spid="31"/>
+                                        </p:tgtEl>
+                                      </p:cBhvr>
+                                    </p:animEffect>
+                                  </p:childTnLst>
+                                </p:cTn>
+                              </p:par>
+                              <p:par>
+                                <p:cTn id="61" presetID="6" presetClass="entr" presetSubtype="16" fill="hold" nodeType="withEffect">
+                                  <p:stCondLst>
+                                    <p:cond delay="250"/>
+                                  </p:stCondLst>
+                                  <p:childTnLst>
+                                    <p:set>
+                                      <p:cBhvr>
+                                        <p:cTn id="62" dur="1" fill="hold">
+                                          <p:stCondLst>
+                                            <p:cond delay="0"/>
+                                          </p:stCondLst>
+                                        </p:cTn>
+                                        <p:tgtEl>
+                                          <p:spTgt spid="35"/>
+                                        </p:tgtEl>
+                                        <p:attrNameLst>
+                                          <p:attrName>style.visibility</p:attrName>
+                                        </p:attrNameLst>
+                                      </p:cBhvr>
+                                      <p:to>
+                                        <p:strVal val="visible"/>
+                                      </p:to>
+                                    </p:set>
+                                    <p:animEffect transition="in" filter="circle(in)">
+                                      <p:cBhvr>
+                                        <p:cTn id="63" dur="750"/>
+                                        <p:tgtEl>
+                                          <p:spTgt spid="35"/>
+                                        </p:tgtEl>
+                                      </p:cBhvr>
+                                    </p:animEffect>
+                                  </p:childTnLst>
+                                </p:cTn>
+                              </p:par>
+                            </p:childTnLst>
+                          </p:cTn>
+                        </p:par>
+                        <p:par>
+                          <p:cTn id="64" fill="hold">
+                            <p:stCondLst>
+                              <p:cond delay="5500"/>
+                            </p:stCondLst>
+                            <p:childTnLst>
+                              <p:par>
+                                <p:cTn id="65" presetID="10" presetClass="entr" presetSubtype="0" fill="hold" grpId="0" nodeType="afterEffect">
+                                  <p:stCondLst>
+                                    <p:cond delay="250"/>
+                                  </p:stCondLst>
+                                  <p:childTnLst>
+                                    <p:set>
+                                      <p:cBhvr>
+                                        <p:cTn id="66" dur="1" fill="hold">
+                                          <p:stCondLst>
+                                            <p:cond delay="0"/>
+                                          </p:stCondLst>
+                                        </p:cTn>
+                                        <p:tgtEl>
+                                          <p:spTgt spid="32"/>
+                                        </p:tgtEl>
+                                        <p:attrNameLst>
+                                          <p:attrName>style.visibility</p:attrName>
+                                        </p:attrNameLst>
+                                      </p:cBhvr>
+                                      <p:to>
+                                        <p:strVal val="visible"/>
+                                      </p:to>
+                                    </p:set>
+                                    <p:animEffect transition="in" filter="fade">
+                                      <p:cBhvr>
+                                        <p:cTn id="67" dur="750"/>
+                                        <p:tgtEl>
+                                          <p:spTgt spid="32"/>
+                                        </p:tgtEl>
+                                      </p:cBhvr>
+                                    </p:animEffect>
+                                  </p:childTnLst>
+                                </p:cTn>
+                              </p:par>
+                              <p:par>
+                                <p:cTn id="68" presetID="10" presetClass="entr" presetSubtype="0" fill="hold" nodeType="withEffect">
+                                  <p:stCondLst>
+                                    <p:cond delay="250"/>
+                                  </p:stCondLst>
+                                  <p:childTnLst>
+                                    <p:set>
+                                      <p:cBhvr>
+                                        <p:cTn id="69" dur="1" fill="hold">
+                                          <p:stCondLst>
+                                            <p:cond delay="0"/>
+                                          </p:stCondLst>
+                                        </p:cTn>
+                                        <p:tgtEl>
+                                          <p:spTgt spid="37"/>
+                                        </p:tgtEl>
+                                        <p:attrNameLst>
+                                          <p:attrName>style.visibility</p:attrName>
+                                        </p:attrNameLst>
+                                      </p:cBhvr>
+                                      <p:to>
+                                        <p:strVal val="visible"/>
+                                      </p:to>
+                                    </p:set>
+                                    <p:animEffect transition="in" filter="fade">
+                                      <p:cBhvr>
+                                        <p:cTn id="70" dur="750"/>
+                                        <p:tgtEl>
+                                          <p:spTgt spid="37"/>
+                                        </p:tgtEl>
+                                      </p:cBhvr>
+                                    </p:animEffect>
+                                  </p:childTnLst>
+                                </p:cTn>
+                              </p:par>
+                            </p:childTnLst>
+                          </p:cTn>
+                        </p:par>
+                        <p:par>
+                          <p:cTn id="71" fill="hold">
+                            <p:stCondLst>
+                              <p:cond delay="6500"/>
+                            </p:stCondLst>
+                            <p:childTnLst>
+                              <p:par>
+                                <p:cTn id="72" presetID="10" presetClass="entr" presetSubtype="0" fill="hold" grpId="0" nodeType="afterEffect">
+                                  <p:stCondLst>
+                                    <p:cond delay="250"/>
+                                  </p:stCondLst>
+                                  <p:childTnLst>
+                                    <p:set>
+                                      <p:cBhvr>
+                                        <p:cTn id="73" dur="1" fill="hold">
+                                          <p:stCondLst>
+                                            <p:cond delay="0"/>
+                                          </p:stCondLst>
+                                        </p:cTn>
+                                        <p:tgtEl>
+                                          <p:spTgt spid="34"/>
+                                        </p:tgtEl>
+                                        <p:attrNameLst>
+                                          <p:attrName>style.visibility</p:attrName>
+                                        </p:attrNameLst>
+                                      </p:cBhvr>
+                                      <p:to>
+                                        <p:strVal val="visible"/>
+                                      </p:to>
+                                    </p:set>
+                                    <p:animEffect transition="in" filter="fade">
+                                      <p:cBhvr>
+                                        <p:cTn id="74" dur="750"/>
+                                        <p:tgtEl>
+                                          <p:spTgt spid="34"/>
+                                        </p:tgtEl>
+                                      </p:cBhvr>
+                                    </p:animEffect>
+                                  </p:childTnLst>
+                                </p:cTn>
+                              </p:par>
+                              <p:par>
+                                <p:cTn id="75" presetID="10" presetClass="entr" presetSubtype="0" fill="hold" nodeType="withEffect">
+                                  <p:stCondLst>
+                                    <p:cond delay="250"/>
+                                  </p:stCondLst>
+                                  <p:childTnLst>
+                                    <p:set>
+                                      <p:cBhvr>
+                                        <p:cTn id="76" dur="1" fill="hold">
+                                          <p:stCondLst>
+                                            <p:cond delay="0"/>
+                                          </p:stCondLst>
+                                        </p:cTn>
+                                        <p:tgtEl>
+                                          <p:spTgt spid="39"/>
+                                        </p:tgtEl>
+                                        <p:attrNameLst>
+                                          <p:attrName>style.visibility</p:attrName>
+                                        </p:attrNameLst>
+                                      </p:cBhvr>
+                                      <p:to>
+                                        <p:strVal val="visible"/>
+                                      </p:to>
+                                    </p:set>
+                                    <p:animEffect transition="in" filter="fade">
+                                      <p:cBhvr>
+                                        <p:cTn id="77" dur="750"/>
+                                        <p:tgtEl>
+                                          <p:spTgt spid="39"/>
+                                        </p:tgtEl>
+                                      </p:cBhvr>
+                                    </p:animEffect>
+                                  </p:childTnLst>
+                                </p:cTn>
+                              </p:par>
+                            </p:childTnLst>
+                          </p:cTn>
+                        </p:par>
+                        <p:par>
+                          <p:cTn id="78" fill="hold">
+                            <p:stCondLst>
+                              <p:cond delay="7500"/>
+                            </p:stCondLst>
+                            <p:childTnLst>
+                              <p:par>
+                                <p:cTn id="79" presetID="10" presetClass="entr" presetSubtype="0" fill="hold" grpId="0" nodeType="afterEffect">
+                                  <p:stCondLst>
+                                    <p:cond delay="250"/>
+                                  </p:stCondLst>
+                                  <p:childTnLst>
+                                    <p:set>
+                                      <p:cBhvr>
+                                        <p:cTn id="80" dur="1" fill="hold">
+                                          <p:stCondLst>
+                                            <p:cond delay="0"/>
+                                          </p:stCondLst>
+                                        </p:cTn>
+                                        <p:tgtEl>
+                                          <p:spTgt spid="33"/>
+                                        </p:tgtEl>
+                                        <p:attrNameLst>
+                                          <p:attrName>style.visibility</p:attrName>
+                                        </p:attrNameLst>
+                                      </p:cBhvr>
+                                      <p:to>
+                                        <p:strVal val="visible"/>
+                                      </p:to>
+                                    </p:set>
+                                    <p:animEffect transition="in" filter="fade">
+                                      <p:cBhvr>
+                                        <p:cTn id="81" dur="750"/>
+                                        <p:tgtEl>
+                                          <p:spTgt spid="33"/>
+                                        </p:tgtEl>
+                                      </p:cBhvr>
+                                    </p:animEffect>
+                                  </p:childTnLst>
+                                </p:cTn>
+                              </p:par>
+                              <p:par>
+                                <p:cTn id="82" presetID="10" presetClass="entr" presetSubtype="0" fill="hold" nodeType="withEffect">
+                                  <p:stCondLst>
+                                    <p:cond delay="250"/>
+                                  </p:stCondLst>
+                                  <p:childTnLst>
+                                    <p:set>
+                                      <p:cBhvr>
+                                        <p:cTn id="83" dur="1" fill="hold">
+                                          <p:stCondLst>
+                                            <p:cond delay="0"/>
+                                          </p:stCondLst>
+                                        </p:cTn>
+                                        <p:tgtEl>
+                                          <p:spTgt spid="41"/>
+                                        </p:tgtEl>
+                                        <p:attrNameLst>
+                                          <p:attrName>style.visibility</p:attrName>
+                                        </p:attrNameLst>
+                                      </p:cBhvr>
+                                      <p:to>
+                                        <p:strVal val="visible"/>
+                                      </p:to>
+                                    </p:set>
+                                    <p:animEffect transition="in" filter="fade">
+                                      <p:cBhvr>
+                                        <p:cTn id="84" dur="750"/>
+                                        <p:tgtEl>
+                                          <p:spTgt spid="41"/>
+                                        </p:tgtEl>
+                                      </p:cBhvr>
+                                    </p:animEffect>
+                                  </p:childTnLst>
+                                </p:cTn>
+                              </p:par>
+                            </p:childTnLst>
+                          </p:cTn>
+                        </p:par>
+                        <p:par>
+                          <p:cTn id="85" fill="hold">
+                            <p:stCondLst>
+                              <p:cond delay="8500"/>
+                            </p:stCondLst>
+                            <p:childTnLst>
+                              <p:par>
+                                <p:cTn id="86" presetID="22" presetClass="entr" presetSubtype="4" fill="hold" grpId="0" nodeType="afterEffect">
+                                  <p:stCondLst>
+                                    <p:cond delay="0"/>
+                                  </p:stCondLst>
+                                  <p:childTnLst>
+                                    <p:set>
+                                      <p:cBhvr>
+                                        <p:cTn id="87" dur="1" fill="hold">
+                                          <p:stCondLst>
+                                            <p:cond delay="0"/>
+                                          </p:stCondLst>
+                                        </p:cTn>
+                                        <p:tgtEl>
+                                          <p:spTgt spid="44"/>
+                                        </p:tgtEl>
+                                        <p:attrNameLst>
+                                          <p:attrName>style.visibility</p:attrName>
+                                        </p:attrNameLst>
+                                      </p:cBhvr>
+                                      <p:to>
+                                        <p:strVal val="visible"/>
+                                      </p:to>
+                                    </p:set>
+                                    <p:animEffect transition="in" filter="wipe(down)">
+                                      <p:cBhvr>
+                                        <p:cTn id="88" dur="500"/>
+                                        <p:tgtEl>
+                                          <p:spTgt spid="44"/>
+                                        </p:tgtEl>
+                                      </p:cBhvr>
+                                    </p:animEffect>
+                                  </p:childTnLst>
+                                </p:cTn>
+                              </p:par>
+                            </p:childTnLst>
+                          </p:cTn>
+                        </p:par>
+                        <p:par>
+                          <p:cTn id="89" fill="hold">
+                            <p:stCondLst>
+                              <p:cond delay="9000"/>
+                            </p:stCondLst>
+                            <p:childTnLst>
+                              <p:par>
+                                <p:cTn id="90" presetID="10" presetClass="entr" presetSubtype="0" fill="hold" nodeType="afterEffect">
+                                  <p:stCondLst>
+                                    <p:cond delay="0"/>
+                                  </p:stCondLst>
+                                  <p:childTnLst>
+                                    <p:set>
+                                      <p:cBhvr>
+                                        <p:cTn id="91" dur="1" fill="hold">
+                                          <p:stCondLst>
+                                            <p:cond delay="0"/>
+                                          </p:stCondLst>
+                                        </p:cTn>
+                                        <p:tgtEl>
+                                          <p:spTgt spid="45">
+                                            <p:txEl>
+                                              <p:pRg st="0" end="0"/>
+                                            </p:txEl>
+                                          </p:spTgt>
+                                        </p:tgtEl>
+                                        <p:attrNameLst>
+                                          <p:attrName>style.visibility</p:attrName>
+                                        </p:attrNameLst>
+                                      </p:cBhvr>
+                                      <p:to>
+                                        <p:strVal val="visible"/>
+                                      </p:to>
+                                    </p:set>
+                                    <p:animEffect transition="in" filter="fade">
+                                      <p:cBhvr>
+                                        <p:cTn id="92" dur="500"/>
+                                        <p:tgtEl>
+                                          <p:spTgt spid="45">
+                                            <p:txEl>
+                                              <p:pRg st="0" end="0"/>
+                                            </p:txEl>
+                                          </p:spTgt>
+                                        </p:tgtEl>
+                                      </p:cBhvr>
+                                    </p:animEffect>
+                                  </p:childTnLst>
+                                </p:cTn>
+                              </p:par>
+                            </p:childTnLst>
+                          </p:cTn>
+                        </p:par>
+                        <p:par>
+                          <p:cTn id="93" fill="hold">
+                            <p:stCondLst>
+                              <p:cond delay="9500"/>
+                            </p:stCondLst>
+                            <p:childTnLst>
+                              <p:par>
+                                <p:cTn id="94" presetID="10" presetClass="entr" presetSubtype="0" fill="hold" nodeType="afterEffect">
+                                  <p:stCondLst>
+                                    <p:cond delay="0"/>
+                                  </p:stCondLst>
+                                  <p:childTnLst>
+                                    <p:set>
+                                      <p:cBhvr>
+                                        <p:cTn id="95" dur="1" fill="hold">
+                                          <p:stCondLst>
+                                            <p:cond delay="0"/>
+                                          </p:stCondLst>
+                                        </p:cTn>
+                                        <p:tgtEl>
+                                          <p:spTgt spid="47"/>
+                                        </p:tgtEl>
+                                        <p:attrNameLst>
+                                          <p:attrName>style.visibility</p:attrName>
+                                        </p:attrNameLst>
+                                      </p:cBhvr>
+                                      <p:to>
+                                        <p:strVal val="visible"/>
+                                      </p:to>
+                                    </p:set>
+                                    <p:animEffect transition="in" filter="fade">
+                                      <p:cBhvr>
+                                        <p:cTn id="96" dur="500"/>
+                                        <p:tgtEl>
+                                          <p:spTgt spid="47"/>
+                                        </p:tgtEl>
+                                      </p:cBhvr>
+                                    </p:animEffect>
+                                  </p:childTnLst>
+                                </p:cTn>
+                              </p:par>
+                              <p:par>
+                                <p:cTn id="97" presetID="10" presetClass="entr" presetSubtype="0" fill="hold" nodeType="withEffect">
+                                  <p:stCondLst>
+                                    <p:cond delay="0"/>
+                                  </p:stCondLst>
+                                  <p:childTnLst>
+                                    <p:set>
+                                      <p:cBhvr>
+                                        <p:cTn id="98" dur="1" fill="hold">
+                                          <p:stCondLst>
+                                            <p:cond delay="0"/>
+                                          </p:stCondLst>
+                                        </p:cTn>
+                                        <p:tgtEl>
+                                          <p:spTgt spid="48"/>
+                                        </p:tgtEl>
+                                        <p:attrNameLst>
+                                          <p:attrName>style.visibility</p:attrName>
+                                        </p:attrNameLst>
+                                      </p:cBhvr>
+                                      <p:to>
+                                        <p:strVal val="visible"/>
+                                      </p:to>
+                                    </p:set>
+                                    <p:animEffect transition="in" filter="fade">
+                                      <p:cBhvr>
+                                        <p:cTn id="99" dur="500"/>
+                                        <p:tgtEl>
+                                          <p:spTgt spid="48"/>
+                                        </p:tgtEl>
+                                      </p:cBhvr>
+                                    </p:animEffect>
+                                  </p:childTnLst>
+                                </p:cTn>
+                              </p:par>
+                            </p:childTnLst>
+                          </p:cTn>
+                        </p:par>
+                      </p:childTnLst>
+                    </p:cTn>
+                  </p:par>
+                </p:childTnLst>
+              </p:cTn>
+              <p:prevCondLst>
+                <p:cond evt="onPrev" delay="0">
+                  <p:tgtEl>
+                    <p:sldTgt/>
+                  </p:tgtEl>
+                </p:cond>
+              </p:prevCondLst>
+              <p:nextCondLst>
+                <p:cond evt="onNext" delay="0">
+                  <p:tgtEl>
+                    <p:sldTgt/>
+                  </p:tgtEl>
+                </p:cond>
+              </p:nextCondLst>
+            </p:seq>
+          </p:childTnLst>
+        </p:cTn>
+      </p:par>
+    </p:tnLst>
+    <p:bldLst>
+      <p:bldP spid="44" grpId="0" animBg="1"/>
+      <p:bldP spid="33" grpId="0" animBg="1"/>
+      <p:bldP spid="34" grpId="0" animBg="1"/>
+      <p:bldP spid="32" grpId="0" animBg="1"/>
+      <p:bldP spid="31" grpId="0" animBg="1"/>
+      <p:bldP spid="2" grpId="0" animBg="1"/>
+      <p:bldP spid="3" grpId="0" animBg="1"/>
+      <p:bldP spid="7" grpId="0" animBg="1"/>
+      <p:bldP spid="10" grpId="0" animBg="1"/>
+      <p:bldP spid="13" grpId="0" animBg="1"/>
+    </p:bldLst>
+  </p:timing>
+</p:sld>
+</file>
+
+<file path=ppt/slides/slide8.xml><?xml version="1.0" encoding="utf-8"?>
 <p:sld xmlns:a="http://schemas.openxmlformats.org/drawingml/2006/main" xmlns:r="http://schemas.openxmlformats.org/officeDocument/2006/relationships" xmlns:p="http://schemas.openxmlformats.org/presentationml/2006/main">
   <p:cSld>
     <p:bg>
@@ -5049,7 +8224,7 @@
 </p:sld>
 </file>
 
-<file path=ppt/slides/slide8.xml><?xml version="1.0" encoding="utf-8"?>
+<file path=ppt/slides/slide9.xml><?xml version="1.0" encoding="utf-8"?>
 <p:sld xmlns:a="http://schemas.openxmlformats.org/drawingml/2006/main" xmlns:r="http://schemas.openxmlformats.org/officeDocument/2006/relationships" xmlns:p="http://schemas.openxmlformats.org/presentationml/2006/main">
   <p:cSld>
     <p:bg>

--- a/Design Pattern.pptx
+++ b/Design Pattern.pptx
@@ -5,10 +5,10 @@
     <p:sldMasterId id="2147483648" r:id="rId1"/>
   </p:sldMasterIdLst>
   <p:notesMasterIdLst>
-    <p:notesMasterId r:id="rId12"/>
+    <p:notesMasterId r:id="rId21"/>
   </p:notesMasterIdLst>
   <p:handoutMasterIdLst>
-    <p:handoutMasterId r:id="rId13"/>
+    <p:handoutMasterId r:id="rId22"/>
   </p:handoutMasterIdLst>
   <p:sldIdLst>
     <p:sldId id="256" r:id="rId2"/>
@@ -17,10 +17,19 @@
     <p:sldId id="260" r:id="rId5"/>
     <p:sldId id="263" r:id="rId6"/>
     <p:sldId id="266" r:id="rId7"/>
-    <p:sldId id="265" r:id="rId8"/>
-    <p:sldId id="262" r:id="rId9"/>
+    <p:sldId id="262" r:id="rId8"/>
+    <p:sldId id="265" r:id="rId9"/>
     <p:sldId id="261" r:id="rId10"/>
-    <p:sldId id="258" r:id="rId11"/>
+    <p:sldId id="271" r:id="rId11"/>
+    <p:sldId id="270" r:id="rId12"/>
+    <p:sldId id="269" r:id="rId13"/>
+    <p:sldId id="268" r:id="rId14"/>
+    <p:sldId id="267" r:id="rId15"/>
+    <p:sldId id="275" r:id="rId16"/>
+    <p:sldId id="274" r:id="rId17"/>
+    <p:sldId id="273" r:id="rId18"/>
+    <p:sldId id="272" r:id="rId19"/>
+    <p:sldId id="258" r:id="rId20"/>
   </p:sldIdLst>
   <p:sldSz cx="9144000" cy="6858000" type="screen4x3"/>
   <p:notesSz cx="6858000" cy="9144000"/>
@@ -869,6 +878,1190 @@
 </p:notes>
 </file>
 
+<file path=ppt/notesSlides/notesSlide10.xml><?xml version="1.0" encoding="utf-8"?>
+<p:notes xmlns:a="http://schemas.openxmlformats.org/drawingml/2006/main" xmlns:r="http://schemas.openxmlformats.org/officeDocument/2006/relationships" xmlns:p="http://schemas.openxmlformats.org/presentationml/2006/main">
+  <p:cSld>
+    <p:spTree>
+      <p:nvGrpSpPr>
+        <p:cNvPr id="1" name=""/>
+        <p:cNvGrpSpPr/>
+        <p:nvPr/>
+      </p:nvGrpSpPr>
+      <p:grpSpPr>
+        <a:xfrm>
+          <a:off x="0" y="0"/>
+          <a:ext cx="0" cy="0"/>
+          <a:chOff x="0" y="0"/>
+          <a:chExt cx="0" cy="0"/>
+        </a:xfrm>
+      </p:grpSpPr>
+      <p:sp>
+        <p:nvSpPr>
+          <p:cNvPr id="9218" name="Rectangle 7"/>
+          <p:cNvSpPr>
+            <a:spLocks noGrp="1" noChangeArrowheads="1"/>
+          </p:cNvSpPr>
+          <p:nvPr>
+            <p:ph type="sldNum" sz="quarter" idx="5"/>
+          </p:nvPr>
+        </p:nvSpPr>
+        <p:spPr>
+          <a:noFill/>
+          <a:ln>
+            <a:miter lim="800000"/>
+            <a:headEnd/>
+            <a:tailEnd/>
+          </a:ln>
+        </p:spPr>
+        <p:txBody>
+          <a:bodyPr/>
+          <a:lstStyle/>
+          <a:p>
+            <a:pPr marL="0" marR="0" lvl="0" indent="0" algn="r" defTabSz="914400" rtl="0" eaLnBrk="1" fontAlgn="base" latinLnBrk="0" hangingPunct="1">
+              <a:lnSpc>
+                <a:spcPct val="100000"/>
+              </a:lnSpc>
+              <a:spcBef>
+                <a:spcPct val="0"/>
+              </a:spcBef>
+              <a:spcAft>
+                <a:spcPct val="0"/>
+              </a:spcAft>
+              <a:buClrTx/>
+              <a:buSzTx/>
+              <a:buFontTx/>
+              <a:buNone/>
+              <a:tabLst/>
+              <a:defRPr/>
+            </a:pPr>
+            <a:fld id="{4CBBC889-3F4B-46E7-9B71-B94EA8D542E0}" type="slidenum">
+              <a:rPr kumimoji="0" lang="en-US" sz="1200" b="0" i="0" u="none" strike="noStrike" kern="1200" cap="none" spc="0" normalizeH="0" baseline="0" noProof="0">
+                <a:ln>
+                  <a:noFill/>
+                </a:ln>
+                <a:solidFill>
+                  <a:srgbClr val="000000"/>
+                </a:solidFill>
+                <a:effectLst/>
+                <a:uLnTx/>
+                <a:uFillTx/>
+                <a:latin typeface="Arial" charset="0"/>
+                <a:ea typeface="+mn-ea"/>
+                <a:cs typeface="+mn-cs"/>
+              </a:rPr>
+              <a:pPr marL="0" marR="0" lvl="0" indent="0" algn="r" defTabSz="914400" rtl="0" eaLnBrk="1" fontAlgn="base" latinLnBrk="0" hangingPunct="1">
+                <a:lnSpc>
+                  <a:spcPct val="100000"/>
+                </a:lnSpc>
+                <a:spcBef>
+                  <a:spcPct val="0"/>
+                </a:spcBef>
+                <a:spcAft>
+                  <a:spcPct val="0"/>
+                </a:spcAft>
+                <a:buClrTx/>
+                <a:buSzTx/>
+                <a:buFontTx/>
+                <a:buNone/>
+                <a:tabLst/>
+                <a:defRPr/>
+              </a:pPr>
+              <a:t>12</a:t>
+            </a:fld>
+            <a:endParaRPr kumimoji="0" lang="en-US" sz="1200" b="0" i="0" u="none" strike="noStrike" kern="1200" cap="none" spc="0" normalizeH="0" baseline="0" noProof="0">
+              <a:ln>
+                <a:noFill/>
+              </a:ln>
+              <a:solidFill>
+                <a:srgbClr val="000000"/>
+              </a:solidFill>
+              <a:effectLst/>
+              <a:uLnTx/>
+              <a:uFillTx/>
+              <a:latin typeface="Arial" charset="0"/>
+              <a:ea typeface="+mn-ea"/>
+              <a:cs typeface="+mn-cs"/>
+            </a:endParaRPr>
+          </a:p>
+        </p:txBody>
+      </p:sp>
+      <p:sp>
+        <p:nvSpPr>
+          <p:cNvPr id="9219" name="Rectangle 2"/>
+          <p:cNvSpPr>
+            <a:spLocks noGrp="1" noRot="1" noChangeAspect="1" noChangeArrowheads="1" noTextEdit="1"/>
+          </p:cNvSpPr>
+          <p:nvPr>
+            <p:ph type="sldImg"/>
+          </p:nvPr>
+        </p:nvSpPr>
+        <p:spPr>
+          <a:ln/>
+        </p:spPr>
+      </p:sp>
+      <p:sp>
+        <p:nvSpPr>
+          <p:cNvPr id="9220" name="Rectangle 3"/>
+          <p:cNvSpPr>
+            <a:spLocks noGrp="1" noChangeArrowheads="1"/>
+          </p:cNvSpPr>
+          <p:nvPr>
+            <p:ph type="body" idx="1"/>
+          </p:nvPr>
+        </p:nvSpPr>
+        <p:spPr>
+          <a:noFill/>
+        </p:spPr>
+        <p:txBody>
+          <a:bodyPr/>
+          <a:lstStyle/>
+          <a:p>
+            <a:pPr eaLnBrk="1" hangingPunct="1"/>
+            <a:endParaRPr lang="en-US"/>
+          </a:p>
+        </p:txBody>
+      </p:sp>
+    </p:spTree>
+    <p:extLst>
+      <p:ext uri="{BB962C8B-B14F-4D97-AF65-F5344CB8AC3E}">
+        <p14:creationId xmlns:p14="http://schemas.microsoft.com/office/powerpoint/2010/main" val="107598415"/>
+      </p:ext>
+    </p:extLst>
+  </p:cSld>
+  <p:clrMapOvr>
+    <a:masterClrMapping/>
+  </p:clrMapOvr>
+</p:notes>
+</file>
+
+<file path=ppt/notesSlides/notesSlide11.xml><?xml version="1.0" encoding="utf-8"?>
+<p:notes xmlns:a="http://schemas.openxmlformats.org/drawingml/2006/main" xmlns:r="http://schemas.openxmlformats.org/officeDocument/2006/relationships" xmlns:p="http://schemas.openxmlformats.org/presentationml/2006/main">
+  <p:cSld>
+    <p:spTree>
+      <p:nvGrpSpPr>
+        <p:cNvPr id="1" name=""/>
+        <p:cNvGrpSpPr/>
+        <p:nvPr/>
+      </p:nvGrpSpPr>
+      <p:grpSpPr>
+        <a:xfrm>
+          <a:off x="0" y="0"/>
+          <a:ext cx="0" cy="0"/>
+          <a:chOff x="0" y="0"/>
+          <a:chExt cx="0" cy="0"/>
+        </a:xfrm>
+      </p:grpSpPr>
+      <p:sp>
+        <p:nvSpPr>
+          <p:cNvPr id="9218" name="Rectangle 7"/>
+          <p:cNvSpPr>
+            <a:spLocks noGrp="1" noChangeArrowheads="1"/>
+          </p:cNvSpPr>
+          <p:nvPr>
+            <p:ph type="sldNum" sz="quarter" idx="5"/>
+          </p:nvPr>
+        </p:nvSpPr>
+        <p:spPr>
+          <a:noFill/>
+          <a:ln>
+            <a:miter lim="800000"/>
+            <a:headEnd/>
+            <a:tailEnd/>
+          </a:ln>
+        </p:spPr>
+        <p:txBody>
+          <a:bodyPr/>
+          <a:lstStyle/>
+          <a:p>
+            <a:pPr marL="0" marR="0" lvl="0" indent="0" algn="r" defTabSz="914400" rtl="0" eaLnBrk="1" fontAlgn="base" latinLnBrk="0" hangingPunct="1">
+              <a:lnSpc>
+                <a:spcPct val="100000"/>
+              </a:lnSpc>
+              <a:spcBef>
+                <a:spcPct val="0"/>
+              </a:spcBef>
+              <a:spcAft>
+                <a:spcPct val="0"/>
+              </a:spcAft>
+              <a:buClrTx/>
+              <a:buSzTx/>
+              <a:buFontTx/>
+              <a:buNone/>
+              <a:tabLst/>
+              <a:defRPr/>
+            </a:pPr>
+            <a:fld id="{4CBBC889-3F4B-46E7-9B71-B94EA8D542E0}" type="slidenum">
+              <a:rPr kumimoji="0" lang="en-US" sz="1200" b="0" i="0" u="none" strike="noStrike" kern="1200" cap="none" spc="0" normalizeH="0" baseline="0" noProof="0">
+                <a:ln>
+                  <a:noFill/>
+                </a:ln>
+                <a:solidFill>
+                  <a:srgbClr val="000000"/>
+                </a:solidFill>
+                <a:effectLst/>
+                <a:uLnTx/>
+                <a:uFillTx/>
+                <a:latin typeface="Arial" charset="0"/>
+                <a:ea typeface="+mn-ea"/>
+                <a:cs typeface="+mn-cs"/>
+              </a:rPr>
+              <a:pPr marL="0" marR="0" lvl="0" indent="0" algn="r" defTabSz="914400" rtl="0" eaLnBrk="1" fontAlgn="base" latinLnBrk="0" hangingPunct="1">
+                <a:lnSpc>
+                  <a:spcPct val="100000"/>
+                </a:lnSpc>
+                <a:spcBef>
+                  <a:spcPct val="0"/>
+                </a:spcBef>
+                <a:spcAft>
+                  <a:spcPct val="0"/>
+                </a:spcAft>
+                <a:buClrTx/>
+                <a:buSzTx/>
+                <a:buFontTx/>
+                <a:buNone/>
+                <a:tabLst/>
+                <a:defRPr/>
+              </a:pPr>
+              <a:t>13</a:t>
+            </a:fld>
+            <a:endParaRPr kumimoji="0" lang="en-US" sz="1200" b="0" i="0" u="none" strike="noStrike" kern="1200" cap="none" spc="0" normalizeH="0" baseline="0" noProof="0">
+              <a:ln>
+                <a:noFill/>
+              </a:ln>
+              <a:solidFill>
+                <a:srgbClr val="000000"/>
+              </a:solidFill>
+              <a:effectLst/>
+              <a:uLnTx/>
+              <a:uFillTx/>
+              <a:latin typeface="Arial" charset="0"/>
+              <a:ea typeface="+mn-ea"/>
+              <a:cs typeface="+mn-cs"/>
+            </a:endParaRPr>
+          </a:p>
+        </p:txBody>
+      </p:sp>
+      <p:sp>
+        <p:nvSpPr>
+          <p:cNvPr id="9219" name="Rectangle 2"/>
+          <p:cNvSpPr>
+            <a:spLocks noGrp="1" noRot="1" noChangeAspect="1" noChangeArrowheads="1" noTextEdit="1"/>
+          </p:cNvSpPr>
+          <p:nvPr>
+            <p:ph type="sldImg"/>
+          </p:nvPr>
+        </p:nvSpPr>
+        <p:spPr>
+          <a:ln/>
+        </p:spPr>
+      </p:sp>
+      <p:sp>
+        <p:nvSpPr>
+          <p:cNvPr id="9220" name="Rectangle 3"/>
+          <p:cNvSpPr>
+            <a:spLocks noGrp="1" noChangeArrowheads="1"/>
+          </p:cNvSpPr>
+          <p:nvPr>
+            <p:ph type="body" idx="1"/>
+          </p:nvPr>
+        </p:nvSpPr>
+        <p:spPr>
+          <a:noFill/>
+        </p:spPr>
+        <p:txBody>
+          <a:bodyPr/>
+          <a:lstStyle/>
+          <a:p>
+            <a:pPr eaLnBrk="1" hangingPunct="1"/>
+            <a:endParaRPr lang="en-US"/>
+          </a:p>
+        </p:txBody>
+      </p:sp>
+    </p:spTree>
+    <p:extLst>
+      <p:ext uri="{BB962C8B-B14F-4D97-AF65-F5344CB8AC3E}">
+        <p14:creationId xmlns:p14="http://schemas.microsoft.com/office/powerpoint/2010/main" val="4047422990"/>
+      </p:ext>
+    </p:extLst>
+  </p:cSld>
+  <p:clrMapOvr>
+    <a:masterClrMapping/>
+  </p:clrMapOvr>
+</p:notes>
+</file>
+
+<file path=ppt/notesSlides/notesSlide12.xml><?xml version="1.0" encoding="utf-8"?>
+<p:notes xmlns:a="http://schemas.openxmlformats.org/drawingml/2006/main" xmlns:r="http://schemas.openxmlformats.org/officeDocument/2006/relationships" xmlns:p="http://schemas.openxmlformats.org/presentationml/2006/main">
+  <p:cSld>
+    <p:spTree>
+      <p:nvGrpSpPr>
+        <p:cNvPr id="1" name=""/>
+        <p:cNvGrpSpPr/>
+        <p:nvPr/>
+      </p:nvGrpSpPr>
+      <p:grpSpPr>
+        <a:xfrm>
+          <a:off x="0" y="0"/>
+          <a:ext cx="0" cy="0"/>
+          <a:chOff x="0" y="0"/>
+          <a:chExt cx="0" cy="0"/>
+        </a:xfrm>
+      </p:grpSpPr>
+      <p:sp>
+        <p:nvSpPr>
+          <p:cNvPr id="9218" name="Rectangle 7"/>
+          <p:cNvSpPr>
+            <a:spLocks noGrp="1" noChangeArrowheads="1"/>
+          </p:cNvSpPr>
+          <p:nvPr>
+            <p:ph type="sldNum" sz="quarter" idx="5"/>
+          </p:nvPr>
+        </p:nvSpPr>
+        <p:spPr>
+          <a:noFill/>
+          <a:ln>
+            <a:miter lim="800000"/>
+            <a:headEnd/>
+            <a:tailEnd/>
+          </a:ln>
+        </p:spPr>
+        <p:txBody>
+          <a:bodyPr/>
+          <a:lstStyle/>
+          <a:p>
+            <a:pPr marL="0" marR="0" lvl="0" indent="0" algn="r" defTabSz="914400" rtl="0" eaLnBrk="1" fontAlgn="base" latinLnBrk="0" hangingPunct="1">
+              <a:lnSpc>
+                <a:spcPct val="100000"/>
+              </a:lnSpc>
+              <a:spcBef>
+                <a:spcPct val="0"/>
+              </a:spcBef>
+              <a:spcAft>
+                <a:spcPct val="0"/>
+              </a:spcAft>
+              <a:buClrTx/>
+              <a:buSzTx/>
+              <a:buFontTx/>
+              <a:buNone/>
+              <a:tabLst/>
+              <a:defRPr/>
+            </a:pPr>
+            <a:fld id="{4CBBC889-3F4B-46E7-9B71-B94EA8D542E0}" type="slidenum">
+              <a:rPr kumimoji="0" lang="en-US" sz="1200" b="0" i="0" u="none" strike="noStrike" kern="1200" cap="none" spc="0" normalizeH="0" baseline="0" noProof="0">
+                <a:ln>
+                  <a:noFill/>
+                </a:ln>
+                <a:solidFill>
+                  <a:srgbClr val="000000"/>
+                </a:solidFill>
+                <a:effectLst/>
+                <a:uLnTx/>
+                <a:uFillTx/>
+                <a:latin typeface="Arial" charset="0"/>
+                <a:ea typeface="+mn-ea"/>
+                <a:cs typeface="+mn-cs"/>
+              </a:rPr>
+              <a:pPr marL="0" marR="0" lvl="0" indent="0" algn="r" defTabSz="914400" rtl="0" eaLnBrk="1" fontAlgn="base" latinLnBrk="0" hangingPunct="1">
+                <a:lnSpc>
+                  <a:spcPct val="100000"/>
+                </a:lnSpc>
+                <a:spcBef>
+                  <a:spcPct val="0"/>
+                </a:spcBef>
+                <a:spcAft>
+                  <a:spcPct val="0"/>
+                </a:spcAft>
+                <a:buClrTx/>
+                <a:buSzTx/>
+                <a:buFontTx/>
+                <a:buNone/>
+                <a:tabLst/>
+                <a:defRPr/>
+              </a:pPr>
+              <a:t>14</a:t>
+            </a:fld>
+            <a:endParaRPr kumimoji="0" lang="en-US" sz="1200" b="0" i="0" u="none" strike="noStrike" kern="1200" cap="none" spc="0" normalizeH="0" baseline="0" noProof="0">
+              <a:ln>
+                <a:noFill/>
+              </a:ln>
+              <a:solidFill>
+                <a:srgbClr val="000000"/>
+              </a:solidFill>
+              <a:effectLst/>
+              <a:uLnTx/>
+              <a:uFillTx/>
+              <a:latin typeface="Arial" charset="0"/>
+              <a:ea typeface="+mn-ea"/>
+              <a:cs typeface="+mn-cs"/>
+            </a:endParaRPr>
+          </a:p>
+        </p:txBody>
+      </p:sp>
+      <p:sp>
+        <p:nvSpPr>
+          <p:cNvPr id="9219" name="Rectangle 2"/>
+          <p:cNvSpPr>
+            <a:spLocks noGrp="1" noRot="1" noChangeAspect="1" noChangeArrowheads="1" noTextEdit="1"/>
+          </p:cNvSpPr>
+          <p:nvPr>
+            <p:ph type="sldImg"/>
+          </p:nvPr>
+        </p:nvSpPr>
+        <p:spPr>
+          <a:ln/>
+        </p:spPr>
+      </p:sp>
+      <p:sp>
+        <p:nvSpPr>
+          <p:cNvPr id="9220" name="Rectangle 3"/>
+          <p:cNvSpPr>
+            <a:spLocks noGrp="1" noChangeArrowheads="1"/>
+          </p:cNvSpPr>
+          <p:nvPr>
+            <p:ph type="body" idx="1"/>
+          </p:nvPr>
+        </p:nvSpPr>
+        <p:spPr>
+          <a:noFill/>
+        </p:spPr>
+        <p:txBody>
+          <a:bodyPr/>
+          <a:lstStyle/>
+          <a:p>
+            <a:pPr eaLnBrk="1" hangingPunct="1"/>
+            <a:endParaRPr lang="en-US"/>
+          </a:p>
+        </p:txBody>
+      </p:sp>
+    </p:spTree>
+    <p:extLst>
+      <p:ext uri="{BB962C8B-B14F-4D97-AF65-F5344CB8AC3E}">
+        <p14:creationId xmlns:p14="http://schemas.microsoft.com/office/powerpoint/2010/main" val="2550961741"/>
+      </p:ext>
+    </p:extLst>
+  </p:cSld>
+  <p:clrMapOvr>
+    <a:masterClrMapping/>
+  </p:clrMapOvr>
+</p:notes>
+</file>
+
+<file path=ppt/notesSlides/notesSlide13.xml><?xml version="1.0" encoding="utf-8"?>
+<p:notes xmlns:a="http://schemas.openxmlformats.org/drawingml/2006/main" xmlns:r="http://schemas.openxmlformats.org/officeDocument/2006/relationships" xmlns:p="http://schemas.openxmlformats.org/presentationml/2006/main">
+  <p:cSld>
+    <p:spTree>
+      <p:nvGrpSpPr>
+        <p:cNvPr id="1" name=""/>
+        <p:cNvGrpSpPr/>
+        <p:nvPr/>
+      </p:nvGrpSpPr>
+      <p:grpSpPr>
+        <a:xfrm>
+          <a:off x="0" y="0"/>
+          <a:ext cx="0" cy="0"/>
+          <a:chOff x="0" y="0"/>
+          <a:chExt cx="0" cy="0"/>
+        </a:xfrm>
+      </p:grpSpPr>
+      <p:sp>
+        <p:nvSpPr>
+          <p:cNvPr id="9218" name="Rectangle 7"/>
+          <p:cNvSpPr>
+            <a:spLocks noGrp="1" noChangeArrowheads="1"/>
+          </p:cNvSpPr>
+          <p:nvPr>
+            <p:ph type="sldNum" sz="quarter" idx="5"/>
+          </p:nvPr>
+        </p:nvSpPr>
+        <p:spPr>
+          <a:noFill/>
+          <a:ln>
+            <a:miter lim="800000"/>
+            <a:headEnd/>
+            <a:tailEnd/>
+          </a:ln>
+        </p:spPr>
+        <p:txBody>
+          <a:bodyPr/>
+          <a:lstStyle/>
+          <a:p>
+            <a:pPr marL="0" marR="0" lvl="0" indent="0" algn="r" defTabSz="914400" rtl="0" eaLnBrk="1" fontAlgn="base" latinLnBrk="0" hangingPunct="1">
+              <a:lnSpc>
+                <a:spcPct val="100000"/>
+              </a:lnSpc>
+              <a:spcBef>
+                <a:spcPct val="0"/>
+              </a:spcBef>
+              <a:spcAft>
+                <a:spcPct val="0"/>
+              </a:spcAft>
+              <a:buClrTx/>
+              <a:buSzTx/>
+              <a:buFontTx/>
+              <a:buNone/>
+              <a:tabLst/>
+              <a:defRPr/>
+            </a:pPr>
+            <a:fld id="{4CBBC889-3F4B-46E7-9B71-B94EA8D542E0}" type="slidenum">
+              <a:rPr kumimoji="0" lang="en-US" sz="1200" b="0" i="0" u="none" strike="noStrike" kern="1200" cap="none" spc="0" normalizeH="0" baseline="0" noProof="0">
+                <a:ln>
+                  <a:noFill/>
+                </a:ln>
+                <a:solidFill>
+                  <a:srgbClr val="000000"/>
+                </a:solidFill>
+                <a:effectLst/>
+                <a:uLnTx/>
+                <a:uFillTx/>
+                <a:latin typeface="Arial" charset="0"/>
+                <a:ea typeface="+mn-ea"/>
+                <a:cs typeface="+mn-cs"/>
+              </a:rPr>
+              <a:pPr marL="0" marR="0" lvl="0" indent="0" algn="r" defTabSz="914400" rtl="0" eaLnBrk="1" fontAlgn="base" latinLnBrk="0" hangingPunct="1">
+                <a:lnSpc>
+                  <a:spcPct val="100000"/>
+                </a:lnSpc>
+                <a:spcBef>
+                  <a:spcPct val="0"/>
+                </a:spcBef>
+                <a:spcAft>
+                  <a:spcPct val="0"/>
+                </a:spcAft>
+                <a:buClrTx/>
+                <a:buSzTx/>
+                <a:buFontTx/>
+                <a:buNone/>
+                <a:tabLst/>
+                <a:defRPr/>
+              </a:pPr>
+              <a:t>15</a:t>
+            </a:fld>
+            <a:endParaRPr kumimoji="0" lang="en-US" sz="1200" b="0" i="0" u="none" strike="noStrike" kern="1200" cap="none" spc="0" normalizeH="0" baseline="0" noProof="0">
+              <a:ln>
+                <a:noFill/>
+              </a:ln>
+              <a:solidFill>
+                <a:srgbClr val="000000"/>
+              </a:solidFill>
+              <a:effectLst/>
+              <a:uLnTx/>
+              <a:uFillTx/>
+              <a:latin typeface="Arial" charset="0"/>
+              <a:ea typeface="+mn-ea"/>
+              <a:cs typeface="+mn-cs"/>
+            </a:endParaRPr>
+          </a:p>
+        </p:txBody>
+      </p:sp>
+      <p:sp>
+        <p:nvSpPr>
+          <p:cNvPr id="9219" name="Rectangle 2"/>
+          <p:cNvSpPr>
+            <a:spLocks noGrp="1" noRot="1" noChangeAspect="1" noChangeArrowheads="1" noTextEdit="1"/>
+          </p:cNvSpPr>
+          <p:nvPr>
+            <p:ph type="sldImg"/>
+          </p:nvPr>
+        </p:nvSpPr>
+        <p:spPr>
+          <a:ln/>
+        </p:spPr>
+      </p:sp>
+      <p:sp>
+        <p:nvSpPr>
+          <p:cNvPr id="9220" name="Rectangle 3"/>
+          <p:cNvSpPr>
+            <a:spLocks noGrp="1" noChangeArrowheads="1"/>
+          </p:cNvSpPr>
+          <p:nvPr>
+            <p:ph type="body" idx="1"/>
+          </p:nvPr>
+        </p:nvSpPr>
+        <p:spPr>
+          <a:noFill/>
+        </p:spPr>
+        <p:txBody>
+          <a:bodyPr/>
+          <a:lstStyle/>
+          <a:p>
+            <a:pPr eaLnBrk="1" hangingPunct="1"/>
+            <a:endParaRPr lang="en-US"/>
+          </a:p>
+        </p:txBody>
+      </p:sp>
+    </p:spTree>
+    <p:extLst>
+      <p:ext uri="{BB962C8B-B14F-4D97-AF65-F5344CB8AC3E}">
+        <p14:creationId xmlns:p14="http://schemas.microsoft.com/office/powerpoint/2010/main" val="2928673299"/>
+      </p:ext>
+    </p:extLst>
+  </p:cSld>
+  <p:clrMapOvr>
+    <a:masterClrMapping/>
+  </p:clrMapOvr>
+</p:notes>
+</file>
+
+<file path=ppt/notesSlides/notesSlide14.xml><?xml version="1.0" encoding="utf-8"?>
+<p:notes xmlns:a="http://schemas.openxmlformats.org/drawingml/2006/main" xmlns:r="http://schemas.openxmlformats.org/officeDocument/2006/relationships" xmlns:p="http://schemas.openxmlformats.org/presentationml/2006/main">
+  <p:cSld>
+    <p:spTree>
+      <p:nvGrpSpPr>
+        <p:cNvPr id="1" name=""/>
+        <p:cNvGrpSpPr/>
+        <p:nvPr/>
+      </p:nvGrpSpPr>
+      <p:grpSpPr>
+        <a:xfrm>
+          <a:off x="0" y="0"/>
+          <a:ext cx="0" cy="0"/>
+          <a:chOff x="0" y="0"/>
+          <a:chExt cx="0" cy="0"/>
+        </a:xfrm>
+      </p:grpSpPr>
+      <p:sp>
+        <p:nvSpPr>
+          <p:cNvPr id="9218" name="Rectangle 7"/>
+          <p:cNvSpPr>
+            <a:spLocks noGrp="1" noChangeArrowheads="1"/>
+          </p:cNvSpPr>
+          <p:nvPr>
+            <p:ph type="sldNum" sz="quarter" idx="5"/>
+          </p:nvPr>
+        </p:nvSpPr>
+        <p:spPr>
+          <a:noFill/>
+          <a:ln>
+            <a:miter lim="800000"/>
+            <a:headEnd/>
+            <a:tailEnd/>
+          </a:ln>
+        </p:spPr>
+        <p:txBody>
+          <a:bodyPr/>
+          <a:lstStyle/>
+          <a:p>
+            <a:pPr marL="0" marR="0" lvl="0" indent="0" algn="r" defTabSz="914400" rtl="0" eaLnBrk="1" fontAlgn="base" latinLnBrk="0" hangingPunct="1">
+              <a:lnSpc>
+                <a:spcPct val="100000"/>
+              </a:lnSpc>
+              <a:spcBef>
+                <a:spcPct val="0"/>
+              </a:spcBef>
+              <a:spcAft>
+                <a:spcPct val="0"/>
+              </a:spcAft>
+              <a:buClrTx/>
+              <a:buSzTx/>
+              <a:buFontTx/>
+              <a:buNone/>
+              <a:tabLst/>
+              <a:defRPr/>
+            </a:pPr>
+            <a:fld id="{4CBBC889-3F4B-46E7-9B71-B94EA8D542E0}" type="slidenum">
+              <a:rPr kumimoji="0" lang="en-US" sz="1200" b="0" i="0" u="none" strike="noStrike" kern="1200" cap="none" spc="0" normalizeH="0" baseline="0" noProof="0">
+                <a:ln>
+                  <a:noFill/>
+                </a:ln>
+                <a:solidFill>
+                  <a:srgbClr val="000000"/>
+                </a:solidFill>
+                <a:effectLst/>
+                <a:uLnTx/>
+                <a:uFillTx/>
+                <a:latin typeface="Arial" charset="0"/>
+                <a:ea typeface="+mn-ea"/>
+                <a:cs typeface="+mn-cs"/>
+              </a:rPr>
+              <a:pPr marL="0" marR="0" lvl="0" indent="0" algn="r" defTabSz="914400" rtl="0" eaLnBrk="1" fontAlgn="base" latinLnBrk="0" hangingPunct="1">
+                <a:lnSpc>
+                  <a:spcPct val="100000"/>
+                </a:lnSpc>
+                <a:spcBef>
+                  <a:spcPct val="0"/>
+                </a:spcBef>
+                <a:spcAft>
+                  <a:spcPct val="0"/>
+                </a:spcAft>
+                <a:buClrTx/>
+                <a:buSzTx/>
+                <a:buFontTx/>
+                <a:buNone/>
+                <a:tabLst/>
+                <a:defRPr/>
+              </a:pPr>
+              <a:t>16</a:t>
+            </a:fld>
+            <a:endParaRPr kumimoji="0" lang="en-US" sz="1200" b="0" i="0" u="none" strike="noStrike" kern="1200" cap="none" spc="0" normalizeH="0" baseline="0" noProof="0">
+              <a:ln>
+                <a:noFill/>
+              </a:ln>
+              <a:solidFill>
+                <a:srgbClr val="000000"/>
+              </a:solidFill>
+              <a:effectLst/>
+              <a:uLnTx/>
+              <a:uFillTx/>
+              <a:latin typeface="Arial" charset="0"/>
+              <a:ea typeface="+mn-ea"/>
+              <a:cs typeface="+mn-cs"/>
+            </a:endParaRPr>
+          </a:p>
+        </p:txBody>
+      </p:sp>
+      <p:sp>
+        <p:nvSpPr>
+          <p:cNvPr id="9219" name="Rectangle 2"/>
+          <p:cNvSpPr>
+            <a:spLocks noGrp="1" noRot="1" noChangeAspect="1" noChangeArrowheads="1" noTextEdit="1"/>
+          </p:cNvSpPr>
+          <p:nvPr>
+            <p:ph type="sldImg"/>
+          </p:nvPr>
+        </p:nvSpPr>
+        <p:spPr>
+          <a:ln/>
+        </p:spPr>
+      </p:sp>
+      <p:sp>
+        <p:nvSpPr>
+          <p:cNvPr id="9220" name="Rectangle 3"/>
+          <p:cNvSpPr>
+            <a:spLocks noGrp="1" noChangeArrowheads="1"/>
+          </p:cNvSpPr>
+          <p:nvPr>
+            <p:ph type="body" idx="1"/>
+          </p:nvPr>
+        </p:nvSpPr>
+        <p:spPr>
+          <a:noFill/>
+        </p:spPr>
+        <p:txBody>
+          <a:bodyPr/>
+          <a:lstStyle/>
+          <a:p>
+            <a:pPr eaLnBrk="1" hangingPunct="1"/>
+            <a:endParaRPr lang="en-US"/>
+          </a:p>
+        </p:txBody>
+      </p:sp>
+    </p:spTree>
+    <p:extLst>
+      <p:ext uri="{BB962C8B-B14F-4D97-AF65-F5344CB8AC3E}">
+        <p14:creationId xmlns:p14="http://schemas.microsoft.com/office/powerpoint/2010/main" val="2024255460"/>
+      </p:ext>
+    </p:extLst>
+  </p:cSld>
+  <p:clrMapOvr>
+    <a:masterClrMapping/>
+  </p:clrMapOvr>
+</p:notes>
+</file>
+
+<file path=ppt/notesSlides/notesSlide15.xml><?xml version="1.0" encoding="utf-8"?>
+<p:notes xmlns:a="http://schemas.openxmlformats.org/drawingml/2006/main" xmlns:r="http://schemas.openxmlformats.org/officeDocument/2006/relationships" xmlns:p="http://schemas.openxmlformats.org/presentationml/2006/main">
+  <p:cSld>
+    <p:spTree>
+      <p:nvGrpSpPr>
+        <p:cNvPr id="1" name=""/>
+        <p:cNvGrpSpPr/>
+        <p:nvPr/>
+      </p:nvGrpSpPr>
+      <p:grpSpPr>
+        <a:xfrm>
+          <a:off x="0" y="0"/>
+          <a:ext cx="0" cy="0"/>
+          <a:chOff x="0" y="0"/>
+          <a:chExt cx="0" cy="0"/>
+        </a:xfrm>
+      </p:grpSpPr>
+      <p:sp>
+        <p:nvSpPr>
+          <p:cNvPr id="9218" name="Rectangle 7"/>
+          <p:cNvSpPr>
+            <a:spLocks noGrp="1" noChangeArrowheads="1"/>
+          </p:cNvSpPr>
+          <p:nvPr>
+            <p:ph type="sldNum" sz="quarter" idx="5"/>
+          </p:nvPr>
+        </p:nvSpPr>
+        <p:spPr>
+          <a:noFill/>
+          <a:ln>
+            <a:miter lim="800000"/>
+            <a:headEnd/>
+            <a:tailEnd/>
+          </a:ln>
+        </p:spPr>
+        <p:txBody>
+          <a:bodyPr/>
+          <a:lstStyle/>
+          <a:p>
+            <a:pPr marL="0" marR="0" lvl="0" indent="0" algn="r" defTabSz="914400" rtl="0" eaLnBrk="1" fontAlgn="base" latinLnBrk="0" hangingPunct="1">
+              <a:lnSpc>
+                <a:spcPct val="100000"/>
+              </a:lnSpc>
+              <a:spcBef>
+                <a:spcPct val="0"/>
+              </a:spcBef>
+              <a:spcAft>
+                <a:spcPct val="0"/>
+              </a:spcAft>
+              <a:buClrTx/>
+              <a:buSzTx/>
+              <a:buFontTx/>
+              <a:buNone/>
+              <a:tabLst/>
+              <a:defRPr/>
+            </a:pPr>
+            <a:fld id="{4CBBC889-3F4B-46E7-9B71-B94EA8D542E0}" type="slidenum">
+              <a:rPr kumimoji="0" lang="en-US" sz="1200" b="0" i="0" u="none" strike="noStrike" kern="1200" cap="none" spc="0" normalizeH="0" baseline="0" noProof="0">
+                <a:ln>
+                  <a:noFill/>
+                </a:ln>
+                <a:solidFill>
+                  <a:srgbClr val="000000"/>
+                </a:solidFill>
+                <a:effectLst/>
+                <a:uLnTx/>
+                <a:uFillTx/>
+                <a:latin typeface="Arial" charset="0"/>
+                <a:ea typeface="+mn-ea"/>
+                <a:cs typeface="+mn-cs"/>
+              </a:rPr>
+              <a:pPr marL="0" marR="0" lvl="0" indent="0" algn="r" defTabSz="914400" rtl="0" eaLnBrk="1" fontAlgn="base" latinLnBrk="0" hangingPunct="1">
+                <a:lnSpc>
+                  <a:spcPct val="100000"/>
+                </a:lnSpc>
+                <a:spcBef>
+                  <a:spcPct val="0"/>
+                </a:spcBef>
+                <a:spcAft>
+                  <a:spcPct val="0"/>
+                </a:spcAft>
+                <a:buClrTx/>
+                <a:buSzTx/>
+                <a:buFontTx/>
+                <a:buNone/>
+                <a:tabLst/>
+                <a:defRPr/>
+              </a:pPr>
+              <a:t>17</a:t>
+            </a:fld>
+            <a:endParaRPr kumimoji="0" lang="en-US" sz="1200" b="0" i="0" u="none" strike="noStrike" kern="1200" cap="none" spc="0" normalizeH="0" baseline="0" noProof="0">
+              <a:ln>
+                <a:noFill/>
+              </a:ln>
+              <a:solidFill>
+                <a:srgbClr val="000000"/>
+              </a:solidFill>
+              <a:effectLst/>
+              <a:uLnTx/>
+              <a:uFillTx/>
+              <a:latin typeface="Arial" charset="0"/>
+              <a:ea typeface="+mn-ea"/>
+              <a:cs typeface="+mn-cs"/>
+            </a:endParaRPr>
+          </a:p>
+        </p:txBody>
+      </p:sp>
+      <p:sp>
+        <p:nvSpPr>
+          <p:cNvPr id="9219" name="Rectangle 2"/>
+          <p:cNvSpPr>
+            <a:spLocks noGrp="1" noRot="1" noChangeAspect="1" noChangeArrowheads="1" noTextEdit="1"/>
+          </p:cNvSpPr>
+          <p:nvPr>
+            <p:ph type="sldImg"/>
+          </p:nvPr>
+        </p:nvSpPr>
+        <p:spPr>
+          <a:ln/>
+        </p:spPr>
+      </p:sp>
+      <p:sp>
+        <p:nvSpPr>
+          <p:cNvPr id="9220" name="Rectangle 3"/>
+          <p:cNvSpPr>
+            <a:spLocks noGrp="1" noChangeArrowheads="1"/>
+          </p:cNvSpPr>
+          <p:nvPr>
+            <p:ph type="body" idx="1"/>
+          </p:nvPr>
+        </p:nvSpPr>
+        <p:spPr>
+          <a:noFill/>
+        </p:spPr>
+        <p:txBody>
+          <a:bodyPr/>
+          <a:lstStyle/>
+          <a:p>
+            <a:pPr eaLnBrk="1" hangingPunct="1"/>
+            <a:endParaRPr lang="en-US"/>
+          </a:p>
+        </p:txBody>
+      </p:sp>
+    </p:spTree>
+    <p:extLst>
+      <p:ext uri="{BB962C8B-B14F-4D97-AF65-F5344CB8AC3E}">
+        <p14:creationId xmlns:p14="http://schemas.microsoft.com/office/powerpoint/2010/main" val="4068404724"/>
+      </p:ext>
+    </p:extLst>
+  </p:cSld>
+  <p:clrMapOvr>
+    <a:masterClrMapping/>
+  </p:clrMapOvr>
+</p:notes>
+</file>
+
+<file path=ppt/notesSlides/notesSlide16.xml><?xml version="1.0" encoding="utf-8"?>
+<p:notes xmlns:a="http://schemas.openxmlformats.org/drawingml/2006/main" xmlns:r="http://schemas.openxmlformats.org/officeDocument/2006/relationships" xmlns:p="http://schemas.openxmlformats.org/presentationml/2006/main">
+  <p:cSld>
+    <p:spTree>
+      <p:nvGrpSpPr>
+        <p:cNvPr id="1" name=""/>
+        <p:cNvGrpSpPr/>
+        <p:nvPr/>
+      </p:nvGrpSpPr>
+      <p:grpSpPr>
+        <a:xfrm>
+          <a:off x="0" y="0"/>
+          <a:ext cx="0" cy="0"/>
+          <a:chOff x="0" y="0"/>
+          <a:chExt cx="0" cy="0"/>
+        </a:xfrm>
+      </p:grpSpPr>
+      <p:sp>
+        <p:nvSpPr>
+          <p:cNvPr id="9218" name="Rectangle 7"/>
+          <p:cNvSpPr>
+            <a:spLocks noGrp="1" noChangeArrowheads="1"/>
+          </p:cNvSpPr>
+          <p:nvPr>
+            <p:ph type="sldNum" sz="quarter" idx="5"/>
+          </p:nvPr>
+        </p:nvSpPr>
+        <p:spPr>
+          <a:noFill/>
+          <a:ln>
+            <a:miter lim="800000"/>
+            <a:headEnd/>
+            <a:tailEnd/>
+          </a:ln>
+        </p:spPr>
+        <p:txBody>
+          <a:bodyPr/>
+          <a:lstStyle/>
+          <a:p>
+            <a:pPr marL="0" marR="0" lvl="0" indent="0" algn="r" defTabSz="914400" rtl="0" eaLnBrk="1" fontAlgn="base" latinLnBrk="0" hangingPunct="1">
+              <a:lnSpc>
+                <a:spcPct val="100000"/>
+              </a:lnSpc>
+              <a:spcBef>
+                <a:spcPct val="0"/>
+              </a:spcBef>
+              <a:spcAft>
+                <a:spcPct val="0"/>
+              </a:spcAft>
+              <a:buClrTx/>
+              <a:buSzTx/>
+              <a:buFontTx/>
+              <a:buNone/>
+              <a:tabLst/>
+              <a:defRPr/>
+            </a:pPr>
+            <a:fld id="{4CBBC889-3F4B-46E7-9B71-B94EA8D542E0}" type="slidenum">
+              <a:rPr kumimoji="0" lang="en-US" sz="1200" b="0" i="0" u="none" strike="noStrike" kern="1200" cap="none" spc="0" normalizeH="0" baseline="0" noProof="0">
+                <a:ln>
+                  <a:noFill/>
+                </a:ln>
+                <a:solidFill>
+                  <a:srgbClr val="000000"/>
+                </a:solidFill>
+                <a:effectLst/>
+                <a:uLnTx/>
+                <a:uFillTx/>
+                <a:latin typeface="Arial" charset="0"/>
+                <a:ea typeface="+mn-ea"/>
+                <a:cs typeface="+mn-cs"/>
+              </a:rPr>
+              <a:pPr marL="0" marR="0" lvl="0" indent="0" algn="r" defTabSz="914400" rtl="0" eaLnBrk="1" fontAlgn="base" latinLnBrk="0" hangingPunct="1">
+                <a:lnSpc>
+                  <a:spcPct val="100000"/>
+                </a:lnSpc>
+                <a:spcBef>
+                  <a:spcPct val="0"/>
+                </a:spcBef>
+                <a:spcAft>
+                  <a:spcPct val="0"/>
+                </a:spcAft>
+                <a:buClrTx/>
+                <a:buSzTx/>
+                <a:buFontTx/>
+                <a:buNone/>
+                <a:tabLst/>
+                <a:defRPr/>
+              </a:pPr>
+              <a:t>18</a:t>
+            </a:fld>
+            <a:endParaRPr kumimoji="0" lang="en-US" sz="1200" b="0" i="0" u="none" strike="noStrike" kern="1200" cap="none" spc="0" normalizeH="0" baseline="0" noProof="0">
+              <a:ln>
+                <a:noFill/>
+              </a:ln>
+              <a:solidFill>
+                <a:srgbClr val="000000"/>
+              </a:solidFill>
+              <a:effectLst/>
+              <a:uLnTx/>
+              <a:uFillTx/>
+              <a:latin typeface="Arial" charset="0"/>
+              <a:ea typeface="+mn-ea"/>
+              <a:cs typeface="+mn-cs"/>
+            </a:endParaRPr>
+          </a:p>
+        </p:txBody>
+      </p:sp>
+      <p:sp>
+        <p:nvSpPr>
+          <p:cNvPr id="9219" name="Rectangle 2"/>
+          <p:cNvSpPr>
+            <a:spLocks noGrp="1" noRot="1" noChangeAspect="1" noChangeArrowheads="1" noTextEdit="1"/>
+          </p:cNvSpPr>
+          <p:nvPr>
+            <p:ph type="sldImg"/>
+          </p:nvPr>
+        </p:nvSpPr>
+        <p:spPr>
+          <a:ln/>
+        </p:spPr>
+      </p:sp>
+      <p:sp>
+        <p:nvSpPr>
+          <p:cNvPr id="9220" name="Rectangle 3"/>
+          <p:cNvSpPr>
+            <a:spLocks noGrp="1" noChangeArrowheads="1"/>
+          </p:cNvSpPr>
+          <p:nvPr>
+            <p:ph type="body" idx="1"/>
+          </p:nvPr>
+        </p:nvSpPr>
+        <p:spPr>
+          <a:noFill/>
+        </p:spPr>
+        <p:txBody>
+          <a:bodyPr/>
+          <a:lstStyle/>
+          <a:p>
+            <a:pPr eaLnBrk="1" hangingPunct="1"/>
+            <a:endParaRPr lang="en-US"/>
+          </a:p>
+        </p:txBody>
+      </p:sp>
+    </p:spTree>
+    <p:extLst>
+      <p:ext uri="{BB962C8B-B14F-4D97-AF65-F5344CB8AC3E}">
+        <p14:creationId xmlns:p14="http://schemas.microsoft.com/office/powerpoint/2010/main" val="1247715328"/>
+      </p:ext>
+    </p:extLst>
+  </p:cSld>
+  <p:clrMapOvr>
+    <a:masterClrMapping/>
+  </p:clrMapOvr>
+</p:notes>
+</file>
+
+<file path=ppt/notesSlides/notesSlide17.xml><?xml version="1.0" encoding="utf-8"?>
+<p:notes xmlns:a="http://schemas.openxmlformats.org/drawingml/2006/main" xmlns:r="http://schemas.openxmlformats.org/officeDocument/2006/relationships" xmlns:p="http://schemas.openxmlformats.org/presentationml/2006/main">
+  <p:cSld>
+    <p:spTree>
+      <p:nvGrpSpPr>
+        <p:cNvPr id="1" name=""/>
+        <p:cNvGrpSpPr/>
+        <p:nvPr/>
+      </p:nvGrpSpPr>
+      <p:grpSpPr>
+        <a:xfrm>
+          <a:off x="0" y="0"/>
+          <a:ext cx="0" cy="0"/>
+          <a:chOff x="0" y="0"/>
+          <a:chExt cx="0" cy="0"/>
+        </a:xfrm>
+      </p:grpSpPr>
+      <p:sp>
+        <p:nvSpPr>
+          <p:cNvPr id="9218" name="Rectangle 7"/>
+          <p:cNvSpPr>
+            <a:spLocks noGrp="1" noChangeArrowheads="1"/>
+          </p:cNvSpPr>
+          <p:nvPr>
+            <p:ph type="sldNum" sz="quarter" idx="5"/>
+          </p:nvPr>
+        </p:nvSpPr>
+        <p:spPr>
+          <a:noFill/>
+          <a:ln>
+            <a:miter lim="800000"/>
+            <a:headEnd/>
+            <a:tailEnd/>
+          </a:ln>
+        </p:spPr>
+        <p:txBody>
+          <a:bodyPr/>
+          <a:lstStyle/>
+          <a:p>
+            <a:fld id="{4CBBC889-3F4B-46E7-9B71-B94EA8D542E0}" type="slidenum">
+              <a:rPr lang="en-US"/>
+              <a:pPr/>
+              <a:t>19</a:t>
+            </a:fld>
+            <a:endParaRPr lang="en-US"/>
+          </a:p>
+        </p:txBody>
+      </p:sp>
+      <p:sp>
+        <p:nvSpPr>
+          <p:cNvPr id="9219" name="Rectangle 2"/>
+          <p:cNvSpPr>
+            <a:spLocks noGrp="1" noRot="1" noChangeAspect="1" noChangeArrowheads="1" noTextEdit="1"/>
+          </p:cNvSpPr>
+          <p:nvPr>
+            <p:ph type="sldImg"/>
+          </p:nvPr>
+        </p:nvSpPr>
+        <p:spPr>
+          <a:ln/>
+        </p:spPr>
+      </p:sp>
+      <p:sp>
+        <p:nvSpPr>
+          <p:cNvPr id="9220" name="Rectangle 3"/>
+          <p:cNvSpPr>
+            <a:spLocks noGrp="1" noChangeArrowheads="1"/>
+          </p:cNvSpPr>
+          <p:nvPr>
+            <p:ph type="body" idx="1"/>
+          </p:nvPr>
+        </p:nvSpPr>
+        <p:spPr>
+          <a:noFill/>
+        </p:spPr>
+        <p:txBody>
+          <a:bodyPr/>
+          <a:lstStyle/>
+          <a:p>
+            <a:pPr eaLnBrk="1" hangingPunct="1"/>
+            <a:endParaRPr lang="en-US"/>
+          </a:p>
+        </p:txBody>
+      </p:sp>
+    </p:spTree>
+  </p:cSld>
+  <p:clrMapOvr>
+    <a:masterClrMapping/>
+  </p:clrMapOvr>
+</p:notes>
+</file>
+
 <file path=ppt/notesSlides/notesSlide2.xml><?xml version="1.0" encoding="utf-8"?>
 <p:notes xmlns:a="http://schemas.openxmlformats.org/drawingml/2006/main" xmlns:r="http://schemas.openxmlformats.org/officeDocument/2006/relationships" xmlns:p="http://schemas.openxmlformats.org/presentationml/2006/main">
   <p:cSld>
@@ -1575,7 +2768,7 @@
     </p:spTree>
     <p:extLst>
       <p:ext uri="{BB962C8B-B14F-4D97-AF65-F5344CB8AC3E}">
-        <p14:creationId xmlns:p14="http://schemas.microsoft.com/office/powerpoint/2010/main" val="1870472099"/>
+        <p14:creationId xmlns:p14="http://schemas.microsoft.com/office/powerpoint/2010/main" val="1809876284"/>
       </p:ext>
     </p:extLst>
   </p:cSld>
@@ -1731,7 +2924,7 @@
     </p:spTree>
     <p:extLst>
       <p:ext uri="{BB962C8B-B14F-4D97-AF65-F5344CB8AC3E}">
-        <p14:creationId xmlns:p14="http://schemas.microsoft.com/office/powerpoint/2010/main" val="1809876284"/>
+        <p14:creationId xmlns:p14="http://schemas.microsoft.com/office/powerpoint/2010/main" val="1870472099"/>
       </p:ext>
     </p:extLst>
   </p:cSld>
@@ -1936,12 +3129,71 @@
           <a:bodyPr/>
           <a:lstStyle/>
           <a:p>
+            <a:pPr marL="0" marR="0" lvl="0" indent="0" algn="r" defTabSz="914400" rtl="0" eaLnBrk="1" fontAlgn="base" latinLnBrk="0" hangingPunct="1">
+              <a:lnSpc>
+                <a:spcPct val="100000"/>
+              </a:lnSpc>
+              <a:spcBef>
+                <a:spcPct val="0"/>
+              </a:spcBef>
+              <a:spcAft>
+                <a:spcPct val="0"/>
+              </a:spcAft>
+              <a:buClrTx/>
+              <a:buSzTx/>
+              <a:buFontTx/>
+              <a:buNone/>
+              <a:tabLst/>
+              <a:defRPr/>
+            </a:pPr>
             <a:fld id="{4CBBC889-3F4B-46E7-9B71-B94EA8D542E0}" type="slidenum">
-              <a:rPr lang="en-US"/>
-              <a:pPr/>
-              <a:t>10</a:t>
+              <a:rPr kumimoji="0" lang="en-US" sz="1200" b="0" i="0" u="none" strike="noStrike" kern="1200" cap="none" spc="0" normalizeH="0" baseline="0" noProof="0">
+                <a:ln>
+                  <a:noFill/>
+                </a:ln>
+                <a:solidFill>
+                  <a:srgbClr val="000000"/>
+                </a:solidFill>
+                <a:effectLst/>
+                <a:uLnTx/>
+                <a:uFillTx/>
+                <a:latin typeface="Arial" charset="0"/>
+                <a:ea typeface="+mn-ea"/>
+                <a:cs typeface="+mn-cs"/>
+              </a:rPr>
+              <a:pPr marL="0" marR="0" lvl="0" indent="0" algn="r" defTabSz="914400" rtl="0" eaLnBrk="1" fontAlgn="base" latinLnBrk="0" hangingPunct="1">
+                <a:lnSpc>
+                  <a:spcPct val="100000"/>
+                </a:lnSpc>
+                <a:spcBef>
+                  <a:spcPct val="0"/>
+                </a:spcBef>
+                <a:spcAft>
+                  <a:spcPct val="0"/>
+                </a:spcAft>
+                <a:buClrTx/>
+                <a:buSzTx/>
+                <a:buFontTx/>
+                <a:buNone/>
+                <a:tabLst/>
+                <a:defRPr/>
+              </a:pPr>
+              <a:t>11</a:t>
             </a:fld>
-            <a:endParaRPr lang="en-US"/>
+            <a:endParaRPr kumimoji="0" lang="en-US" sz="1200" b="0" i="0" u="none" strike="noStrike" kern="1200" cap="none" spc="0" normalizeH="0" baseline="0" noProof="0">
+              <a:ln>
+                <a:noFill/>
+              </a:ln>
+              <a:solidFill>
+                <a:srgbClr val="000000"/>
+              </a:solidFill>
+              <a:effectLst/>
+              <a:uLnTx/>
+              <a:uFillTx/>
+              <a:latin typeface="Arial" charset="0"/>
+              <a:ea typeface="+mn-ea"/>
+              <a:cs typeface="+mn-cs"/>
+            </a:endParaRPr>
           </a:p>
         </p:txBody>
       </p:sp>
@@ -1982,6 +3234,11 @@
         </p:txBody>
       </p:sp>
     </p:spTree>
+    <p:extLst>
+      <p:ext uri="{BB962C8B-B14F-4D97-AF65-F5344CB8AC3E}">
+        <p14:creationId xmlns:p14="http://schemas.microsoft.com/office/powerpoint/2010/main" val="3321565408"/>
+      </p:ext>
+    </p:extLst>
   </p:cSld>
   <p:clrMapOvr>
     <a:masterClrMapping/>
@@ -4484,6 +5741,2647 @@
 <file path=ppt/slides/slide10.xml><?xml version="1.0" encoding="utf-8"?>
 <p:sld xmlns:a="http://schemas.openxmlformats.org/drawingml/2006/main" xmlns:r="http://schemas.openxmlformats.org/officeDocument/2006/relationships" xmlns:p="http://schemas.openxmlformats.org/presentationml/2006/main">
   <p:cSld>
+    <p:spTree>
+      <p:nvGrpSpPr>
+        <p:cNvPr id="1" name=""/>
+        <p:cNvGrpSpPr/>
+        <p:nvPr/>
+      </p:nvGrpSpPr>
+      <p:grpSpPr>
+        <a:xfrm>
+          <a:off x="0" y="0"/>
+          <a:ext cx="0" cy="0"/>
+          <a:chOff x="0" y="0"/>
+          <a:chExt cx="0" cy="0"/>
+        </a:xfrm>
+      </p:grpSpPr>
+      <p:sp>
+        <p:nvSpPr>
+          <p:cNvPr id="2" name="Title 1">
+            <a:extLst>
+              <a:ext uri="{FF2B5EF4-FFF2-40B4-BE49-F238E27FC236}">
+                <a16:creationId xmlns:a16="http://schemas.microsoft.com/office/drawing/2014/main" id="{62C0797B-26EF-9C6E-B92C-01895AB5B550}"/>
+              </a:ext>
+            </a:extLst>
+          </p:cNvPr>
+          <p:cNvSpPr>
+            <a:spLocks noGrp="1"/>
+          </p:cNvSpPr>
+          <p:nvPr>
+            <p:ph type="title"/>
+          </p:nvPr>
+        </p:nvSpPr>
+        <p:spPr>
+          <a:xfrm>
+            <a:off x="395288" y="476250"/>
+            <a:ext cx="7300912" cy="819150"/>
+          </a:xfrm>
+        </p:spPr>
+        <p:txBody>
+          <a:bodyPr/>
+          <a:lstStyle/>
+          <a:p>
+            <a:r>
+              <a:rPr lang="en-US" dirty="0"/>
+              <a:t>2. An introduction about Visitor pattern</a:t>
+            </a:r>
+            <a:br>
+              <a:rPr lang="en-US" dirty="0"/>
+            </a:br>
+            <a:endParaRPr lang="en-US" dirty="0"/>
+          </a:p>
+        </p:txBody>
+      </p:sp>
+      <p:pic>
+        <p:nvPicPr>
+          <p:cNvPr id="3" name="Picture 2">
+            <a:extLst>
+              <a:ext uri="{FF2B5EF4-FFF2-40B4-BE49-F238E27FC236}">
+                <a16:creationId xmlns:a16="http://schemas.microsoft.com/office/drawing/2014/main" id="{BD6AE5D3-53C2-C8AD-5D43-55703EC56928}"/>
+              </a:ext>
+            </a:extLst>
+          </p:cNvPr>
+          <p:cNvPicPr>
+            <a:picLocks noChangeAspect="1"/>
+          </p:cNvPicPr>
+          <p:nvPr/>
+        </p:nvPicPr>
+        <p:blipFill>
+          <a:blip r:embed="rId2"/>
+          <a:stretch>
+            <a:fillRect/>
+          </a:stretch>
+        </p:blipFill>
+        <p:spPr>
+          <a:xfrm>
+            <a:off x="0" y="2064880"/>
+            <a:ext cx="9144000" cy="2728239"/>
+          </a:xfrm>
+          <a:prstGeom prst="rect">
+            <a:avLst/>
+          </a:prstGeom>
+        </p:spPr>
+      </p:pic>
+    </p:spTree>
+    <p:extLst>
+      <p:ext uri="{BB962C8B-B14F-4D97-AF65-F5344CB8AC3E}">
+        <p14:creationId xmlns:p14="http://schemas.microsoft.com/office/powerpoint/2010/main" val="448833159"/>
+      </p:ext>
+    </p:extLst>
+  </p:cSld>
+  <p:clrMapOvr>
+    <a:masterClrMapping/>
+  </p:clrMapOvr>
+</p:sld>
+</file>
+
+<file path=ppt/slides/slide11.xml><?xml version="1.0" encoding="utf-8"?>
+<p:sld xmlns:a="http://schemas.openxmlformats.org/drawingml/2006/main" xmlns:r="http://schemas.openxmlformats.org/officeDocument/2006/relationships" xmlns:p="http://schemas.openxmlformats.org/presentationml/2006/main">
+  <p:cSld>
+    <p:bg>
+      <p:bgPr>
+        <a:blipFill dpi="0" rotWithShape="0">
+          <a:blip r:embed="rId3" cstate="print"/>
+          <a:srcRect/>
+          <a:stretch>
+            <a:fillRect/>
+          </a:stretch>
+        </a:blipFill>
+        <a:effectLst/>
+      </p:bgPr>
+    </p:bg>
+    <p:spTree>
+      <p:nvGrpSpPr>
+        <p:cNvPr id="1" name=""/>
+        <p:cNvGrpSpPr/>
+        <p:nvPr/>
+      </p:nvGrpSpPr>
+      <p:grpSpPr>
+        <a:xfrm>
+          <a:off x="0" y="0"/>
+          <a:ext cx="0" cy="0"/>
+          <a:chOff x="0" y="0"/>
+          <a:chExt cx="0" cy="0"/>
+        </a:xfrm>
+      </p:grpSpPr>
+      <p:sp>
+        <p:nvSpPr>
+          <p:cNvPr id="5122" name="Rectangle 2"/>
+          <p:cNvSpPr>
+            <a:spLocks noGrp="1" noChangeArrowheads="1"/>
+          </p:cNvSpPr>
+          <p:nvPr>
+            <p:ph type="title"/>
+          </p:nvPr>
+        </p:nvSpPr>
+        <p:spPr>
+          <a:xfrm>
+            <a:off x="1908175" y="117475"/>
+            <a:ext cx="7056438" cy="719138"/>
+          </a:xfrm>
+        </p:spPr>
+        <p:txBody>
+          <a:bodyPr/>
+          <a:lstStyle/>
+          <a:p>
+            <a:pPr eaLnBrk="1" hangingPunct="1"/>
+            <a:r>
+              <a:rPr lang="en-US" b="1" u="sng" dirty="0">
+                <a:solidFill>
+                  <a:schemeClr val="bg2"/>
+                </a:solidFill>
+              </a:rPr>
+              <a:t>What is Visitor?</a:t>
+            </a:r>
+          </a:p>
+        </p:txBody>
+      </p:sp>
+      <p:sp>
+        <p:nvSpPr>
+          <p:cNvPr id="5123" name="Rectangle 3"/>
+          <p:cNvSpPr>
+            <a:spLocks noGrp="1" noChangeArrowheads="1"/>
+          </p:cNvSpPr>
+          <p:nvPr>
+            <p:ph type="body" idx="1"/>
+          </p:nvPr>
+        </p:nvSpPr>
+        <p:spPr>
+          <a:xfrm>
+            <a:off x="1908175" y="909639"/>
+            <a:ext cx="7056438" cy="1300162"/>
+          </a:xfrm>
+        </p:spPr>
+        <p:txBody>
+          <a:bodyPr/>
+          <a:lstStyle/>
+          <a:p>
+            <a:pPr eaLnBrk="1" hangingPunct="1"/>
+            <a:r>
+              <a:rPr lang="en-US" sz="2400" b="1" u="sng" dirty="0">
+                <a:solidFill>
+                  <a:schemeClr val="bg2"/>
+                </a:solidFill>
+                <a:latin typeface="Amasis MT Pro Medium" panose="02040604050005020304" pitchFamily="18" charset="0"/>
+              </a:rPr>
+              <a:t>Visitor</a:t>
+            </a:r>
+            <a:r>
+              <a:rPr lang="en-US" sz="2000" dirty="0">
+                <a:solidFill>
+                  <a:schemeClr val="bg2"/>
+                </a:solidFill>
+                <a:latin typeface="Amasis MT Pro Medium" panose="02040604050005020304" pitchFamily="18" charset="0"/>
+              </a:rPr>
+              <a:t>   a behavioral design pattern that lets you to define a new operation without changing the class of elements on which the object operates.</a:t>
+            </a:r>
+          </a:p>
+        </p:txBody>
+      </p:sp>
+      <p:sp>
+        <p:nvSpPr>
+          <p:cNvPr id="2" name="Cloud 1">
+            <a:extLst>
+              <a:ext uri="{FF2B5EF4-FFF2-40B4-BE49-F238E27FC236}">
+                <a16:creationId xmlns:a16="http://schemas.microsoft.com/office/drawing/2014/main" id="{70963E0A-A8EB-53E7-71DE-42026D67384A}"/>
+              </a:ext>
+            </a:extLst>
+          </p:cNvPr>
+          <p:cNvSpPr/>
+          <p:nvPr/>
+        </p:nvSpPr>
+        <p:spPr>
+          <a:xfrm>
+            <a:off x="2057400" y="2667000"/>
+            <a:ext cx="6907213" cy="3733800"/>
+          </a:xfrm>
+          <a:prstGeom prst="cloud">
+            <a:avLst/>
+          </a:prstGeom>
+        </p:spPr>
+        <p:style>
+          <a:lnRef idx="2">
+            <a:schemeClr val="accent6"/>
+          </a:lnRef>
+          <a:fillRef idx="1">
+            <a:schemeClr val="lt1"/>
+          </a:fillRef>
+          <a:effectRef idx="0">
+            <a:schemeClr val="accent6"/>
+          </a:effectRef>
+          <a:fontRef idx="minor">
+            <a:schemeClr val="dk1"/>
+          </a:fontRef>
+        </p:style>
+        <p:txBody>
+          <a:bodyPr rtlCol="0" anchor="ctr"/>
+          <a:lstStyle/>
+          <a:p>
+            <a:pPr algn="ctr"/>
+            <a:r>
+              <a:rPr lang="en-US" sz="4000" b="1" dirty="0">
+                <a:solidFill>
+                  <a:srgbClr val="00B050"/>
+                </a:solidFill>
+                <a:latin typeface="Abadi" panose="020B0604020202020204" pitchFamily="34" charset="0"/>
+              </a:rPr>
+              <a:t>So, what is the key idea to understand visitor?</a:t>
+            </a:r>
+          </a:p>
+        </p:txBody>
+      </p:sp>
+    </p:spTree>
+    <p:extLst>
+      <p:ext uri="{BB962C8B-B14F-4D97-AF65-F5344CB8AC3E}">
+        <p14:creationId xmlns:p14="http://schemas.microsoft.com/office/powerpoint/2010/main" val="3068496046"/>
+      </p:ext>
+    </p:extLst>
+  </p:cSld>
+  <p:clrMapOvr>
+    <a:masterClrMapping/>
+  </p:clrMapOvr>
+</p:sld>
+</file>
+
+<file path=ppt/slides/slide12.xml><?xml version="1.0" encoding="utf-8"?>
+<p:sld xmlns:a="http://schemas.openxmlformats.org/drawingml/2006/main" xmlns:r="http://schemas.openxmlformats.org/officeDocument/2006/relationships" xmlns:p="http://schemas.openxmlformats.org/presentationml/2006/main">
+  <p:cSld>
+    <p:bg>
+      <p:bgPr>
+        <a:blipFill dpi="0" rotWithShape="0">
+          <a:blip r:embed="rId3" cstate="print"/>
+          <a:srcRect/>
+          <a:stretch>
+            <a:fillRect/>
+          </a:stretch>
+        </a:blipFill>
+        <a:effectLst/>
+      </p:bgPr>
+    </p:bg>
+    <p:spTree>
+      <p:nvGrpSpPr>
+        <p:cNvPr id="1" name=""/>
+        <p:cNvGrpSpPr/>
+        <p:nvPr/>
+      </p:nvGrpSpPr>
+      <p:grpSpPr>
+        <a:xfrm>
+          <a:off x="0" y="0"/>
+          <a:ext cx="0" cy="0"/>
+          <a:chOff x="0" y="0"/>
+          <a:chExt cx="0" cy="0"/>
+        </a:xfrm>
+      </p:grpSpPr>
+      <p:sp>
+        <p:nvSpPr>
+          <p:cNvPr id="5122" name="Rectangle 2"/>
+          <p:cNvSpPr>
+            <a:spLocks noGrp="1" noChangeArrowheads="1"/>
+          </p:cNvSpPr>
+          <p:nvPr>
+            <p:ph type="title"/>
+          </p:nvPr>
+        </p:nvSpPr>
+        <p:spPr>
+          <a:xfrm>
+            <a:off x="1908175" y="117475"/>
+            <a:ext cx="7056438" cy="719138"/>
+          </a:xfrm>
+        </p:spPr>
+        <p:txBody>
+          <a:bodyPr/>
+          <a:lstStyle/>
+          <a:p>
+            <a:pPr eaLnBrk="1" hangingPunct="1"/>
+            <a:r>
+              <a:rPr lang="en-US" b="1" dirty="0">
+                <a:solidFill>
+                  <a:schemeClr val="bg2"/>
+                </a:solidFill>
+              </a:rPr>
+              <a:t>Main idea-Visitor:</a:t>
+            </a:r>
+          </a:p>
+        </p:txBody>
+      </p:sp>
+      <p:sp>
+        <p:nvSpPr>
+          <p:cNvPr id="5123" name="Rectangle 3"/>
+          <p:cNvSpPr>
+            <a:spLocks noGrp="1" noChangeArrowheads="1"/>
+          </p:cNvSpPr>
+          <p:nvPr>
+            <p:ph type="body" idx="1"/>
+          </p:nvPr>
+        </p:nvSpPr>
+        <p:spPr>
+          <a:xfrm>
+            <a:off x="1908175" y="909638"/>
+            <a:ext cx="7056438" cy="5832475"/>
+          </a:xfrm>
+        </p:spPr>
+        <p:txBody>
+          <a:bodyPr/>
+          <a:lstStyle/>
+          <a:p>
+            <a:pPr eaLnBrk="1" hangingPunct="1"/>
+            <a:r>
+              <a:rPr lang="en-US" dirty="0">
+                <a:solidFill>
+                  <a:schemeClr val="bg2"/>
+                </a:solidFill>
+                <a:latin typeface="Amasis MT Pro Medium" panose="02040604050005020304" pitchFamily="18" charset="0"/>
+              </a:rPr>
+              <a:t>The Visitor pattern suggests that you place the new behavior into a separate class called visitor, instead of trying to integrate it into existing classes. The original object that had to perform the behavior is now passed to one of the visitor’s methods as an argument, providing the method access to all necessary data contained within the object.</a:t>
+            </a:r>
+          </a:p>
+        </p:txBody>
+      </p:sp>
+    </p:spTree>
+    <p:extLst>
+      <p:ext uri="{BB962C8B-B14F-4D97-AF65-F5344CB8AC3E}">
+        <p14:creationId xmlns:p14="http://schemas.microsoft.com/office/powerpoint/2010/main" val="363924122"/>
+      </p:ext>
+    </p:extLst>
+  </p:cSld>
+  <p:clrMapOvr>
+    <a:masterClrMapping/>
+  </p:clrMapOvr>
+</p:sld>
+</file>
+
+<file path=ppt/slides/slide13.xml><?xml version="1.0" encoding="utf-8"?>
+<p:sld xmlns:a="http://schemas.openxmlformats.org/drawingml/2006/main" xmlns:r="http://schemas.openxmlformats.org/officeDocument/2006/relationships" xmlns:p="http://schemas.openxmlformats.org/presentationml/2006/main">
+  <p:cSld>
+    <p:bg>
+      <p:bgPr>
+        <a:blipFill dpi="0" rotWithShape="0">
+          <a:blip r:embed="rId3" cstate="print"/>
+          <a:srcRect/>
+          <a:stretch>
+            <a:fillRect/>
+          </a:stretch>
+        </a:blipFill>
+        <a:effectLst/>
+      </p:bgPr>
+    </p:bg>
+    <p:spTree>
+      <p:nvGrpSpPr>
+        <p:cNvPr id="1" name=""/>
+        <p:cNvGrpSpPr/>
+        <p:nvPr/>
+      </p:nvGrpSpPr>
+      <p:grpSpPr>
+        <a:xfrm>
+          <a:off x="0" y="0"/>
+          <a:ext cx="0" cy="0"/>
+          <a:chOff x="0" y="0"/>
+          <a:chExt cx="0" cy="0"/>
+        </a:xfrm>
+      </p:grpSpPr>
+      <p:sp>
+        <p:nvSpPr>
+          <p:cNvPr id="5122" name="Rectangle 2"/>
+          <p:cNvSpPr>
+            <a:spLocks noGrp="1" noChangeArrowheads="1"/>
+          </p:cNvSpPr>
+          <p:nvPr>
+            <p:ph type="title"/>
+          </p:nvPr>
+        </p:nvSpPr>
+        <p:spPr>
+          <a:xfrm>
+            <a:off x="1908175" y="117475"/>
+            <a:ext cx="7056438" cy="719138"/>
+          </a:xfrm>
+        </p:spPr>
+        <p:txBody>
+          <a:bodyPr/>
+          <a:lstStyle/>
+          <a:p>
+            <a:pPr eaLnBrk="1" hangingPunct="1"/>
+            <a:r>
+              <a:rPr lang="en-US" b="1" dirty="0">
+                <a:solidFill>
+                  <a:schemeClr val="bg2"/>
+                </a:solidFill>
+              </a:rPr>
+              <a:t>Technique - Property</a:t>
+            </a:r>
+          </a:p>
+        </p:txBody>
+      </p:sp>
+      <p:sp>
+        <p:nvSpPr>
+          <p:cNvPr id="5123" name="Rectangle 3"/>
+          <p:cNvSpPr>
+            <a:spLocks noGrp="1" noChangeArrowheads="1"/>
+          </p:cNvSpPr>
+          <p:nvPr>
+            <p:ph type="body" idx="1"/>
+          </p:nvPr>
+        </p:nvSpPr>
+        <p:spPr>
+          <a:xfrm>
+            <a:off x="1908175" y="909638"/>
+            <a:ext cx="7056438" cy="5832475"/>
+          </a:xfrm>
+        </p:spPr>
+        <p:txBody>
+          <a:bodyPr/>
+          <a:lstStyle/>
+          <a:p>
+            <a:pPr eaLnBrk="1" hangingPunct="1"/>
+            <a:r>
+              <a:rPr lang="en-US" sz="2400" dirty="0">
+                <a:solidFill>
+                  <a:schemeClr val="bg2"/>
+                </a:solidFill>
+                <a:latin typeface="Amasis MT Pro Medium" panose="02040604050005020304" pitchFamily="18" charset="0"/>
+              </a:rPr>
+              <a:t>The Visitor pattern uses a technique called Double Dispatch, which helps to execute the proper method on an object without cumbersome conditionals. Instead of letting the client select a proper version of the method to call, we delegate this choice to objects we’re passing to the visitor as an argument. Since the objects know their own classes, they’ll be able to pick a proper method on the visitor. </a:t>
+            </a:r>
+          </a:p>
+          <a:p>
+            <a:pPr marL="0" indent="0" eaLnBrk="1" hangingPunct="1">
+              <a:buNone/>
+            </a:pPr>
+            <a:r>
+              <a:rPr lang="en-US" dirty="0">
+                <a:solidFill>
+                  <a:srgbClr val="00B050"/>
+                </a:solidFill>
+                <a:latin typeface="Amasis MT Pro Medium" panose="02040604050005020304" pitchFamily="18" charset="0"/>
+              </a:rPr>
+              <a:t>→ Fact: We can say they “accept” a visitor and tell it what visiting method should be executed.</a:t>
+            </a:r>
+          </a:p>
+        </p:txBody>
+      </p:sp>
+    </p:spTree>
+    <p:extLst>
+      <p:ext uri="{BB962C8B-B14F-4D97-AF65-F5344CB8AC3E}">
+        <p14:creationId xmlns:p14="http://schemas.microsoft.com/office/powerpoint/2010/main" val="3719046223"/>
+      </p:ext>
+    </p:extLst>
+  </p:cSld>
+  <p:clrMapOvr>
+    <a:masterClrMapping/>
+  </p:clrMapOvr>
+</p:sld>
+</file>
+
+<file path=ppt/slides/slide14.xml><?xml version="1.0" encoding="utf-8"?>
+<p:sld xmlns:a="http://schemas.openxmlformats.org/drawingml/2006/main" xmlns:r="http://schemas.openxmlformats.org/officeDocument/2006/relationships" xmlns:p="http://schemas.openxmlformats.org/presentationml/2006/main">
+  <p:cSld>
+    <p:bg>
+      <p:bgPr>
+        <a:blipFill dpi="0" rotWithShape="0">
+          <a:blip r:embed="rId3" cstate="print"/>
+          <a:srcRect/>
+          <a:stretch>
+            <a:fillRect/>
+          </a:stretch>
+        </a:blipFill>
+        <a:effectLst/>
+      </p:bgPr>
+    </p:bg>
+    <p:spTree>
+      <p:nvGrpSpPr>
+        <p:cNvPr id="1" name=""/>
+        <p:cNvGrpSpPr/>
+        <p:nvPr/>
+      </p:nvGrpSpPr>
+      <p:grpSpPr>
+        <a:xfrm>
+          <a:off x="0" y="0"/>
+          <a:ext cx="0" cy="0"/>
+          <a:chOff x="0" y="0"/>
+          <a:chExt cx="0" cy="0"/>
+        </a:xfrm>
+      </p:grpSpPr>
+      <p:sp>
+        <p:nvSpPr>
+          <p:cNvPr id="5122" name="Rectangle 2"/>
+          <p:cNvSpPr>
+            <a:spLocks noGrp="1" noChangeArrowheads="1"/>
+          </p:cNvSpPr>
+          <p:nvPr>
+            <p:ph type="title"/>
+          </p:nvPr>
+        </p:nvSpPr>
+        <p:spPr>
+          <a:xfrm>
+            <a:off x="1908175" y="117475"/>
+            <a:ext cx="7056438" cy="719138"/>
+          </a:xfrm>
+        </p:spPr>
+        <p:txBody>
+          <a:bodyPr/>
+          <a:lstStyle/>
+          <a:p>
+            <a:pPr eaLnBrk="1" hangingPunct="1"/>
+            <a:r>
+              <a:rPr lang="en-US" sz="4000" b="1" dirty="0">
+                <a:solidFill>
+                  <a:schemeClr val="bg2"/>
+                </a:solidFill>
+                <a:latin typeface="Times New Roman" panose="02020603050405020304" pitchFamily="18" charset="0"/>
+                <a:cs typeface="Times New Roman" panose="02020603050405020304" pitchFamily="18" charset="0"/>
+              </a:rPr>
+              <a:t>Illustration</a:t>
+            </a:r>
+          </a:p>
+        </p:txBody>
+      </p:sp>
+      <p:sp>
+        <p:nvSpPr>
+          <p:cNvPr id="3" name="Content Placeholder 2">
+            <a:extLst>
+              <a:ext uri="{FF2B5EF4-FFF2-40B4-BE49-F238E27FC236}">
+                <a16:creationId xmlns:a16="http://schemas.microsoft.com/office/drawing/2014/main" id="{E8466343-C51D-7EDC-6B57-9CE9DC829F66}"/>
+              </a:ext>
+            </a:extLst>
+          </p:cNvPr>
+          <p:cNvSpPr>
+            <a:spLocks noGrp="1"/>
+          </p:cNvSpPr>
+          <p:nvPr>
+            <p:ph idx="1"/>
+          </p:nvPr>
+        </p:nvSpPr>
+        <p:spPr>
+          <a:xfrm>
+            <a:off x="2160587" y="3962400"/>
+            <a:ext cx="6804025" cy="1447800"/>
+          </a:xfrm>
+        </p:spPr>
+        <p:txBody>
+          <a:bodyPr/>
+          <a:lstStyle/>
+          <a:p>
+            <a:pPr marL="0" indent="0">
+              <a:buNone/>
+            </a:pPr>
+            <a:r>
+              <a:rPr lang="en-US" dirty="0">
+                <a:solidFill>
+                  <a:srgbClr val="00B050"/>
+                </a:solidFill>
+              </a:rPr>
+              <a:t>A good insurance agent is always ready to offer different policies to various types of organizations.</a:t>
+            </a:r>
+          </a:p>
+          <a:p>
+            <a:endParaRPr lang="en-US" dirty="0">
+              <a:solidFill>
+                <a:srgbClr val="00B050"/>
+              </a:solidFill>
+            </a:endParaRPr>
+          </a:p>
+        </p:txBody>
+      </p:sp>
+      <p:pic>
+        <p:nvPicPr>
+          <p:cNvPr id="1026" name="Picture 2" descr="Insurance agent">
+            <a:extLst>
+              <a:ext uri="{FF2B5EF4-FFF2-40B4-BE49-F238E27FC236}">
+                <a16:creationId xmlns:a16="http://schemas.microsoft.com/office/drawing/2014/main" id="{D76AF079-D273-E671-33C0-1CA153C42EF4}"/>
+              </a:ext>
+            </a:extLst>
+          </p:cNvPr>
+          <p:cNvPicPr>
+            <a:picLocks noChangeAspect="1" noChangeArrowheads="1"/>
+          </p:cNvPicPr>
+          <p:nvPr/>
+        </p:nvPicPr>
+        <p:blipFill>
+          <a:blip r:embed="rId4">
+            <a:extLst>
+              <a:ext uri="{28A0092B-C50C-407E-A947-70E740481C1C}">
+                <a14:useLocalDpi xmlns:a14="http://schemas.microsoft.com/office/drawing/2010/main" val="0"/>
+              </a:ext>
+            </a:extLst>
+          </a:blip>
+          <a:srcRect/>
+          <a:stretch>
+            <a:fillRect/>
+          </a:stretch>
+        </p:blipFill>
+        <p:spPr bwMode="auto">
+          <a:xfrm>
+            <a:off x="2209800" y="990600"/>
+            <a:ext cx="6172200" cy="3086100"/>
+          </a:xfrm>
+          <a:prstGeom prst="rect">
+            <a:avLst/>
+          </a:prstGeom>
+          <a:noFill/>
+          <a:extLst>
+            <a:ext uri="{909E8E84-426E-40DD-AFC4-6F175D3DCCD1}">
+              <a14:hiddenFill xmlns:a14="http://schemas.microsoft.com/office/drawing/2010/main">
+                <a:solidFill>
+                  <a:srgbClr val="FFFFFF"/>
+                </a:solidFill>
+              </a14:hiddenFill>
+            </a:ext>
+          </a:extLst>
+        </p:spPr>
+      </p:pic>
+    </p:spTree>
+    <p:extLst>
+      <p:ext uri="{BB962C8B-B14F-4D97-AF65-F5344CB8AC3E}">
+        <p14:creationId xmlns:p14="http://schemas.microsoft.com/office/powerpoint/2010/main" val="2698376192"/>
+      </p:ext>
+    </p:extLst>
+  </p:cSld>
+  <p:clrMapOvr>
+    <a:masterClrMapping/>
+  </p:clrMapOvr>
+</p:sld>
+</file>
+
+<file path=ppt/slides/slide15.xml><?xml version="1.0" encoding="utf-8"?>
+<p:sld xmlns:a="http://schemas.openxmlformats.org/drawingml/2006/main" xmlns:r="http://schemas.openxmlformats.org/officeDocument/2006/relationships" xmlns:p="http://schemas.openxmlformats.org/presentationml/2006/main">
+  <p:cSld>
+    <p:bg>
+      <p:bgPr>
+        <a:blipFill dpi="0" rotWithShape="0">
+          <a:blip r:embed="rId3" cstate="print"/>
+          <a:srcRect/>
+          <a:stretch>
+            <a:fillRect/>
+          </a:stretch>
+        </a:blipFill>
+        <a:effectLst/>
+      </p:bgPr>
+    </p:bg>
+    <p:spTree>
+      <p:nvGrpSpPr>
+        <p:cNvPr id="1" name=""/>
+        <p:cNvGrpSpPr/>
+        <p:nvPr/>
+      </p:nvGrpSpPr>
+      <p:grpSpPr>
+        <a:xfrm>
+          <a:off x="0" y="0"/>
+          <a:ext cx="0" cy="0"/>
+          <a:chOff x="0" y="0"/>
+          <a:chExt cx="0" cy="0"/>
+        </a:xfrm>
+      </p:grpSpPr>
+      <p:sp>
+        <p:nvSpPr>
+          <p:cNvPr id="5122" name="Rectangle 2"/>
+          <p:cNvSpPr>
+            <a:spLocks noGrp="1" noChangeArrowheads="1"/>
+          </p:cNvSpPr>
+          <p:nvPr>
+            <p:ph type="title"/>
+          </p:nvPr>
+        </p:nvSpPr>
+        <p:spPr>
+          <a:xfrm>
+            <a:off x="1790861" y="152400"/>
+            <a:ext cx="7364413" cy="719138"/>
+          </a:xfrm>
+        </p:spPr>
+        <p:txBody>
+          <a:bodyPr/>
+          <a:lstStyle/>
+          <a:p>
+            <a:pPr eaLnBrk="1" hangingPunct="1"/>
+            <a:r>
+              <a:rPr lang="en-US" b="1" dirty="0">
+                <a:solidFill>
+                  <a:schemeClr val="bg2"/>
+                </a:solidFill>
+              </a:rPr>
+              <a:t>General Class Diagram - Explanation</a:t>
+            </a:r>
+          </a:p>
+        </p:txBody>
+      </p:sp>
+      <p:pic>
+        <p:nvPicPr>
+          <p:cNvPr id="2050" name="Picture 2" descr="Structure of the Visitor design pattern">
+            <a:extLst>
+              <a:ext uri="{FF2B5EF4-FFF2-40B4-BE49-F238E27FC236}">
+                <a16:creationId xmlns:a16="http://schemas.microsoft.com/office/drawing/2014/main" id="{02AE591E-1551-199D-6BC1-FDC69CDE7DB2}"/>
+              </a:ext>
+            </a:extLst>
+          </p:cNvPr>
+          <p:cNvPicPr>
+            <a:picLocks noChangeAspect="1" noChangeArrowheads="1"/>
+          </p:cNvPicPr>
+          <p:nvPr/>
+        </p:nvPicPr>
+        <p:blipFill>
+          <a:blip r:embed="rId4">
+            <a:extLst>
+              <a:ext uri="{28A0092B-C50C-407E-A947-70E740481C1C}">
+                <a14:useLocalDpi xmlns:a14="http://schemas.microsoft.com/office/drawing/2010/main" val="0"/>
+              </a:ext>
+            </a:extLst>
+          </a:blip>
+          <a:srcRect/>
+          <a:stretch>
+            <a:fillRect/>
+          </a:stretch>
+        </p:blipFill>
+        <p:spPr bwMode="auto">
+          <a:xfrm>
+            <a:off x="4683760" y="1432560"/>
+            <a:ext cx="4471514" cy="4648200"/>
+          </a:xfrm>
+          <a:prstGeom prst="rect">
+            <a:avLst/>
+          </a:prstGeom>
+          <a:noFill/>
+          <a:extLst>
+            <a:ext uri="{909E8E84-426E-40DD-AFC4-6F175D3DCCD1}">
+              <a14:hiddenFill xmlns:a14="http://schemas.microsoft.com/office/drawing/2010/main">
+                <a:solidFill>
+                  <a:srgbClr val="FFFFFF"/>
+                </a:solidFill>
+              </a14:hiddenFill>
+            </a:ext>
+          </a:extLst>
+        </p:spPr>
+      </p:pic>
+      <p:sp>
+        <p:nvSpPr>
+          <p:cNvPr id="5" name="TextBox 4">
+            <a:extLst>
+              <a:ext uri="{FF2B5EF4-FFF2-40B4-BE49-F238E27FC236}">
+                <a16:creationId xmlns:a16="http://schemas.microsoft.com/office/drawing/2014/main" id="{70F1A0FC-BB3E-571D-9169-7AA7A786C4FF}"/>
+              </a:ext>
+            </a:extLst>
+          </p:cNvPr>
+          <p:cNvSpPr txBox="1"/>
+          <p:nvPr/>
+        </p:nvSpPr>
+        <p:spPr>
+          <a:xfrm>
+            <a:off x="1762761" y="1432560"/>
+            <a:ext cx="2667000" cy="3693319"/>
+          </a:xfrm>
+          <a:prstGeom prst="rect">
+            <a:avLst/>
+          </a:prstGeom>
+          <a:noFill/>
+          <a:ln>
+            <a:solidFill>
+              <a:schemeClr val="accent1">
+                <a:lumMod val="50000"/>
+              </a:schemeClr>
+            </a:solidFill>
+          </a:ln>
+        </p:spPr>
+        <p:txBody>
+          <a:bodyPr wrap="square">
+            <a:spAutoFit/>
+          </a:bodyPr>
+          <a:lstStyle/>
+          <a:p>
+            <a:pPr rtl="0" fontAlgn="base">
+              <a:spcBef>
+                <a:spcPts val="0"/>
+              </a:spcBef>
+              <a:spcAft>
+                <a:spcPts val="800"/>
+              </a:spcAft>
+            </a:pPr>
+            <a:r>
+              <a:rPr lang="en-US" sz="1800" b="0" i="0" u="none" strike="noStrike" dirty="0">
+                <a:solidFill>
+                  <a:srgbClr val="000000"/>
+                </a:solidFill>
+                <a:effectLst/>
+                <a:latin typeface="Calibri" panose="020F0502020204030204" pitchFamily="34" charset="0"/>
+              </a:rPr>
+              <a:t>The </a:t>
+            </a:r>
+            <a:r>
+              <a:rPr lang="en-US" sz="1800" b="1" i="0" u="none" strike="noStrike" dirty="0">
+                <a:solidFill>
+                  <a:srgbClr val="000000"/>
+                </a:solidFill>
+                <a:effectLst/>
+                <a:latin typeface="Calibri" panose="020F0502020204030204" pitchFamily="34" charset="0"/>
+              </a:rPr>
+              <a:t>Visitor</a:t>
+            </a:r>
+            <a:r>
+              <a:rPr lang="en-US" sz="1800" b="0" i="0" u="none" strike="noStrike" dirty="0">
+                <a:solidFill>
+                  <a:srgbClr val="000000"/>
+                </a:solidFill>
+                <a:effectLst/>
+                <a:latin typeface="Calibri" panose="020F0502020204030204" pitchFamily="34" charset="0"/>
+              </a:rPr>
+              <a:t> interface declares a set of visiting methods that can take concrete elements of an object structure as arguments. These methods may have the same names if the program is written in a language that supports overloading, but the type of their parameters must be different.</a:t>
+            </a:r>
+            <a:endParaRPr lang="en-US" sz="1800" b="0" i="0" u="none" strike="noStrike" dirty="0">
+              <a:solidFill>
+                <a:srgbClr val="000000"/>
+              </a:solidFill>
+              <a:effectLst/>
+              <a:latin typeface="Noto Sans Symbols"/>
+            </a:endParaRPr>
+          </a:p>
+        </p:txBody>
+      </p:sp>
+      <p:cxnSp>
+        <p:nvCxnSpPr>
+          <p:cNvPr id="7" name="Straight Arrow Connector 6">
+            <a:extLst>
+              <a:ext uri="{FF2B5EF4-FFF2-40B4-BE49-F238E27FC236}">
+                <a16:creationId xmlns:a16="http://schemas.microsoft.com/office/drawing/2014/main" id="{3F353130-DA7D-2E2E-2E5E-A3CF37D7B652}"/>
+              </a:ext>
+            </a:extLst>
+          </p:cNvPr>
+          <p:cNvCxnSpPr/>
+          <p:nvPr/>
+        </p:nvCxnSpPr>
+        <p:spPr>
+          <a:xfrm>
+            <a:off x="4429761" y="1981200"/>
+            <a:ext cx="599439" cy="0"/>
+          </a:xfrm>
+          <a:prstGeom prst="straightConnector1">
+            <a:avLst/>
+          </a:prstGeom>
+          <a:ln w="57150">
+            <a:tailEnd type="triangle"/>
+          </a:ln>
+        </p:spPr>
+        <p:style>
+          <a:lnRef idx="1">
+            <a:schemeClr val="accent1"/>
+          </a:lnRef>
+          <a:fillRef idx="0">
+            <a:schemeClr val="accent1"/>
+          </a:fillRef>
+          <a:effectRef idx="0">
+            <a:schemeClr val="accent1"/>
+          </a:effectRef>
+          <a:fontRef idx="minor">
+            <a:schemeClr val="tx1"/>
+          </a:fontRef>
+        </p:style>
+      </p:cxnSp>
+      <p:sp>
+        <p:nvSpPr>
+          <p:cNvPr id="8" name="TextBox 7">
+            <a:extLst>
+              <a:ext uri="{FF2B5EF4-FFF2-40B4-BE49-F238E27FC236}">
+                <a16:creationId xmlns:a16="http://schemas.microsoft.com/office/drawing/2014/main" id="{279944BF-0D0A-D618-493E-E9B924D670DB}"/>
+              </a:ext>
+            </a:extLst>
+          </p:cNvPr>
+          <p:cNvSpPr txBox="1"/>
+          <p:nvPr/>
+        </p:nvSpPr>
+        <p:spPr>
+          <a:xfrm>
+            <a:off x="1762761" y="5103674"/>
+            <a:ext cx="2667000" cy="1754326"/>
+          </a:xfrm>
+          <a:prstGeom prst="rect">
+            <a:avLst/>
+          </a:prstGeom>
+          <a:noFill/>
+          <a:ln>
+            <a:solidFill>
+              <a:schemeClr val="accent1">
+                <a:lumMod val="50000"/>
+              </a:schemeClr>
+            </a:solidFill>
+          </a:ln>
+        </p:spPr>
+        <p:txBody>
+          <a:bodyPr wrap="square">
+            <a:spAutoFit/>
+          </a:bodyPr>
+          <a:lstStyle/>
+          <a:p>
+            <a:pPr>
+              <a:spcBef>
+                <a:spcPts val="0"/>
+              </a:spcBef>
+              <a:spcAft>
+                <a:spcPts val="800"/>
+              </a:spcAft>
+            </a:pPr>
+            <a:r>
+              <a:rPr lang="en-US" dirty="0">
+                <a:solidFill>
+                  <a:srgbClr val="000000"/>
+                </a:solidFill>
+                <a:latin typeface="Calibri" panose="020F0502020204030204" pitchFamily="34" charset="0"/>
+              </a:rPr>
+              <a:t>Each </a:t>
+            </a:r>
+            <a:r>
+              <a:rPr lang="en-US" b="1" dirty="0">
+                <a:solidFill>
+                  <a:srgbClr val="000000"/>
+                </a:solidFill>
+                <a:latin typeface="Calibri" panose="020F0502020204030204" pitchFamily="34" charset="0"/>
+              </a:rPr>
+              <a:t>Concrete</a:t>
+            </a:r>
+            <a:r>
+              <a:rPr lang="en-US" dirty="0">
+                <a:solidFill>
+                  <a:srgbClr val="000000"/>
+                </a:solidFill>
+                <a:latin typeface="Calibri" panose="020F0502020204030204" pitchFamily="34" charset="0"/>
+              </a:rPr>
+              <a:t> </a:t>
+            </a:r>
+            <a:r>
+              <a:rPr lang="en-US" b="1" dirty="0">
+                <a:solidFill>
+                  <a:srgbClr val="000000"/>
+                </a:solidFill>
+                <a:latin typeface="Calibri" panose="020F0502020204030204" pitchFamily="34" charset="0"/>
+              </a:rPr>
+              <a:t>Visitor</a:t>
+            </a:r>
+            <a:r>
+              <a:rPr lang="en-US" dirty="0">
+                <a:solidFill>
+                  <a:srgbClr val="000000"/>
+                </a:solidFill>
+                <a:latin typeface="Calibri" panose="020F0502020204030204" pitchFamily="34" charset="0"/>
+              </a:rPr>
+              <a:t> implements several versions of the same behaviors, tailored for different concrete element classes.</a:t>
+            </a:r>
+          </a:p>
+        </p:txBody>
+      </p:sp>
+      <p:cxnSp>
+        <p:nvCxnSpPr>
+          <p:cNvPr id="9" name="Straight Arrow Connector 8">
+            <a:extLst>
+              <a:ext uri="{FF2B5EF4-FFF2-40B4-BE49-F238E27FC236}">
+                <a16:creationId xmlns:a16="http://schemas.microsoft.com/office/drawing/2014/main" id="{F3A84BFA-371B-9752-9B04-640FE820A1F7}"/>
+              </a:ext>
+            </a:extLst>
+          </p:cNvPr>
+          <p:cNvCxnSpPr>
+            <a:cxnSpLocks/>
+          </p:cNvCxnSpPr>
+          <p:nvPr/>
+        </p:nvCxnSpPr>
+        <p:spPr>
+          <a:xfrm flipV="1">
+            <a:off x="4429761" y="3276600"/>
+            <a:ext cx="599439" cy="2375714"/>
+          </a:xfrm>
+          <a:prstGeom prst="straightConnector1">
+            <a:avLst/>
+          </a:prstGeom>
+          <a:ln w="57150">
+            <a:tailEnd type="triangle"/>
+          </a:ln>
+        </p:spPr>
+        <p:style>
+          <a:lnRef idx="1">
+            <a:schemeClr val="accent1"/>
+          </a:lnRef>
+          <a:fillRef idx="0">
+            <a:schemeClr val="accent1"/>
+          </a:fillRef>
+          <a:effectRef idx="0">
+            <a:schemeClr val="accent1"/>
+          </a:effectRef>
+          <a:fontRef idx="minor">
+            <a:schemeClr val="tx1"/>
+          </a:fontRef>
+        </p:style>
+      </p:cxnSp>
+      <p:sp>
+        <p:nvSpPr>
+          <p:cNvPr id="11" name="TextBox 10">
+            <a:extLst>
+              <a:ext uri="{FF2B5EF4-FFF2-40B4-BE49-F238E27FC236}">
+                <a16:creationId xmlns:a16="http://schemas.microsoft.com/office/drawing/2014/main" id="{BD4D237C-DCC6-9FEF-4958-F5930EA3C9B8}"/>
+              </a:ext>
+            </a:extLst>
+          </p:cNvPr>
+          <p:cNvSpPr txBox="1"/>
+          <p:nvPr/>
+        </p:nvSpPr>
+        <p:spPr>
+          <a:xfrm>
+            <a:off x="6477000" y="2139015"/>
+            <a:ext cx="2667000" cy="2031325"/>
+          </a:xfrm>
+          <a:prstGeom prst="rect">
+            <a:avLst/>
+          </a:prstGeom>
+          <a:noFill/>
+          <a:ln>
+            <a:solidFill>
+              <a:schemeClr val="accent1">
+                <a:lumMod val="50000"/>
+              </a:schemeClr>
+            </a:solidFill>
+          </a:ln>
+        </p:spPr>
+        <p:txBody>
+          <a:bodyPr wrap="square">
+            <a:spAutoFit/>
+          </a:bodyPr>
+          <a:lstStyle/>
+          <a:p>
+            <a:pPr>
+              <a:spcBef>
+                <a:spcPts val="0"/>
+              </a:spcBef>
+              <a:spcAft>
+                <a:spcPts val="800"/>
+              </a:spcAft>
+            </a:pPr>
+            <a:r>
+              <a:rPr lang="en-US" dirty="0">
+                <a:solidFill>
+                  <a:srgbClr val="000000"/>
+                </a:solidFill>
+                <a:latin typeface="Calibri" panose="020F0502020204030204" pitchFamily="34" charset="0"/>
+              </a:rPr>
+              <a:t>The </a:t>
+            </a:r>
+            <a:r>
+              <a:rPr lang="en-US" b="1" dirty="0">
+                <a:solidFill>
+                  <a:srgbClr val="000000"/>
+                </a:solidFill>
+                <a:latin typeface="Calibri" panose="020F0502020204030204" pitchFamily="34" charset="0"/>
+              </a:rPr>
+              <a:t>Element</a:t>
+            </a:r>
+            <a:r>
+              <a:rPr lang="en-US" dirty="0">
+                <a:solidFill>
+                  <a:srgbClr val="000000"/>
+                </a:solidFill>
+                <a:latin typeface="Calibri" panose="020F0502020204030204" pitchFamily="34" charset="0"/>
+              </a:rPr>
+              <a:t> interface declares a method for “accepting” visitors. This method should have one parameter declared with the type of the visitor interface.</a:t>
+            </a:r>
+            <a:endParaRPr lang="en-US" sz="1800" b="0" i="0" u="none" strike="noStrike" dirty="0">
+              <a:solidFill>
+                <a:srgbClr val="000000"/>
+              </a:solidFill>
+              <a:effectLst/>
+              <a:latin typeface="Noto Sans Symbols"/>
+            </a:endParaRPr>
+          </a:p>
+        </p:txBody>
+      </p:sp>
+      <p:cxnSp>
+        <p:nvCxnSpPr>
+          <p:cNvPr id="12" name="Straight Arrow Connector 11">
+            <a:extLst>
+              <a:ext uri="{FF2B5EF4-FFF2-40B4-BE49-F238E27FC236}">
+                <a16:creationId xmlns:a16="http://schemas.microsoft.com/office/drawing/2014/main" id="{39A8F63E-420F-BD4C-FC08-4E361DF04A4D}"/>
+              </a:ext>
+            </a:extLst>
+          </p:cNvPr>
+          <p:cNvCxnSpPr>
+            <a:cxnSpLocks/>
+            <a:stCxn id="11" idx="1"/>
+          </p:cNvCxnSpPr>
+          <p:nvPr/>
+        </p:nvCxnSpPr>
+        <p:spPr>
+          <a:xfrm flipH="1" flipV="1">
+            <a:off x="5562600" y="1828800"/>
+            <a:ext cx="914400" cy="1325878"/>
+          </a:xfrm>
+          <a:prstGeom prst="straightConnector1">
+            <a:avLst/>
+          </a:prstGeom>
+          <a:ln w="57150">
+            <a:tailEnd type="triangle"/>
+          </a:ln>
+        </p:spPr>
+        <p:style>
+          <a:lnRef idx="1">
+            <a:schemeClr val="accent1"/>
+          </a:lnRef>
+          <a:fillRef idx="0">
+            <a:schemeClr val="accent1"/>
+          </a:fillRef>
+          <a:effectRef idx="0">
+            <a:schemeClr val="accent1"/>
+          </a:effectRef>
+          <a:fontRef idx="minor">
+            <a:schemeClr val="tx1"/>
+          </a:fontRef>
+        </p:style>
+      </p:cxnSp>
+      <p:sp>
+        <p:nvSpPr>
+          <p:cNvPr id="18" name="TextBox 17">
+            <a:extLst>
+              <a:ext uri="{FF2B5EF4-FFF2-40B4-BE49-F238E27FC236}">
+                <a16:creationId xmlns:a16="http://schemas.microsoft.com/office/drawing/2014/main" id="{849DC4C4-1D25-2542-8112-DCC875358F6C}"/>
+              </a:ext>
+            </a:extLst>
+          </p:cNvPr>
+          <p:cNvSpPr txBox="1"/>
+          <p:nvPr/>
+        </p:nvSpPr>
+        <p:spPr>
+          <a:xfrm>
+            <a:off x="6450174" y="1908182"/>
+            <a:ext cx="2667000" cy="4524315"/>
+          </a:xfrm>
+          <a:prstGeom prst="rect">
+            <a:avLst/>
+          </a:prstGeom>
+          <a:noFill/>
+          <a:ln>
+            <a:solidFill>
+              <a:schemeClr val="accent1">
+                <a:lumMod val="50000"/>
+              </a:schemeClr>
+            </a:solidFill>
+          </a:ln>
+        </p:spPr>
+        <p:txBody>
+          <a:bodyPr wrap="square">
+            <a:spAutoFit/>
+          </a:bodyPr>
+          <a:lstStyle/>
+          <a:p>
+            <a:pPr>
+              <a:spcBef>
+                <a:spcPts val="0"/>
+              </a:spcBef>
+              <a:spcAft>
+                <a:spcPts val="800"/>
+              </a:spcAft>
+            </a:pPr>
+            <a:r>
+              <a:rPr lang="en-US" dirty="0">
+                <a:solidFill>
+                  <a:srgbClr val="000000"/>
+                </a:solidFill>
+                <a:latin typeface="Calibri" panose="020F0502020204030204" pitchFamily="34" charset="0"/>
+              </a:rPr>
+              <a:t>Each </a:t>
+            </a:r>
+            <a:r>
+              <a:rPr lang="en-US" b="1" dirty="0">
+                <a:solidFill>
+                  <a:srgbClr val="000000"/>
+                </a:solidFill>
+                <a:latin typeface="Calibri" panose="020F0502020204030204" pitchFamily="34" charset="0"/>
+              </a:rPr>
+              <a:t>Concrete Element </a:t>
+            </a:r>
+            <a:r>
+              <a:rPr lang="en-US" dirty="0">
+                <a:solidFill>
+                  <a:srgbClr val="000000"/>
+                </a:solidFill>
+                <a:latin typeface="Calibri" panose="020F0502020204030204" pitchFamily="34" charset="0"/>
+              </a:rPr>
+              <a:t>must implement the acceptance method. The purpose of this method is to redirect the call to the proper visitor’s method corresponding to the current element class. Be aware that even if a base element class implements this method, all subclasses must still override this method in their own classes and call the appropriate method on the visitor object.</a:t>
+            </a:r>
+          </a:p>
+        </p:txBody>
+      </p:sp>
+      <p:cxnSp>
+        <p:nvCxnSpPr>
+          <p:cNvPr id="19" name="Straight Arrow Connector 18">
+            <a:extLst>
+              <a:ext uri="{FF2B5EF4-FFF2-40B4-BE49-F238E27FC236}">
+                <a16:creationId xmlns:a16="http://schemas.microsoft.com/office/drawing/2014/main" id="{3FCFA34E-7A3B-E0A8-D38F-2DEA90A62089}"/>
+              </a:ext>
+            </a:extLst>
+          </p:cNvPr>
+          <p:cNvCxnSpPr>
+            <a:cxnSpLocks/>
+          </p:cNvCxnSpPr>
+          <p:nvPr/>
+        </p:nvCxnSpPr>
+        <p:spPr>
+          <a:xfrm flipH="1" flipV="1">
+            <a:off x="5029200" y="3581400"/>
+            <a:ext cx="1382874" cy="411479"/>
+          </a:xfrm>
+          <a:prstGeom prst="straightConnector1">
+            <a:avLst/>
+          </a:prstGeom>
+          <a:ln w="57150">
+            <a:tailEnd type="triangle"/>
+          </a:ln>
+        </p:spPr>
+        <p:style>
+          <a:lnRef idx="1">
+            <a:schemeClr val="accent1"/>
+          </a:lnRef>
+          <a:fillRef idx="0">
+            <a:schemeClr val="accent1"/>
+          </a:fillRef>
+          <a:effectRef idx="0">
+            <a:schemeClr val="accent1"/>
+          </a:effectRef>
+          <a:fontRef idx="minor">
+            <a:schemeClr val="tx1"/>
+          </a:fontRef>
+        </p:style>
+      </p:cxnSp>
+    </p:spTree>
+    <p:extLst>
+      <p:ext uri="{BB962C8B-B14F-4D97-AF65-F5344CB8AC3E}">
+        <p14:creationId xmlns:p14="http://schemas.microsoft.com/office/powerpoint/2010/main" val="619272071"/>
+      </p:ext>
+    </p:extLst>
+  </p:cSld>
+  <p:clrMapOvr>
+    <a:masterClrMapping/>
+  </p:clrMapOvr>
+  <p:timing>
+    <p:tnLst>
+      <p:par>
+        <p:cTn id="1" dur="indefinite" restart="never" nodeType="tmRoot">
+          <p:childTnLst>
+            <p:seq concurrent="1" nextAc="seek">
+              <p:cTn id="2" dur="indefinite" nodeType="mainSeq">
+                <p:childTnLst>
+                  <p:par>
+                    <p:cTn id="3" fill="hold">
+                      <p:stCondLst>
+                        <p:cond delay="indefinite"/>
+                      </p:stCondLst>
+                      <p:childTnLst>
+                        <p:par>
+                          <p:cTn id="4" fill="hold">
+                            <p:stCondLst>
+                              <p:cond delay="0"/>
+                            </p:stCondLst>
+                            <p:childTnLst>
+                              <p:par>
+                                <p:cTn id="5" presetID="10" presetClass="entr" presetSubtype="0" fill="hold" nodeType="clickEffect">
+                                  <p:stCondLst>
+                                    <p:cond delay="0"/>
+                                  </p:stCondLst>
+                                  <p:childTnLst>
+                                    <p:set>
+                                      <p:cBhvr>
+                                        <p:cTn id="6" dur="1" fill="hold">
+                                          <p:stCondLst>
+                                            <p:cond delay="0"/>
+                                          </p:stCondLst>
+                                        </p:cTn>
+                                        <p:tgtEl>
+                                          <p:spTgt spid="7"/>
+                                        </p:tgtEl>
+                                        <p:attrNameLst>
+                                          <p:attrName>style.visibility</p:attrName>
+                                        </p:attrNameLst>
+                                      </p:cBhvr>
+                                      <p:to>
+                                        <p:strVal val="visible"/>
+                                      </p:to>
+                                    </p:set>
+                                    <p:animEffect transition="in" filter="fade">
+                                      <p:cBhvr>
+                                        <p:cTn id="7" dur="500"/>
+                                        <p:tgtEl>
+                                          <p:spTgt spid="7"/>
+                                        </p:tgtEl>
+                                      </p:cBhvr>
+                                    </p:animEffect>
+                                  </p:childTnLst>
+                                </p:cTn>
+                              </p:par>
+                              <p:par>
+                                <p:cTn id="8" presetID="10" presetClass="entr" presetSubtype="0" fill="hold" grpId="0" nodeType="withEffect">
+                                  <p:stCondLst>
+                                    <p:cond delay="0"/>
+                                  </p:stCondLst>
+                                  <p:childTnLst>
+                                    <p:set>
+                                      <p:cBhvr>
+                                        <p:cTn id="9" dur="1" fill="hold">
+                                          <p:stCondLst>
+                                            <p:cond delay="0"/>
+                                          </p:stCondLst>
+                                        </p:cTn>
+                                        <p:tgtEl>
+                                          <p:spTgt spid="5"/>
+                                        </p:tgtEl>
+                                        <p:attrNameLst>
+                                          <p:attrName>style.visibility</p:attrName>
+                                        </p:attrNameLst>
+                                      </p:cBhvr>
+                                      <p:to>
+                                        <p:strVal val="visible"/>
+                                      </p:to>
+                                    </p:set>
+                                    <p:animEffect transition="in" filter="fade">
+                                      <p:cBhvr>
+                                        <p:cTn id="10" dur="500"/>
+                                        <p:tgtEl>
+                                          <p:spTgt spid="5"/>
+                                        </p:tgtEl>
+                                      </p:cBhvr>
+                                    </p:animEffect>
+                                  </p:childTnLst>
+                                </p:cTn>
+                              </p:par>
+                              <p:par>
+                                <p:cTn id="11" presetID="10" presetClass="entr" presetSubtype="0" fill="hold" nodeType="withEffect">
+                                  <p:stCondLst>
+                                    <p:cond delay="0"/>
+                                  </p:stCondLst>
+                                  <p:childTnLst>
+                                    <p:set>
+                                      <p:cBhvr>
+                                        <p:cTn id="12" dur="1" fill="hold">
+                                          <p:stCondLst>
+                                            <p:cond delay="0"/>
+                                          </p:stCondLst>
+                                        </p:cTn>
+                                        <p:tgtEl>
+                                          <p:spTgt spid="2050"/>
+                                        </p:tgtEl>
+                                        <p:attrNameLst>
+                                          <p:attrName>style.visibility</p:attrName>
+                                        </p:attrNameLst>
+                                      </p:cBhvr>
+                                      <p:to>
+                                        <p:strVal val="visible"/>
+                                      </p:to>
+                                    </p:set>
+                                    <p:animEffect transition="in" filter="fade">
+                                      <p:cBhvr>
+                                        <p:cTn id="13" dur="500"/>
+                                        <p:tgtEl>
+                                          <p:spTgt spid="2050"/>
+                                        </p:tgtEl>
+                                      </p:cBhvr>
+                                    </p:animEffect>
+                                  </p:childTnLst>
+                                </p:cTn>
+                              </p:par>
+                            </p:childTnLst>
+                          </p:cTn>
+                        </p:par>
+                      </p:childTnLst>
+                    </p:cTn>
+                  </p:par>
+                  <p:par>
+                    <p:cTn id="14" fill="hold">
+                      <p:stCondLst>
+                        <p:cond delay="indefinite"/>
+                      </p:stCondLst>
+                      <p:childTnLst>
+                        <p:par>
+                          <p:cTn id="15" fill="hold">
+                            <p:stCondLst>
+                              <p:cond delay="0"/>
+                            </p:stCondLst>
+                            <p:childTnLst>
+                              <p:par>
+                                <p:cTn id="16" presetID="10" presetClass="entr" presetSubtype="0" fill="hold" grpId="0" nodeType="clickEffect">
+                                  <p:stCondLst>
+                                    <p:cond delay="0"/>
+                                  </p:stCondLst>
+                                  <p:childTnLst>
+                                    <p:set>
+                                      <p:cBhvr>
+                                        <p:cTn id="17" dur="1" fill="hold">
+                                          <p:stCondLst>
+                                            <p:cond delay="0"/>
+                                          </p:stCondLst>
+                                        </p:cTn>
+                                        <p:tgtEl>
+                                          <p:spTgt spid="8"/>
+                                        </p:tgtEl>
+                                        <p:attrNameLst>
+                                          <p:attrName>style.visibility</p:attrName>
+                                        </p:attrNameLst>
+                                      </p:cBhvr>
+                                      <p:to>
+                                        <p:strVal val="visible"/>
+                                      </p:to>
+                                    </p:set>
+                                    <p:animEffect transition="in" filter="fade">
+                                      <p:cBhvr>
+                                        <p:cTn id="18" dur="500"/>
+                                        <p:tgtEl>
+                                          <p:spTgt spid="8"/>
+                                        </p:tgtEl>
+                                      </p:cBhvr>
+                                    </p:animEffect>
+                                  </p:childTnLst>
+                                </p:cTn>
+                              </p:par>
+                              <p:par>
+                                <p:cTn id="19" presetID="10" presetClass="entr" presetSubtype="0" fill="hold" nodeType="withEffect">
+                                  <p:stCondLst>
+                                    <p:cond delay="0"/>
+                                  </p:stCondLst>
+                                  <p:childTnLst>
+                                    <p:set>
+                                      <p:cBhvr>
+                                        <p:cTn id="20" dur="1" fill="hold">
+                                          <p:stCondLst>
+                                            <p:cond delay="0"/>
+                                          </p:stCondLst>
+                                        </p:cTn>
+                                        <p:tgtEl>
+                                          <p:spTgt spid="9"/>
+                                        </p:tgtEl>
+                                        <p:attrNameLst>
+                                          <p:attrName>style.visibility</p:attrName>
+                                        </p:attrNameLst>
+                                      </p:cBhvr>
+                                      <p:to>
+                                        <p:strVal val="visible"/>
+                                      </p:to>
+                                    </p:set>
+                                    <p:animEffect transition="in" filter="fade">
+                                      <p:cBhvr>
+                                        <p:cTn id="21" dur="500"/>
+                                        <p:tgtEl>
+                                          <p:spTgt spid="9"/>
+                                        </p:tgtEl>
+                                      </p:cBhvr>
+                                    </p:animEffect>
+                                  </p:childTnLst>
+                                </p:cTn>
+                              </p:par>
+                              <p:par>
+                                <p:cTn id="22" presetID="16" presetClass="exit" presetSubtype="21" fill="hold" nodeType="withEffect">
+                                  <p:stCondLst>
+                                    <p:cond delay="0"/>
+                                  </p:stCondLst>
+                                  <p:childTnLst>
+                                    <p:animEffect transition="out" filter="barn(inVertical)">
+                                      <p:cBhvr>
+                                        <p:cTn id="23" dur="500"/>
+                                        <p:tgtEl>
+                                          <p:spTgt spid="7"/>
+                                        </p:tgtEl>
+                                      </p:cBhvr>
+                                    </p:animEffect>
+                                    <p:set>
+                                      <p:cBhvr>
+                                        <p:cTn id="24" dur="1" fill="hold">
+                                          <p:stCondLst>
+                                            <p:cond delay="499"/>
+                                          </p:stCondLst>
+                                        </p:cTn>
+                                        <p:tgtEl>
+                                          <p:spTgt spid="7"/>
+                                        </p:tgtEl>
+                                        <p:attrNameLst>
+                                          <p:attrName>style.visibility</p:attrName>
+                                        </p:attrNameLst>
+                                      </p:cBhvr>
+                                      <p:to>
+                                        <p:strVal val="hidden"/>
+                                      </p:to>
+                                    </p:set>
+                                  </p:childTnLst>
+                                </p:cTn>
+                              </p:par>
+                              <p:par>
+                                <p:cTn id="25" presetID="16" presetClass="exit" presetSubtype="21" fill="hold" grpId="1" nodeType="withEffect">
+                                  <p:stCondLst>
+                                    <p:cond delay="0"/>
+                                  </p:stCondLst>
+                                  <p:childTnLst>
+                                    <p:animEffect transition="out" filter="barn(inVertical)">
+                                      <p:cBhvr>
+                                        <p:cTn id="26" dur="500"/>
+                                        <p:tgtEl>
+                                          <p:spTgt spid="5"/>
+                                        </p:tgtEl>
+                                      </p:cBhvr>
+                                    </p:animEffect>
+                                    <p:set>
+                                      <p:cBhvr>
+                                        <p:cTn id="27" dur="1" fill="hold">
+                                          <p:stCondLst>
+                                            <p:cond delay="499"/>
+                                          </p:stCondLst>
+                                        </p:cTn>
+                                        <p:tgtEl>
+                                          <p:spTgt spid="5"/>
+                                        </p:tgtEl>
+                                        <p:attrNameLst>
+                                          <p:attrName>style.visibility</p:attrName>
+                                        </p:attrNameLst>
+                                      </p:cBhvr>
+                                      <p:to>
+                                        <p:strVal val="hidden"/>
+                                      </p:to>
+                                    </p:set>
+                                  </p:childTnLst>
+                                </p:cTn>
+                              </p:par>
+                            </p:childTnLst>
+                          </p:cTn>
+                        </p:par>
+                      </p:childTnLst>
+                    </p:cTn>
+                  </p:par>
+                  <p:par>
+                    <p:cTn id="28" fill="hold">
+                      <p:stCondLst>
+                        <p:cond delay="indefinite"/>
+                      </p:stCondLst>
+                      <p:childTnLst>
+                        <p:par>
+                          <p:cTn id="29" fill="hold">
+                            <p:stCondLst>
+                              <p:cond delay="0"/>
+                            </p:stCondLst>
+                            <p:childTnLst>
+                              <p:par>
+                                <p:cTn id="30" presetID="10" presetClass="exit" presetSubtype="0" fill="hold" grpId="1" nodeType="clickEffect">
+                                  <p:stCondLst>
+                                    <p:cond delay="0"/>
+                                  </p:stCondLst>
+                                  <p:childTnLst>
+                                    <p:animEffect transition="out" filter="fade">
+                                      <p:cBhvr>
+                                        <p:cTn id="31" dur="500"/>
+                                        <p:tgtEl>
+                                          <p:spTgt spid="8"/>
+                                        </p:tgtEl>
+                                      </p:cBhvr>
+                                    </p:animEffect>
+                                    <p:set>
+                                      <p:cBhvr>
+                                        <p:cTn id="32" dur="1" fill="hold">
+                                          <p:stCondLst>
+                                            <p:cond delay="499"/>
+                                          </p:stCondLst>
+                                        </p:cTn>
+                                        <p:tgtEl>
+                                          <p:spTgt spid="8"/>
+                                        </p:tgtEl>
+                                        <p:attrNameLst>
+                                          <p:attrName>style.visibility</p:attrName>
+                                        </p:attrNameLst>
+                                      </p:cBhvr>
+                                      <p:to>
+                                        <p:strVal val="hidden"/>
+                                      </p:to>
+                                    </p:set>
+                                  </p:childTnLst>
+                                </p:cTn>
+                              </p:par>
+                              <p:par>
+                                <p:cTn id="33" presetID="10" presetClass="exit" presetSubtype="0" fill="hold" nodeType="withEffect">
+                                  <p:stCondLst>
+                                    <p:cond delay="0"/>
+                                  </p:stCondLst>
+                                  <p:childTnLst>
+                                    <p:animEffect transition="out" filter="fade">
+                                      <p:cBhvr>
+                                        <p:cTn id="34" dur="500"/>
+                                        <p:tgtEl>
+                                          <p:spTgt spid="9"/>
+                                        </p:tgtEl>
+                                      </p:cBhvr>
+                                    </p:animEffect>
+                                    <p:set>
+                                      <p:cBhvr>
+                                        <p:cTn id="35" dur="1" fill="hold">
+                                          <p:stCondLst>
+                                            <p:cond delay="499"/>
+                                          </p:stCondLst>
+                                        </p:cTn>
+                                        <p:tgtEl>
+                                          <p:spTgt spid="9"/>
+                                        </p:tgtEl>
+                                        <p:attrNameLst>
+                                          <p:attrName>style.visibility</p:attrName>
+                                        </p:attrNameLst>
+                                      </p:cBhvr>
+                                      <p:to>
+                                        <p:strVal val="hidden"/>
+                                      </p:to>
+                                    </p:set>
+                                  </p:childTnLst>
+                                </p:cTn>
+                              </p:par>
+                            </p:childTnLst>
+                          </p:cTn>
+                        </p:par>
+                        <p:par>
+                          <p:cTn id="36" fill="hold">
+                            <p:stCondLst>
+                              <p:cond delay="500"/>
+                            </p:stCondLst>
+                            <p:childTnLst>
+                              <p:par>
+                                <p:cTn id="37" presetID="42" presetClass="path" presetSubtype="0" accel="50000" decel="50000" fill="hold" nodeType="afterEffect">
+                                  <p:stCondLst>
+                                    <p:cond delay="0"/>
+                                  </p:stCondLst>
+                                  <p:childTnLst>
+                                    <p:animMotion origin="layout" path="M 2.77778E-6 4.81481E-6 L -0.3566 -0.01436 " pathEditMode="relative" rAng="0" ptsTypes="AA">
+                                      <p:cBhvr>
+                                        <p:cTn id="38" dur="2000" fill="hold"/>
+                                        <p:tgtEl>
+                                          <p:spTgt spid="2050"/>
+                                        </p:tgtEl>
+                                        <p:attrNameLst>
+                                          <p:attrName>ppt_x</p:attrName>
+                                          <p:attrName>ppt_y</p:attrName>
+                                        </p:attrNameLst>
+                                      </p:cBhvr>
+                                      <p:rCtr x="-17830" y="-718"/>
+                                    </p:animMotion>
+                                  </p:childTnLst>
+                                </p:cTn>
+                              </p:par>
+                            </p:childTnLst>
+                          </p:cTn>
+                        </p:par>
+                        <p:par>
+                          <p:cTn id="39" fill="hold">
+                            <p:stCondLst>
+                              <p:cond delay="2500"/>
+                            </p:stCondLst>
+                            <p:childTnLst>
+                              <p:par>
+                                <p:cTn id="40" presetID="10" presetClass="entr" presetSubtype="0" fill="hold" grpId="0" nodeType="afterEffect">
+                                  <p:stCondLst>
+                                    <p:cond delay="0"/>
+                                  </p:stCondLst>
+                                  <p:childTnLst>
+                                    <p:set>
+                                      <p:cBhvr>
+                                        <p:cTn id="41" dur="1" fill="hold">
+                                          <p:stCondLst>
+                                            <p:cond delay="0"/>
+                                          </p:stCondLst>
+                                        </p:cTn>
+                                        <p:tgtEl>
+                                          <p:spTgt spid="11"/>
+                                        </p:tgtEl>
+                                        <p:attrNameLst>
+                                          <p:attrName>style.visibility</p:attrName>
+                                        </p:attrNameLst>
+                                      </p:cBhvr>
+                                      <p:to>
+                                        <p:strVal val="visible"/>
+                                      </p:to>
+                                    </p:set>
+                                    <p:animEffect transition="in" filter="fade">
+                                      <p:cBhvr>
+                                        <p:cTn id="42" dur="500"/>
+                                        <p:tgtEl>
+                                          <p:spTgt spid="11"/>
+                                        </p:tgtEl>
+                                      </p:cBhvr>
+                                    </p:animEffect>
+                                  </p:childTnLst>
+                                </p:cTn>
+                              </p:par>
+                              <p:par>
+                                <p:cTn id="43" presetID="10" presetClass="entr" presetSubtype="0" fill="hold" nodeType="withEffect">
+                                  <p:stCondLst>
+                                    <p:cond delay="0"/>
+                                  </p:stCondLst>
+                                  <p:childTnLst>
+                                    <p:set>
+                                      <p:cBhvr>
+                                        <p:cTn id="44" dur="1" fill="hold">
+                                          <p:stCondLst>
+                                            <p:cond delay="0"/>
+                                          </p:stCondLst>
+                                        </p:cTn>
+                                        <p:tgtEl>
+                                          <p:spTgt spid="12"/>
+                                        </p:tgtEl>
+                                        <p:attrNameLst>
+                                          <p:attrName>style.visibility</p:attrName>
+                                        </p:attrNameLst>
+                                      </p:cBhvr>
+                                      <p:to>
+                                        <p:strVal val="visible"/>
+                                      </p:to>
+                                    </p:set>
+                                    <p:animEffect transition="in" filter="fade">
+                                      <p:cBhvr>
+                                        <p:cTn id="45" dur="500"/>
+                                        <p:tgtEl>
+                                          <p:spTgt spid="12"/>
+                                        </p:tgtEl>
+                                      </p:cBhvr>
+                                    </p:animEffect>
+                                  </p:childTnLst>
+                                </p:cTn>
+                              </p:par>
+                            </p:childTnLst>
+                          </p:cTn>
+                        </p:par>
+                      </p:childTnLst>
+                    </p:cTn>
+                  </p:par>
+                  <p:par>
+                    <p:cTn id="46" fill="hold">
+                      <p:stCondLst>
+                        <p:cond delay="indefinite"/>
+                      </p:stCondLst>
+                      <p:childTnLst>
+                        <p:par>
+                          <p:cTn id="47" fill="hold">
+                            <p:stCondLst>
+                              <p:cond delay="0"/>
+                            </p:stCondLst>
+                            <p:childTnLst>
+                              <p:par>
+                                <p:cTn id="48" presetID="10" presetClass="exit" presetSubtype="0" fill="hold" grpId="1" nodeType="clickEffect">
+                                  <p:stCondLst>
+                                    <p:cond delay="0"/>
+                                  </p:stCondLst>
+                                  <p:childTnLst>
+                                    <p:animEffect transition="out" filter="fade">
+                                      <p:cBhvr>
+                                        <p:cTn id="49" dur="500"/>
+                                        <p:tgtEl>
+                                          <p:spTgt spid="11"/>
+                                        </p:tgtEl>
+                                      </p:cBhvr>
+                                    </p:animEffect>
+                                    <p:set>
+                                      <p:cBhvr>
+                                        <p:cTn id="50" dur="1" fill="hold">
+                                          <p:stCondLst>
+                                            <p:cond delay="499"/>
+                                          </p:stCondLst>
+                                        </p:cTn>
+                                        <p:tgtEl>
+                                          <p:spTgt spid="11"/>
+                                        </p:tgtEl>
+                                        <p:attrNameLst>
+                                          <p:attrName>style.visibility</p:attrName>
+                                        </p:attrNameLst>
+                                      </p:cBhvr>
+                                      <p:to>
+                                        <p:strVal val="hidden"/>
+                                      </p:to>
+                                    </p:set>
+                                  </p:childTnLst>
+                                </p:cTn>
+                              </p:par>
+                              <p:par>
+                                <p:cTn id="51" presetID="10" presetClass="exit" presetSubtype="0" fill="hold" nodeType="withEffect">
+                                  <p:stCondLst>
+                                    <p:cond delay="0"/>
+                                  </p:stCondLst>
+                                  <p:childTnLst>
+                                    <p:animEffect transition="out" filter="fade">
+                                      <p:cBhvr>
+                                        <p:cTn id="52" dur="500"/>
+                                        <p:tgtEl>
+                                          <p:spTgt spid="12"/>
+                                        </p:tgtEl>
+                                      </p:cBhvr>
+                                    </p:animEffect>
+                                    <p:set>
+                                      <p:cBhvr>
+                                        <p:cTn id="53" dur="1" fill="hold">
+                                          <p:stCondLst>
+                                            <p:cond delay="499"/>
+                                          </p:stCondLst>
+                                        </p:cTn>
+                                        <p:tgtEl>
+                                          <p:spTgt spid="12"/>
+                                        </p:tgtEl>
+                                        <p:attrNameLst>
+                                          <p:attrName>style.visibility</p:attrName>
+                                        </p:attrNameLst>
+                                      </p:cBhvr>
+                                      <p:to>
+                                        <p:strVal val="hidden"/>
+                                      </p:to>
+                                    </p:set>
+                                  </p:childTnLst>
+                                </p:cTn>
+                              </p:par>
+                              <p:par>
+                                <p:cTn id="54" presetID="10" presetClass="entr" presetSubtype="0" fill="hold" nodeType="withEffect">
+                                  <p:stCondLst>
+                                    <p:cond delay="0"/>
+                                  </p:stCondLst>
+                                  <p:childTnLst>
+                                    <p:set>
+                                      <p:cBhvr>
+                                        <p:cTn id="55" dur="1" fill="hold">
+                                          <p:stCondLst>
+                                            <p:cond delay="0"/>
+                                          </p:stCondLst>
+                                        </p:cTn>
+                                        <p:tgtEl>
+                                          <p:spTgt spid="19"/>
+                                        </p:tgtEl>
+                                        <p:attrNameLst>
+                                          <p:attrName>style.visibility</p:attrName>
+                                        </p:attrNameLst>
+                                      </p:cBhvr>
+                                      <p:to>
+                                        <p:strVal val="visible"/>
+                                      </p:to>
+                                    </p:set>
+                                    <p:animEffect transition="in" filter="fade">
+                                      <p:cBhvr>
+                                        <p:cTn id="56" dur="500"/>
+                                        <p:tgtEl>
+                                          <p:spTgt spid="19"/>
+                                        </p:tgtEl>
+                                      </p:cBhvr>
+                                    </p:animEffect>
+                                  </p:childTnLst>
+                                </p:cTn>
+                              </p:par>
+                              <p:par>
+                                <p:cTn id="57" presetID="10" presetClass="entr" presetSubtype="0" fill="hold" grpId="0" nodeType="withEffect">
+                                  <p:stCondLst>
+                                    <p:cond delay="0"/>
+                                  </p:stCondLst>
+                                  <p:childTnLst>
+                                    <p:set>
+                                      <p:cBhvr>
+                                        <p:cTn id="58" dur="1" fill="hold">
+                                          <p:stCondLst>
+                                            <p:cond delay="0"/>
+                                          </p:stCondLst>
+                                        </p:cTn>
+                                        <p:tgtEl>
+                                          <p:spTgt spid="18"/>
+                                        </p:tgtEl>
+                                        <p:attrNameLst>
+                                          <p:attrName>style.visibility</p:attrName>
+                                        </p:attrNameLst>
+                                      </p:cBhvr>
+                                      <p:to>
+                                        <p:strVal val="visible"/>
+                                      </p:to>
+                                    </p:set>
+                                    <p:animEffect transition="in" filter="fade">
+                                      <p:cBhvr>
+                                        <p:cTn id="59" dur="500"/>
+                                        <p:tgtEl>
+                                          <p:spTgt spid="18"/>
+                                        </p:tgtEl>
+                                      </p:cBhvr>
+                                    </p:animEffect>
+                                  </p:childTnLst>
+                                </p:cTn>
+                              </p:par>
+                            </p:childTnLst>
+                          </p:cTn>
+                        </p:par>
+                      </p:childTnLst>
+                    </p:cTn>
+                  </p:par>
+                </p:childTnLst>
+              </p:cTn>
+              <p:prevCondLst>
+                <p:cond evt="onPrev" delay="0">
+                  <p:tgtEl>
+                    <p:sldTgt/>
+                  </p:tgtEl>
+                </p:cond>
+              </p:prevCondLst>
+              <p:nextCondLst>
+                <p:cond evt="onNext" delay="0">
+                  <p:tgtEl>
+                    <p:sldTgt/>
+                  </p:tgtEl>
+                </p:cond>
+              </p:nextCondLst>
+            </p:seq>
+          </p:childTnLst>
+        </p:cTn>
+      </p:par>
+    </p:tnLst>
+    <p:bldLst>
+      <p:bldP spid="5" grpId="0" animBg="1"/>
+      <p:bldP spid="5" grpId="1" animBg="1"/>
+      <p:bldP spid="8" grpId="0" animBg="1"/>
+      <p:bldP spid="8" grpId="1" animBg="1"/>
+      <p:bldP spid="11" grpId="0" animBg="1"/>
+      <p:bldP spid="11" grpId="1" animBg="1"/>
+      <p:bldP spid="18" grpId="0" animBg="1"/>
+    </p:bldLst>
+  </p:timing>
+</p:sld>
+</file>
+
+<file path=ppt/slides/slide16.xml><?xml version="1.0" encoding="utf-8"?>
+<p:sld xmlns:a="http://schemas.openxmlformats.org/drawingml/2006/main" xmlns:r="http://schemas.openxmlformats.org/officeDocument/2006/relationships" xmlns:p="http://schemas.openxmlformats.org/presentationml/2006/main">
+  <p:cSld>
+    <p:bg>
+      <p:bgPr>
+        <a:blipFill dpi="0" rotWithShape="0">
+          <a:blip r:embed="rId3" cstate="print"/>
+          <a:srcRect/>
+          <a:stretch>
+            <a:fillRect/>
+          </a:stretch>
+        </a:blipFill>
+        <a:effectLst/>
+      </p:bgPr>
+    </p:bg>
+    <p:spTree>
+      <p:nvGrpSpPr>
+        <p:cNvPr id="1" name=""/>
+        <p:cNvGrpSpPr/>
+        <p:nvPr/>
+      </p:nvGrpSpPr>
+      <p:grpSpPr>
+        <a:xfrm>
+          <a:off x="0" y="0"/>
+          <a:ext cx="0" cy="0"/>
+          <a:chOff x="0" y="0"/>
+          <a:chExt cx="0" cy="0"/>
+        </a:xfrm>
+      </p:grpSpPr>
+      <p:sp>
+        <p:nvSpPr>
+          <p:cNvPr id="2" name="Rectangle 2">
+            <a:extLst>
+              <a:ext uri="{FF2B5EF4-FFF2-40B4-BE49-F238E27FC236}">
+                <a16:creationId xmlns:a16="http://schemas.microsoft.com/office/drawing/2014/main" id="{6E8AA3EF-A0A1-83D6-48F2-850D0DFE768B}"/>
+              </a:ext>
+            </a:extLst>
+          </p:cNvPr>
+          <p:cNvSpPr txBox="1">
+            <a:spLocks noChangeArrowheads="1"/>
+          </p:cNvSpPr>
+          <p:nvPr/>
+        </p:nvSpPr>
+        <p:spPr bwMode="auto">
+          <a:xfrm>
+            <a:off x="1779587" y="190500"/>
+            <a:ext cx="7364413" cy="719138"/>
+          </a:xfrm>
+          <a:prstGeom prst="rect">
+            <a:avLst/>
+          </a:prstGeom>
+          <a:noFill/>
+          <a:ln w="9525">
+            <a:noFill/>
+            <a:miter lim="800000"/>
+            <a:headEnd/>
+            <a:tailEnd/>
+          </a:ln>
+          <a:effectLst/>
+        </p:spPr>
+        <p:txBody>
+          <a:bodyPr vert="horz" wrap="square" lIns="91440" tIns="45720" rIns="91440" bIns="45720" numCol="1" anchor="ctr" anchorCtr="0" compatLnSpc="1">
+            <a:prstTxWarp prst="textNoShape">
+              <a:avLst/>
+            </a:prstTxWarp>
+          </a:bodyPr>
+          <a:lstStyle>
+            <a:lvl1pPr algn="l" rtl="0" eaLnBrk="1" fontAlgn="base" hangingPunct="1">
+              <a:spcBef>
+                <a:spcPct val="0"/>
+              </a:spcBef>
+              <a:spcAft>
+                <a:spcPct val="0"/>
+              </a:spcAft>
+              <a:defRPr sz="3200">
+                <a:solidFill>
+                  <a:schemeClr val="bg1"/>
+                </a:solidFill>
+                <a:latin typeface="+mj-lt"/>
+                <a:ea typeface="+mj-ea"/>
+                <a:cs typeface="+mj-cs"/>
+              </a:defRPr>
+            </a:lvl1pPr>
+            <a:lvl2pPr algn="l" rtl="0" eaLnBrk="1" fontAlgn="base" hangingPunct="1">
+              <a:spcBef>
+                <a:spcPct val="0"/>
+              </a:spcBef>
+              <a:spcAft>
+                <a:spcPct val="0"/>
+              </a:spcAft>
+              <a:defRPr sz="3200">
+                <a:solidFill>
+                  <a:schemeClr val="bg1"/>
+                </a:solidFill>
+                <a:latin typeface="Arial" charset="0"/>
+              </a:defRPr>
+            </a:lvl2pPr>
+            <a:lvl3pPr algn="l" rtl="0" eaLnBrk="1" fontAlgn="base" hangingPunct="1">
+              <a:spcBef>
+                <a:spcPct val="0"/>
+              </a:spcBef>
+              <a:spcAft>
+                <a:spcPct val="0"/>
+              </a:spcAft>
+              <a:defRPr sz="3200">
+                <a:solidFill>
+                  <a:schemeClr val="bg1"/>
+                </a:solidFill>
+                <a:latin typeface="Arial" charset="0"/>
+              </a:defRPr>
+            </a:lvl3pPr>
+            <a:lvl4pPr algn="l" rtl="0" eaLnBrk="1" fontAlgn="base" hangingPunct="1">
+              <a:spcBef>
+                <a:spcPct val="0"/>
+              </a:spcBef>
+              <a:spcAft>
+                <a:spcPct val="0"/>
+              </a:spcAft>
+              <a:defRPr sz="3200">
+                <a:solidFill>
+                  <a:schemeClr val="bg1"/>
+                </a:solidFill>
+                <a:latin typeface="Arial" charset="0"/>
+              </a:defRPr>
+            </a:lvl4pPr>
+            <a:lvl5pPr algn="l" rtl="0" eaLnBrk="1" fontAlgn="base" hangingPunct="1">
+              <a:spcBef>
+                <a:spcPct val="0"/>
+              </a:spcBef>
+              <a:spcAft>
+                <a:spcPct val="0"/>
+              </a:spcAft>
+              <a:defRPr sz="3200">
+                <a:solidFill>
+                  <a:schemeClr val="bg1"/>
+                </a:solidFill>
+                <a:latin typeface="Arial" charset="0"/>
+              </a:defRPr>
+            </a:lvl5pPr>
+            <a:lvl6pPr marL="457200" algn="l" rtl="0" eaLnBrk="1" fontAlgn="base" hangingPunct="1">
+              <a:spcBef>
+                <a:spcPct val="0"/>
+              </a:spcBef>
+              <a:spcAft>
+                <a:spcPct val="0"/>
+              </a:spcAft>
+              <a:defRPr sz="3200">
+                <a:solidFill>
+                  <a:schemeClr val="bg1"/>
+                </a:solidFill>
+                <a:latin typeface="Arial" charset="0"/>
+              </a:defRPr>
+            </a:lvl6pPr>
+            <a:lvl7pPr marL="914400" algn="l" rtl="0" eaLnBrk="1" fontAlgn="base" hangingPunct="1">
+              <a:spcBef>
+                <a:spcPct val="0"/>
+              </a:spcBef>
+              <a:spcAft>
+                <a:spcPct val="0"/>
+              </a:spcAft>
+              <a:defRPr sz="3200">
+                <a:solidFill>
+                  <a:schemeClr val="bg1"/>
+                </a:solidFill>
+                <a:latin typeface="Arial" charset="0"/>
+              </a:defRPr>
+            </a:lvl7pPr>
+            <a:lvl8pPr marL="1371600" algn="l" rtl="0" eaLnBrk="1" fontAlgn="base" hangingPunct="1">
+              <a:spcBef>
+                <a:spcPct val="0"/>
+              </a:spcBef>
+              <a:spcAft>
+                <a:spcPct val="0"/>
+              </a:spcAft>
+              <a:defRPr sz="3200">
+                <a:solidFill>
+                  <a:schemeClr val="bg1"/>
+                </a:solidFill>
+                <a:latin typeface="Arial" charset="0"/>
+              </a:defRPr>
+            </a:lvl8pPr>
+            <a:lvl9pPr marL="1828800" algn="l" rtl="0" eaLnBrk="1" fontAlgn="base" hangingPunct="1">
+              <a:spcBef>
+                <a:spcPct val="0"/>
+              </a:spcBef>
+              <a:spcAft>
+                <a:spcPct val="0"/>
+              </a:spcAft>
+              <a:defRPr sz="3200">
+                <a:solidFill>
+                  <a:schemeClr val="bg1"/>
+                </a:solidFill>
+                <a:latin typeface="Arial" charset="0"/>
+              </a:defRPr>
+            </a:lvl9pPr>
+          </a:lstStyle>
+          <a:p>
+            <a:r>
+              <a:rPr lang="en-US" b="1" kern="0" dirty="0">
+                <a:solidFill>
+                  <a:schemeClr val="bg2"/>
+                </a:solidFill>
+              </a:rPr>
+              <a:t>General Class Diagram - Explanation</a:t>
+            </a:r>
+          </a:p>
+        </p:txBody>
+      </p:sp>
+      <p:pic>
+        <p:nvPicPr>
+          <p:cNvPr id="3074" name="Picture 2" descr="Structure of the Visitor design pattern">
+            <a:extLst>
+              <a:ext uri="{FF2B5EF4-FFF2-40B4-BE49-F238E27FC236}">
+                <a16:creationId xmlns:a16="http://schemas.microsoft.com/office/drawing/2014/main" id="{807F47BC-30EC-AEC1-1E4F-096370216782}"/>
+              </a:ext>
+            </a:extLst>
+          </p:cNvPr>
+          <p:cNvPicPr>
+            <a:picLocks noChangeAspect="1" noChangeArrowheads="1"/>
+          </p:cNvPicPr>
+          <p:nvPr/>
+        </p:nvPicPr>
+        <p:blipFill>
+          <a:blip r:embed="rId4">
+            <a:extLst>
+              <a:ext uri="{28A0092B-C50C-407E-A947-70E740481C1C}">
+                <a14:useLocalDpi xmlns:a14="http://schemas.microsoft.com/office/drawing/2010/main" val="0"/>
+              </a:ext>
+            </a:extLst>
+          </a:blip>
+          <a:srcRect/>
+          <a:stretch>
+            <a:fillRect/>
+          </a:stretch>
+        </p:blipFill>
+        <p:spPr bwMode="auto">
+          <a:xfrm>
+            <a:off x="3276600" y="909638"/>
+            <a:ext cx="4495800" cy="3922356"/>
+          </a:xfrm>
+          <a:prstGeom prst="rect">
+            <a:avLst/>
+          </a:prstGeom>
+          <a:noFill/>
+          <a:extLst>
+            <a:ext uri="{909E8E84-426E-40DD-AFC4-6F175D3DCCD1}">
+              <a14:hiddenFill xmlns:a14="http://schemas.microsoft.com/office/drawing/2010/main">
+                <a:solidFill>
+                  <a:srgbClr val="FFFFFF"/>
+                </a:solidFill>
+              </a14:hiddenFill>
+            </a:ext>
+          </a:extLst>
+        </p:spPr>
+      </p:pic>
+      <p:sp>
+        <p:nvSpPr>
+          <p:cNvPr id="8" name="TextBox 7">
+            <a:extLst>
+              <a:ext uri="{FF2B5EF4-FFF2-40B4-BE49-F238E27FC236}">
+                <a16:creationId xmlns:a16="http://schemas.microsoft.com/office/drawing/2014/main" id="{C13593EA-80BE-B602-69D9-569CA52DA2C7}"/>
+              </a:ext>
+            </a:extLst>
+          </p:cNvPr>
+          <p:cNvSpPr txBox="1"/>
+          <p:nvPr/>
+        </p:nvSpPr>
+        <p:spPr>
+          <a:xfrm>
+            <a:off x="2362200" y="5165229"/>
+            <a:ext cx="6400800" cy="1415772"/>
+          </a:xfrm>
+          <a:prstGeom prst="rect">
+            <a:avLst/>
+          </a:prstGeom>
+          <a:noFill/>
+        </p:spPr>
+        <p:txBody>
+          <a:bodyPr wrap="square">
+            <a:spAutoFit/>
+          </a:bodyPr>
+          <a:lstStyle/>
+          <a:p>
+            <a:pPr>
+              <a:spcBef>
+                <a:spcPts val="0"/>
+              </a:spcBef>
+            </a:pPr>
+            <a:r>
+              <a:rPr lang="en-US" b="0" i="0" u="none" strike="noStrike" dirty="0">
+                <a:solidFill>
+                  <a:srgbClr val="000000"/>
+                </a:solidFill>
+                <a:effectLst/>
+                <a:latin typeface="Calibri" panose="020F0502020204030204" pitchFamily="34" charset="0"/>
+              </a:rPr>
+              <a:t>The </a:t>
+            </a:r>
+            <a:r>
+              <a:rPr lang="en-US" b="1" i="0" u="none" strike="noStrike" dirty="0">
+                <a:solidFill>
+                  <a:srgbClr val="000000"/>
+                </a:solidFill>
+                <a:effectLst/>
+                <a:latin typeface="Calibri" panose="020F0502020204030204" pitchFamily="34" charset="0"/>
+              </a:rPr>
+              <a:t>Client</a:t>
+            </a:r>
+            <a:r>
+              <a:rPr lang="en-US" b="0" i="0" u="none" strike="noStrike" dirty="0">
+                <a:solidFill>
+                  <a:srgbClr val="000000"/>
+                </a:solidFill>
+                <a:effectLst/>
+                <a:latin typeface="Calibri" panose="020F0502020204030204" pitchFamily="34" charset="0"/>
+              </a:rPr>
+              <a:t> usually represents a collection or some other complex object (for example, a </a:t>
+            </a:r>
+            <a:r>
+              <a:rPr lang="en-US" b="1" i="0" u="none" strike="noStrike" dirty="0">
+                <a:solidFill>
+                  <a:srgbClr val="000000"/>
+                </a:solidFill>
+                <a:effectLst/>
+                <a:latin typeface="Calibri" panose="020F0502020204030204" pitchFamily="34" charset="0"/>
+              </a:rPr>
+              <a:t>Composite</a:t>
+            </a:r>
+            <a:r>
+              <a:rPr lang="en-US" b="0" i="0" u="none" strike="noStrike" dirty="0">
+                <a:solidFill>
+                  <a:srgbClr val="000000"/>
+                </a:solidFill>
+                <a:effectLst/>
+                <a:latin typeface="Calibri" panose="020F0502020204030204" pitchFamily="34" charset="0"/>
+              </a:rPr>
+              <a:t> tree). Usually, clients aren’t aware of all the concrete element classes because they work with objects from that collection via some abstract interface.</a:t>
+            </a:r>
+            <a:endParaRPr lang="en-US" sz="3200" dirty="0"/>
+          </a:p>
+        </p:txBody>
+      </p:sp>
+      <p:cxnSp>
+        <p:nvCxnSpPr>
+          <p:cNvPr id="12" name="Straight Arrow Connector 11">
+            <a:extLst>
+              <a:ext uri="{FF2B5EF4-FFF2-40B4-BE49-F238E27FC236}">
+                <a16:creationId xmlns:a16="http://schemas.microsoft.com/office/drawing/2014/main" id="{A0C4BC34-BC34-4BDF-B019-7B9503FDEAF7}"/>
+              </a:ext>
+            </a:extLst>
+          </p:cNvPr>
+          <p:cNvCxnSpPr>
+            <a:cxnSpLocks/>
+            <a:stCxn id="8" idx="0"/>
+          </p:cNvCxnSpPr>
+          <p:nvPr/>
+        </p:nvCxnSpPr>
+        <p:spPr>
+          <a:xfrm flipV="1">
+            <a:off x="5562600" y="4419600"/>
+            <a:ext cx="0" cy="745629"/>
+          </a:xfrm>
+          <a:prstGeom prst="straightConnector1">
+            <a:avLst/>
+          </a:prstGeom>
+          <a:ln w="76200">
+            <a:solidFill>
+              <a:srgbClr val="292A2B"/>
+            </a:solidFill>
+            <a:tailEnd type="triangle"/>
+          </a:ln>
+        </p:spPr>
+        <p:style>
+          <a:lnRef idx="1">
+            <a:schemeClr val="accent1"/>
+          </a:lnRef>
+          <a:fillRef idx="0">
+            <a:schemeClr val="accent1"/>
+          </a:fillRef>
+          <a:effectRef idx="0">
+            <a:schemeClr val="accent1"/>
+          </a:effectRef>
+          <a:fontRef idx="minor">
+            <a:schemeClr val="tx1"/>
+          </a:fontRef>
+        </p:style>
+      </p:cxnSp>
+    </p:spTree>
+    <p:extLst>
+      <p:ext uri="{BB962C8B-B14F-4D97-AF65-F5344CB8AC3E}">
+        <p14:creationId xmlns:p14="http://schemas.microsoft.com/office/powerpoint/2010/main" val="838348811"/>
+      </p:ext>
+    </p:extLst>
+  </p:cSld>
+  <p:clrMapOvr>
+    <a:masterClrMapping/>
+  </p:clrMapOvr>
+  <p:transition spd="slow">
+    <p:push dir="u"/>
+  </p:transition>
+</p:sld>
+</file>
+
+<file path=ppt/slides/slide17.xml><?xml version="1.0" encoding="utf-8"?>
+<p:sld xmlns:a="http://schemas.openxmlformats.org/drawingml/2006/main" xmlns:r="http://schemas.openxmlformats.org/officeDocument/2006/relationships" xmlns:p="http://schemas.openxmlformats.org/presentationml/2006/main">
+  <p:cSld>
+    <p:bg>
+      <p:bgPr>
+        <a:blipFill dpi="0" rotWithShape="0">
+          <a:blip r:embed="rId3" cstate="print"/>
+          <a:srcRect/>
+          <a:stretch>
+            <a:fillRect/>
+          </a:stretch>
+        </a:blipFill>
+        <a:effectLst/>
+      </p:bgPr>
+    </p:bg>
+    <p:spTree>
+      <p:nvGrpSpPr>
+        <p:cNvPr id="1" name=""/>
+        <p:cNvGrpSpPr/>
+        <p:nvPr/>
+      </p:nvGrpSpPr>
+      <p:grpSpPr>
+        <a:xfrm>
+          <a:off x="0" y="0"/>
+          <a:ext cx="0" cy="0"/>
+          <a:chOff x="0" y="0"/>
+          <a:chExt cx="0" cy="0"/>
+        </a:xfrm>
+      </p:grpSpPr>
+      <p:sp>
+        <p:nvSpPr>
+          <p:cNvPr id="5122" name="Rectangle 2"/>
+          <p:cNvSpPr>
+            <a:spLocks noGrp="1" noChangeArrowheads="1"/>
+          </p:cNvSpPr>
+          <p:nvPr>
+            <p:ph type="title"/>
+          </p:nvPr>
+        </p:nvSpPr>
+        <p:spPr>
+          <a:xfrm>
+            <a:off x="1908175" y="117475"/>
+            <a:ext cx="7056438" cy="719138"/>
+          </a:xfrm>
+        </p:spPr>
+        <p:txBody>
+          <a:bodyPr/>
+          <a:lstStyle/>
+          <a:p>
+            <a:pPr eaLnBrk="1" hangingPunct="1"/>
+            <a:r>
+              <a:rPr lang="en-US" b="1">
+                <a:solidFill>
+                  <a:schemeClr val="bg2"/>
+                </a:solidFill>
+              </a:rPr>
+              <a:t>Print Slide Master</a:t>
+            </a:r>
+          </a:p>
+        </p:txBody>
+      </p:sp>
+      <p:sp>
+        <p:nvSpPr>
+          <p:cNvPr id="5123" name="Rectangle 3"/>
+          <p:cNvSpPr>
+            <a:spLocks noGrp="1" noChangeArrowheads="1"/>
+          </p:cNvSpPr>
+          <p:nvPr>
+            <p:ph type="body" idx="1"/>
+          </p:nvPr>
+        </p:nvSpPr>
+        <p:spPr>
+          <a:xfrm>
+            <a:off x="1908175" y="909638"/>
+            <a:ext cx="7056438" cy="5832475"/>
+          </a:xfrm>
+        </p:spPr>
+        <p:txBody>
+          <a:bodyPr/>
+          <a:lstStyle/>
+          <a:p>
+            <a:pPr eaLnBrk="1" hangingPunct="1"/>
+            <a:r>
+              <a:rPr lang="en-US" sz="2000" dirty="0">
+                <a:solidFill>
+                  <a:schemeClr val="bg2"/>
+                </a:solidFill>
+              </a:rPr>
+              <a:t>Our PowerPoint templates and backgrounds are «pre-made» presentation shells («pre-made» slides). All design backgrounds, graphics, typefaces, and colors have been created and are pre-set by an expert graphic designers which are working with some of the most prominent businesses in the world.</a:t>
+            </a:r>
+          </a:p>
+          <a:p>
+            <a:pPr eaLnBrk="1" hangingPunct="1"/>
+            <a:endParaRPr lang="en-US" sz="2000" dirty="0">
+              <a:solidFill>
+                <a:schemeClr val="bg2"/>
+              </a:solidFill>
+            </a:endParaRPr>
+          </a:p>
+          <a:p>
+            <a:pPr eaLnBrk="1" hangingPunct="1"/>
+            <a:r>
+              <a:rPr lang="en-US" sz="2000" dirty="0">
+                <a:solidFill>
+                  <a:schemeClr val="bg2"/>
+                </a:solidFill>
+              </a:rPr>
+              <a:t>You simply insert your text. That's it! You just can't go wrong with these templates and backgrounds!</a:t>
+            </a:r>
+          </a:p>
+          <a:p>
+            <a:pPr eaLnBrk="1" hangingPunct="1"/>
+            <a:endParaRPr lang="en-US" sz="2000" dirty="0">
+              <a:solidFill>
+                <a:schemeClr val="bg2"/>
+              </a:solidFill>
+            </a:endParaRPr>
+          </a:p>
+          <a:p>
+            <a:pPr eaLnBrk="1" hangingPunct="1"/>
+            <a:r>
+              <a:rPr lang="en-US" sz="2000" dirty="0">
+                <a:solidFill>
+                  <a:schemeClr val="bg2"/>
+                </a:solidFill>
+              </a:rPr>
+              <a:t>Download this template as well as our others at http://poweredtemplate.com/technology-computers-ppt-powerpoint-templates.html </a:t>
+            </a:r>
+          </a:p>
+        </p:txBody>
+      </p:sp>
+    </p:spTree>
+    <p:extLst>
+      <p:ext uri="{BB962C8B-B14F-4D97-AF65-F5344CB8AC3E}">
+        <p14:creationId xmlns:p14="http://schemas.microsoft.com/office/powerpoint/2010/main" val="2131242654"/>
+      </p:ext>
+    </p:extLst>
+  </p:cSld>
+  <p:clrMapOvr>
+    <a:masterClrMapping/>
+  </p:clrMapOvr>
+</p:sld>
+</file>
+
+<file path=ppt/slides/slide18.xml><?xml version="1.0" encoding="utf-8"?>
+<p:sld xmlns:a="http://schemas.openxmlformats.org/drawingml/2006/main" xmlns:r="http://schemas.openxmlformats.org/officeDocument/2006/relationships" xmlns:p="http://schemas.openxmlformats.org/presentationml/2006/main">
+  <p:cSld>
+    <p:bg>
+      <p:bgPr>
+        <a:blipFill dpi="0" rotWithShape="0">
+          <a:blip r:embed="rId3" cstate="print"/>
+          <a:srcRect/>
+          <a:stretch>
+            <a:fillRect/>
+          </a:stretch>
+        </a:blipFill>
+        <a:effectLst/>
+      </p:bgPr>
+    </p:bg>
+    <p:spTree>
+      <p:nvGrpSpPr>
+        <p:cNvPr id="1" name=""/>
+        <p:cNvGrpSpPr/>
+        <p:nvPr/>
+      </p:nvGrpSpPr>
+      <p:grpSpPr>
+        <a:xfrm>
+          <a:off x="0" y="0"/>
+          <a:ext cx="0" cy="0"/>
+          <a:chOff x="0" y="0"/>
+          <a:chExt cx="0" cy="0"/>
+        </a:xfrm>
+      </p:grpSpPr>
+      <p:sp>
+        <p:nvSpPr>
+          <p:cNvPr id="5122" name="Rectangle 2"/>
+          <p:cNvSpPr>
+            <a:spLocks noGrp="1" noChangeArrowheads="1"/>
+          </p:cNvSpPr>
+          <p:nvPr>
+            <p:ph type="title"/>
+          </p:nvPr>
+        </p:nvSpPr>
+        <p:spPr>
+          <a:xfrm>
+            <a:off x="1908175" y="117475"/>
+            <a:ext cx="7056438" cy="719138"/>
+          </a:xfrm>
+        </p:spPr>
+        <p:txBody>
+          <a:bodyPr/>
+          <a:lstStyle/>
+          <a:p>
+            <a:pPr eaLnBrk="1" hangingPunct="1"/>
+            <a:r>
+              <a:rPr lang="en-US" b="1">
+                <a:solidFill>
+                  <a:schemeClr val="bg2"/>
+                </a:solidFill>
+              </a:rPr>
+              <a:t>Print Slide Master</a:t>
+            </a:r>
+          </a:p>
+        </p:txBody>
+      </p:sp>
+      <p:sp>
+        <p:nvSpPr>
+          <p:cNvPr id="5123" name="Rectangle 3"/>
+          <p:cNvSpPr>
+            <a:spLocks noGrp="1" noChangeArrowheads="1"/>
+          </p:cNvSpPr>
+          <p:nvPr>
+            <p:ph type="body" idx="1"/>
+          </p:nvPr>
+        </p:nvSpPr>
+        <p:spPr>
+          <a:xfrm>
+            <a:off x="1908175" y="909638"/>
+            <a:ext cx="7056438" cy="5832475"/>
+          </a:xfrm>
+        </p:spPr>
+        <p:txBody>
+          <a:bodyPr/>
+          <a:lstStyle/>
+          <a:p>
+            <a:pPr eaLnBrk="1" hangingPunct="1"/>
+            <a:r>
+              <a:rPr lang="en-US" sz="2000" dirty="0">
+                <a:solidFill>
+                  <a:schemeClr val="bg2"/>
+                </a:solidFill>
+              </a:rPr>
+              <a:t>Our PowerPoint templates and backgrounds are «pre-made» presentation shells («pre-made» slides). All design backgrounds, graphics, typefaces, and colors have been created and are pre-set by an expert graphic designers which are working with some of the most prominent businesses in the world.</a:t>
+            </a:r>
+          </a:p>
+          <a:p>
+            <a:pPr eaLnBrk="1" hangingPunct="1"/>
+            <a:endParaRPr lang="en-US" sz="2000" dirty="0">
+              <a:solidFill>
+                <a:schemeClr val="bg2"/>
+              </a:solidFill>
+            </a:endParaRPr>
+          </a:p>
+          <a:p>
+            <a:pPr eaLnBrk="1" hangingPunct="1"/>
+            <a:r>
+              <a:rPr lang="en-US" sz="2000" dirty="0">
+                <a:solidFill>
+                  <a:schemeClr val="bg2"/>
+                </a:solidFill>
+              </a:rPr>
+              <a:t>You simply insert your text. That's it! You just can't go wrong with these templates and backgrounds!</a:t>
+            </a:r>
+          </a:p>
+          <a:p>
+            <a:pPr eaLnBrk="1" hangingPunct="1"/>
+            <a:endParaRPr lang="en-US" sz="2000" dirty="0">
+              <a:solidFill>
+                <a:schemeClr val="bg2"/>
+              </a:solidFill>
+            </a:endParaRPr>
+          </a:p>
+          <a:p>
+            <a:pPr eaLnBrk="1" hangingPunct="1"/>
+            <a:r>
+              <a:rPr lang="en-US" sz="2000" dirty="0">
+                <a:solidFill>
+                  <a:schemeClr val="bg2"/>
+                </a:solidFill>
+              </a:rPr>
+              <a:t>Download this template as well as our others at http://poweredtemplate.com/technology-computers-ppt-powerpoint-templates.html </a:t>
+            </a:r>
+          </a:p>
+        </p:txBody>
+      </p:sp>
+    </p:spTree>
+    <p:extLst>
+      <p:ext uri="{BB962C8B-B14F-4D97-AF65-F5344CB8AC3E}">
+        <p14:creationId xmlns:p14="http://schemas.microsoft.com/office/powerpoint/2010/main" val="2285385099"/>
+      </p:ext>
+    </p:extLst>
+  </p:cSld>
+  <p:clrMapOvr>
+    <a:masterClrMapping/>
+  </p:clrMapOvr>
+</p:sld>
+</file>
+
+<file path=ppt/slides/slide19.xml><?xml version="1.0" encoding="utf-8"?>
+<p:sld xmlns:a="http://schemas.openxmlformats.org/drawingml/2006/main" xmlns:r="http://schemas.openxmlformats.org/officeDocument/2006/relationships" xmlns:p="http://schemas.openxmlformats.org/presentationml/2006/main">
+  <p:cSld>
     <p:bg>
       <p:bgPr>
         <a:blipFill dpi="0" rotWithShape="0">
@@ -5694,6 +9592,829 @@
           </a:p>
         </p:txBody>
       </p:sp>
+      <p:sp>
+        <p:nvSpPr>
+          <p:cNvPr id="3" name="TextBox 2">
+            <a:extLst>
+              <a:ext uri="{FF2B5EF4-FFF2-40B4-BE49-F238E27FC236}">
+                <a16:creationId xmlns:a16="http://schemas.microsoft.com/office/drawing/2014/main" id="{415FC2EE-3A0F-BBED-3C9C-77C95EA9BDA6}"/>
+              </a:ext>
+            </a:extLst>
+          </p:cNvPr>
+          <p:cNvSpPr txBox="1"/>
+          <p:nvPr/>
+        </p:nvSpPr>
+        <p:spPr>
+          <a:xfrm>
+            <a:off x="838200" y="990600"/>
+            <a:ext cx="5105400" cy="5909310"/>
+          </a:xfrm>
+          <a:prstGeom prst="rect">
+            <a:avLst/>
+          </a:prstGeom>
+          <a:solidFill>
+            <a:schemeClr val="bg2"/>
+          </a:solidFill>
+        </p:spPr>
+        <p:txBody>
+          <a:bodyPr wrap="square">
+            <a:spAutoFit/>
+          </a:bodyPr>
+          <a:lstStyle/>
+          <a:p>
+            <a:r>
+              <a:rPr lang="en-US" sz="1800" b="0" i="0" u="none" strike="noStrike" dirty="0">
+                <a:solidFill>
+                  <a:srgbClr val="9B859D"/>
+                </a:solidFill>
+                <a:effectLst/>
+                <a:latin typeface="Consolas" panose="020B0609020204030204" pitchFamily="49" charset="0"/>
+              </a:rPr>
+              <a:t>#include &lt;iostream&gt;</a:t>
+            </a:r>
+            <a:br>
+              <a:rPr lang="en-US" sz="1800" b="0" i="0" u="none" strike="noStrike" dirty="0">
+                <a:solidFill>
+                  <a:srgbClr val="E6E1DC"/>
+                </a:solidFill>
+                <a:effectLst/>
+                <a:latin typeface="Consolas" panose="020B0609020204030204" pitchFamily="49" charset="0"/>
+              </a:rPr>
+            </a:br>
+            <a:r>
+              <a:rPr lang="en-US" sz="1800" b="0" i="0" u="none" strike="noStrike" dirty="0">
+                <a:solidFill>
+                  <a:srgbClr val="C26230"/>
+                </a:solidFill>
+                <a:effectLst/>
+                <a:latin typeface="Consolas" panose="020B0609020204030204" pitchFamily="49" charset="0"/>
+              </a:rPr>
+              <a:t>using</a:t>
+            </a:r>
+            <a:r>
+              <a:rPr lang="en-US" sz="1800" b="0" i="0" u="none" strike="noStrike" dirty="0">
+                <a:solidFill>
+                  <a:srgbClr val="E6E1DC"/>
+                </a:solidFill>
+                <a:effectLst/>
+                <a:latin typeface="Consolas" panose="020B0609020204030204" pitchFamily="49" charset="0"/>
+              </a:rPr>
+              <a:t> </a:t>
+            </a:r>
+            <a:r>
+              <a:rPr lang="en-US" sz="1800" b="0" i="0" u="none" strike="noStrike" dirty="0">
+                <a:solidFill>
+                  <a:srgbClr val="C26230"/>
+                </a:solidFill>
+                <a:effectLst/>
+                <a:latin typeface="Consolas" panose="020B0609020204030204" pitchFamily="49" charset="0"/>
+              </a:rPr>
+              <a:t>namespace</a:t>
+            </a:r>
+            <a:r>
+              <a:rPr lang="en-US" sz="1800" b="0" i="0" u="none" strike="noStrike" dirty="0">
+                <a:solidFill>
+                  <a:srgbClr val="E6E1DC"/>
+                </a:solidFill>
+                <a:effectLst/>
+                <a:latin typeface="Consolas" panose="020B0609020204030204" pitchFamily="49" charset="0"/>
+              </a:rPr>
+              <a:t> </a:t>
+            </a:r>
+            <a:r>
+              <a:rPr lang="en-US" sz="1800" b="0" i="0" u="none" strike="noStrike" dirty="0">
+                <a:solidFill>
+                  <a:srgbClr val="6D9CBE"/>
+                </a:solidFill>
+                <a:effectLst/>
+                <a:latin typeface="Consolas" panose="020B0609020204030204" pitchFamily="49" charset="0"/>
+              </a:rPr>
+              <a:t>std</a:t>
+            </a:r>
+            <a:r>
+              <a:rPr lang="en-US" sz="1800" b="0" i="0" u="none" strike="noStrike" dirty="0">
+                <a:solidFill>
+                  <a:srgbClr val="E6E1DC"/>
+                </a:solidFill>
+                <a:effectLst/>
+                <a:latin typeface="Consolas" panose="020B0609020204030204" pitchFamily="49" charset="0"/>
+              </a:rPr>
+              <a:t>;</a:t>
+            </a:r>
+            <a:br>
+              <a:rPr lang="en-US" sz="1800" b="0" i="0" u="none" strike="noStrike" dirty="0">
+                <a:solidFill>
+                  <a:srgbClr val="E6E1DC"/>
+                </a:solidFill>
+                <a:effectLst/>
+                <a:latin typeface="Consolas" panose="020B0609020204030204" pitchFamily="49" charset="0"/>
+              </a:rPr>
+            </a:br>
+            <a:r>
+              <a:rPr lang="en-US" sz="1800" b="0" i="0" u="none" strike="noStrike" dirty="0">
+                <a:solidFill>
+                  <a:srgbClr val="C26230"/>
+                </a:solidFill>
+                <a:effectLst/>
+                <a:latin typeface="Consolas" panose="020B0609020204030204" pitchFamily="49" charset="0"/>
+              </a:rPr>
+              <a:t>class</a:t>
+            </a:r>
+            <a:r>
+              <a:rPr lang="en-US" sz="1800" b="0" i="0" u="none" strike="noStrike" dirty="0">
+                <a:solidFill>
+                  <a:srgbClr val="E6E1DC"/>
+                </a:solidFill>
+                <a:effectLst/>
+                <a:latin typeface="Consolas" panose="020B0609020204030204" pitchFamily="49" charset="0"/>
+              </a:rPr>
+              <a:t> </a:t>
+            </a:r>
+            <a:r>
+              <a:rPr lang="en-US" sz="1800" b="0" i="0" u="none" strike="noStrike" dirty="0">
+                <a:solidFill>
+                  <a:srgbClr val="FFC66D"/>
+                </a:solidFill>
+                <a:effectLst/>
+                <a:latin typeface="Consolas" panose="020B0609020204030204" pitchFamily="49" charset="0"/>
+              </a:rPr>
+              <a:t>Point</a:t>
+            </a:r>
+            <a:br>
+              <a:rPr lang="en-US" sz="1800" b="0" i="0" u="none" strike="noStrike" dirty="0">
+                <a:solidFill>
+                  <a:srgbClr val="E6E1DC"/>
+                </a:solidFill>
+                <a:effectLst/>
+                <a:latin typeface="Consolas" panose="020B0609020204030204" pitchFamily="49" charset="0"/>
+              </a:rPr>
+            </a:br>
+            <a:r>
+              <a:rPr lang="en-US" sz="1800" b="0" i="0" u="none" strike="noStrike" dirty="0">
+                <a:solidFill>
+                  <a:srgbClr val="E6E1DC"/>
+                </a:solidFill>
+                <a:effectLst/>
+                <a:latin typeface="Consolas" panose="020B0609020204030204" pitchFamily="49" charset="0"/>
+              </a:rPr>
+              <a:t>{</a:t>
+            </a:r>
+            <a:br>
+              <a:rPr lang="en-US" sz="1800" b="0" i="0" u="none" strike="noStrike" dirty="0">
+                <a:solidFill>
+                  <a:srgbClr val="E6E1DC"/>
+                </a:solidFill>
+                <a:effectLst/>
+                <a:latin typeface="Consolas" panose="020B0609020204030204" pitchFamily="49" charset="0"/>
+              </a:rPr>
+            </a:br>
+            <a:r>
+              <a:rPr lang="en-US" sz="1800" b="0" i="0" u="none" strike="noStrike" dirty="0">
+                <a:solidFill>
+                  <a:srgbClr val="C26230"/>
+                </a:solidFill>
+                <a:effectLst/>
+                <a:latin typeface="Consolas" panose="020B0609020204030204" pitchFamily="49" charset="0"/>
+              </a:rPr>
+              <a:t>private</a:t>
+            </a:r>
+            <a:r>
+              <a:rPr lang="en-US" sz="1800" b="0" i="0" u="none" strike="noStrike" dirty="0">
+                <a:solidFill>
+                  <a:srgbClr val="E6E1DC"/>
+                </a:solidFill>
+                <a:effectLst/>
+                <a:latin typeface="Consolas" panose="020B0609020204030204" pitchFamily="49" charset="0"/>
+              </a:rPr>
+              <a:t>:</a:t>
+            </a:r>
+            <a:br>
+              <a:rPr lang="en-US" sz="1800" b="0" i="0" u="none" strike="noStrike" dirty="0">
+                <a:solidFill>
+                  <a:srgbClr val="E6E1DC"/>
+                </a:solidFill>
+                <a:effectLst/>
+                <a:latin typeface="Consolas" panose="020B0609020204030204" pitchFamily="49" charset="0"/>
+              </a:rPr>
+            </a:br>
+            <a:r>
+              <a:rPr lang="en-US" sz="1800" b="0" i="0" u="none" strike="noStrike" dirty="0">
+                <a:solidFill>
+                  <a:srgbClr val="E6E1DC"/>
+                </a:solidFill>
+                <a:effectLst/>
+                <a:latin typeface="Consolas" panose="020B0609020204030204" pitchFamily="49" charset="0"/>
+              </a:rPr>
+              <a:t>    </a:t>
+            </a:r>
+            <a:r>
+              <a:rPr lang="en-US" sz="1800" b="0" i="0" u="none" strike="noStrike" dirty="0">
+                <a:solidFill>
+                  <a:srgbClr val="C26230"/>
+                </a:solidFill>
+                <a:effectLst/>
+                <a:latin typeface="Consolas" panose="020B0609020204030204" pitchFamily="49" charset="0"/>
+              </a:rPr>
+              <a:t>int</a:t>
+            </a:r>
+            <a:r>
+              <a:rPr lang="en-US" sz="1800" b="0" i="0" u="none" strike="noStrike" dirty="0">
+                <a:solidFill>
+                  <a:srgbClr val="E6E1DC"/>
+                </a:solidFill>
+                <a:effectLst/>
+                <a:latin typeface="Consolas" panose="020B0609020204030204" pitchFamily="49" charset="0"/>
+              </a:rPr>
+              <a:t> x, y;</a:t>
+            </a:r>
+            <a:br>
+              <a:rPr lang="en-US" sz="1800" b="0" i="0" u="none" strike="noStrike" dirty="0">
+                <a:solidFill>
+                  <a:srgbClr val="E6E1DC"/>
+                </a:solidFill>
+                <a:effectLst/>
+                <a:latin typeface="Consolas" panose="020B0609020204030204" pitchFamily="49" charset="0"/>
+              </a:rPr>
+            </a:br>
+            <a:r>
+              <a:rPr lang="en-US" sz="1800" b="0" i="0" u="none" strike="noStrike" dirty="0">
+                <a:solidFill>
+                  <a:srgbClr val="C26230"/>
+                </a:solidFill>
+                <a:effectLst/>
+                <a:latin typeface="Consolas" panose="020B0609020204030204" pitchFamily="49" charset="0"/>
+              </a:rPr>
+              <a:t>public</a:t>
+            </a:r>
+            <a:r>
+              <a:rPr lang="en-US" sz="1800" b="0" i="0" u="none" strike="noStrike" dirty="0">
+                <a:solidFill>
+                  <a:srgbClr val="E6E1DC"/>
+                </a:solidFill>
+                <a:effectLst/>
+                <a:latin typeface="Consolas" panose="020B0609020204030204" pitchFamily="49" charset="0"/>
+              </a:rPr>
+              <a:t>:</a:t>
+            </a:r>
+            <a:br>
+              <a:rPr lang="en-US" sz="1800" b="0" i="0" u="none" strike="noStrike" dirty="0">
+                <a:solidFill>
+                  <a:srgbClr val="E6E1DC"/>
+                </a:solidFill>
+                <a:effectLst/>
+                <a:latin typeface="Consolas" panose="020B0609020204030204" pitchFamily="49" charset="0"/>
+              </a:rPr>
+            </a:br>
+            <a:r>
+              <a:rPr lang="en-US" sz="1800" b="0" i="0" u="none" strike="noStrike" dirty="0">
+                <a:solidFill>
+                  <a:srgbClr val="E6E1DC"/>
+                </a:solidFill>
+                <a:effectLst/>
+                <a:latin typeface="Consolas" panose="020B0609020204030204" pitchFamily="49" charset="0"/>
+              </a:rPr>
+              <a:t>    Point()</a:t>
+            </a:r>
+            <a:br>
+              <a:rPr lang="en-US" sz="1800" b="0" i="0" u="none" strike="noStrike" dirty="0">
+                <a:solidFill>
+                  <a:srgbClr val="E6E1DC"/>
+                </a:solidFill>
+                <a:effectLst/>
+                <a:latin typeface="Consolas" panose="020B0609020204030204" pitchFamily="49" charset="0"/>
+              </a:rPr>
+            </a:br>
+            <a:r>
+              <a:rPr lang="en-US" sz="1800" b="0" i="0" u="none" strike="noStrike" dirty="0">
+                <a:solidFill>
+                  <a:srgbClr val="E6E1DC"/>
+                </a:solidFill>
+                <a:effectLst/>
+                <a:latin typeface="Consolas" panose="020B0609020204030204" pitchFamily="49" charset="0"/>
+              </a:rPr>
+              <a:t>    {</a:t>
+            </a:r>
+            <a:br>
+              <a:rPr lang="en-US" sz="1800" b="0" i="0" u="none" strike="noStrike" dirty="0">
+                <a:solidFill>
+                  <a:srgbClr val="E6E1DC"/>
+                </a:solidFill>
+                <a:effectLst/>
+                <a:latin typeface="Consolas" panose="020B0609020204030204" pitchFamily="49" charset="0"/>
+              </a:rPr>
+            </a:br>
+            <a:r>
+              <a:rPr lang="en-US" sz="1800" b="0" i="0" u="none" strike="noStrike" dirty="0">
+                <a:solidFill>
+                  <a:srgbClr val="E6E1DC"/>
+                </a:solidFill>
+                <a:effectLst/>
+                <a:latin typeface="Consolas" panose="020B0609020204030204" pitchFamily="49" charset="0"/>
+              </a:rPr>
+              <a:t>        x = y = </a:t>
+            </a:r>
+            <a:r>
+              <a:rPr lang="en-US" sz="1800" b="0" i="0" u="none" strike="noStrike" dirty="0">
+                <a:solidFill>
+                  <a:srgbClr val="A5C261"/>
+                </a:solidFill>
+                <a:effectLst/>
+                <a:latin typeface="Consolas" panose="020B0609020204030204" pitchFamily="49" charset="0"/>
+              </a:rPr>
+              <a:t>0</a:t>
+            </a:r>
+            <a:r>
+              <a:rPr lang="en-US" sz="1800" b="0" i="0" u="none" strike="noStrike" dirty="0">
+                <a:solidFill>
+                  <a:srgbClr val="E6E1DC"/>
+                </a:solidFill>
+                <a:effectLst/>
+                <a:latin typeface="Consolas" panose="020B0609020204030204" pitchFamily="49" charset="0"/>
+              </a:rPr>
+              <a:t>;</a:t>
+            </a:r>
+            <a:br>
+              <a:rPr lang="en-US" sz="1800" b="0" i="0" u="none" strike="noStrike" dirty="0">
+                <a:solidFill>
+                  <a:srgbClr val="E6E1DC"/>
+                </a:solidFill>
+                <a:effectLst/>
+                <a:latin typeface="Consolas" panose="020B0609020204030204" pitchFamily="49" charset="0"/>
+              </a:rPr>
+            </a:br>
+            <a:r>
+              <a:rPr lang="en-US" sz="1800" b="0" i="0" u="none" strike="noStrike" dirty="0">
+                <a:solidFill>
+                  <a:srgbClr val="E6E1DC"/>
+                </a:solidFill>
+                <a:effectLst/>
+                <a:latin typeface="Consolas" panose="020B0609020204030204" pitchFamily="49" charset="0"/>
+              </a:rPr>
+              <a:t>    }</a:t>
+            </a:r>
+            <a:br>
+              <a:rPr lang="en-US" sz="1800" b="0" i="0" u="none" strike="noStrike" dirty="0">
+                <a:solidFill>
+                  <a:srgbClr val="E6E1DC"/>
+                </a:solidFill>
+                <a:effectLst/>
+                <a:latin typeface="Consolas" panose="020B0609020204030204" pitchFamily="49" charset="0"/>
+              </a:rPr>
+            </a:br>
+            <a:r>
+              <a:rPr lang="en-US" sz="1800" b="0" i="0" u="none" strike="noStrike" dirty="0">
+                <a:solidFill>
+                  <a:srgbClr val="E6E1DC"/>
+                </a:solidFill>
+                <a:effectLst/>
+                <a:latin typeface="Consolas" panose="020B0609020204030204" pitchFamily="49" charset="0"/>
+              </a:rPr>
+              <a:t>    Point(</a:t>
+            </a:r>
+            <a:r>
+              <a:rPr lang="en-US" sz="1800" b="0" i="0" u="none" strike="noStrike" dirty="0">
+                <a:solidFill>
+                  <a:srgbClr val="C26230"/>
+                </a:solidFill>
+                <a:effectLst/>
+                <a:latin typeface="Consolas" panose="020B0609020204030204" pitchFamily="49" charset="0"/>
+              </a:rPr>
+              <a:t>int</a:t>
+            </a:r>
+            <a:r>
+              <a:rPr lang="en-US" sz="1800" b="0" i="0" u="none" strike="noStrike" dirty="0">
+                <a:solidFill>
+                  <a:srgbClr val="E6E1DC"/>
+                </a:solidFill>
+                <a:effectLst/>
+                <a:latin typeface="Consolas" panose="020B0609020204030204" pitchFamily="49" charset="0"/>
+              </a:rPr>
+              <a:t> x, </a:t>
+            </a:r>
+            <a:r>
+              <a:rPr lang="en-US" sz="1800" b="0" i="0" u="none" strike="noStrike" dirty="0">
+                <a:solidFill>
+                  <a:srgbClr val="C26230"/>
+                </a:solidFill>
+                <a:effectLst/>
+                <a:latin typeface="Consolas" panose="020B0609020204030204" pitchFamily="49" charset="0"/>
+              </a:rPr>
+              <a:t>int</a:t>
+            </a:r>
+            <a:r>
+              <a:rPr lang="en-US" sz="1800" b="0" i="0" u="none" strike="noStrike" dirty="0">
+                <a:solidFill>
+                  <a:srgbClr val="E6E1DC"/>
+                </a:solidFill>
+                <a:effectLst/>
+                <a:latin typeface="Consolas" panose="020B0609020204030204" pitchFamily="49" charset="0"/>
+              </a:rPr>
+              <a:t> y)</a:t>
+            </a:r>
+            <a:br>
+              <a:rPr lang="en-US" sz="1800" b="0" i="0" u="none" strike="noStrike" dirty="0">
+                <a:solidFill>
+                  <a:srgbClr val="E6E1DC"/>
+                </a:solidFill>
+                <a:effectLst/>
+                <a:latin typeface="Consolas" panose="020B0609020204030204" pitchFamily="49" charset="0"/>
+              </a:rPr>
+            </a:br>
+            <a:r>
+              <a:rPr lang="en-US" sz="1800" b="0" i="0" u="none" strike="noStrike" dirty="0">
+                <a:solidFill>
+                  <a:srgbClr val="E6E1DC"/>
+                </a:solidFill>
+                <a:effectLst/>
+                <a:latin typeface="Consolas" panose="020B0609020204030204" pitchFamily="49" charset="0"/>
+              </a:rPr>
+              <a:t>    {</a:t>
+            </a:r>
+            <a:br>
+              <a:rPr lang="en-US" sz="1800" b="0" i="0" u="none" strike="noStrike" dirty="0">
+                <a:solidFill>
+                  <a:srgbClr val="E6E1DC"/>
+                </a:solidFill>
+                <a:effectLst/>
+                <a:latin typeface="Consolas" panose="020B0609020204030204" pitchFamily="49" charset="0"/>
+              </a:rPr>
+            </a:br>
+            <a:r>
+              <a:rPr lang="en-US" sz="1800" b="0" i="0" u="none" strike="noStrike" dirty="0">
+                <a:solidFill>
+                  <a:srgbClr val="E6E1DC"/>
+                </a:solidFill>
+                <a:effectLst/>
+                <a:latin typeface="Consolas" panose="020B0609020204030204" pitchFamily="49" charset="0"/>
+              </a:rPr>
+              <a:t>        </a:t>
+            </a:r>
+            <a:r>
+              <a:rPr lang="en-US" sz="1800" b="0" i="0" u="none" strike="noStrike" dirty="0">
+                <a:solidFill>
+                  <a:srgbClr val="C26230"/>
+                </a:solidFill>
+                <a:effectLst/>
+                <a:latin typeface="Consolas" panose="020B0609020204030204" pitchFamily="49" charset="0"/>
+              </a:rPr>
+              <a:t>this</a:t>
+            </a:r>
+            <a:r>
+              <a:rPr lang="en-US" sz="1800" b="0" i="0" u="none" strike="noStrike" dirty="0">
+                <a:solidFill>
+                  <a:srgbClr val="E6E1DC"/>
+                </a:solidFill>
+                <a:effectLst/>
+                <a:latin typeface="Consolas" panose="020B0609020204030204" pitchFamily="49" charset="0"/>
+              </a:rPr>
+              <a:t>-&gt;x = x;</a:t>
+            </a:r>
+            <a:br>
+              <a:rPr lang="en-US" sz="1800" b="0" i="0" u="none" strike="noStrike" dirty="0">
+                <a:solidFill>
+                  <a:srgbClr val="E6E1DC"/>
+                </a:solidFill>
+                <a:effectLst/>
+                <a:latin typeface="Consolas" panose="020B0609020204030204" pitchFamily="49" charset="0"/>
+              </a:rPr>
+            </a:br>
+            <a:r>
+              <a:rPr lang="en-US" sz="1800" b="0" i="0" u="none" strike="noStrike" dirty="0">
+                <a:solidFill>
+                  <a:srgbClr val="E6E1DC"/>
+                </a:solidFill>
+                <a:effectLst/>
+                <a:latin typeface="Consolas" panose="020B0609020204030204" pitchFamily="49" charset="0"/>
+              </a:rPr>
+              <a:t>        </a:t>
+            </a:r>
+            <a:r>
+              <a:rPr lang="en-US" sz="1800" b="0" i="0" u="none" strike="noStrike" dirty="0">
+                <a:solidFill>
+                  <a:srgbClr val="C26230"/>
+                </a:solidFill>
+                <a:effectLst/>
+                <a:latin typeface="Consolas" panose="020B0609020204030204" pitchFamily="49" charset="0"/>
+              </a:rPr>
+              <a:t>this</a:t>
+            </a:r>
+            <a:r>
+              <a:rPr lang="en-US" sz="1800" b="0" i="0" u="none" strike="noStrike" dirty="0">
+                <a:solidFill>
+                  <a:srgbClr val="E6E1DC"/>
+                </a:solidFill>
+                <a:effectLst/>
+                <a:latin typeface="Consolas" panose="020B0609020204030204" pitchFamily="49" charset="0"/>
+              </a:rPr>
+              <a:t>-&gt;y = y;</a:t>
+            </a:r>
+            <a:br>
+              <a:rPr lang="en-US" sz="1800" b="0" i="0" u="none" strike="noStrike" dirty="0">
+                <a:solidFill>
+                  <a:srgbClr val="E6E1DC"/>
+                </a:solidFill>
+                <a:effectLst/>
+                <a:latin typeface="Consolas" panose="020B0609020204030204" pitchFamily="49" charset="0"/>
+              </a:rPr>
+            </a:br>
+            <a:r>
+              <a:rPr lang="en-US" sz="1800" b="0" i="0" u="none" strike="noStrike" dirty="0">
+                <a:solidFill>
+                  <a:srgbClr val="E6E1DC"/>
+                </a:solidFill>
+                <a:effectLst/>
+                <a:latin typeface="Consolas" panose="020B0609020204030204" pitchFamily="49" charset="0"/>
+              </a:rPr>
+              <a:t>    }</a:t>
+            </a:r>
+            <a:br>
+              <a:rPr lang="en-US" sz="1800" b="0" i="0" u="none" strike="noStrike" dirty="0">
+                <a:solidFill>
+                  <a:srgbClr val="E6E1DC"/>
+                </a:solidFill>
+                <a:effectLst/>
+                <a:latin typeface="Consolas" panose="020B0609020204030204" pitchFamily="49" charset="0"/>
+              </a:rPr>
+            </a:br>
+            <a:r>
+              <a:rPr lang="en-US" sz="1800" b="0" i="0" u="none" strike="noStrike" dirty="0">
+                <a:solidFill>
+                  <a:srgbClr val="E6E1DC"/>
+                </a:solidFill>
+                <a:effectLst/>
+                <a:latin typeface="Consolas" panose="020B0609020204030204" pitchFamily="49" charset="0"/>
+              </a:rPr>
+              <a:t>    </a:t>
+            </a:r>
+            <a:r>
+              <a:rPr lang="en-US" sz="1800" b="0" i="0" u="none" strike="noStrike" dirty="0">
+                <a:solidFill>
+                  <a:srgbClr val="C26230"/>
+                </a:solidFill>
+                <a:effectLst/>
+                <a:latin typeface="Consolas" panose="020B0609020204030204" pitchFamily="49" charset="0"/>
+              </a:rPr>
+              <a:t>void</a:t>
+            </a:r>
+            <a:r>
+              <a:rPr lang="en-US" sz="1800" b="0" i="0" u="none" strike="noStrike" dirty="0">
+                <a:solidFill>
+                  <a:srgbClr val="E6E1DC"/>
+                </a:solidFill>
+                <a:effectLst/>
+                <a:latin typeface="Consolas" panose="020B0609020204030204" pitchFamily="49" charset="0"/>
+              </a:rPr>
+              <a:t> </a:t>
+            </a:r>
+            <a:r>
+              <a:rPr lang="en-US" sz="1800" b="0" i="0" u="none" strike="noStrike" dirty="0">
+                <a:solidFill>
+                  <a:srgbClr val="FFC66D"/>
+                </a:solidFill>
+                <a:effectLst/>
+                <a:latin typeface="Consolas" panose="020B0609020204030204" pitchFamily="49" charset="0"/>
+              </a:rPr>
+              <a:t>Show</a:t>
+            </a:r>
+            <a:r>
+              <a:rPr lang="en-US" sz="1800" b="0" i="0" u="none" strike="noStrike" dirty="0">
+                <a:solidFill>
+                  <a:srgbClr val="D0D0FF"/>
+                </a:solidFill>
+                <a:effectLst/>
+                <a:latin typeface="Consolas" panose="020B0609020204030204" pitchFamily="49" charset="0"/>
+              </a:rPr>
+              <a:t>()</a:t>
+            </a:r>
+            <a:br>
+              <a:rPr lang="en-US" sz="1800" b="0" i="0" u="none" strike="noStrike" dirty="0">
+                <a:solidFill>
+                  <a:srgbClr val="E6E1DC"/>
+                </a:solidFill>
+                <a:effectLst/>
+                <a:latin typeface="Consolas" panose="020B0609020204030204" pitchFamily="49" charset="0"/>
+              </a:rPr>
+            </a:br>
+            <a:r>
+              <a:rPr lang="en-US" sz="1800" b="0" i="0" u="none" strike="noStrike" dirty="0">
+                <a:solidFill>
+                  <a:srgbClr val="E6E1DC"/>
+                </a:solidFill>
+                <a:effectLst/>
+                <a:latin typeface="Consolas" panose="020B0609020204030204" pitchFamily="49" charset="0"/>
+              </a:rPr>
+              <a:t>    {</a:t>
+            </a:r>
+            <a:br>
+              <a:rPr lang="en-US" sz="1800" b="0" i="0" u="none" strike="noStrike" dirty="0">
+                <a:solidFill>
+                  <a:srgbClr val="E6E1DC"/>
+                </a:solidFill>
+                <a:effectLst/>
+                <a:latin typeface="Consolas" panose="020B0609020204030204" pitchFamily="49" charset="0"/>
+              </a:rPr>
+            </a:br>
+            <a:r>
+              <a:rPr lang="en-US" sz="1800" b="0" i="0" u="none" strike="noStrike" dirty="0">
+                <a:solidFill>
+                  <a:srgbClr val="E6E1DC"/>
+                </a:solidFill>
+                <a:effectLst/>
+                <a:latin typeface="Consolas" panose="020B0609020204030204" pitchFamily="49" charset="0"/>
+              </a:rPr>
+              <a:t>        </a:t>
+            </a:r>
+            <a:r>
+              <a:rPr lang="en-US" sz="1800" b="0" i="0" u="none" strike="noStrike" dirty="0" err="1">
+                <a:solidFill>
+                  <a:srgbClr val="6D9CBE"/>
+                </a:solidFill>
+                <a:effectLst/>
+                <a:latin typeface="Consolas" panose="020B0609020204030204" pitchFamily="49" charset="0"/>
+              </a:rPr>
+              <a:t>cout</a:t>
+            </a:r>
+            <a:r>
+              <a:rPr lang="en-US" sz="1800" b="0" i="0" u="none" strike="noStrike" dirty="0">
+                <a:solidFill>
+                  <a:srgbClr val="E6E1DC"/>
+                </a:solidFill>
+                <a:effectLst/>
+                <a:latin typeface="Consolas" panose="020B0609020204030204" pitchFamily="49" charset="0"/>
+              </a:rPr>
+              <a:t> &lt;&lt; x &lt;&lt; </a:t>
+            </a:r>
+            <a:r>
+              <a:rPr lang="en-US" sz="1800" b="0" i="0" u="none" strike="noStrike" dirty="0">
+                <a:solidFill>
+                  <a:srgbClr val="A5C261"/>
+                </a:solidFill>
+                <a:effectLst/>
+                <a:latin typeface="Consolas" panose="020B0609020204030204" pitchFamily="49" charset="0"/>
+              </a:rPr>
+              <a:t>","</a:t>
+            </a:r>
+            <a:r>
+              <a:rPr lang="en-US" sz="1800" b="0" i="0" u="none" strike="noStrike" dirty="0">
+                <a:solidFill>
+                  <a:srgbClr val="E6E1DC"/>
+                </a:solidFill>
+                <a:effectLst/>
+                <a:latin typeface="Consolas" panose="020B0609020204030204" pitchFamily="49" charset="0"/>
+              </a:rPr>
+              <a:t> &lt;&lt; y &lt;&lt; </a:t>
+            </a:r>
+            <a:r>
+              <a:rPr lang="en-US" sz="1800" b="0" i="0" u="none" strike="noStrike" dirty="0" err="1">
+                <a:solidFill>
+                  <a:srgbClr val="6D9CBE"/>
+                </a:solidFill>
+                <a:effectLst/>
+                <a:latin typeface="Consolas" panose="020B0609020204030204" pitchFamily="49" charset="0"/>
+              </a:rPr>
+              <a:t>endl</a:t>
+            </a:r>
+            <a:r>
+              <a:rPr lang="en-US" sz="1800" b="0" i="0" u="none" strike="noStrike" dirty="0">
+                <a:solidFill>
+                  <a:srgbClr val="E6E1DC"/>
+                </a:solidFill>
+                <a:effectLst/>
+                <a:latin typeface="Consolas" panose="020B0609020204030204" pitchFamily="49" charset="0"/>
+              </a:rPr>
+              <a:t>;</a:t>
+            </a:r>
+            <a:br>
+              <a:rPr lang="en-US" sz="1800" b="0" i="0" u="none" strike="noStrike" dirty="0">
+                <a:solidFill>
+                  <a:srgbClr val="E6E1DC"/>
+                </a:solidFill>
+                <a:effectLst/>
+                <a:latin typeface="Consolas" panose="020B0609020204030204" pitchFamily="49" charset="0"/>
+              </a:rPr>
+            </a:br>
+            <a:r>
+              <a:rPr lang="en-US" sz="1800" b="0" i="0" u="none" strike="noStrike" dirty="0">
+                <a:solidFill>
+                  <a:srgbClr val="E6E1DC"/>
+                </a:solidFill>
+                <a:effectLst/>
+                <a:latin typeface="Consolas" panose="020B0609020204030204" pitchFamily="49" charset="0"/>
+              </a:rPr>
+              <a:t>    }</a:t>
+            </a:r>
+            <a:br>
+              <a:rPr lang="en-US" sz="1800" b="0" i="0" u="none" strike="noStrike" dirty="0">
+                <a:solidFill>
+                  <a:srgbClr val="E6E1DC"/>
+                </a:solidFill>
+                <a:effectLst/>
+                <a:latin typeface="Consolas" panose="020B0609020204030204" pitchFamily="49" charset="0"/>
+              </a:rPr>
+            </a:br>
+            <a:r>
+              <a:rPr lang="en-US" sz="1800" b="0" i="0" u="none" strike="noStrike" dirty="0">
+                <a:solidFill>
+                  <a:srgbClr val="E6E1DC"/>
+                </a:solidFill>
+                <a:effectLst/>
+                <a:latin typeface="Consolas" panose="020B0609020204030204" pitchFamily="49" charset="0"/>
+              </a:rPr>
+              <a:t>};</a:t>
+            </a:r>
+            <a:endParaRPr lang="en-US" dirty="0"/>
+          </a:p>
+        </p:txBody>
+      </p:sp>
+      <p:cxnSp>
+        <p:nvCxnSpPr>
+          <p:cNvPr id="9" name="Straight Arrow Connector 8">
+            <a:extLst>
+              <a:ext uri="{FF2B5EF4-FFF2-40B4-BE49-F238E27FC236}">
+                <a16:creationId xmlns:a16="http://schemas.microsoft.com/office/drawing/2014/main" id="{59349051-21D6-2E57-2924-A2C3CE093FED}"/>
+              </a:ext>
+            </a:extLst>
+          </p:cNvPr>
+          <p:cNvCxnSpPr>
+            <a:cxnSpLocks/>
+            <a:stCxn id="13" idx="1"/>
+          </p:cNvCxnSpPr>
+          <p:nvPr/>
+        </p:nvCxnSpPr>
+        <p:spPr>
+          <a:xfrm flipH="1">
+            <a:off x="5943600" y="4343400"/>
+            <a:ext cx="762000" cy="0"/>
+          </a:xfrm>
+          <a:prstGeom prst="straightConnector1">
+            <a:avLst/>
+          </a:prstGeom>
+          <a:ln w="76200">
+            <a:solidFill>
+              <a:schemeClr val="tx1">
+                <a:lumMod val="50000"/>
+              </a:schemeClr>
+            </a:solidFill>
+            <a:tailEnd type="triangle"/>
+          </a:ln>
+        </p:spPr>
+        <p:style>
+          <a:lnRef idx="1">
+            <a:schemeClr val="accent1"/>
+          </a:lnRef>
+          <a:fillRef idx="0">
+            <a:schemeClr val="accent1"/>
+          </a:fillRef>
+          <a:effectRef idx="0">
+            <a:schemeClr val="accent1"/>
+          </a:effectRef>
+          <a:fontRef idx="minor">
+            <a:schemeClr val="tx1"/>
+          </a:fontRef>
+        </p:style>
+      </p:cxnSp>
+      <p:sp>
+        <p:nvSpPr>
+          <p:cNvPr id="13" name="TextBox 12">
+            <a:extLst>
+              <a:ext uri="{FF2B5EF4-FFF2-40B4-BE49-F238E27FC236}">
+                <a16:creationId xmlns:a16="http://schemas.microsoft.com/office/drawing/2014/main" id="{573AA3C6-9AE8-42E7-801E-909E3617D801}"/>
+              </a:ext>
+            </a:extLst>
+          </p:cNvPr>
+          <p:cNvSpPr txBox="1"/>
+          <p:nvPr/>
+        </p:nvSpPr>
+        <p:spPr>
+          <a:xfrm>
+            <a:off x="6705600" y="4158734"/>
+            <a:ext cx="2438400" cy="369332"/>
+          </a:xfrm>
+          <a:prstGeom prst="rect">
+            <a:avLst/>
+          </a:prstGeom>
+          <a:noFill/>
+          <a:ln>
+            <a:solidFill>
+              <a:schemeClr val="tx2">
+                <a:lumMod val="50000"/>
+              </a:schemeClr>
+            </a:solidFill>
+          </a:ln>
+        </p:spPr>
+        <p:txBody>
+          <a:bodyPr wrap="square" rtlCol="0">
+            <a:spAutoFit/>
+          </a:bodyPr>
+          <a:lstStyle/>
+          <a:p>
+            <a:r>
+              <a:rPr lang="en-US" dirty="0"/>
+              <a:t>Component export</a:t>
+            </a:r>
+          </a:p>
+        </p:txBody>
+      </p:sp>
     </p:spTree>
     <p:extLst>
       <p:ext uri="{BB962C8B-B14F-4D97-AF65-F5344CB8AC3E}">
@@ -5704,10 +10425,3990 @@
   <p:clrMapOvr>
     <a:masterClrMapping/>
   </p:clrMapOvr>
+  <p:timing>
+    <p:tnLst>
+      <p:par>
+        <p:cTn id="1" dur="indefinite" restart="never" nodeType="tmRoot">
+          <p:childTnLst>
+            <p:seq concurrent="1" nextAc="seek">
+              <p:cTn id="2" dur="indefinite" nodeType="mainSeq">
+                <p:childTnLst>
+                  <p:par>
+                    <p:cTn id="3" fill="hold">
+                      <p:stCondLst>
+                        <p:cond delay="indefinite"/>
+                      </p:stCondLst>
+                      <p:childTnLst>
+                        <p:par>
+                          <p:cTn id="4" fill="hold">
+                            <p:stCondLst>
+                              <p:cond delay="0"/>
+                            </p:stCondLst>
+                            <p:childTnLst>
+                              <p:par>
+                                <p:cTn id="5" presetID="10" presetClass="entr" presetSubtype="0" fill="hold" grpId="0" nodeType="clickEffect">
+                                  <p:stCondLst>
+                                    <p:cond delay="0"/>
+                                  </p:stCondLst>
+                                  <p:childTnLst>
+                                    <p:set>
+                                      <p:cBhvr>
+                                        <p:cTn id="6" dur="1" fill="hold">
+                                          <p:stCondLst>
+                                            <p:cond delay="0"/>
+                                          </p:stCondLst>
+                                        </p:cTn>
+                                        <p:tgtEl>
+                                          <p:spTgt spid="5122"/>
+                                        </p:tgtEl>
+                                        <p:attrNameLst>
+                                          <p:attrName>style.visibility</p:attrName>
+                                        </p:attrNameLst>
+                                      </p:cBhvr>
+                                      <p:to>
+                                        <p:strVal val="visible"/>
+                                      </p:to>
+                                    </p:set>
+                                    <p:animEffect transition="in" filter="fade">
+                                      <p:cBhvr>
+                                        <p:cTn id="7" dur="500"/>
+                                        <p:tgtEl>
+                                          <p:spTgt spid="5122"/>
+                                        </p:tgtEl>
+                                      </p:cBhvr>
+                                    </p:animEffect>
+                                  </p:childTnLst>
+                                </p:cTn>
+                              </p:par>
+                              <p:par>
+                                <p:cTn id="8" presetID="10" presetClass="entr" presetSubtype="0" fill="hold" grpId="0" nodeType="withEffect">
+                                  <p:stCondLst>
+                                    <p:cond delay="0"/>
+                                  </p:stCondLst>
+                                  <p:childTnLst>
+                                    <p:set>
+                                      <p:cBhvr>
+                                        <p:cTn id="9" dur="1" fill="hold">
+                                          <p:stCondLst>
+                                            <p:cond delay="0"/>
+                                          </p:stCondLst>
+                                        </p:cTn>
+                                        <p:tgtEl>
+                                          <p:spTgt spid="5123">
+                                            <p:txEl>
+                                              <p:pRg st="0" end="0"/>
+                                            </p:txEl>
+                                          </p:spTgt>
+                                        </p:tgtEl>
+                                        <p:attrNameLst>
+                                          <p:attrName>style.visibility</p:attrName>
+                                        </p:attrNameLst>
+                                      </p:cBhvr>
+                                      <p:to>
+                                        <p:strVal val="visible"/>
+                                      </p:to>
+                                    </p:set>
+                                    <p:animEffect transition="in" filter="fade">
+                                      <p:cBhvr>
+                                        <p:cTn id="10" dur="500"/>
+                                        <p:tgtEl>
+                                          <p:spTgt spid="5123">
+                                            <p:txEl>
+                                              <p:pRg st="0" end="0"/>
+                                            </p:txEl>
+                                          </p:spTgt>
+                                        </p:tgtEl>
+                                      </p:cBhvr>
+                                    </p:animEffect>
+                                  </p:childTnLst>
+                                </p:cTn>
+                              </p:par>
+                              <p:par>
+                                <p:cTn id="11" presetID="10" presetClass="entr" presetSubtype="0" fill="hold" grpId="0" nodeType="withEffect">
+                                  <p:stCondLst>
+                                    <p:cond delay="0"/>
+                                  </p:stCondLst>
+                                  <p:childTnLst>
+                                    <p:set>
+                                      <p:cBhvr>
+                                        <p:cTn id="12" dur="1" fill="hold">
+                                          <p:stCondLst>
+                                            <p:cond delay="0"/>
+                                          </p:stCondLst>
+                                        </p:cTn>
+                                        <p:tgtEl>
+                                          <p:spTgt spid="5123">
+                                            <p:txEl>
+                                              <p:pRg st="1" end="1"/>
+                                            </p:txEl>
+                                          </p:spTgt>
+                                        </p:tgtEl>
+                                        <p:attrNameLst>
+                                          <p:attrName>style.visibility</p:attrName>
+                                        </p:attrNameLst>
+                                      </p:cBhvr>
+                                      <p:to>
+                                        <p:strVal val="visible"/>
+                                      </p:to>
+                                    </p:set>
+                                    <p:animEffect transition="in" filter="fade">
+                                      <p:cBhvr>
+                                        <p:cTn id="13" dur="500"/>
+                                        <p:tgtEl>
+                                          <p:spTgt spid="5123">
+                                            <p:txEl>
+                                              <p:pRg st="1" end="1"/>
+                                            </p:txEl>
+                                          </p:spTgt>
+                                        </p:tgtEl>
+                                      </p:cBhvr>
+                                    </p:animEffect>
+                                  </p:childTnLst>
+                                </p:cTn>
+                              </p:par>
+                            </p:childTnLst>
+                          </p:cTn>
+                        </p:par>
+                      </p:childTnLst>
+                    </p:cTn>
+                  </p:par>
+                  <p:par>
+                    <p:cTn id="14" fill="hold">
+                      <p:stCondLst>
+                        <p:cond delay="indefinite"/>
+                      </p:stCondLst>
+                      <p:childTnLst>
+                        <p:par>
+                          <p:cTn id="15" fill="hold">
+                            <p:stCondLst>
+                              <p:cond delay="0"/>
+                            </p:stCondLst>
+                            <p:childTnLst>
+                              <p:par>
+                                <p:cTn id="16" presetID="10" presetClass="exit" presetSubtype="0" fill="hold" grpId="1" nodeType="clickEffect">
+                                  <p:stCondLst>
+                                    <p:cond delay="0"/>
+                                  </p:stCondLst>
+                                  <p:childTnLst>
+                                    <p:animEffect transition="out" filter="fade">
+                                      <p:cBhvr>
+                                        <p:cTn id="17" dur="500"/>
+                                        <p:tgtEl>
+                                          <p:spTgt spid="5123">
+                                            <p:txEl>
+                                              <p:pRg st="0" end="0"/>
+                                            </p:txEl>
+                                          </p:spTgt>
+                                        </p:tgtEl>
+                                      </p:cBhvr>
+                                    </p:animEffect>
+                                    <p:set>
+                                      <p:cBhvr>
+                                        <p:cTn id="18" dur="1" fill="hold">
+                                          <p:stCondLst>
+                                            <p:cond delay="499"/>
+                                          </p:stCondLst>
+                                        </p:cTn>
+                                        <p:tgtEl>
+                                          <p:spTgt spid="5123">
+                                            <p:txEl>
+                                              <p:pRg st="0" end="0"/>
+                                            </p:txEl>
+                                          </p:spTgt>
+                                        </p:tgtEl>
+                                        <p:attrNameLst>
+                                          <p:attrName>style.visibility</p:attrName>
+                                        </p:attrNameLst>
+                                      </p:cBhvr>
+                                      <p:to>
+                                        <p:strVal val="hidden"/>
+                                      </p:to>
+                                    </p:set>
+                                  </p:childTnLst>
+                                </p:cTn>
+                              </p:par>
+                              <p:par>
+                                <p:cTn id="19" presetID="10" presetClass="exit" presetSubtype="0" fill="hold" grpId="1" nodeType="withEffect">
+                                  <p:stCondLst>
+                                    <p:cond delay="0"/>
+                                  </p:stCondLst>
+                                  <p:childTnLst>
+                                    <p:animEffect transition="out" filter="fade">
+                                      <p:cBhvr>
+                                        <p:cTn id="20" dur="500"/>
+                                        <p:tgtEl>
+                                          <p:spTgt spid="5123">
+                                            <p:txEl>
+                                              <p:pRg st="1" end="1"/>
+                                            </p:txEl>
+                                          </p:spTgt>
+                                        </p:tgtEl>
+                                      </p:cBhvr>
+                                    </p:animEffect>
+                                    <p:set>
+                                      <p:cBhvr>
+                                        <p:cTn id="21" dur="1" fill="hold">
+                                          <p:stCondLst>
+                                            <p:cond delay="499"/>
+                                          </p:stCondLst>
+                                        </p:cTn>
+                                        <p:tgtEl>
+                                          <p:spTgt spid="5123">
+                                            <p:txEl>
+                                              <p:pRg st="1" end="1"/>
+                                            </p:txEl>
+                                          </p:spTgt>
+                                        </p:tgtEl>
+                                        <p:attrNameLst>
+                                          <p:attrName>style.visibility</p:attrName>
+                                        </p:attrNameLst>
+                                      </p:cBhvr>
+                                      <p:to>
+                                        <p:strVal val="hidden"/>
+                                      </p:to>
+                                    </p:set>
+                                  </p:childTnLst>
+                                </p:cTn>
+                              </p:par>
+                            </p:childTnLst>
+                          </p:cTn>
+                        </p:par>
+                        <p:par>
+                          <p:cTn id="22" fill="hold">
+                            <p:stCondLst>
+                              <p:cond delay="500"/>
+                            </p:stCondLst>
+                            <p:childTnLst>
+                              <p:par>
+                                <p:cTn id="23" presetID="10" presetClass="entr" presetSubtype="0" fill="hold" grpId="0" nodeType="afterEffect">
+                                  <p:stCondLst>
+                                    <p:cond delay="0"/>
+                                  </p:stCondLst>
+                                  <p:childTnLst>
+                                    <p:set>
+                                      <p:cBhvr>
+                                        <p:cTn id="24" dur="1" fill="hold">
+                                          <p:stCondLst>
+                                            <p:cond delay="0"/>
+                                          </p:stCondLst>
+                                        </p:cTn>
+                                        <p:tgtEl>
+                                          <p:spTgt spid="3"/>
+                                        </p:tgtEl>
+                                        <p:attrNameLst>
+                                          <p:attrName>style.visibility</p:attrName>
+                                        </p:attrNameLst>
+                                      </p:cBhvr>
+                                      <p:to>
+                                        <p:strVal val="visible"/>
+                                      </p:to>
+                                    </p:set>
+                                    <p:animEffect transition="in" filter="fade">
+                                      <p:cBhvr>
+                                        <p:cTn id="25" dur="500"/>
+                                        <p:tgtEl>
+                                          <p:spTgt spid="3"/>
+                                        </p:tgtEl>
+                                      </p:cBhvr>
+                                    </p:animEffect>
+                                  </p:childTnLst>
+                                </p:cTn>
+                              </p:par>
+                              <p:par>
+                                <p:cTn id="26" presetID="10" presetClass="entr" presetSubtype="0" fill="hold" nodeType="withEffect">
+                                  <p:stCondLst>
+                                    <p:cond delay="0"/>
+                                  </p:stCondLst>
+                                  <p:childTnLst>
+                                    <p:set>
+                                      <p:cBhvr>
+                                        <p:cTn id="27" dur="1" fill="hold">
+                                          <p:stCondLst>
+                                            <p:cond delay="0"/>
+                                          </p:stCondLst>
+                                        </p:cTn>
+                                        <p:tgtEl>
+                                          <p:spTgt spid="9"/>
+                                        </p:tgtEl>
+                                        <p:attrNameLst>
+                                          <p:attrName>style.visibility</p:attrName>
+                                        </p:attrNameLst>
+                                      </p:cBhvr>
+                                      <p:to>
+                                        <p:strVal val="visible"/>
+                                      </p:to>
+                                    </p:set>
+                                    <p:animEffect transition="in" filter="fade">
+                                      <p:cBhvr>
+                                        <p:cTn id="28" dur="500"/>
+                                        <p:tgtEl>
+                                          <p:spTgt spid="9"/>
+                                        </p:tgtEl>
+                                      </p:cBhvr>
+                                    </p:animEffect>
+                                  </p:childTnLst>
+                                </p:cTn>
+                              </p:par>
+                              <p:par>
+                                <p:cTn id="29" presetID="10" presetClass="entr" presetSubtype="0" fill="hold" grpId="0" nodeType="withEffect">
+                                  <p:stCondLst>
+                                    <p:cond delay="0"/>
+                                  </p:stCondLst>
+                                  <p:childTnLst>
+                                    <p:set>
+                                      <p:cBhvr>
+                                        <p:cTn id="30" dur="1" fill="hold">
+                                          <p:stCondLst>
+                                            <p:cond delay="0"/>
+                                          </p:stCondLst>
+                                        </p:cTn>
+                                        <p:tgtEl>
+                                          <p:spTgt spid="13"/>
+                                        </p:tgtEl>
+                                        <p:attrNameLst>
+                                          <p:attrName>style.visibility</p:attrName>
+                                        </p:attrNameLst>
+                                      </p:cBhvr>
+                                      <p:to>
+                                        <p:strVal val="visible"/>
+                                      </p:to>
+                                    </p:set>
+                                    <p:animEffect transition="in" filter="fade">
+                                      <p:cBhvr>
+                                        <p:cTn id="31" dur="500"/>
+                                        <p:tgtEl>
+                                          <p:spTgt spid="13"/>
+                                        </p:tgtEl>
+                                      </p:cBhvr>
+                                    </p:animEffect>
+                                  </p:childTnLst>
+                                </p:cTn>
+                              </p:par>
+                            </p:childTnLst>
+                          </p:cTn>
+                        </p:par>
+                      </p:childTnLst>
+                    </p:cTn>
+                  </p:par>
+                </p:childTnLst>
+              </p:cTn>
+              <p:prevCondLst>
+                <p:cond evt="onPrev" delay="0">
+                  <p:tgtEl>
+                    <p:sldTgt/>
+                  </p:tgtEl>
+                </p:cond>
+              </p:prevCondLst>
+              <p:nextCondLst>
+                <p:cond evt="onNext" delay="0">
+                  <p:tgtEl>
+                    <p:sldTgt/>
+                  </p:tgtEl>
+                </p:cond>
+              </p:nextCondLst>
+            </p:seq>
+          </p:childTnLst>
+        </p:cTn>
+      </p:par>
+    </p:tnLst>
+    <p:bldLst>
+      <p:bldP spid="5122" grpId="0"/>
+      <p:bldP spid="5123" grpId="0" uiExpand="1" build="p"/>
+      <p:bldP spid="5123" grpId="1" uiExpand="1" build="p"/>
+      <p:bldP spid="3" grpId="0" animBg="1"/>
+      <p:bldP spid="13" grpId="0" animBg="1"/>
+    </p:bldLst>
+  </p:timing>
 </p:sld>
 </file>
 
 <file path=ppt/slides/slide7.xml><?xml version="1.0" encoding="utf-8"?>
+<p:sld xmlns:a="http://schemas.openxmlformats.org/drawingml/2006/main" xmlns:r="http://schemas.openxmlformats.org/officeDocument/2006/relationships" xmlns:p="http://schemas.openxmlformats.org/presentationml/2006/main">
+  <p:cSld>
+    <p:bg>
+      <p:bgPr>
+        <a:blipFill dpi="0" rotWithShape="0">
+          <a:blip r:embed="rId3" cstate="print"/>
+          <a:srcRect/>
+          <a:stretch>
+            <a:fillRect/>
+          </a:stretch>
+        </a:blipFill>
+        <a:effectLst/>
+      </p:bgPr>
+    </p:bg>
+    <p:spTree>
+      <p:nvGrpSpPr>
+        <p:cNvPr id="1" name=""/>
+        <p:cNvGrpSpPr/>
+        <p:nvPr/>
+      </p:nvGrpSpPr>
+      <p:grpSpPr>
+        <a:xfrm>
+          <a:off x="0" y="0"/>
+          <a:ext cx="0" cy="0"/>
+          <a:chOff x="0" y="0"/>
+          <a:chExt cx="0" cy="0"/>
+        </a:xfrm>
+      </p:grpSpPr>
+      <p:sp>
+        <p:nvSpPr>
+          <p:cNvPr id="2" name="Rectangle 2">
+            <a:extLst>
+              <a:ext uri="{FF2B5EF4-FFF2-40B4-BE49-F238E27FC236}">
+                <a16:creationId xmlns:a16="http://schemas.microsoft.com/office/drawing/2014/main" id="{6BD58C24-1406-D83A-8D60-DCBA1920EB8B}"/>
+              </a:ext>
+            </a:extLst>
+          </p:cNvPr>
+          <p:cNvSpPr txBox="1">
+            <a:spLocks noChangeArrowheads="1"/>
+          </p:cNvSpPr>
+          <p:nvPr/>
+        </p:nvSpPr>
+        <p:spPr bwMode="auto">
+          <a:xfrm>
+            <a:off x="1828800" y="184467"/>
+            <a:ext cx="7056438" cy="719138"/>
+          </a:xfrm>
+          <a:prstGeom prst="rect">
+            <a:avLst/>
+          </a:prstGeom>
+          <a:noFill/>
+          <a:ln w="9525">
+            <a:noFill/>
+            <a:miter lim="800000"/>
+            <a:headEnd/>
+            <a:tailEnd/>
+          </a:ln>
+          <a:effectLst/>
+        </p:spPr>
+        <p:txBody>
+          <a:bodyPr vert="horz" wrap="square" lIns="91440" tIns="45720" rIns="91440" bIns="45720" numCol="1" anchor="ctr" anchorCtr="0" compatLnSpc="1">
+            <a:prstTxWarp prst="textNoShape">
+              <a:avLst/>
+            </a:prstTxWarp>
+          </a:bodyPr>
+          <a:lstStyle>
+            <a:lvl1pPr algn="l" rtl="0" eaLnBrk="1" fontAlgn="base" hangingPunct="1">
+              <a:spcBef>
+                <a:spcPct val="0"/>
+              </a:spcBef>
+              <a:spcAft>
+                <a:spcPct val="0"/>
+              </a:spcAft>
+              <a:defRPr sz="3200">
+                <a:solidFill>
+                  <a:schemeClr val="bg1"/>
+                </a:solidFill>
+                <a:latin typeface="+mj-lt"/>
+                <a:ea typeface="+mj-ea"/>
+                <a:cs typeface="+mj-cs"/>
+              </a:defRPr>
+            </a:lvl1pPr>
+            <a:lvl2pPr algn="l" rtl="0" eaLnBrk="1" fontAlgn="base" hangingPunct="1">
+              <a:spcBef>
+                <a:spcPct val="0"/>
+              </a:spcBef>
+              <a:spcAft>
+                <a:spcPct val="0"/>
+              </a:spcAft>
+              <a:defRPr sz="3200">
+                <a:solidFill>
+                  <a:schemeClr val="bg1"/>
+                </a:solidFill>
+                <a:latin typeface="Arial" charset="0"/>
+              </a:defRPr>
+            </a:lvl2pPr>
+            <a:lvl3pPr algn="l" rtl="0" eaLnBrk="1" fontAlgn="base" hangingPunct="1">
+              <a:spcBef>
+                <a:spcPct val="0"/>
+              </a:spcBef>
+              <a:spcAft>
+                <a:spcPct val="0"/>
+              </a:spcAft>
+              <a:defRPr sz="3200">
+                <a:solidFill>
+                  <a:schemeClr val="bg1"/>
+                </a:solidFill>
+                <a:latin typeface="Arial" charset="0"/>
+              </a:defRPr>
+            </a:lvl3pPr>
+            <a:lvl4pPr algn="l" rtl="0" eaLnBrk="1" fontAlgn="base" hangingPunct="1">
+              <a:spcBef>
+                <a:spcPct val="0"/>
+              </a:spcBef>
+              <a:spcAft>
+                <a:spcPct val="0"/>
+              </a:spcAft>
+              <a:defRPr sz="3200">
+                <a:solidFill>
+                  <a:schemeClr val="bg1"/>
+                </a:solidFill>
+                <a:latin typeface="Arial" charset="0"/>
+              </a:defRPr>
+            </a:lvl4pPr>
+            <a:lvl5pPr algn="l" rtl="0" eaLnBrk="1" fontAlgn="base" hangingPunct="1">
+              <a:spcBef>
+                <a:spcPct val="0"/>
+              </a:spcBef>
+              <a:spcAft>
+                <a:spcPct val="0"/>
+              </a:spcAft>
+              <a:defRPr sz="3200">
+                <a:solidFill>
+                  <a:schemeClr val="bg1"/>
+                </a:solidFill>
+                <a:latin typeface="Arial" charset="0"/>
+              </a:defRPr>
+            </a:lvl5pPr>
+            <a:lvl6pPr marL="457200" algn="l" rtl="0" eaLnBrk="1" fontAlgn="base" hangingPunct="1">
+              <a:spcBef>
+                <a:spcPct val="0"/>
+              </a:spcBef>
+              <a:spcAft>
+                <a:spcPct val="0"/>
+              </a:spcAft>
+              <a:defRPr sz="3200">
+                <a:solidFill>
+                  <a:schemeClr val="bg1"/>
+                </a:solidFill>
+                <a:latin typeface="Arial" charset="0"/>
+              </a:defRPr>
+            </a:lvl6pPr>
+            <a:lvl7pPr marL="914400" algn="l" rtl="0" eaLnBrk="1" fontAlgn="base" hangingPunct="1">
+              <a:spcBef>
+                <a:spcPct val="0"/>
+              </a:spcBef>
+              <a:spcAft>
+                <a:spcPct val="0"/>
+              </a:spcAft>
+              <a:defRPr sz="3200">
+                <a:solidFill>
+                  <a:schemeClr val="bg1"/>
+                </a:solidFill>
+                <a:latin typeface="Arial" charset="0"/>
+              </a:defRPr>
+            </a:lvl7pPr>
+            <a:lvl8pPr marL="1371600" algn="l" rtl="0" eaLnBrk="1" fontAlgn="base" hangingPunct="1">
+              <a:spcBef>
+                <a:spcPct val="0"/>
+              </a:spcBef>
+              <a:spcAft>
+                <a:spcPct val="0"/>
+              </a:spcAft>
+              <a:defRPr sz="3200">
+                <a:solidFill>
+                  <a:schemeClr val="bg1"/>
+                </a:solidFill>
+                <a:latin typeface="Arial" charset="0"/>
+              </a:defRPr>
+            </a:lvl8pPr>
+            <a:lvl9pPr marL="1828800" algn="l" rtl="0" eaLnBrk="1" fontAlgn="base" hangingPunct="1">
+              <a:spcBef>
+                <a:spcPct val="0"/>
+              </a:spcBef>
+              <a:spcAft>
+                <a:spcPct val="0"/>
+              </a:spcAft>
+              <a:defRPr sz="3200">
+                <a:solidFill>
+                  <a:schemeClr val="bg1"/>
+                </a:solidFill>
+                <a:latin typeface="Arial" charset="0"/>
+              </a:defRPr>
+            </a:lvl9pPr>
+          </a:lstStyle>
+          <a:p>
+            <a:r>
+              <a:rPr lang="en-US" sz="4000" b="1" kern="0" dirty="0">
+                <a:solidFill>
+                  <a:srgbClr val="FFC000"/>
+                </a:solidFill>
+              </a:rPr>
+              <a:t>Naive solution:</a:t>
+            </a:r>
+          </a:p>
+        </p:txBody>
+      </p:sp>
+      <p:sp>
+        <p:nvSpPr>
+          <p:cNvPr id="8" name="TextBox 7">
+            <a:extLst>
+              <a:ext uri="{FF2B5EF4-FFF2-40B4-BE49-F238E27FC236}">
+                <a16:creationId xmlns:a16="http://schemas.microsoft.com/office/drawing/2014/main" id="{CD8F8681-8BDF-EA82-AD52-B0D3CDAA9A5E}"/>
+              </a:ext>
+            </a:extLst>
+          </p:cNvPr>
+          <p:cNvSpPr txBox="1"/>
+          <p:nvPr/>
+        </p:nvSpPr>
+        <p:spPr>
+          <a:xfrm>
+            <a:off x="609600" y="1219200"/>
+            <a:ext cx="4572000" cy="1754326"/>
+          </a:xfrm>
+          <a:prstGeom prst="rect">
+            <a:avLst/>
+          </a:prstGeom>
+          <a:solidFill>
+            <a:srgbClr val="292A2B"/>
+          </a:solidFill>
+        </p:spPr>
+        <p:txBody>
+          <a:bodyPr wrap="square">
+            <a:spAutoFit/>
+          </a:bodyPr>
+          <a:lstStyle/>
+          <a:p>
+            <a:r>
+              <a:rPr lang="en-US" sz="1800" b="0" i="0" u="none" strike="noStrike" dirty="0">
+                <a:solidFill>
+                  <a:srgbClr val="C26230"/>
+                </a:solidFill>
+                <a:effectLst/>
+                <a:latin typeface="Consolas" panose="020B0609020204030204" pitchFamily="49" charset="0"/>
+              </a:rPr>
+              <a:t>class</a:t>
+            </a:r>
+            <a:r>
+              <a:rPr lang="en-US" sz="1800" b="0" i="0" u="none" strike="noStrike" dirty="0">
+                <a:solidFill>
+                  <a:srgbClr val="E6E1DC"/>
+                </a:solidFill>
+                <a:effectLst/>
+                <a:latin typeface="Consolas" panose="020B0609020204030204" pitchFamily="49" charset="0"/>
+              </a:rPr>
+              <a:t> </a:t>
+            </a:r>
+            <a:r>
+              <a:rPr lang="en-US" sz="1800" b="0" i="0" u="none" strike="noStrike" dirty="0">
+                <a:solidFill>
+                  <a:srgbClr val="FFC66D"/>
+                </a:solidFill>
+                <a:effectLst/>
+                <a:latin typeface="Consolas" panose="020B0609020204030204" pitchFamily="49" charset="0"/>
+              </a:rPr>
+              <a:t>Shape</a:t>
+            </a:r>
+            <a:br>
+              <a:rPr lang="en-US" sz="1800" b="0" i="0" u="none" strike="noStrike" dirty="0">
+                <a:solidFill>
+                  <a:srgbClr val="E6E1DC"/>
+                </a:solidFill>
+                <a:effectLst/>
+                <a:latin typeface="Consolas" panose="020B0609020204030204" pitchFamily="49" charset="0"/>
+              </a:rPr>
+            </a:br>
+            <a:r>
+              <a:rPr lang="en-US" sz="1800" b="0" i="0" u="none" strike="noStrike" dirty="0">
+                <a:solidFill>
+                  <a:srgbClr val="E6E1DC"/>
+                </a:solidFill>
+                <a:effectLst/>
+                <a:latin typeface="Consolas" panose="020B0609020204030204" pitchFamily="49" charset="0"/>
+              </a:rPr>
+              <a:t>{</a:t>
+            </a:r>
+            <a:br>
+              <a:rPr lang="en-US" sz="1800" b="0" i="0" u="none" strike="noStrike" dirty="0">
+                <a:solidFill>
+                  <a:srgbClr val="E6E1DC"/>
+                </a:solidFill>
+                <a:effectLst/>
+                <a:latin typeface="Consolas" panose="020B0609020204030204" pitchFamily="49" charset="0"/>
+              </a:rPr>
+            </a:br>
+            <a:r>
+              <a:rPr lang="en-US" sz="1800" b="0" i="0" u="none" strike="noStrike" dirty="0">
+                <a:solidFill>
+                  <a:srgbClr val="C26230"/>
+                </a:solidFill>
+                <a:effectLst/>
+                <a:latin typeface="Consolas" panose="020B0609020204030204" pitchFamily="49" charset="0"/>
+              </a:rPr>
+              <a:t>public</a:t>
+            </a:r>
+            <a:r>
+              <a:rPr lang="en-US" sz="1800" b="0" i="0" u="none" strike="noStrike" dirty="0">
+                <a:solidFill>
+                  <a:srgbClr val="E6E1DC"/>
+                </a:solidFill>
+                <a:effectLst/>
+                <a:latin typeface="Consolas" panose="020B0609020204030204" pitchFamily="49" charset="0"/>
+              </a:rPr>
+              <a:t>:</a:t>
+            </a:r>
+            <a:br>
+              <a:rPr lang="en-US" sz="1800" b="0" i="0" u="none" strike="noStrike" dirty="0">
+                <a:solidFill>
+                  <a:srgbClr val="E6E1DC"/>
+                </a:solidFill>
+                <a:effectLst/>
+                <a:latin typeface="Consolas" panose="020B0609020204030204" pitchFamily="49" charset="0"/>
+              </a:rPr>
+            </a:br>
+            <a:r>
+              <a:rPr lang="en-US" sz="1800" b="0" i="0" u="none" strike="noStrike" dirty="0">
+                <a:solidFill>
+                  <a:srgbClr val="E6E1DC"/>
+                </a:solidFill>
+                <a:effectLst/>
+                <a:latin typeface="Consolas" panose="020B0609020204030204" pitchFamily="49" charset="0"/>
+              </a:rPr>
+              <a:t>    </a:t>
+            </a:r>
+            <a:r>
+              <a:rPr lang="en-US" sz="1800" b="0" i="0" u="none" strike="noStrike" dirty="0">
+                <a:solidFill>
+                  <a:srgbClr val="C26230"/>
+                </a:solidFill>
+                <a:effectLst/>
+                <a:latin typeface="Consolas" panose="020B0609020204030204" pitchFamily="49" charset="0"/>
+              </a:rPr>
+              <a:t>virtual</a:t>
+            </a:r>
+            <a:r>
+              <a:rPr lang="en-US" sz="1800" b="0" i="0" u="none" strike="noStrike" dirty="0">
+                <a:solidFill>
+                  <a:srgbClr val="E6E1DC"/>
+                </a:solidFill>
+                <a:effectLst/>
+                <a:latin typeface="Consolas" panose="020B0609020204030204" pitchFamily="49" charset="0"/>
+              </a:rPr>
+              <a:t> </a:t>
+            </a:r>
+            <a:r>
+              <a:rPr lang="en-US" sz="1800" b="0" i="0" u="none" strike="noStrike" dirty="0">
+                <a:solidFill>
+                  <a:srgbClr val="C26230"/>
+                </a:solidFill>
+                <a:effectLst/>
+                <a:latin typeface="Consolas" panose="020B0609020204030204" pitchFamily="49" charset="0"/>
+              </a:rPr>
+              <a:t>void</a:t>
+            </a:r>
+            <a:r>
+              <a:rPr lang="en-US" sz="1800" b="0" i="0" u="none" strike="noStrike" dirty="0">
+                <a:solidFill>
+                  <a:srgbClr val="E6E1DC"/>
+                </a:solidFill>
+                <a:effectLst/>
+                <a:latin typeface="Consolas" panose="020B0609020204030204" pitchFamily="49" charset="0"/>
+              </a:rPr>
+              <a:t> </a:t>
+            </a:r>
+            <a:r>
+              <a:rPr lang="en-US" sz="1800" b="0" i="0" u="none" strike="noStrike" dirty="0" err="1">
+                <a:solidFill>
+                  <a:srgbClr val="FFC66D"/>
+                </a:solidFill>
+                <a:effectLst/>
+                <a:latin typeface="Consolas" panose="020B0609020204030204" pitchFamily="49" charset="0"/>
+              </a:rPr>
+              <a:t>XMLexport</a:t>
+            </a:r>
+            <a:r>
+              <a:rPr lang="en-US" sz="1800" b="0" i="0" u="none" strike="noStrike" dirty="0">
+                <a:solidFill>
+                  <a:srgbClr val="D0D0FF"/>
+                </a:solidFill>
+                <a:effectLst/>
+                <a:latin typeface="Consolas" panose="020B0609020204030204" pitchFamily="49" charset="0"/>
+              </a:rPr>
+              <a:t>()</a:t>
+            </a:r>
+            <a:r>
+              <a:rPr lang="en-US" sz="1800" b="0" i="0" u="none" strike="noStrike" dirty="0">
+                <a:solidFill>
+                  <a:srgbClr val="E6E1DC"/>
+                </a:solidFill>
+                <a:effectLst/>
+                <a:latin typeface="Consolas" panose="020B0609020204030204" pitchFamily="49" charset="0"/>
+              </a:rPr>
+              <a:t> = </a:t>
+            </a:r>
+            <a:r>
+              <a:rPr lang="en-US" sz="1800" b="0" i="0" u="none" strike="noStrike" dirty="0">
+                <a:solidFill>
+                  <a:srgbClr val="A5C261"/>
+                </a:solidFill>
+                <a:effectLst/>
+                <a:latin typeface="Consolas" panose="020B0609020204030204" pitchFamily="49" charset="0"/>
+              </a:rPr>
+              <a:t>0</a:t>
+            </a:r>
+            <a:r>
+              <a:rPr lang="en-US" sz="1800" b="0" i="0" u="none" strike="noStrike" dirty="0">
+                <a:solidFill>
+                  <a:srgbClr val="E6E1DC"/>
+                </a:solidFill>
+                <a:effectLst/>
+                <a:latin typeface="Consolas" panose="020B0609020204030204" pitchFamily="49" charset="0"/>
+              </a:rPr>
+              <a:t>;</a:t>
+            </a:r>
+            <a:br>
+              <a:rPr lang="en-US" sz="1800" b="0" i="0" u="none" strike="noStrike" dirty="0">
+                <a:solidFill>
+                  <a:srgbClr val="E6E1DC"/>
+                </a:solidFill>
+                <a:effectLst/>
+                <a:latin typeface="Consolas" panose="020B0609020204030204" pitchFamily="49" charset="0"/>
+              </a:rPr>
+            </a:br>
+            <a:r>
+              <a:rPr lang="en-US" sz="1800" b="0" i="0" u="none" strike="noStrike" dirty="0">
+                <a:solidFill>
+                  <a:srgbClr val="E6E1DC"/>
+                </a:solidFill>
+                <a:effectLst/>
+                <a:latin typeface="Consolas" panose="020B0609020204030204" pitchFamily="49" charset="0"/>
+              </a:rPr>
+              <a:t>};</a:t>
+            </a:r>
+            <a:br>
+              <a:rPr lang="en-US" sz="1800" b="0" i="0" u="none" strike="noStrike" dirty="0">
+                <a:solidFill>
+                  <a:srgbClr val="E6E1DC"/>
+                </a:solidFill>
+                <a:effectLst/>
+                <a:latin typeface="Consolas" panose="020B0609020204030204" pitchFamily="49" charset="0"/>
+              </a:rPr>
+            </a:br>
+            <a:endParaRPr lang="en-US" dirty="0"/>
+          </a:p>
+        </p:txBody>
+      </p:sp>
+      <p:cxnSp>
+        <p:nvCxnSpPr>
+          <p:cNvPr id="9" name="Straight Arrow Connector 8">
+            <a:extLst>
+              <a:ext uri="{FF2B5EF4-FFF2-40B4-BE49-F238E27FC236}">
+                <a16:creationId xmlns:a16="http://schemas.microsoft.com/office/drawing/2014/main" id="{16FADF93-63CF-7917-429A-8E49E967C30A}"/>
+              </a:ext>
+            </a:extLst>
+          </p:cNvPr>
+          <p:cNvCxnSpPr>
+            <a:cxnSpLocks/>
+            <a:stCxn id="10" idx="1"/>
+            <a:endCxn id="8" idx="3"/>
+          </p:cNvCxnSpPr>
+          <p:nvPr/>
+        </p:nvCxnSpPr>
+        <p:spPr>
+          <a:xfrm flipH="1">
+            <a:off x="5181600" y="2096363"/>
+            <a:ext cx="838200" cy="0"/>
+          </a:xfrm>
+          <a:prstGeom prst="straightConnector1">
+            <a:avLst/>
+          </a:prstGeom>
+          <a:ln w="76200">
+            <a:solidFill>
+              <a:schemeClr val="tx1">
+                <a:lumMod val="50000"/>
+              </a:schemeClr>
+            </a:solidFill>
+            <a:tailEnd type="triangle"/>
+          </a:ln>
+        </p:spPr>
+        <p:style>
+          <a:lnRef idx="1">
+            <a:schemeClr val="accent1"/>
+          </a:lnRef>
+          <a:fillRef idx="0">
+            <a:schemeClr val="accent1"/>
+          </a:fillRef>
+          <a:effectRef idx="0">
+            <a:schemeClr val="accent1"/>
+          </a:effectRef>
+          <a:fontRef idx="minor">
+            <a:schemeClr val="tx1"/>
+          </a:fontRef>
+        </p:style>
+      </p:cxnSp>
+      <p:sp>
+        <p:nvSpPr>
+          <p:cNvPr id="10" name="TextBox 9">
+            <a:extLst>
+              <a:ext uri="{FF2B5EF4-FFF2-40B4-BE49-F238E27FC236}">
+                <a16:creationId xmlns:a16="http://schemas.microsoft.com/office/drawing/2014/main" id="{6434D0E8-16E8-9725-BCAD-7B5886259025}"/>
+              </a:ext>
+            </a:extLst>
+          </p:cNvPr>
+          <p:cNvSpPr txBox="1"/>
+          <p:nvPr/>
+        </p:nvSpPr>
+        <p:spPr>
+          <a:xfrm>
+            <a:off x="6019800" y="1496198"/>
+            <a:ext cx="2941638" cy="1200329"/>
+          </a:xfrm>
+          <a:prstGeom prst="rect">
+            <a:avLst/>
+          </a:prstGeom>
+          <a:noFill/>
+          <a:ln>
+            <a:solidFill>
+              <a:schemeClr val="tx2">
+                <a:lumMod val="50000"/>
+              </a:schemeClr>
+            </a:solidFill>
+          </a:ln>
+        </p:spPr>
+        <p:txBody>
+          <a:bodyPr wrap="square" rtlCol="0">
+            <a:spAutoFit/>
+          </a:bodyPr>
+          <a:lstStyle/>
+          <a:p>
+            <a:r>
+              <a:rPr lang="en-US" dirty="0"/>
+              <a:t>Consider each type of building is a different type of shapes, inherited from a class Shape</a:t>
+            </a:r>
+          </a:p>
+        </p:txBody>
+      </p:sp>
+      <p:sp>
+        <p:nvSpPr>
+          <p:cNvPr id="19" name="TextBox 18">
+            <a:extLst>
+              <a:ext uri="{FF2B5EF4-FFF2-40B4-BE49-F238E27FC236}">
+                <a16:creationId xmlns:a16="http://schemas.microsoft.com/office/drawing/2014/main" id="{B2F49FD4-6438-E0D9-B2C7-38D00ECEAE30}"/>
+              </a:ext>
+            </a:extLst>
+          </p:cNvPr>
+          <p:cNvSpPr txBox="1"/>
+          <p:nvPr/>
+        </p:nvSpPr>
+        <p:spPr>
+          <a:xfrm>
+            <a:off x="934720" y="1430874"/>
+            <a:ext cx="5105400" cy="5262979"/>
+          </a:xfrm>
+          <a:prstGeom prst="rect">
+            <a:avLst/>
+          </a:prstGeom>
+          <a:solidFill>
+            <a:schemeClr val="bg2"/>
+          </a:solidFill>
+        </p:spPr>
+        <p:txBody>
+          <a:bodyPr wrap="square">
+            <a:spAutoFit/>
+          </a:bodyPr>
+          <a:lstStyle/>
+          <a:p>
+            <a:r>
+              <a:rPr lang="en-US" sz="1600" b="0" i="0" u="none" strike="noStrike" dirty="0">
+                <a:solidFill>
+                  <a:srgbClr val="C26230"/>
+                </a:solidFill>
+                <a:effectLst/>
+                <a:latin typeface="Consolas" panose="020B0609020204030204" pitchFamily="49" charset="0"/>
+              </a:rPr>
+              <a:t>class</a:t>
+            </a:r>
+            <a:r>
+              <a:rPr lang="en-US" sz="1600" b="0" i="0" u="none" strike="noStrike" dirty="0">
+                <a:solidFill>
+                  <a:srgbClr val="E6E1DC"/>
+                </a:solidFill>
+                <a:effectLst/>
+                <a:latin typeface="Consolas" panose="020B0609020204030204" pitchFamily="49" charset="0"/>
+              </a:rPr>
+              <a:t> </a:t>
+            </a:r>
+            <a:r>
+              <a:rPr lang="en-US" sz="1600" b="0" i="0" u="none" strike="noStrike" dirty="0">
+                <a:solidFill>
+                  <a:srgbClr val="FFC66D"/>
+                </a:solidFill>
+                <a:effectLst/>
+                <a:latin typeface="Consolas" panose="020B0609020204030204" pitchFamily="49" charset="0"/>
+              </a:rPr>
+              <a:t>Dot</a:t>
+            </a:r>
+            <a:r>
+              <a:rPr lang="en-US" sz="1600" b="0" i="0" u="none" strike="noStrike" dirty="0">
+                <a:solidFill>
+                  <a:srgbClr val="E6E1DC"/>
+                </a:solidFill>
+                <a:effectLst/>
+                <a:latin typeface="Consolas" panose="020B0609020204030204" pitchFamily="49" charset="0"/>
+              </a:rPr>
+              <a:t> : </a:t>
+            </a:r>
+            <a:r>
+              <a:rPr lang="en-US" sz="1600" b="0" i="0" u="none" strike="noStrike" dirty="0">
+                <a:solidFill>
+                  <a:srgbClr val="C26230"/>
+                </a:solidFill>
+                <a:effectLst/>
+                <a:latin typeface="Consolas" panose="020B0609020204030204" pitchFamily="49" charset="0"/>
+              </a:rPr>
+              <a:t>public</a:t>
+            </a:r>
+            <a:r>
+              <a:rPr lang="en-US" sz="1600" b="0" i="0" u="none" strike="noStrike" dirty="0">
+                <a:solidFill>
+                  <a:srgbClr val="E6E1DC"/>
+                </a:solidFill>
+                <a:effectLst/>
+                <a:latin typeface="Consolas" panose="020B0609020204030204" pitchFamily="49" charset="0"/>
+              </a:rPr>
+              <a:t> Shape</a:t>
+            </a:r>
+            <a:br>
+              <a:rPr lang="en-US" sz="1600" b="0" i="0" u="none" strike="noStrike" dirty="0">
+                <a:solidFill>
+                  <a:srgbClr val="E6E1DC"/>
+                </a:solidFill>
+                <a:effectLst/>
+                <a:latin typeface="Consolas" panose="020B0609020204030204" pitchFamily="49" charset="0"/>
+              </a:rPr>
+            </a:br>
+            <a:r>
+              <a:rPr lang="en-US" sz="1600" b="0" i="0" u="none" strike="noStrike" dirty="0">
+                <a:solidFill>
+                  <a:srgbClr val="E6E1DC"/>
+                </a:solidFill>
+                <a:effectLst/>
+                <a:latin typeface="Consolas" panose="020B0609020204030204" pitchFamily="49" charset="0"/>
+              </a:rPr>
+              <a:t>{</a:t>
+            </a:r>
+            <a:br>
+              <a:rPr lang="en-US" sz="1600" b="0" i="0" u="none" strike="noStrike" dirty="0">
+                <a:solidFill>
+                  <a:srgbClr val="E6E1DC"/>
+                </a:solidFill>
+                <a:effectLst/>
+                <a:latin typeface="Consolas" panose="020B0609020204030204" pitchFamily="49" charset="0"/>
+              </a:rPr>
+            </a:br>
+            <a:r>
+              <a:rPr lang="en-US" sz="1600" b="0" i="0" u="none" strike="noStrike" dirty="0">
+                <a:solidFill>
+                  <a:srgbClr val="C26230"/>
+                </a:solidFill>
+                <a:effectLst/>
+                <a:latin typeface="Consolas" panose="020B0609020204030204" pitchFamily="49" charset="0"/>
+              </a:rPr>
+              <a:t>private</a:t>
+            </a:r>
+            <a:r>
+              <a:rPr lang="en-US" sz="1600" b="0" i="0" u="none" strike="noStrike" dirty="0">
+                <a:solidFill>
+                  <a:srgbClr val="E6E1DC"/>
+                </a:solidFill>
+                <a:effectLst/>
+                <a:latin typeface="Consolas" panose="020B0609020204030204" pitchFamily="49" charset="0"/>
+              </a:rPr>
+              <a:t>:</a:t>
+            </a:r>
+            <a:br>
+              <a:rPr lang="en-US" sz="1600" b="0" i="0" u="none" strike="noStrike" dirty="0">
+                <a:solidFill>
+                  <a:srgbClr val="E6E1DC"/>
+                </a:solidFill>
+                <a:effectLst/>
+                <a:latin typeface="Consolas" panose="020B0609020204030204" pitchFamily="49" charset="0"/>
+              </a:rPr>
+            </a:br>
+            <a:r>
+              <a:rPr lang="en-US" sz="1600" b="0" i="0" u="none" strike="noStrike" dirty="0">
+                <a:solidFill>
+                  <a:srgbClr val="E6E1DC"/>
+                </a:solidFill>
+                <a:effectLst/>
+                <a:latin typeface="Consolas" panose="020B0609020204030204" pitchFamily="49" charset="0"/>
+              </a:rPr>
+              <a:t>    </a:t>
+            </a:r>
+            <a:r>
+              <a:rPr lang="en-US" sz="1600" b="0" i="0" u="none" strike="noStrike" dirty="0">
+                <a:solidFill>
+                  <a:srgbClr val="C26230"/>
+                </a:solidFill>
+                <a:effectLst/>
+                <a:latin typeface="Consolas" panose="020B0609020204030204" pitchFamily="49" charset="0"/>
+              </a:rPr>
+              <a:t>int</a:t>
+            </a:r>
+            <a:r>
+              <a:rPr lang="en-US" sz="1600" b="0" i="0" u="none" strike="noStrike" dirty="0">
+                <a:solidFill>
+                  <a:srgbClr val="E6E1DC"/>
+                </a:solidFill>
+                <a:effectLst/>
+                <a:latin typeface="Consolas" panose="020B0609020204030204" pitchFamily="49" charset="0"/>
+              </a:rPr>
+              <a:t> ID;</a:t>
+            </a:r>
+            <a:br>
+              <a:rPr lang="en-US" sz="1600" b="0" i="0" u="none" strike="noStrike" dirty="0">
+                <a:solidFill>
+                  <a:srgbClr val="E6E1DC"/>
+                </a:solidFill>
+                <a:effectLst/>
+                <a:latin typeface="Consolas" panose="020B0609020204030204" pitchFamily="49" charset="0"/>
+              </a:rPr>
+            </a:br>
+            <a:r>
+              <a:rPr lang="en-US" sz="1600" b="0" i="0" u="none" strike="noStrike" dirty="0">
+                <a:solidFill>
+                  <a:srgbClr val="E6E1DC"/>
+                </a:solidFill>
+                <a:effectLst/>
+                <a:latin typeface="Consolas" panose="020B0609020204030204" pitchFamily="49" charset="0"/>
+              </a:rPr>
+              <a:t>    Point a;</a:t>
+            </a:r>
+            <a:br>
+              <a:rPr lang="en-US" sz="1600" b="0" i="0" u="none" strike="noStrike" dirty="0">
+                <a:solidFill>
+                  <a:srgbClr val="E6E1DC"/>
+                </a:solidFill>
+                <a:effectLst/>
+                <a:latin typeface="Consolas" panose="020B0609020204030204" pitchFamily="49" charset="0"/>
+              </a:rPr>
+            </a:br>
+            <a:r>
+              <a:rPr lang="en-US" sz="1600" b="0" i="0" u="none" strike="noStrike" dirty="0">
+                <a:solidFill>
+                  <a:srgbClr val="C26230"/>
+                </a:solidFill>
+                <a:effectLst/>
+                <a:latin typeface="Consolas" panose="020B0609020204030204" pitchFamily="49" charset="0"/>
+              </a:rPr>
+              <a:t>public</a:t>
+            </a:r>
+            <a:r>
+              <a:rPr lang="en-US" sz="1600" b="0" i="0" u="none" strike="noStrike" dirty="0">
+                <a:solidFill>
+                  <a:srgbClr val="E6E1DC"/>
+                </a:solidFill>
+                <a:effectLst/>
+                <a:latin typeface="Consolas" panose="020B0609020204030204" pitchFamily="49" charset="0"/>
+              </a:rPr>
+              <a:t>:</a:t>
+            </a:r>
+            <a:br>
+              <a:rPr lang="en-US" sz="1600" b="0" i="0" u="none" strike="noStrike" dirty="0">
+                <a:solidFill>
+                  <a:srgbClr val="E6E1DC"/>
+                </a:solidFill>
+                <a:effectLst/>
+                <a:latin typeface="Consolas" panose="020B0609020204030204" pitchFamily="49" charset="0"/>
+              </a:rPr>
+            </a:br>
+            <a:r>
+              <a:rPr lang="en-US" sz="1600" b="0" i="0" u="none" strike="noStrike" dirty="0">
+                <a:solidFill>
+                  <a:srgbClr val="E6E1DC"/>
+                </a:solidFill>
+                <a:effectLst/>
+                <a:latin typeface="Consolas" panose="020B0609020204030204" pitchFamily="49" charset="0"/>
+              </a:rPr>
+              <a:t>    Dot()</a:t>
+            </a:r>
+            <a:br>
+              <a:rPr lang="en-US" sz="1600" b="0" i="0" u="none" strike="noStrike" dirty="0">
+                <a:solidFill>
+                  <a:srgbClr val="E6E1DC"/>
+                </a:solidFill>
+                <a:effectLst/>
+                <a:latin typeface="Consolas" panose="020B0609020204030204" pitchFamily="49" charset="0"/>
+              </a:rPr>
+            </a:br>
+            <a:r>
+              <a:rPr lang="en-US" sz="1600" b="0" i="0" u="none" strike="noStrike" dirty="0">
+                <a:solidFill>
+                  <a:srgbClr val="E6E1DC"/>
+                </a:solidFill>
+                <a:effectLst/>
+                <a:latin typeface="Consolas" panose="020B0609020204030204" pitchFamily="49" charset="0"/>
+              </a:rPr>
+              <a:t>    {</a:t>
+            </a:r>
+            <a:br>
+              <a:rPr lang="en-US" sz="1600" b="0" i="0" u="none" strike="noStrike" dirty="0">
+                <a:solidFill>
+                  <a:srgbClr val="E6E1DC"/>
+                </a:solidFill>
+                <a:effectLst/>
+                <a:latin typeface="Consolas" panose="020B0609020204030204" pitchFamily="49" charset="0"/>
+              </a:rPr>
+            </a:br>
+            <a:r>
+              <a:rPr lang="en-US" sz="1600" b="0" i="0" u="none" strike="noStrike" dirty="0">
+                <a:solidFill>
+                  <a:srgbClr val="E6E1DC"/>
+                </a:solidFill>
+                <a:effectLst/>
+                <a:latin typeface="Consolas" panose="020B0609020204030204" pitchFamily="49" charset="0"/>
+              </a:rPr>
+              <a:t>        ID = </a:t>
+            </a:r>
+            <a:r>
+              <a:rPr lang="en-US" sz="1600" b="0" i="0" u="none" strike="noStrike" dirty="0">
+                <a:solidFill>
+                  <a:srgbClr val="A5C261"/>
+                </a:solidFill>
+                <a:effectLst/>
+                <a:latin typeface="Consolas" panose="020B0609020204030204" pitchFamily="49" charset="0"/>
+              </a:rPr>
+              <a:t>1</a:t>
+            </a:r>
+            <a:r>
+              <a:rPr lang="en-US" sz="1600" b="0" i="0" u="none" strike="noStrike" dirty="0">
+                <a:solidFill>
+                  <a:srgbClr val="E6E1DC"/>
+                </a:solidFill>
+                <a:effectLst/>
+                <a:latin typeface="Consolas" panose="020B0609020204030204" pitchFamily="49" charset="0"/>
+              </a:rPr>
+              <a:t>;</a:t>
+            </a:r>
+            <a:br>
+              <a:rPr lang="en-US" sz="1600" b="0" i="0" u="none" strike="noStrike" dirty="0">
+                <a:solidFill>
+                  <a:srgbClr val="E6E1DC"/>
+                </a:solidFill>
+                <a:effectLst/>
+                <a:latin typeface="Consolas" panose="020B0609020204030204" pitchFamily="49" charset="0"/>
+              </a:rPr>
+            </a:br>
+            <a:r>
+              <a:rPr lang="en-US" sz="1600" b="0" i="0" u="none" strike="noStrike" dirty="0">
+                <a:solidFill>
+                  <a:srgbClr val="E6E1DC"/>
+                </a:solidFill>
+                <a:effectLst/>
+                <a:latin typeface="Consolas" panose="020B0609020204030204" pitchFamily="49" charset="0"/>
+              </a:rPr>
+              <a:t>    }</a:t>
+            </a:r>
+            <a:br>
+              <a:rPr lang="en-US" sz="1600" b="0" i="0" u="none" strike="noStrike" dirty="0">
+                <a:solidFill>
+                  <a:srgbClr val="E6E1DC"/>
+                </a:solidFill>
+                <a:effectLst/>
+                <a:latin typeface="Consolas" panose="020B0609020204030204" pitchFamily="49" charset="0"/>
+              </a:rPr>
+            </a:br>
+            <a:r>
+              <a:rPr lang="en-US" sz="1600" b="0" i="0" u="none" strike="noStrike" dirty="0">
+                <a:solidFill>
+                  <a:srgbClr val="E6E1DC"/>
+                </a:solidFill>
+                <a:effectLst/>
+                <a:latin typeface="Consolas" panose="020B0609020204030204" pitchFamily="49" charset="0"/>
+              </a:rPr>
+              <a:t>    </a:t>
+            </a:r>
+            <a:r>
+              <a:rPr lang="en-US" sz="1600" b="0" i="0" u="none" strike="noStrike" dirty="0">
+                <a:solidFill>
+                  <a:srgbClr val="C26230"/>
+                </a:solidFill>
+                <a:effectLst/>
+                <a:latin typeface="Consolas" panose="020B0609020204030204" pitchFamily="49" charset="0"/>
+              </a:rPr>
+              <a:t>void</a:t>
+            </a:r>
+            <a:r>
+              <a:rPr lang="en-US" sz="1600" b="0" i="0" u="none" strike="noStrike" dirty="0">
+                <a:solidFill>
+                  <a:srgbClr val="E6E1DC"/>
+                </a:solidFill>
+                <a:effectLst/>
+                <a:latin typeface="Consolas" panose="020B0609020204030204" pitchFamily="49" charset="0"/>
+              </a:rPr>
+              <a:t> </a:t>
+            </a:r>
+            <a:r>
+              <a:rPr lang="en-US" sz="1600" b="0" i="0" u="none" strike="noStrike" dirty="0">
+                <a:solidFill>
+                  <a:srgbClr val="FFC66D"/>
+                </a:solidFill>
+                <a:effectLst/>
+                <a:latin typeface="Consolas" panose="020B0609020204030204" pitchFamily="49" charset="0"/>
+              </a:rPr>
+              <a:t>Show</a:t>
+            </a:r>
+            <a:r>
+              <a:rPr lang="en-US" sz="1600" b="0" i="0" u="none" strike="noStrike" dirty="0">
+                <a:solidFill>
+                  <a:srgbClr val="D0D0FF"/>
+                </a:solidFill>
+                <a:effectLst/>
+                <a:latin typeface="Consolas" panose="020B0609020204030204" pitchFamily="49" charset="0"/>
+              </a:rPr>
+              <a:t>()</a:t>
+            </a:r>
+            <a:br>
+              <a:rPr lang="en-US" sz="1600" b="0" i="0" u="none" strike="noStrike" dirty="0">
+                <a:solidFill>
+                  <a:srgbClr val="E6E1DC"/>
+                </a:solidFill>
+                <a:effectLst/>
+                <a:latin typeface="Consolas" panose="020B0609020204030204" pitchFamily="49" charset="0"/>
+              </a:rPr>
+            </a:br>
+            <a:r>
+              <a:rPr lang="en-US" sz="1600" b="0" i="0" u="none" strike="noStrike" dirty="0">
+                <a:solidFill>
+                  <a:srgbClr val="E6E1DC"/>
+                </a:solidFill>
+                <a:effectLst/>
+                <a:latin typeface="Consolas" panose="020B0609020204030204" pitchFamily="49" charset="0"/>
+              </a:rPr>
+              <a:t>    {</a:t>
+            </a:r>
+            <a:br>
+              <a:rPr lang="en-US" sz="1600" b="0" i="0" u="none" strike="noStrike" dirty="0">
+                <a:solidFill>
+                  <a:srgbClr val="E6E1DC"/>
+                </a:solidFill>
+                <a:effectLst/>
+                <a:latin typeface="Consolas" panose="020B0609020204030204" pitchFamily="49" charset="0"/>
+              </a:rPr>
+            </a:br>
+            <a:r>
+              <a:rPr lang="en-US" sz="1600" b="0" i="0" u="none" strike="noStrike" dirty="0">
+                <a:solidFill>
+                  <a:srgbClr val="E6E1DC"/>
+                </a:solidFill>
+                <a:effectLst/>
+                <a:latin typeface="Consolas" panose="020B0609020204030204" pitchFamily="49" charset="0"/>
+              </a:rPr>
+              <a:t>        </a:t>
+            </a:r>
+            <a:r>
+              <a:rPr lang="en-US" sz="1600" b="0" i="0" u="none" strike="noStrike" dirty="0" err="1">
+                <a:solidFill>
+                  <a:srgbClr val="6D9CBE"/>
+                </a:solidFill>
+                <a:effectLst/>
+                <a:latin typeface="Consolas" panose="020B0609020204030204" pitchFamily="49" charset="0"/>
+              </a:rPr>
+              <a:t>cout</a:t>
+            </a:r>
+            <a:r>
+              <a:rPr lang="en-US" sz="1600" b="0" i="0" u="none" strike="noStrike" dirty="0">
+                <a:solidFill>
+                  <a:srgbClr val="E6E1DC"/>
+                </a:solidFill>
+                <a:effectLst/>
+                <a:latin typeface="Consolas" panose="020B0609020204030204" pitchFamily="49" charset="0"/>
+              </a:rPr>
+              <a:t> &lt;&lt; </a:t>
+            </a:r>
+            <a:r>
+              <a:rPr lang="en-US" sz="1600" b="0" i="0" u="none" strike="noStrike" dirty="0">
+                <a:solidFill>
+                  <a:srgbClr val="A5C261"/>
+                </a:solidFill>
+                <a:effectLst/>
+                <a:latin typeface="Consolas" panose="020B0609020204030204" pitchFamily="49" charset="0"/>
+              </a:rPr>
+              <a:t>"Dot"</a:t>
+            </a:r>
+            <a:r>
+              <a:rPr lang="en-US" sz="1600" b="0" i="0" u="none" strike="noStrike" dirty="0">
+                <a:solidFill>
+                  <a:srgbClr val="E6E1DC"/>
+                </a:solidFill>
+                <a:effectLst/>
+                <a:latin typeface="Consolas" panose="020B0609020204030204" pitchFamily="49" charset="0"/>
+              </a:rPr>
+              <a:t> &lt;&lt; </a:t>
+            </a:r>
+            <a:r>
+              <a:rPr lang="en-US" sz="1600" b="0" i="0" u="none" strike="noStrike" dirty="0" err="1">
+                <a:solidFill>
+                  <a:srgbClr val="6D9CBE"/>
+                </a:solidFill>
+                <a:effectLst/>
+                <a:latin typeface="Consolas" panose="020B0609020204030204" pitchFamily="49" charset="0"/>
+              </a:rPr>
+              <a:t>endl</a:t>
+            </a:r>
+            <a:r>
+              <a:rPr lang="en-US" sz="1600" b="0" i="0" u="none" strike="noStrike" dirty="0">
+                <a:solidFill>
+                  <a:srgbClr val="E6E1DC"/>
+                </a:solidFill>
+                <a:effectLst/>
+                <a:latin typeface="Consolas" panose="020B0609020204030204" pitchFamily="49" charset="0"/>
+              </a:rPr>
+              <a:t>;</a:t>
+            </a:r>
+            <a:br>
+              <a:rPr lang="en-US" sz="1600" b="0" i="0" u="none" strike="noStrike" dirty="0">
+                <a:solidFill>
+                  <a:srgbClr val="E6E1DC"/>
+                </a:solidFill>
+                <a:effectLst/>
+                <a:latin typeface="Consolas" panose="020B0609020204030204" pitchFamily="49" charset="0"/>
+              </a:rPr>
+            </a:br>
+            <a:r>
+              <a:rPr lang="en-US" sz="1600" b="0" i="0" u="none" strike="noStrike" dirty="0">
+                <a:solidFill>
+                  <a:srgbClr val="E6E1DC"/>
+                </a:solidFill>
+                <a:effectLst/>
+                <a:latin typeface="Consolas" panose="020B0609020204030204" pitchFamily="49" charset="0"/>
+              </a:rPr>
+              <a:t>        </a:t>
+            </a:r>
+            <a:r>
+              <a:rPr lang="en-US" sz="1600" b="0" i="0" u="none" strike="noStrike" dirty="0" err="1">
+                <a:solidFill>
+                  <a:srgbClr val="6D9CBE"/>
+                </a:solidFill>
+                <a:effectLst/>
+                <a:latin typeface="Consolas" panose="020B0609020204030204" pitchFamily="49" charset="0"/>
+              </a:rPr>
+              <a:t>cout</a:t>
+            </a:r>
+            <a:r>
+              <a:rPr lang="en-US" sz="1600" b="0" i="0" u="none" strike="noStrike" dirty="0">
+                <a:solidFill>
+                  <a:srgbClr val="E6E1DC"/>
+                </a:solidFill>
+                <a:effectLst/>
+                <a:latin typeface="Consolas" panose="020B0609020204030204" pitchFamily="49" charset="0"/>
+              </a:rPr>
+              <a:t> &lt;&lt; </a:t>
+            </a:r>
+            <a:r>
+              <a:rPr lang="en-US" sz="1600" b="0" i="0" u="none" strike="noStrike" dirty="0">
+                <a:solidFill>
+                  <a:srgbClr val="A5C261"/>
+                </a:solidFill>
+                <a:effectLst/>
+                <a:latin typeface="Consolas" panose="020B0609020204030204" pitchFamily="49" charset="0"/>
+              </a:rPr>
+              <a:t>"ID = "</a:t>
+            </a:r>
+            <a:r>
+              <a:rPr lang="en-US" sz="1600" b="0" i="0" u="none" strike="noStrike" dirty="0">
+                <a:solidFill>
+                  <a:srgbClr val="E6E1DC"/>
+                </a:solidFill>
+                <a:effectLst/>
+                <a:latin typeface="Consolas" panose="020B0609020204030204" pitchFamily="49" charset="0"/>
+              </a:rPr>
+              <a:t> &lt;&lt; ID &lt;&lt; </a:t>
+            </a:r>
+            <a:r>
+              <a:rPr lang="en-US" sz="1600" b="0" i="0" u="none" strike="noStrike" dirty="0" err="1">
+                <a:solidFill>
+                  <a:srgbClr val="6D9CBE"/>
+                </a:solidFill>
+                <a:effectLst/>
+                <a:latin typeface="Consolas" panose="020B0609020204030204" pitchFamily="49" charset="0"/>
+              </a:rPr>
+              <a:t>endl</a:t>
+            </a:r>
+            <a:r>
+              <a:rPr lang="en-US" sz="1600" b="0" i="0" u="none" strike="noStrike" dirty="0">
+                <a:solidFill>
+                  <a:srgbClr val="E6E1DC"/>
+                </a:solidFill>
+                <a:effectLst/>
+                <a:latin typeface="Consolas" panose="020B0609020204030204" pitchFamily="49" charset="0"/>
+              </a:rPr>
+              <a:t>;</a:t>
+            </a:r>
+            <a:br>
+              <a:rPr lang="en-US" sz="1600" b="0" i="0" u="none" strike="noStrike" dirty="0">
+                <a:solidFill>
+                  <a:srgbClr val="E6E1DC"/>
+                </a:solidFill>
+                <a:effectLst/>
+                <a:latin typeface="Consolas" panose="020B0609020204030204" pitchFamily="49" charset="0"/>
+              </a:rPr>
+            </a:br>
+            <a:r>
+              <a:rPr lang="en-US" sz="1600" b="0" i="0" u="none" strike="noStrike" dirty="0">
+                <a:solidFill>
+                  <a:srgbClr val="E6E1DC"/>
+                </a:solidFill>
+                <a:effectLst/>
+                <a:latin typeface="Consolas" panose="020B0609020204030204" pitchFamily="49" charset="0"/>
+              </a:rPr>
+              <a:t>        </a:t>
+            </a:r>
+            <a:r>
+              <a:rPr lang="en-US" sz="1600" b="0" i="0" u="none" strike="noStrike" dirty="0" err="1">
+                <a:solidFill>
+                  <a:srgbClr val="E6E1DC"/>
+                </a:solidFill>
+                <a:effectLst/>
+                <a:latin typeface="Consolas" panose="020B0609020204030204" pitchFamily="49" charset="0"/>
+              </a:rPr>
+              <a:t>a.Show</a:t>
+            </a:r>
+            <a:r>
+              <a:rPr lang="en-US" sz="1600" b="0" i="0" u="none" strike="noStrike" dirty="0">
+                <a:solidFill>
+                  <a:srgbClr val="E6E1DC"/>
+                </a:solidFill>
+                <a:effectLst/>
+                <a:latin typeface="Consolas" panose="020B0609020204030204" pitchFamily="49" charset="0"/>
+              </a:rPr>
+              <a:t>();</a:t>
+            </a:r>
+            <a:br>
+              <a:rPr lang="en-US" sz="1600" b="0" i="0" u="none" strike="noStrike" dirty="0">
+                <a:solidFill>
+                  <a:srgbClr val="E6E1DC"/>
+                </a:solidFill>
+                <a:effectLst/>
+                <a:latin typeface="Consolas" panose="020B0609020204030204" pitchFamily="49" charset="0"/>
+              </a:rPr>
+            </a:br>
+            <a:r>
+              <a:rPr lang="en-US" sz="1600" b="0" i="0" u="none" strike="noStrike" dirty="0">
+                <a:solidFill>
+                  <a:srgbClr val="E6E1DC"/>
+                </a:solidFill>
+                <a:effectLst/>
+                <a:latin typeface="Consolas" panose="020B0609020204030204" pitchFamily="49" charset="0"/>
+              </a:rPr>
+              <a:t>    }</a:t>
+            </a:r>
+            <a:br>
+              <a:rPr lang="en-US" sz="1600" b="0" i="0" u="none" strike="noStrike" dirty="0">
+                <a:solidFill>
+                  <a:srgbClr val="E6E1DC"/>
+                </a:solidFill>
+                <a:effectLst/>
+                <a:latin typeface="Consolas" panose="020B0609020204030204" pitchFamily="49" charset="0"/>
+              </a:rPr>
+            </a:br>
+            <a:r>
+              <a:rPr lang="en-US" sz="1600" b="0" i="0" u="none" strike="noStrike" dirty="0">
+                <a:solidFill>
+                  <a:srgbClr val="E6E1DC"/>
+                </a:solidFill>
+                <a:effectLst/>
+                <a:latin typeface="Consolas" panose="020B0609020204030204" pitchFamily="49" charset="0"/>
+              </a:rPr>
+              <a:t>    </a:t>
+            </a:r>
+            <a:r>
+              <a:rPr lang="en-US" sz="1600" b="0" i="0" u="none" strike="noStrike" dirty="0">
+                <a:solidFill>
+                  <a:srgbClr val="C26230"/>
+                </a:solidFill>
+                <a:effectLst/>
+                <a:latin typeface="Consolas" panose="020B0609020204030204" pitchFamily="49" charset="0"/>
+              </a:rPr>
+              <a:t>void</a:t>
+            </a:r>
+            <a:r>
+              <a:rPr lang="en-US" sz="1600" b="0" i="0" u="none" strike="noStrike" dirty="0">
+                <a:solidFill>
+                  <a:srgbClr val="E6E1DC"/>
+                </a:solidFill>
+                <a:effectLst/>
+                <a:latin typeface="Consolas" panose="020B0609020204030204" pitchFamily="49" charset="0"/>
+              </a:rPr>
+              <a:t> </a:t>
+            </a:r>
+            <a:r>
+              <a:rPr lang="en-US" sz="1600" b="0" i="0" u="none" strike="noStrike" dirty="0" err="1">
+                <a:solidFill>
+                  <a:srgbClr val="FFC66D"/>
+                </a:solidFill>
+                <a:effectLst/>
+                <a:latin typeface="Consolas" panose="020B0609020204030204" pitchFamily="49" charset="0"/>
+              </a:rPr>
+              <a:t>XMLexport</a:t>
+            </a:r>
+            <a:r>
+              <a:rPr lang="en-US" sz="1600" b="0" i="0" u="none" strike="noStrike" dirty="0">
+                <a:solidFill>
+                  <a:srgbClr val="D0D0FF"/>
+                </a:solidFill>
+                <a:effectLst/>
+                <a:latin typeface="Consolas" panose="020B0609020204030204" pitchFamily="49" charset="0"/>
+              </a:rPr>
+              <a:t>()</a:t>
+            </a:r>
+            <a:br>
+              <a:rPr lang="en-US" sz="1600" b="0" i="0" u="none" strike="noStrike" dirty="0">
+                <a:solidFill>
+                  <a:srgbClr val="E6E1DC"/>
+                </a:solidFill>
+                <a:effectLst/>
+                <a:latin typeface="Consolas" panose="020B0609020204030204" pitchFamily="49" charset="0"/>
+              </a:rPr>
+            </a:br>
+            <a:r>
+              <a:rPr lang="en-US" sz="1600" b="0" i="0" u="none" strike="noStrike" dirty="0">
+                <a:solidFill>
+                  <a:srgbClr val="E6E1DC"/>
+                </a:solidFill>
+                <a:effectLst/>
+                <a:latin typeface="Consolas" panose="020B0609020204030204" pitchFamily="49" charset="0"/>
+              </a:rPr>
+              <a:t>    {</a:t>
+            </a:r>
+            <a:br>
+              <a:rPr lang="en-US" sz="1600" b="0" i="0" u="none" strike="noStrike" dirty="0">
+                <a:solidFill>
+                  <a:srgbClr val="E6E1DC"/>
+                </a:solidFill>
+                <a:effectLst/>
+                <a:latin typeface="Consolas" panose="020B0609020204030204" pitchFamily="49" charset="0"/>
+              </a:rPr>
+            </a:br>
+            <a:r>
+              <a:rPr lang="en-US" sz="1600" b="0" i="0" u="none" strike="noStrike" dirty="0">
+                <a:solidFill>
+                  <a:srgbClr val="E6E1DC"/>
+                </a:solidFill>
+                <a:effectLst/>
+                <a:latin typeface="Consolas" panose="020B0609020204030204" pitchFamily="49" charset="0"/>
+              </a:rPr>
+              <a:t>        Show();</a:t>
+            </a:r>
+            <a:br>
+              <a:rPr lang="en-US" sz="1600" b="0" i="0" u="none" strike="noStrike" dirty="0">
+                <a:solidFill>
+                  <a:srgbClr val="E6E1DC"/>
+                </a:solidFill>
+                <a:effectLst/>
+                <a:latin typeface="Consolas" panose="020B0609020204030204" pitchFamily="49" charset="0"/>
+              </a:rPr>
+            </a:br>
+            <a:r>
+              <a:rPr lang="en-US" sz="1600" b="0" i="0" u="none" strike="noStrike" dirty="0">
+                <a:solidFill>
+                  <a:srgbClr val="E6E1DC"/>
+                </a:solidFill>
+                <a:effectLst/>
+                <a:latin typeface="Consolas" panose="020B0609020204030204" pitchFamily="49" charset="0"/>
+              </a:rPr>
+              <a:t>    }</a:t>
+            </a:r>
+            <a:br>
+              <a:rPr lang="en-US" sz="1600" b="0" i="0" u="none" strike="noStrike" dirty="0">
+                <a:solidFill>
+                  <a:srgbClr val="E6E1DC"/>
+                </a:solidFill>
+                <a:effectLst/>
+                <a:latin typeface="Consolas" panose="020B0609020204030204" pitchFamily="49" charset="0"/>
+              </a:rPr>
+            </a:br>
+            <a:r>
+              <a:rPr lang="en-US" sz="1600" b="0" i="0" u="none" strike="noStrike" dirty="0">
+                <a:solidFill>
+                  <a:srgbClr val="E6E1DC"/>
+                </a:solidFill>
+                <a:effectLst/>
+                <a:latin typeface="Consolas" panose="020B0609020204030204" pitchFamily="49" charset="0"/>
+              </a:rPr>
+              <a:t>};</a:t>
+            </a:r>
+            <a:endParaRPr lang="en-US" sz="2800" dirty="0"/>
+          </a:p>
+        </p:txBody>
+      </p:sp>
+      <p:cxnSp>
+        <p:nvCxnSpPr>
+          <p:cNvPr id="20" name="Straight Arrow Connector 19">
+            <a:extLst>
+              <a:ext uri="{FF2B5EF4-FFF2-40B4-BE49-F238E27FC236}">
+                <a16:creationId xmlns:a16="http://schemas.microsoft.com/office/drawing/2014/main" id="{6292B086-736F-A6A9-5DDC-7CF723B0609F}"/>
+              </a:ext>
+            </a:extLst>
+          </p:cNvPr>
+          <p:cNvCxnSpPr>
+            <a:cxnSpLocks/>
+          </p:cNvCxnSpPr>
+          <p:nvPr/>
+        </p:nvCxnSpPr>
+        <p:spPr>
+          <a:xfrm flipH="1">
+            <a:off x="6019800" y="6052066"/>
+            <a:ext cx="838200" cy="0"/>
+          </a:xfrm>
+          <a:prstGeom prst="straightConnector1">
+            <a:avLst/>
+          </a:prstGeom>
+          <a:ln w="76200">
+            <a:solidFill>
+              <a:schemeClr val="tx1">
+                <a:lumMod val="50000"/>
+              </a:schemeClr>
+            </a:solidFill>
+            <a:tailEnd type="triangle"/>
+          </a:ln>
+        </p:spPr>
+        <p:style>
+          <a:lnRef idx="1">
+            <a:schemeClr val="accent1"/>
+          </a:lnRef>
+          <a:fillRef idx="0">
+            <a:schemeClr val="accent1"/>
+          </a:fillRef>
+          <a:effectRef idx="0">
+            <a:schemeClr val="accent1"/>
+          </a:effectRef>
+          <a:fontRef idx="minor">
+            <a:schemeClr val="tx1"/>
+          </a:fontRef>
+        </p:style>
+      </p:cxnSp>
+      <p:sp>
+        <p:nvSpPr>
+          <p:cNvPr id="21" name="TextBox 20">
+            <a:extLst>
+              <a:ext uri="{FF2B5EF4-FFF2-40B4-BE49-F238E27FC236}">
+                <a16:creationId xmlns:a16="http://schemas.microsoft.com/office/drawing/2014/main" id="{1369EB23-AC85-41C5-6A10-602D8B737A31}"/>
+              </a:ext>
+            </a:extLst>
+          </p:cNvPr>
+          <p:cNvSpPr txBox="1"/>
+          <p:nvPr/>
+        </p:nvSpPr>
+        <p:spPr>
+          <a:xfrm>
+            <a:off x="6858000" y="5867400"/>
+            <a:ext cx="2270760" cy="369332"/>
+          </a:xfrm>
+          <a:prstGeom prst="rect">
+            <a:avLst/>
+          </a:prstGeom>
+          <a:noFill/>
+          <a:ln>
+            <a:solidFill>
+              <a:schemeClr val="tx2">
+                <a:lumMod val="50000"/>
+              </a:schemeClr>
+            </a:solidFill>
+          </a:ln>
+        </p:spPr>
+        <p:txBody>
+          <a:bodyPr wrap="square" rtlCol="0">
+            <a:spAutoFit/>
+          </a:bodyPr>
+          <a:lstStyle/>
+          <a:p>
+            <a:r>
+              <a:rPr lang="en-US" dirty="0"/>
+              <a:t>Export function</a:t>
+            </a:r>
+          </a:p>
+        </p:txBody>
+      </p:sp>
+      <p:sp>
+        <p:nvSpPr>
+          <p:cNvPr id="23" name="TextBox 22">
+            <a:extLst>
+              <a:ext uri="{FF2B5EF4-FFF2-40B4-BE49-F238E27FC236}">
+                <a16:creationId xmlns:a16="http://schemas.microsoft.com/office/drawing/2014/main" id="{2C021869-EEB7-2F5F-56B6-716F31DA18E6}"/>
+              </a:ext>
+            </a:extLst>
+          </p:cNvPr>
+          <p:cNvSpPr txBox="1"/>
+          <p:nvPr/>
+        </p:nvSpPr>
+        <p:spPr>
+          <a:xfrm>
+            <a:off x="704851" y="1420714"/>
+            <a:ext cx="5341620" cy="5262979"/>
+          </a:xfrm>
+          <a:prstGeom prst="rect">
+            <a:avLst/>
+          </a:prstGeom>
+          <a:solidFill>
+            <a:schemeClr val="bg2"/>
+          </a:solidFill>
+        </p:spPr>
+        <p:txBody>
+          <a:bodyPr wrap="square">
+            <a:spAutoFit/>
+          </a:bodyPr>
+          <a:lstStyle/>
+          <a:p>
+            <a:r>
+              <a:rPr lang="en-US" sz="1600" b="0" i="0" u="none" strike="noStrike" dirty="0">
+                <a:solidFill>
+                  <a:srgbClr val="C26230"/>
+                </a:solidFill>
+                <a:effectLst/>
+                <a:latin typeface="Consolas" panose="020B0609020204030204" pitchFamily="49" charset="0"/>
+              </a:rPr>
+              <a:t>class</a:t>
+            </a:r>
+            <a:r>
+              <a:rPr lang="en-US" sz="1600" b="0" i="0" u="none" strike="noStrike" dirty="0">
+                <a:solidFill>
+                  <a:srgbClr val="E6E1DC"/>
+                </a:solidFill>
+                <a:effectLst/>
+                <a:latin typeface="Consolas" panose="020B0609020204030204" pitchFamily="49" charset="0"/>
+              </a:rPr>
+              <a:t> </a:t>
+            </a:r>
+            <a:r>
+              <a:rPr lang="en-US" sz="1600" b="0" i="0" u="none" strike="noStrike" dirty="0">
+                <a:solidFill>
+                  <a:srgbClr val="FFC66D"/>
+                </a:solidFill>
+                <a:effectLst/>
+                <a:latin typeface="Consolas" panose="020B0609020204030204" pitchFamily="49" charset="0"/>
+              </a:rPr>
+              <a:t>Circle</a:t>
+            </a:r>
+            <a:r>
+              <a:rPr lang="en-US" sz="1600" b="0" i="0" u="none" strike="noStrike" dirty="0">
+                <a:solidFill>
+                  <a:srgbClr val="E6E1DC"/>
+                </a:solidFill>
+                <a:effectLst/>
+                <a:latin typeface="Consolas" panose="020B0609020204030204" pitchFamily="49" charset="0"/>
+              </a:rPr>
+              <a:t> :</a:t>
+            </a:r>
+            <a:r>
+              <a:rPr lang="en-US" sz="1600" b="0" i="0" u="none" strike="noStrike" dirty="0">
+                <a:solidFill>
+                  <a:srgbClr val="C26230"/>
+                </a:solidFill>
+                <a:effectLst/>
+                <a:latin typeface="Consolas" panose="020B0609020204030204" pitchFamily="49" charset="0"/>
+              </a:rPr>
+              <a:t>public</a:t>
+            </a:r>
+            <a:r>
+              <a:rPr lang="en-US" sz="1600" b="0" i="0" u="none" strike="noStrike" dirty="0">
+                <a:solidFill>
+                  <a:srgbClr val="E6E1DC"/>
+                </a:solidFill>
+                <a:effectLst/>
+                <a:latin typeface="Consolas" panose="020B0609020204030204" pitchFamily="49" charset="0"/>
+              </a:rPr>
+              <a:t> Shape{</a:t>
+            </a:r>
+            <a:br>
+              <a:rPr lang="en-US" sz="1600" b="0" i="0" u="none" strike="noStrike" dirty="0">
+                <a:solidFill>
+                  <a:srgbClr val="E6E1DC"/>
+                </a:solidFill>
+                <a:effectLst/>
+                <a:latin typeface="Consolas" panose="020B0609020204030204" pitchFamily="49" charset="0"/>
+              </a:rPr>
+            </a:br>
+            <a:r>
+              <a:rPr lang="en-US" sz="1600" b="0" i="0" u="none" strike="noStrike" dirty="0">
+                <a:solidFill>
+                  <a:srgbClr val="C26230"/>
+                </a:solidFill>
+                <a:effectLst/>
+                <a:latin typeface="Consolas" panose="020B0609020204030204" pitchFamily="49" charset="0"/>
+              </a:rPr>
+              <a:t>private</a:t>
+            </a:r>
+            <a:r>
+              <a:rPr lang="en-US" sz="1600" b="0" i="0" u="none" strike="noStrike" dirty="0">
+                <a:solidFill>
+                  <a:srgbClr val="E6E1DC"/>
+                </a:solidFill>
+                <a:effectLst/>
+                <a:latin typeface="Consolas" panose="020B0609020204030204" pitchFamily="49" charset="0"/>
+              </a:rPr>
+              <a:t>:</a:t>
+            </a:r>
+            <a:br>
+              <a:rPr lang="en-US" sz="1600" b="0" i="0" u="none" strike="noStrike" dirty="0">
+                <a:solidFill>
+                  <a:srgbClr val="E6E1DC"/>
+                </a:solidFill>
+                <a:effectLst/>
+                <a:latin typeface="Consolas" panose="020B0609020204030204" pitchFamily="49" charset="0"/>
+              </a:rPr>
+            </a:br>
+            <a:r>
+              <a:rPr lang="en-US" sz="1600" b="0" i="0" u="none" strike="noStrike" dirty="0">
+                <a:solidFill>
+                  <a:srgbClr val="E6E1DC"/>
+                </a:solidFill>
+                <a:effectLst/>
+                <a:latin typeface="Consolas" panose="020B0609020204030204" pitchFamily="49" charset="0"/>
+              </a:rPr>
+              <a:t>    </a:t>
+            </a:r>
+            <a:r>
+              <a:rPr lang="en-US" sz="1600" b="0" i="0" u="none" strike="noStrike" dirty="0">
+                <a:solidFill>
+                  <a:srgbClr val="C26230"/>
+                </a:solidFill>
+                <a:effectLst/>
+                <a:latin typeface="Consolas" panose="020B0609020204030204" pitchFamily="49" charset="0"/>
+              </a:rPr>
+              <a:t>int</a:t>
+            </a:r>
+            <a:r>
+              <a:rPr lang="en-US" sz="1600" b="0" i="0" u="none" strike="noStrike" dirty="0">
+                <a:solidFill>
+                  <a:srgbClr val="E6E1DC"/>
+                </a:solidFill>
+                <a:effectLst/>
+                <a:latin typeface="Consolas" panose="020B0609020204030204" pitchFamily="49" charset="0"/>
+              </a:rPr>
+              <a:t> ID;</a:t>
+            </a:r>
+            <a:br>
+              <a:rPr lang="en-US" sz="1600" b="0" i="0" u="none" strike="noStrike" dirty="0">
+                <a:solidFill>
+                  <a:srgbClr val="E6E1DC"/>
+                </a:solidFill>
+                <a:effectLst/>
+                <a:latin typeface="Consolas" panose="020B0609020204030204" pitchFamily="49" charset="0"/>
+              </a:rPr>
+            </a:br>
+            <a:r>
+              <a:rPr lang="en-US" sz="1600" b="0" i="0" u="none" strike="noStrike" dirty="0">
+                <a:solidFill>
+                  <a:srgbClr val="E6E1DC"/>
+                </a:solidFill>
+                <a:effectLst/>
+                <a:latin typeface="Consolas" panose="020B0609020204030204" pitchFamily="49" charset="0"/>
+              </a:rPr>
+              <a:t>    Point C;</a:t>
+            </a:r>
+            <a:br>
+              <a:rPr lang="en-US" sz="1600" b="0" i="0" u="none" strike="noStrike" dirty="0">
+                <a:solidFill>
+                  <a:srgbClr val="E6E1DC"/>
+                </a:solidFill>
+                <a:effectLst/>
+                <a:latin typeface="Consolas" panose="020B0609020204030204" pitchFamily="49" charset="0"/>
+              </a:rPr>
+            </a:br>
+            <a:r>
+              <a:rPr lang="en-US" sz="1600" b="0" i="0" u="none" strike="noStrike" dirty="0">
+                <a:solidFill>
+                  <a:srgbClr val="E6E1DC"/>
+                </a:solidFill>
+                <a:effectLst/>
+                <a:latin typeface="Consolas" panose="020B0609020204030204" pitchFamily="49" charset="0"/>
+              </a:rPr>
+              <a:t>    </a:t>
+            </a:r>
+            <a:r>
+              <a:rPr lang="en-US" sz="1600" b="0" i="0" u="none" strike="noStrike" dirty="0">
+                <a:solidFill>
+                  <a:srgbClr val="C26230"/>
+                </a:solidFill>
+                <a:effectLst/>
+                <a:latin typeface="Consolas" panose="020B0609020204030204" pitchFamily="49" charset="0"/>
+              </a:rPr>
+              <a:t>int</a:t>
+            </a:r>
+            <a:r>
+              <a:rPr lang="en-US" sz="1600" b="0" i="0" u="none" strike="noStrike" dirty="0">
+                <a:solidFill>
+                  <a:srgbClr val="E6E1DC"/>
+                </a:solidFill>
+                <a:effectLst/>
+                <a:latin typeface="Consolas" panose="020B0609020204030204" pitchFamily="49" charset="0"/>
+              </a:rPr>
+              <a:t> Radius;</a:t>
+            </a:r>
+            <a:br>
+              <a:rPr lang="en-US" sz="1600" b="0" i="0" u="none" strike="noStrike" dirty="0">
+                <a:solidFill>
+                  <a:srgbClr val="E6E1DC"/>
+                </a:solidFill>
+                <a:effectLst/>
+                <a:latin typeface="Consolas" panose="020B0609020204030204" pitchFamily="49" charset="0"/>
+              </a:rPr>
+            </a:br>
+            <a:r>
+              <a:rPr lang="en-US" sz="1600" b="0" i="0" u="none" strike="noStrike" dirty="0">
+                <a:solidFill>
+                  <a:srgbClr val="C26230"/>
+                </a:solidFill>
+                <a:effectLst/>
+                <a:latin typeface="Consolas" panose="020B0609020204030204" pitchFamily="49" charset="0"/>
+              </a:rPr>
+              <a:t>public</a:t>
+            </a:r>
+            <a:r>
+              <a:rPr lang="en-US" sz="1600" b="0" i="0" u="none" strike="noStrike" dirty="0">
+                <a:solidFill>
+                  <a:srgbClr val="E6E1DC"/>
+                </a:solidFill>
+                <a:effectLst/>
+                <a:latin typeface="Consolas" panose="020B0609020204030204" pitchFamily="49" charset="0"/>
+              </a:rPr>
+              <a:t>:</a:t>
+            </a:r>
+            <a:br>
+              <a:rPr lang="en-US" sz="1600" b="0" i="0" u="none" strike="noStrike" dirty="0">
+                <a:solidFill>
+                  <a:srgbClr val="E6E1DC"/>
+                </a:solidFill>
+                <a:effectLst/>
+                <a:latin typeface="Consolas" panose="020B0609020204030204" pitchFamily="49" charset="0"/>
+              </a:rPr>
+            </a:br>
+            <a:r>
+              <a:rPr lang="en-US" sz="1600" b="0" i="0" u="none" strike="noStrike" dirty="0">
+                <a:solidFill>
+                  <a:srgbClr val="E6E1DC"/>
+                </a:solidFill>
+                <a:effectLst/>
+                <a:latin typeface="Consolas" panose="020B0609020204030204" pitchFamily="49" charset="0"/>
+              </a:rPr>
+              <a:t>    Circle(){</a:t>
+            </a:r>
+            <a:br>
+              <a:rPr lang="en-US" sz="1600" b="0" i="0" u="none" strike="noStrike" dirty="0">
+                <a:solidFill>
+                  <a:srgbClr val="E6E1DC"/>
+                </a:solidFill>
+                <a:effectLst/>
+                <a:latin typeface="Consolas" panose="020B0609020204030204" pitchFamily="49" charset="0"/>
+              </a:rPr>
+            </a:br>
+            <a:r>
+              <a:rPr lang="en-US" sz="1600" b="0" i="0" u="none" strike="noStrike" dirty="0">
+                <a:solidFill>
+                  <a:srgbClr val="E6E1DC"/>
+                </a:solidFill>
+                <a:effectLst/>
+                <a:latin typeface="Consolas" panose="020B0609020204030204" pitchFamily="49" charset="0"/>
+              </a:rPr>
+              <a:t>        ID = </a:t>
+            </a:r>
+            <a:r>
+              <a:rPr lang="en-US" sz="1600" b="0" i="0" u="none" strike="noStrike" dirty="0">
+                <a:solidFill>
+                  <a:srgbClr val="A5C261"/>
+                </a:solidFill>
+                <a:effectLst/>
+                <a:latin typeface="Consolas" panose="020B0609020204030204" pitchFamily="49" charset="0"/>
+              </a:rPr>
+              <a:t>2</a:t>
+            </a:r>
+            <a:r>
+              <a:rPr lang="en-US" sz="1600" b="0" i="0" u="none" strike="noStrike" dirty="0">
+                <a:solidFill>
+                  <a:srgbClr val="E6E1DC"/>
+                </a:solidFill>
+                <a:effectLst/>
+                <a:latin typeface="Consolas" panose="020B0609020204030204" pitchFamily="49" charset="0"/>
+              </a:rPr>
+              <a:t>;</a:t>
+            </a:r>
+            <a:br>
+              <a:rPr lang="en-US" sz="1600" b="0" i="0" u="none" strike="noStrike" dirty="0">
+                <a:solidFill>
+                  <a:srgbClr val="E6E1DC"/>
+                </a:solidFill>
+                <a:effectLst/>
+                <a:latin typeface="Consolas" panose="020B0609020204030204" pitchFamily="49" charset="0"/>
+              </a:rPr>
+            </a:br>
+            <a:r>
+              <a:rPr lang="en-US" sz="1600" b="0" i="0" u="none" strike="noStrike" dirty="0">
+                <a:solidFill>
+                  <a:srgbClr val="E6E1DC"/>
+                </a:solidFill>
+                <a:effectLst/>
+                <a:latin typeface="Consolas" panose="020B0609020204030204" pitchFamily="49" charset="0"/>
+              </a:rPr>
+              <a:t>        Radius = </a:t>
+            </a:r>
+            <a:r>
+              <a:rPr lang="en-US" sz="1600" b="0" i="0" u="none" strike="noStrike" dirty="0">
+                <a:solidFill>
+                  <a:srgbClr val="A5C261"/>
+                </a:solidFill>
+                <a:effectLst/>
+                <a:latin typeface="Consolas" panose="020B0609020204030204" pitchFamily="49" charset="0"/>
+              </a:rPr>
+              <a:t>3</a:t>
+            </a:r>
+            <a:r>
+              <a:rPr lang="en-US" sz="1600" b="0" i="0" u="none" strike="noStrike" dirty="0">
+                <a:solidFill>
+                  <a:srgbClr val="E6E1DC"/>
+                </a:solidFill>
+                <a:effectLst/>
+                <a:latin typeface="Consolas" panose="020B0609020204030204" pitchFamily="49" charset="0"/>
+              </a:rPr>
+              <a:t>;</a:t>
+            </a:r>
+            <a:br>
+              <a:rPr lang="en-US" sz="1600" b="0" i="0" u="none" strike="noStrike" dirty="0">
+                <a:solidFill>
+                  <a:srgbClr val="E6E1DC"/>
+                </a:solidFill>
+                <a:effectLst/>
+                <a:latin typeface="Consolas" panose="020B0609020204030204" pitchFamily="49" charset="0"/>
+              </a:rPr>
+            </a:br>
+            <a:r>
+              <a:rPr lang="en-US" sz="1600" b="0" i="0" u="none" strike="noStrike" dirty="0">
+                <a:solidFill>
+                  <a:srgbClr val="E6E1DC"/>
+                </a:solidFill>
+                <a:effectLst/>
+                <a:latin typeface="Consolas" panose="020B0609020204030204" pitchFamily="49" charset="0"/>
+              </a:rPr>
+              <a:t>    }</a:t>
+            </a:r>
+            <a:br>
+              <a:rPr lang="en-US" sz="1600" b="0" i="0" u="none" strike="noStrike" dirty="0">
+                <a:solidFill>
+                  <a:srgbClr val="E6E1DC"/>
+                </a:solidFill>
+                <a:effectLst/>
+                <a:latin typeface="Consolas" panose="020B0609020204030204" pitchFamily="49" charset="0"/>
+              </a:rPr>
+            </a:br>
+            <a:r>
+              <a:rPr lang="en-US" sz="1600" b="0" i="0" u="none" strike="noStrike" dirty="0">
+                <a:solidFill>
+                  <a:srgbClr val="E6E1DC"/>
+                </a:solidFill>
+                <a:effectLst/>
+                <a:latin typeface="Consolas" panose="020B0609020204030204" pitchFamily="49" charset="0"/>
+              </a:rPr>
+              <a:t>    </a:t>
+            </a:r>
+            <a:r>
+              <a:rPr lang="en-US" sz="1600" b="0" i="0" u="none" strike="noStrike" dirty="0">
+                <a:solidFill>
+                  <a:srgbClr val="C26230"/>
+                </a:solidFill>
+                <a:effectLst/>
+                <a:latin typeface="Consolas" panose="020B0609020204030204" pitchFamily="49" charset="0"/>
+              </a:rPr>
+              <a:t>void</a:t>
+            </a:r>
+            <a:r>
+              <a:rPr lang="en-US" sz="1600" b="0" i="0" u="none" strike="noStrike" dirty="0">
+                <a:solidFill>
+                  <a:srgbClr val="E6E1DC"/>
+                </a:solidFill>
+                <a:effectLst/>
+                <a:latin typeface="Consolas" panose="020B0609020204030204" pitchFamily="49" charset="0"/>
+              </a:rPr>
+              <a:t> </a:t>
+            </a:r>
+            <a:r>
+              <a:rPr lang="en-US" sz="1600" b="0" i="0" u="none" strike="noStrike" dirty="0">
+                <a:solidFill>
+                  <a:srgbClr val="FFC66D"/>
+                </a:solidFill>
+                <a:effectLst/>
+                <a:latin typeface="Consolas" panose="020B0609020204030204" pitchFamily="49" charset="0"/>
+              </a:rPr>
+              <a:t>Show</a:t>
+            </a:r>
+            <a:r>
+              <a:rPr lang="en-US" sz="1600" b="0" i="0" u="none" strike="noStrike" dirty="0">
+                <a:solidFill>
+                  <a:srgbClr val="D0D0FF"/>
+                </a:solidFill>
+                <a:effectLst/>
+                <a:latin typeface="Consolas" panose="020B0609020204030204" pitchFamily="49" charset="0"/>
+              </a:rPr>
+              <a:t>()</a:t>
+            </a:r>
+            <a:r>
+              <a:rPr lang="en-US" sz="1600" b="0" i="0" u="none" strike="noStrike" dirty="0">
+                <a:solidFill>
+                  <a:srgbClr val="E6E1DC"/>
+                </a:solidFill>
+                <a:effectLst/>
+                <a:latin typeface="Consolas" panose="020B0609020204030204" pitchFamily="49" charset="0"/>
+              </a:rPr>
+              <a:t>{</a:t>
+            </a:r>
+            <a:br>
+              <a:rPr lang="en-US" sz="1600" b="0" i="0" u="none" strike="noStrike" dirty="0">
+                <a:solidFill>
+                  <a:srgbClr val="E6E1DC"/>
+                </a:solidFill>
+                <a:effectLst/>
+                <a:latin typeface="Consolas" panose="020B0609020204030204" pitchFamily="49" charset="0"/>
+              </a:rPr>
+            </a:br>
+            <a:r>
+              <a:rPr lang="en-US" sz="1600" b="0" i="0" u="none" strike="noStrike" dirty="0">
+                <a:solidFill>
+                  <a:srgbClr val="E6E1DC"/>
+                </a:solidFill>
+                <a:effectLst/>
+                <a:latin typeface="Consolas" panose="020B0609020204030204" pitchFamily="49" charset="0"/>
+              </a:rPr>
+              <a:t>        </a:t>
+            </a:r>
+            <a:r>
+              <a:rPr lang="en-US" sz="1600" b="0" i="0" u="none" strike="noStrike" dirty="0" err="1">
+                <a:solidFill>
+                  <a:srgbClr val="6D9CBE"/>
+                </a:solidFill>
+                <a:effectLst/>
+                <a:latin typeface="Consolas" panose="020B0609020204030204" pitchFamily="49" charset="0"/>
+              </a:rPr>
+              <a:t>cout</a:t>
+            </a:r>
+            <a:r>
+              <a:rPr lang="en-US" sz="1600" b="0" i="0" u="none" strike="noStrike" dirty="0">
+                <a:solidFill>
+                  <a:srgbClr val="E6E1DC"/>
+                </a:solidFill>
+                <a:effectLst/>
+                <a:latin typeface="Consolas" panose="020B0609020204030204" pitchFamily="49" charset="0"/>
+              </a:rPr>
+              <a:t> &lt;&lt; </a:t>
+            </a:r>
+            <a:r>
+              <a:rPr lang="en-US" sz="1600" b="0" i="0" u="none" strike="noStrike" dirty="0">
+                <a:solidFill>
+                  <a:srgbClr val="A5C261"/>
+                </a:solidFill>
+                <a:effectLst/>
+                <a:latin typeface="Consolas" panose="020B0609020204030204" pitchFamily="49" charset="0"/>
+              </a:rPr>
+              <a:t>"Circle"</a:t>
+            </a:r>
+            <a:r>
+              <a:rPr lang="en-US" sz="1600" b="0" i="0" u="none" strike="noStrike" dirty="0">
+                <a:solidFill>
+                  <a:srgbClr val="E6E1DC"/>
+                </a:solidFill>
+                <a:effectLst/>
+                <a:latin typeface="Consolas" panose="020B0609020204030204" pitchFamily="49" charset="0"/>
+              </a:rPr>
+              <a:t> &lt;&lt; </a:t>
+            </a:r>
+            <a:r>
+              <a:rPr lang="en-US" sz="1600" b="0" i="0" u="none" strike="noStrike" dirty="0" err="1">
+                <a:solidFill>
+                  <a:srgbClr val="6D9CBE"/>
+                </a:solidFill>
+                <a:effectLst/>
+                <a:latin typeface="Consolas" panose="020B0609020204030204" pitchFamily="49" charset="0"/>
+              </a:rPr>
+              <a:t>endl</a:t>
+            </a:r>
+            <a:r>
+              <a:rPr lang="en-US" sz="1600" b="0" i="0" u="none" strike="noStrike" dirty="0">
+                <a:solidFill>
+                  <a:srgbClr val="E6E1DC"/>
+                </a:solidFill>
+                <a:effectLst/>
+                <a:latin typeface="Consolas" panose="020B0609020204030204" pitchFamily="49" charset="0"/>
+              </a:rPr>
+              <a:t>;</a:t>
+            </a:r>
+            <a:br>
+              <a:rPr lang="en-US" sz="1600" b="0" i="0" u="none" strike="noStrike" dirty="0">
+                <a:solidFill>
+                  <a:srgbClr val="E6E1DC"/>
+                </a:solidFill>
+                <a:effectLst/>
+                <a:latin typeface="Consolas" panose="020B0609020204030204" pitchFamily="49" charset="0"/>
+              </a:rPr>
+            </a:br>
+            <a:r>
+              <a:rPr lang="en-US" sz="1600" b="0" i="0" u="none" strike="noStrike" dirty="0">
+                <a:solidFill>
+                  <a:srgbClr val="E6E1DC"/>
+                </a:solidFill>
+                <a:effectLst/>
+                <a:latin typeface="Consolas" panose="020B0609020204030204" pitchFamily="49" charset="0"/>
+              </a:rPr>
+              <a:t>        </a:t>
+            </a:r>
+            <a:r>
+              <a:rPr lang="en-US" sz="1600" b="0" i="0" u="none" strike="noStrike" dirty="0" err="1">
+                <a:solidFill>
+                  <a:srgbClr val="E6E1DC"/>
+                </a:solidFill>
+                <a:effectLst/>
+                <a:latin typeface="Consolas" panose="020B0609020204030204" pitchFamily="49" charset="0"/>
+              </a:rPr>
+              <a:t>C.Show</a:t>
+            </a:r>
+            <a:r>
+              <a:rPr lang="en-US" sz="1600" b="0" i="0" u="none" strike="noStrike" dirty="0">
+                <a:solidFill>
+                  <a:srgbClr val="E6E1DC"/>
+                </a:solidFill>
+                <a:effectLst/>
+                <a:latin typeface="Consolas" panose="020B0609020204030204" pitchFamily="49" charset="0"/>
+              </a:rPr>
+              <a:t>();</a:t>
+            </a:r>
+            <a:br>
+              <a:rPr lang="en-US" sz="1600" b="0" i="0" u="none" strike="noStrike" dirty="0">
+                <a:solidFill>
+                  <a:srgbClr val="E6E1DC"/>
+                </a:solidFill>
+                <a:effectLst/>
+                <a:latin typeface="Consolas" panose="020B0609020204030204" pitchFamily="49" charset="0"/>
+              </a:rPr>
+            </a:br>
+            <a:r>
+              <a:rPr lang="en-US" sz="1600" b="0" i="0" u="none" strike="noStrike" dirty="0">
+                <a:solidFill>
+                  <a:srgbClr val="E6E1DC"/>
+                </a:solidFill>
+                <a:effectLst/>
+                <a:latin typeface="Consolas" panose="020B0609020204030204" pitchFamily="49" charset="0"/>
+              </a:rPr>
+              <a:t>        </a:t>
+            </a:r>
+            <a:r>
+              <a:rPr lang="en-US" sz="1600" b="0" i="0" u="none" strike="noStrike" dirty="0" err="1">
+                <a:solidFill>
+                  <a:srgbClr val="6D9CBE"/>
+                </a:solidFill>
+                <a:effectLst/>
+                <a:latin typeface="Consolas" panose="020B0609020204030204" pitchFamily="49" charset="0"/>
+              </a:rPr>
+              <a:t>cout</a:t>
+            </a:r>
+            <a:r>
+              <a:rPr lang="en-US" sz="1600" b="0" i="0" u="none" strike="noStrike" dirty="0">
+                <a:solidFill>
+                  <a:srgbClr val="E6E1DC"/>
+                </a:solidFill>
+                <a:effectLst/>
+                <a:latin typeface="Consolas" panose="020B0609020204030204" pitchFamily="49" charset="0"/>
+              </a:rPr>
+              <a:t> &lt;&lt; </a:t>
+            </a:r>
+            <a:r>
+              <a:rPr lang="en-US" sz="1600" b="0" i="0" u="none" strike="noStrike" dirty="0">
+                <a:solidFill>
+                  <a:srgbClr val="A5C261"/>
+                </a:solidFill>
+                <a:effectLst/>
+                <a:latin typeface="Consolas" panose="020B0609020204030204" pitchFamily="49" charset="0"/>
+              </a:rPr>
+              <a:t>"ID = "</a:t>
+            </a:r>
+            <a:r>
+              <a:rPr lang="en-US" sz="1600" b="0" i="0" u="none" strike="noStrike" dirty="0">
+                <a:solidFill>
+                  <a:srgbClr val="E6E1DC"/>
+                </a:solidFill>
+                <a:effectLst/>
+                <a:latin typeface="Consolas" panose="020B0609020204030204" pitchFamily="49" charset="0"/>
+              </a:rPr>
+              <a:t> &lt;&lt; ID &lt;&lt; </a:t>
+            </a:r>
+            <a:r>
+              <a:rPr lang="en-US" sz="1600" b="0" i="0" u="none" strike="noStrike" dirty="0" err="1">
+                <a:solidFill>
+                  <a:srgbClr val="6D9CBE"/>
+                </a:solidFill>
+                <a:effectLst/>
+                <a:latin typeface="Consolas" panose="020B0609020204030204" pitchFamily="49" charset="0"/>
+              </a:rPr>
+              <a:t>endl</a:t>
+            </a:r>
+            <a:r>
+              <a:rPr lang="en-US" sz="1600" b="0" i="0" u="none" strike="noStrike" dirty="0">
+                <a:solidFill>
+                  <a:srgbClr val="E6E1DC"/>
+                </a:solidFill>
+                <a:effectLst/>
+                <a:latin typeface="Consolas" panose="020B0609020204030204" pitchFamily="49" charset="0"/>
+              </a:rPr>
+              <a:t>;</a:t>
+            </a:r>
+            <a:br>
+              <a:rPr lang="en-US" sz="1600" b="0" i="0" u="none" strike="noStrike" dirty="0">
+                <a:solidFill>
+                  <a:srgbClr val="E6E1DC"/>
+                </a:solidFill>
+                <a:effectLst/>
+                <a:latin typeface="Consolas" panose="020B0609020204030204" pitchFamily="49" charset="0"/>
+              </a:rPr>
+            </a:br>
+            <a:r>
+              <a:rPr lang="en-US" sz="1600" b="0" i="0" u="none" strike="noStrike" dirty="0">
+                <a:solidFill>
+                  <a:srgbClr val="E6E1DC"/>
+                </a:solidFill>
+                <a:effectLst/>
+                <a:latin typeface="Consolas" panose="020B0609020204030204" pitchFamily="49" charset="0"/>
+              </a:rPr>
+              <a:t>        </a:t>
+            </a:r>
+            <a:r>
+              <a:rPr lang="en-US" sz="1600" b="0" i="0" u="none" strike="noStrike" dirty="0" err="1">
+                <a:solidFill>
+                  <a:srgbClr val="6D9CBE"/>
+                </a:solidFill>
+                <a:effectLst/>
+                <a:latin typeface="Consolas" panose="020B0609020204030204" pitchFamily="49" charset="0"/>
+              </a:rPr>
+              <a:t>cout</a:t>
+            </a:r>
+            <a:r>
+              <a:rPr lang="en-US" sz="1600" b="0" i="0" u="none" strike="noStrike" dirty="0">
+                <a:solidFill>
+                  <a:srgbClr val="E6E1DC"/>
+                </a:solidFill>
+                <a:effectLst/>
+                <a:latin typeface="Consolas" panose="020B0609020204030204" pitchFamily="49" charset="0"/>
+              </a:rPr>
+              <a:t> &lt;&lt; </a:t>
+            </a:r>
+            <a:r>
+              <a:rPr lang="en-US" sz="1600" b="0" i="0" u="none" strike="noStrike" dirty="0">
+                <a:solidFill>
+                  <a:srgbClr val="A5C261"/>
+                </a:solidFill>
+                <a:effectLst/>
+                <a:latin typeface="Consolas" panose="020B0609020204030204" pitchFamily="49" charset="0"/>
+              </a:rPr>
+              <a:t>"Radius = "</a:t>
+            </a:r>
+            <a:r>
+              <a:rPr lang="en-US" sz="1600" b="0" i="0" u="none" strike="noStrike" dirty="0">
+                <a:solidFill>
+                  <a:srgbClr val="E6E1DC"/>
+                </a:solidFill>
+                <a:effectLst/>
+                <a:latin typeface="Consolas" panose="020B0609020204030204" pitchFamily="49" charset="0"/>
+              </a:rPr>
+              <a:t> &lt;&lt; Radius &lt;&lt; </a:t>
+            </a:r>
+            <a:r>
+              <a:rPr lang="en-US" sz="1600" b="0" i="0" u="none" strike="noStrike" dirty="0" err="1">
+                <a:solidFill>
+                  <a:srgbClr val="6D9CBE"/>
+                </a:solidFill>
+                <a:effectLst/>
+                <a:latin typeface="Consolas" panose="020B0609020204030204" pitchFamily="49" charset="0"/>
+              </a:rPr>
+              <a:t>endl</a:t>
+            </a:r>
+            <a:r>
+              <a:rPr lang="en-US" sz="1600" b="0" i="0" u="none" strike="noStrike" dirty="0">
+                <a:solidFill>
+                  <a:srgbClr val="E6E1DC"/>
+                </a:solidFill>
+                <a:effectLst/>
+                <a:latin typeface="Consolas" panose="020B0609020204030204" pitchFamily="49" charset="0"/>
+              </a:rPr>
+              <a:t>;</a:t>
+            </a:r>
+            <a:br>
+              <a:rPr lang="en-US" sz="1600" b="0" i="0" u="none" strike="noStrike" dirty="0">
+                <a:solidFill>
+                  <a:srgbClr val="E6E1DC"/>
+                </a:solidFill>
+                <a:effectLst/>
+                <a:latin typeface="Consolas" panose="020B0609020204030204" pitchFamily="49" charset="0"/>
+              </a:rPr>
+            </a:br>
+            <a:br>
+              <a:rPr lang="en-US" sz="1600" b="0" i="0" u="none" strike="noStrike" dirty="0">
+                <a:solidFill>
+                  <a:srgbClr val="E6E1DC"/>
+                </a:solidFill>
+                <a:effectLst/>
+                <a:latin typeface="Consolas" panose="020B0609020204030204" pitchFamily="49" charset="0"/>
+              </a:rPr>
+            </a:br>
+            <a:r>
+              <a:rPr lang="en-US" sz="1600" b="0" i="0" u="none" strike="noStrike" dirty="0">
+                <a:solidFill>
+                  <a:srgbClr val="E6E1DC"/>
+                </a:solidFill>
+                <a:effectLst/>
+                <a:latin typeface="Consolas" panose="020B0609020204030204" pitchFamily="49" charset="0"/>
+              </a:rPr>
+              <a:t>    }</a:t>
+            </a:r>
+            <a:br>
+              <a:rPr lang="en-US" sz="1600" b="0" i="0" u="none" strike="noStrike" dirty="0">
+                <a:solidFill>
+                  <a:srgbClr val="E6E1DC"/>
+                </a:solidFill>
+                <a:effectLst/>
+                <a:latin typeface="Consolas" panose="020B0609020204030204" pitchFamily="49" charset="0"/>
+              </a:rPr>
+            </a:br>
+            <a:r>
+              <a:rPr lang="en-US" sz="1600" b="0" i="0" u="none" strike="noStrike" dirty="0">
+                <a:solidFill>
+                  <a:srgbClr val="E6E1DC"/>
+                </a:solidFill>
+                <a:effectLst/>
+                <a:latin typeface="Consolas" panose="020B0609020204030204" pitchFamily="49" charset="0"/>
+              </a:rPr>
+              <a:t>    </a:t>
+            </a:r>
+            <a:r>
+              <a:rPr lang="en-US" sz="1600" b="0" i="0" u="none" strike="noStrike" dirty="0">
+                <a:solidFill>
+                  <a:srgbClr val="C26230"/>
+                </a:solidFill>
+                <a:effectLst/>
+                <a:latin typeface="Consolas" panose="020B0609020204030204" pitchFamily="49" charset="0"/>
+              </a:rPr>
+              <a:t>void</a:t>
+            </a:r>
+            <a:r>
+              <a:rPr lang="en-US" sz="1600" b="0" i="0" u="none" strike="noStrike" dirty="0">
+                <a:solidFill>
+                  <a:srgbClr val="E6E1DC"/>
+                </a:solidFill>
+                <a:effectLst/>
+                <a:latin typeface="Consolas" panose="020B0609020204030204" pitchFamily="49" charset="0"/>
+              </a:rPr>
+              <a:t> </a:t>
+            </a:r>
+            <a:r>
+              <a:rPr lang="en-US" sz="1600" b="0" i="0" u="none" strike="noStrike" dirty="0" err="1">
+                <a:solidFill>
+                  <a:srgbClr val="FFC66D"/>
+                </a:solidFill>
+                <a:effectLst/>
+                <a:latin typeface="Consolas" panose="020B0609020204030204" pitchFamily="49" charset="0"/>
+              </a:rPr>
+              <a:t>XMLexport</a:t>
+            </a:r>
+            <a:r>
+              <a:rPr lang="en-US" sz="1600" b="0" i="0" u="none" strike="noStrike" dirty="0">
+                <a:solidFill>
+                  <a:srgbClr val="D0D0FF"/>
+                </a:solidFill>
+                <a:effectLst/>
+                <a:latin typeface="Consolas" panose="020B0609020204030204" pitchFamily="49" charset="0"/>
+              </a:rPr>
+              <a:t>()</a:t>
+            </a:r>
+            <a:r>
+              <a:rPr lang="en-US" sz="1600" b="0" i="0" u="none" strike="noStrike" dirty="0">
+                <a:solidFill>
+                  <a:srgbClr val="E6E1DC"/>
+                </a:solidFill>
+                <a:effectLst/>
+                <a:latin typeface="Consolas" panose="020B0609020204030204" pitchFamily="49" charset="0"/>
+              </a:rPr>
+              <a:t>{</a:t>
+            </a:r>
+            <a:br>
+              <a:rPr lang="en-US" sz="1600" b="0" i="0" u="none" strike="noStrike" dirty="0">
+                <a:solidFill>
+                  <a:srgbClr val="E6E1DC"/>
+                </a:solidFill>
+                <a:effectLst/>
+                <a:latin typeface="Consolas" panose="020B0609020204030204" pitchFamily="49" charset="0"/>
+              </a:rPr>
+            </a:br>
+            <a:r>
+              <a:rPr lang="en-US" sz="1600" b="0" i="0" u="none" strike="noStrike" dirty="0">
+                <a:solidFill>
+                  <a:srgbClr val="E6E1DC"/>
+                </a:solidFill>
+                <a:effectLst/>
+                <a:latin typeface="Consolas" panose="020B0609020204030204" pitchFamily="49" charset="0"/>
+              </a:rPr>
+              <a:t>        Show();</a:t>
+            </a:r>
+            <a:br>
+              <a:rPr lang="en-US" sz="1600" b="0" i="0" u="none" strike="noStrike" dirty="0">
+                <a:solidFill>
+                  <a:srgbClr val="E6E1DC"/>
+                </a:solidFill>
+                <a:effectLst/>
+                <a:latin typeface="Consolas" panose="020B0609020204030204" pitchFamily="49" charset="0"/>
+              </a:rPr>
+            </a:br>
+            <a:r>
+              <a:rPr lang="en-US" sz="1600" b="0" i="0" u="none" strike="noStrike" dirty="0">
+                <a:solidFill>
+                  <a:srgbClr val="E6E1DC"/>
+                </a:solidFill>
+                <a:effectLst/>
+                <a:latin typeface="Consolas" panose="020B0609020204030204" pitchFamily="49" charset="0"/>
+              </a:rPr>
+              <a:t>    }</a:t>
+            </a:r>
+            <a:br>
+              <a:rPr lang="en-US" sz="1600" b="0" i="0" u="none" strike="noStrike" dirty="0">
+                <a:solidFill>
+                  <a:srgbClr val="E6E1DC"/>
+                </a:solidFill>
+                <a:effectLst/>
+                <a:latin typeface="Consolas" panose="020B0609020204030204" pitchFamily="49" charset="0"/>
+              </a:rPr>
+            </a:br>
+            <a:r>
+              <a:rPr lang="en-US" sz="1600" b="0" i="0" u="none" strike="noStrike" dirty="0">
+                <a:solidFill>
+                  <a:srgbClr val="E6E1DC"/>
+                </a:solidFill>
+                <a:effectLst/>
+                <a:latin typeface="Consolas" panose="020B0609020204030204" pitchFamily="49" charset="0"/>
+              </a:rPr>
+              <a:t>};</a:t>
+            </a:r>
+            <a:endParaRPr lang="en-US" sz="1600" dirty="0"/>
+          </a:p>
+        </p:txBody>
+      </p:sp>
+      <p:sp>
+        <p:nvSpPr>
+          <p:cNvPr id="25" name="TextBox 24">
+            <a:extLst>
+              <a:ext uri="{FF2B5EF4-FFF2-40B4-BE49-F238E27FC236}">
+                <a16:creationId xmlns:a16="http://schemas.microsoft.com/office/drawing/2014/main" id="{1C793006-E32E-BFAF-F7C2-578EBA3FC3BC}"/>
+              </a:ext>
+            </a:extLst>
+          </p:cNvPr>
+          <p:cNvSpPr txBox="1"/>
+          <p:nvPr/>
+        </p:nvSpPr>
+        <p:spPr>
+          <a:xfrm>
+            <a:off x="1474471" y="3200440"/>
+            <a:ext cx="4572000" cy="3323987"/>
+          </a:xfrm>
+          <a:prstGeom prst="rect">
+            <a:avLst/>
+          </a:prstGeom>
+          <a:solidFill>
+            <a:schemeClr val="bg2"/>
+          </a:solidFill>
+        </p:spPr>
+        <p:txBody>
+          <a:bodyPr wrap="square">
+            <a:spAutoFit/>
+          </a:bodyPr>
+          <a:lstStyle/>
+          <a:p>
+            <a:r>
+              <a:rPr lang="en-US" sz="1600" b="0" i="0" u="none" strike="noStrike" dirty="0">
+                <a:solidFill>
+                  <a:srgbClr val="C26230"/>
+                </a:solidFill>
+                <a:effectLst/>
+                <a:latin typeface="Consolas" panose="020B0609020204030204" pitchFamily="49" charset="0"/>
+              </a:rPr>
+              <a:t>class</a:t>
+            </a:r>
+            <a:r>
+              <a:rPr lang="en-US" sz="1600" b="0" i="0" u="none" strike="noStrike" dirty="0">
+                <a:solidFill>
+                  <a:srgbClr val="E6E1DC"/>
+                </a:solidFill>
+                <a:effectLst/>
+                <a:latin typeface="Consolas" panose="020B0609020204030204" pitchFamily="49" charset="0"/>
+              </a:rPr>
+              <a:t> </a:t>
+            </a:r>
+            <a:r>
+              <a:rPr lang="en-US" sz="1600" b="0" i="0" u="none" strike="noStrike" dirty="0">
+                <a:solidFill>
+                  <a:srgbClr val="FFC66D"/>
+                </a:solidFill>
+                <a:effectLst/>
+                <a:latin typeface="Consolas" panose="020B0609020204030204" pitchFamily="49" charset="0"/>
+              </a:rPr>
+              <a:t>Application</a:t>
+            </a:r>
+            <a:br>
+              <a:rPr lang="en-US" sz="1600" b="0" i="0" u="none" strike="noStrike" dirty="0">
+                <a:solidFill>
+                  <a:srgbClr val="E6E1DC"/>
+                </a:solidFill>
+                <a:effectLst/>
+                <a:latin typeface="Consolas" panose="020B0609020204030204" pitchFamily="49" charset="0"/>
+              </a:rPr>
+            </a:br>
+            <a:r>
+              <a:rPr lang="en-US" sz="1600" b="0" i="0" u="none" strike="noStrike" dirty="0">
+                <a:solidFill>
+                  <a:srgbClr val="E6E1DC"/>
+                </a:solidFill>
+                <a:effectLst/>
+                <a:latin typeface="Consolas" panose="020B0609020204030204" pitchFamily="49" charset="0"/>
+              </a:rPr>
+              <a:t>{</a:t>
+            </a:r>
+            <a:br>
+              <a:rPr lang="en-US" sz="1600" b="0" i="0" u="none" strike="noStrike" dirty="0">
+                <a:solidFill>
+                  <a:srgbClr val="E6E1DC"/>
+                </a:solidFill>
+                <a:effectLst/>
+                <a:latin typeface="Consolas" panose="020B0609020204030204" pitchFamily="49" charset="0"/>
+              </a:rPr>
+            </a:br>
+            <a:r>
+              <a:rPr lang="en-US" sz="1600" b="0" i="0" u="none" strike="noStrike" dirty="0">
+                <a:solidFill>
+                  <a:srgbClr val="C26230"/>
+                </a:solidFill>
+                <a:effectLst/>
+                <a:latin typeface="Consolas" panose="020B0609020204030204" pitchFamily="49" charset="0"/>
+              </a:rPr>
+              <a:t>private</a:t>
+            </a:r>
+            <a:r>
+              <a:rPr lang="en-US" sz="1600" b="0" i="0" u="none" strike="noStrike" dirty="0">
+                <a:solidFill>
+                  <a:srgbClr val="E6E1DC"/>
+                </a:solidFill>
+                <a:effectLst/>
+                <a:latin typeface="Consolas" panose="020B0609020204030204" pitchFamily="49" charset="0"/>
+              </a:rPr>
+              <a:t>:</a:t>
+            </a:r>
+            <a:br>
+              <a:rPr lang="en-US" sz="1600" b="0" i="0" u="none" strike="noStrike" dirty="0">
+                <a:solidFill>
+                  <a:srgbClr val="E6E1DC"/>
+                </a:solidFill>
+                <a:effectLst/>
+                <a:latin typeface="Consolas" panose="020B0609020204030204" pitchFamily="49" charset="0"/>
+              </a:rPr>
+            </a:br>
+            <a:r>
+              <a:rPr lang="en-US" sz="1600" b="0" i="0" u="none" strike="noStrike" dirty="0">
+                <a:solidFill>
+                  <a:srgbClr val="E6E1DC"/>
+                </a:solidFill>
+                <a:effectLst/>
+                <a:latin typeface="Consolas" panose="020B0609020204030204" pitchFamily="49" charset="0"/>
+              </a:rPr>
+              <a:t>    Shape* </a:t>
+            </a:r>
+            <a:r>
+              <a:rPr lang="en-US" sz="1600" b="0" i="0" u="none" strike="noStrike" dirty="0" err="1">
+                <a:solidFill>
+                  <a:srgbClr val="E6E1DC"/>
+                </a:solidFill>
+                <a:effectLst/>
+                <a:latin typeface="Consolas" panose="020B0609020204030204" pitchFamily="49" charset="0"/>
+              </a:rPr>
+              <a:t>arr</a:t>
+            </a:r>
+            <a:r>
+              <a:rPr lang="en-US" sz="1600" b="0" i="0" u="none" strike="noStrike" dirty="0">
+                <a:solidFill>
+                  <a:srgbClr val="E6E1DC"/>
+                </a:solidFill>
+                <a:effectLst/>
+                <a:latin typeface="Consolas" panose="020B0609020204030204" pitchFamily="49" charset="0"/>
+              </a:rPr>
+              <a:t>[</a:t>
+            </a:r>
+            <a:r>
+              <a:rPr lang="en-US" sz="1600" b="0" i="0" u="none" strike="noStrike" dirty="0">
+                <a:solidFill>
+                  <a:srgbClr val="A5C261"/>
+                </a:solidFill>
+                <a:effectLst/>
+                <a:latin typeface="Consolas" panose="020B0609020204030204" pitchFamily="49" charset="0"/>
+              </a:rPr>
+              <a:t>4</a:t>
+            </a:r>
+            <a:r>
+              <a:rPr lang="en-US" sz="1600" b="0" i="0" u="none" strike="noStrike" dirty="0">
+                <a:solidFill>
+                  <a:srgbClr val="E6E1DC"/>
+                </a:solidFill>
+                <a:effectLst/>
+                <a:latin typeface="Consolas" panose="020B0609020204030204" pitchFamily="49" charset="0"/>
+              </a:rPr>
+              <a:t>] = { </a:t>
+            </a:r>
+            <a:r>
+              <a:rPr lang="en-US" sz="1600" b="0" i="0" u="none" strike="noStrike" dirty="0">
+                <a:solidFill>
+                  <a:srgbClr val="C26230"/>
+                </a:solidFill>
+                <a:effectLst/>
+                <a:latin typeface="Consolas" panose="020B0609020204030204" pitchFamily="49" charset="0"/>
+              </a:rPr>
+              <a:t>new</a:t>
+            </a:r>
+            <a:r>
+              <a:rPr lang="en-US" sz="1600" b="0" i="0" u="none" strike="noStrike" dirty="0">
+                <a:solidFill>
+                  <a:srgbClr val="E6E1DC"/>
+                </a:solidFill>
+                <a:effectLst/>
+                <a:latin typeface="Consolas" panose="020B0609020204030204" pitchFamily="49" charset="0"/>
+              </a:rPr>
+              <a:t> Dot, </a:t>
+            </a:r>
+            <a:r>
+              <a:rPr lang="en-US" sz="1600" b="0" i="0" u="none" strike="noStrike" dirty="0">
+                <a:solidFill>
+                  <a:srgbClr val="C26230"/>
+                </a:solidFill>
+                <a:effectLst/>
+                <a:latin typeface="Consolas" panose="020B0609020204030204" pitchFamily="49" charset="0"/>
+              </a:rPr>
+              <a:t>new</a:t>
+            </a:r>
+            <a:r>
+              <a:rPr lang="en-US" sz="1600" b="0" i="0" u="none" strike="noStrike" dirty="0">
+                <a:solidFill>
+                  <a:srgbClr val="E6E1DC"/>
+                </a:solidFill>
+                <a:effectLst/>
+                <a:latin typeface="Consolas" panose="020B0609020204030204" pitchFamily="49" charset="0"/>
+              </a:rPr>
+              <a:t> Circle, </a:t>
+            </a:r>
+            <a:r>
+              <a:rPr lang="en-US" sz="1600" b="0" i="0" u="none" strike="noStrike" dirty="0">
+                <a:solidFill>
+                  <a:srgbClr val="C26230"/>
+                </a:solidFill>
+                <a:effectLst/>
+                <a:latin typeface="Consolas" panose="020B0609020204030204" pitchFamily="49" charset="0"/>
+              </a:rPr>
+              <a:t>new</a:t>
+            </a:r>
+            <a:r>
+              <a:rPr lang="en-US" sz="1600" b="0" i="0" u="none" strike="noStrike" dirty="0">
+                <a:solidFill>
+                  <a:srgbClr val="E6E1DC"/>
+                </a:solidFill>
+                <a:effectLst/>
+                <a:latin typeface="Consolas" panose="020B0609020204030204" pitchFamily="49" charset="0"/>
+              </a:rPr>
+              <a:t> Dot, </a:t>
+            </a:r>
+            <a:r>
+              <a:rPr lang="en-US" sz="1600" b="0" i="0" u="none" strike="noStrike" dirty="0">
+                <a:solidFill>
+                  <a:srgbClr val="C26230"/>
+                </a:solidFill>
+                <a:effectLst/>
+                <a:latin typeface="Consolas" panose="020B0609020204030204" pitchFamily="49" charset="0"/>
+              </a:rPr>
+              <a:t>new</a:t>
+            </a:r>
+            <a:r>
+              <a:rPr lang="en-US" sz="1600" b="0" i="0" u="none" strike="noStrike" dirty="0">
+                <a:solidFill>
+                  <a:srgbClr val="E6E1DC"/>
+                </a:solidFill>
+                <a:effectLst/>
+                <a:latin typeface="Consolas" panose="020B0609020204030204" pitchFamily="49" charset="0"/>
+              </a:rPr>
+              <a:t> Circle };</a:t>
+            </a:r>
+            <a:br>
+              <a:rPr lang="en-US" sz="1600" b="0" i="0" u="none" strike="noStrike" dirty="0">
+                <a:solidFill>
+                  <a:srgbClr val="E6E1DC"/>
+                </a:solidFill>
+                <a:effectLst/>
+                <a:latin typeface="Consolas" panose="020B0609020204030204" pitchFamily="49" charset="0"/>
+              </a:rPr>
+            </a:br>
+            <a:r>
+              <a:rPr lang="en-US" sz="1600" b="0" i="0" u="none" strike="noStrike" dirty="0">
+                <a:solidFill>
+                  <a:srgbClr val="C26230"/>
+                </a:solidFill>
+                <a:effectLst/>
+                <a:latin typeface="Consolas" panose="020B0609020204030204" pitchFamily="49" charset="0"/>
+              </a:rPr>
+              <a:t>public</a:t>
+            </a:r>
+            <a:r>
+              <a:rPr lang="en-US" sz="1600" b="0" i="0" u="none" strike="noStrike" dirty="0">
+                <a:solidFill>
+                  <a:srgbClr val="E6E1DC"/>
+                </a:solidFill>
+                <a:effectLst/>
+                <a:latin typeface="Consolas" panose="020B0609020204030204" pitchFamily="49" charset="0"/>
+              </a:rPr>
+              <a:t>:</a:t>
+            </a:r>
+            <a:br>
+              <a:rPr lang="en-US" sz="1600" b="0" i="0" u="none" strike="noStrike" dirty="0">
+                <a:solidFill>
+                  <a:srgbClr val="E6E1DC"/>
+                </a:solidFill>
+                <a:effectLst/>
+                <a:latin typeface="Consolas" panose="020B0609020204030204" pitchFamily="49" charset="0"/>
+              </a:rPr>
+            </a:br>
+            <a:r>
+              <a:rPr lang="en-US" sz="1600" b="0" i="0" u="none" strike="noStrike" dirty="0">
+                <a:solidFill>
+                  <a:srgbClr val="E6E1DC"/>
+                </a:solidFill>
+                <a:effectLst/>
+                <a:latin typeface="Consolas" panose="020B0609020204030204" pitchFamily="49" charset="0"/>
+              </a:rPr>
+              <a:t>    </a:t>
+            </a:r>
+            <a:r>
+              <a:rPr lang="en-US" sz="1600" b="0" i="0" u="none" strike="noStrike" dirty="0">
+                <a:solidFill>
+                  <a:srgbClr val="C26230"/>
+                </a:solidFill>
+                <a:effectLst/>
+                <a:latin typeface="Consolas" panose="020B0609020204030204" pitchFamily="49" charset="0"/>
+              </a:rPr>
+              <a:t>void</a:t>
+            </a:r>
+            <a:r>
+              <a:rPr lang="en-US" sz="1600" b="0" i="0" u="none" strike="noStrike" dirty="0">
+                <a:solidFill>
+                  <a:srgbClr val="E6E1DC"/>
+                </a:solidFill>
+                <a:effectLst/>
+                <a:latin typeface="Consolas" panose="020B0609020204030204" pitchFamily="49" charset="0"/>
+              </a:rPr>
+              <a:t> </a:t>
+            </a:r>
+            <a:r>
+              <a:rPr lang="en-US" sz="1600" b="0" i="0" u="none" strike="noStrike" dirty="0" err="1">
+                <a:solidFill>
+                  <a:srgbClr val="FFC66D"/>
+                </a:solidFill>
+                <a:effectLst/>
+                <a:latin typeface="Consolas" panose="020B0609020204030204" pitchFamily="49" charset="0"/>
+              </a:rPr>
+              <a:t>exportXML</a:t>
+            </a:r>
+            <a:r>
+              <a:rPr lang="en-US" sz="1600" b="0" i="0" u="none" strike="noStrike" dirty="0">
+                <a:solidFill>
+                  <a:srgbClr val="D0D0FF"/>
+                </a:solidFill>
+                <a:effectLst/>
+                <a:latin typeface="Consolas" panose="020B0609020204030204" pitchFamily="49" charset="0"/>
+              </a:rPr>
+              <a:t>()</a:t>
+            </a:r>
+            <a:br>
+              <a:rPr lang="en-US" sz="1600" b="0" i="0" u="none" strike="noStrike" dirty="0">
+                <a:solidFill>
+                  <a:srgbClr val="E6E1DC"/>
+                </a:solidFill>
+                <a:effectLst/>
+                <a:latin typeface="Consolas" panose="020B0609020204030204" pitchFamily="49" charset="0"/>
+              </a:rPr>
+            </a:br>
+            <a:r>
+              <a:rPr lang="en-US" sz="1600" b="0" i="0" u="none" strike="noStrike" dirty="0">
+                <a:solidFill>
+                  <a:srgbClr val="E6E1DC"/>
+                </a:solidFill>
+                <a:effectLst/>
+                <a:latin typeface="Consolas" panose="020B0609020204030204" pitchFamily="49" charset="0"/>
+              </a:rPr>
+              <a:t>    {</a:t>
+            </a:r>
+            <a:br>
+              <a:rPr lang="en-US" sz="1600" b="0" i="0" u="none" strike="noStrike" dirty="0">
+                <a:solidFill>
+                  <a:srgbClr val="E6E1DC"/>
+                </a:solidFill>
+                <a:effectLst/>
+                <a:latin typeface="Consolas" panose="020B0609020204030204" pitchFamily="49" charset="0"/>
+              </a:rPr>
+            </a:br>
+            <a:r>
+              <a:rPr lang="en-US" sz="1600" b="0" i="0" u="none" strike="noStrike" dirty="0">
+                <a:solidFill>
+                  <a:srgbClr val="E6E1DC"/>
+                </a:solidFill>
+                <a:effectLst/>
+                <a:latin typeface="Consolas" panose="020B0609020204030204" pitchFamily="49" charset="0"/>
+              </a:rPr>
+              <a:t>        </a:t>
+            </a:r>
+            <a:r>
+              <a:rPr lang="en-US" sz="1600" b="0" i="0" u="none" strike="noStrike" dirty="0">
+                <a:solidFill>
+                  <a:srgbClr val="C26230"/>
+                </a:solidFill>
+                <a:effectLst/>
+                <a:latin typeface="Consolas" panose="020B0609020204030204" pitchFamily="49" charset="0"/>
+              </a:rPr>
+              <a:t>for</a:t>
+            </a:r>
+            <a:r>
+              <a:rPr lang="en-US" sz="1600" b="0" i="0" u="none" strike="noStrike" dirty="0">
+                <a:solidFill>
+                  <a:srgbClr val="E6E1DC"/>
+                </a:solidFill>
+                <a:effectLst/>
+                <a:latin typeface="Consolas" panose="020B0609020204030204" pitchFamily="49" charset="0"/>
+              </a:rPr>
+              <a:t> (</a:t>
+            </a:r>
+            <a:r>
+              <a:rPr lang="en-US" sz="1600" b="0" i="0" u="none" strike="noStrike" dirty="0">
+                <a:solidFill>
+                  <a:srgbClr val="C26230"/>
+                </a:solidFill>
+                <a:effectLst/>
+                <a:latin typeface="Consolas" panose="020B0609020204030204" pitchFamily="49" charset="0"/>
+              </a:rPr>
+              <a:t>int</a:t>
+            </a:r>
+            <a:r>
+              <a:rPr lang="en-US" sz="1600" b="0" i="0" u="none" strike="noStrike" dirty="0">
+                <a:solidFill>
+                  <a:srgbClr val="E6E1DC"/>
+                </a:solidFill>
+                <a:effectLst/>
+                <a:latin typeface="Consolas" panose="020B0609020204030204" pitchFamily="49" charset="0"/>
+              </a:rPr>
+              <a:t> </a:t>
+            </a:r>
+            <a:r>
+              <a:rPr lang="en-US" sz="1600" b="0" i="0" u="none" strike="noStrike" dirty="0" err="1">
+                <a:solidFill>
+                  <a:srgbClr val="E6E1DC"/>
+                </a:solidFill>
+                <a:effectLst/>
+                <a:latin typeface="Consolas" panose="020B0609020204030204" pitchFamily="49" charset="0"/>
+              </a:rPr>
+              <a:t>i</a:t>
+            </a:r>
+            <a:r>
+              <a:rPr lang="en-US" sz="1600" b="0" i="0" u="none" strike="noStrike" dirty="0">
+                <a:solidFill>
+                  <a:srgbClr val="E6E1DC"/>
+                </a:solidFill>
+                <a:effectLst/>
+                <a:latin typeface="Consolas" panose="020B0609020204030204" pitchFamily="49" charset="0"/>
+              </a:rPr>
+              <a:t> = </a:t>
+            </a:r>
+            <a:r>
+              <a:rPr lang="en-US" sz="1600" b="0" i="0" u="none" strike="noStrike" dirty="0">
+                <a:solidFill>
+                  <a:srgbClr val="A5C261"/>
+                </a:solidFill>
+                <a:effectLst/>
+                <a:latin typeface="Consolas" panose="020B0609020204030204" pitchFamily="49" charset="0"/>
+              </a:rPr>
+              <a:t>0</a:t>
+            </a:r>
+            <a:r>
+              <a:rPr lang="en-US" sz="1600" b="0" i="0" u="none" strike="noStrike" dirty="0">
+                <a:solidFill>
+                  <a:srgbClr val="E6E1DC"/>
+                </a:solidFill>
+                <a:effectLst/>
+                <a:latin typeface="Consolas" panose="020B0609020204030204" pitchFamily="49" charset="0"/>
+              </a:rPr>
+              <a:t>; </a:t>
+            </a:r>
+            <a:r>
+              <a:rPr lang="en-US" sz="1600" b="0" i="0" u="none" strike="noStrike" dirty="0" err="1">
+                <a:solidFill>
+                  <a:srgbClr val="E6E1DC"/>
+                </a:solidFill>
+                <a:effectLst/>
+                <a:latin typeface="Consolas" panose="020B0609020204030204" pitchFamily="49" charset="0"/>
+              </a:rPr>
+              <a:t>i</a:t>
+            </a:r>
+            <a:r>
+              <a:rPr lang="en-US" sz="1600" b="0" i="0" u="none" strike="noStrike" dirty="0">
+                <a:solidFill>
+                  <a:srgbClr val="E6E1DC"/>
+                </a:solidFill>
+                <a:effectLst/>
+                <a:latin typeface="Consolas" panose="020B0609020204030204" pitchFamily="49" charset="0"/>
+              </a:rPr>
+              <a:t> &lt; </a:t>
+            </a:r>
+            <a:r>
+              <a:rPr lang="en-US" sz="1600" b="0" i="0" u="none" strike="noStrike" dirty="0">
+                <a:solidFill>
+                  <a:srgbClr val="A5C261"/>
+                </a:solidFill>
+                <a:effectLst/>
+                <a:latin typeface="Consolas" panose="020B0609020204030204" pitchFamily="49" charset="0"/>
+              </a:rPr>
+              <a:t>4</a:t>
+            </a:r>
+            <a:r>
+              <a:rPr lang="en-US" sz="1600" b="0" i="0" u="none" strike="noStrike" dirty="0">
+                <a:solidFill>
+                  <a:srgbClr val="E6E1DC"/>
+                </a:solidFill>
+                <a:effectLst/>
+                <a:latin typeface="Consolas" panose="020B0609020204030204" pitchFamily="49" charset="0"/>
+              </a:rPr>
+              <a:t>; </a:t>
+            </a:r>
+            <a:r>
+              <a:rPr lang="en-US" sz="1600" b="0" i="0" u="none" strike="noStrike" dirty="0" err="1">
+                <a:solidFill>
+                  <a:srgbClr val="E6E1DC"/>
+                </a:solidFill>
+                <a:effectLst/>
+                <a:latin typeface="Consolas" panose="020B0609020204030204" pitchFamily="49" charset="0"/>
+              </a:rPr>
+              <a:t>i</a:t>
+            </a:r>
+            <a:r>
+              <a:rPr lang="en-US" sz="1600" b="0" i="0" u="none" strike="noStrike" dirty="0">
+                <a:solidFill>
+                  <a:srgbClr val="E6E1DC"/>
+                </a:solidFill>
+                <a:effectLst/>
+                <a:latin typeface="Consolas" panose="020B0609020204030204" pitchFamily="49" charset="0"/>
+              </a:rPr>
+              <a:t>++)</a:t>
+            </a:r>
+            <a:br>
+              <a:rPr lang="en-US" sz="1600" b="0" i="0" u="none" strike="noStrike" dirty="0">
+                <a:solidFill>
+                  <a:srgbClr val="E6E1DC"/>
+                </a:solidFill>
+                <a:effectLst/>
+                <a:latin typeface="Consolas" panose="020B0609020204030204" pitchFamily="49" charset="0"/>
+              </a:rPr>
+            </a:br>
+            <a:r>
+              <a:rPr lang="en-US" sz="1600" b="0" i="0" u="none" strike="noStrike" dirty="0">
+                <a:solidFill>
+                  <a:srgbClr val="E6E1DC"/>
+                </a:solidFill>
+                <a:effectLst/>
+                <a:latin typeface="Consolas" panose="020B0609020204030204" pitchFamily="49" charset="0"/>
+              </a:rPr>
+              <a:t>            </a:t>
+            </a:r>
+            <a:r>
+              <a:rPr lang="en-US" sz="1600" b="0" i="0" u="none" strike="noStrike" dirty="0" err="1">
+                <a:solidFill>
+                  <a:srgbClr val="E6E1DC"/>
+                </a:solidFill>
+                <a:effectLst/>
+                <a:latin typeface="Consolas" panose="020B0609020204030204" pitchFamily="49" charset="0"/>
+              </a:rPr>
+              <a:t>arr</a:t>
+            </a:r>
+            <a:r>
+              <a:rPr lang="en-US" sz="1600" b="0" i="0" u="none" strike="noStrike" dirty="0">
+                <a:solidFill>
+                  <a:srgbClr val="E6E1DC"/>
+                </a:solidFill>
+                <a:effectLst/>
+                <a:latin typeface="Consolas" panose="020B0609020204030204" pitchFamily="49" charset="0"/>
+              </a:rPr>
+              <a:t>[</a:t>
+            </a:r>
+            <a:r>
+              <a:rPr lang="en-US" sz="1600" b="0" i="0" u="none" strike="noStrike" dirty="0" err="1">
+                <a:solidFill>
+                  <a:srgbClr val="E6E1DC"/>
+                </a:solidFill>
+                <a:effectLst/>
+                <a:latin typeface="Consolas" panose="020B0609020204030204" pitchFamily="49" charset="0"/>
+              </a:rPr>
+              <a:t>i</a:t>
+            </a:r>
+            <a:r>
+              <a:rPr lang="en-US" sz="1600" b="0" i="0" u="none" strike="noStrike" dirty="0">
+                <a:solidFill>
+                  <a:srgbClr val="E6E1DC"/>
+                </a:solidFill>
+                <a:effectLst/>
+                <a:latin typeface="Consolas" panose="020B0609020204030204" pitchFamily="49" charset="0"/>
+              </a:rPr>
+              <a:t>]-&gt;</a:t>
+            </a:r>
+            <a:r>
+              <a:rPr lang="en-US" sz="1600" b="0" i="0" u="none" strike="noStrike" dirty="0" err="1">
+                <a:solidFill>
+                  <a:srgbClr val="E6E1DC"/>
+                </a:solidFill>
+                <a:effectLst/>
+                <a:latin typeface="Consolas" panose="020B0609020204030204" pitchFamily="49" charset="0"/>
+              </a:rPr>
+              <a:t>XMLexport</a:t>
+            </a:r>
+            <a:r>
+              <a:rPr lang="en-US" sz="1600" b="0" i="0" u="none" strike="noStrike" dirty="0">
+                <a:solidFill>
+                  <a:srgbClr val="E6E1DC"/>
+                </a:solidFill>
+                <a:effectLst/>
+                <a:latin typeface="Consolas" panose="020B0609020204030204" pitchFamily="49" charset="0"/>
+              </a:rPr>
+              <a:t>();</a:t>
+            </a:r>
+            <a:br>
+              <a:rPr lang="en-US" sz="1600" b="0" i="0" u="none" strike="noStrike" dirty="0">
+                <a:solidFill>
+                  <a:srgbClr val="E6E1DC"/>
+                </a:solidFill>
+                <a:effectLst/>
+                <a:latin typeface="Consolas" panose="020B0609020204030204" pitchFamily="49" charset="0"/>
+              </a:rPr>
+            </a:br>
+            <a:r>
+              <a:rPr lang="en-US" sz="1600" b="0" i="0" u="none" strike="noStrike" dirty="0">
+                <a:solidFill>
+                  <a:srgbClr val="E6E1DC"/>
+                </a:solidFill>
+                <a:effectLst/>
+                <a:latin typeface="Consolas" panose="020B0609020204030204" pitchFamily="49" charset="0"/>
+              </a:rPr>
+              <a:t>    }</a:t>
+            </a:r>
+            <a:br>
+              <a:rPr lang="en-US" sz="1600" b="0" i="0" u="none" strike="noStrike" dirty="0">
+                <a:solidFill>
+                  <a:srgbClr val="E6E1DC"/>
+                </a:solidFill>
+                <a:effectLst/>
+                <a:latin typeface="Consolas" panose="020B0609020204030204" pitchFamily="49" charset="0"/>
+              </a:rPr>
+            </a:br>
+            <a:r>
+              <a:rPr lang="en-US" sz="1600" b="0" i="0" u="none" strike="noStrike" dirty="0">
+                <a:solidFill>
+                  <a:srgbClr val="E6E1DC"/>
+                </a:solidFill>
+                <a:effectLst/>
+                <a:latin typeface="Consolas" panose="020B0609020204030204" pitchFamily="49" charset="0"/>
+              </a:rPr>
+              <a:t>};</a:t>
+            </a:r>
+            <a:br>
+              <a:rPr lang="en-US" sz="1100" b="0" i="0" u="none" strike="noStrike" dirty="0">
+                <a:solidFill>
+                  <a:srgbClr val="E6E1DC"/>
+                </a:solidFill>
+                <a:effectLst/>
+                <a:latin typeface="Consolas" panose="020B0609020204030204" pitchFamily="49" charset="0"/>
+              </a:rPr>
+            </a:br>
+            <a:endParaRPr lang="en-US" dirty="0"/>
+          </a:p>
+        </p:txBody>
+      </p:sp>
+      <p:cxnSp>
+        <p:nvCxnSpPr>
+          <p:cNvPr id="26" name="Straight Arrow Connector 25">
+            <a:extLst>
+              <a:ext uri="{FF2B5EF4-FFF2-40B4-BE49-F238E27FC236}">
+                <a16:creationId xmlns:a16="http://schemas.microsoft.com/office/drawing/2014/main" id="{6F56611D-8BE9-341F-09E1-F72068F9E6FB}"/>
+              </a:ext>
+            </a:extLst>
+          </p:cNvPr>
+          <p:cNvCxnSpPr>
+            <a:cxnSpLocks/>
+          </p:cNvCxnSpPr>
+          <p:nvPr/>
+        </p:nvCxnSpPr>
+        <p:spPr>
+          <a:xfrm flipH="1">
+            <a:off x="6019800" y="5361802"/>
+            <a:ext cx="838200" cy="0"/>
+          </a:xfrm>
+          <a:prstGeom prst="straightConnector1">
+            <a:avLst/>
+          </a:prstGeom>
+          <a:ln w="76200">
+            <a:solidFill>
+              <a:schemeClr val="tx1">
+                <a:lumMod val="50000"/>
+              </a:schemeClr>
+            </a:solidFill>
+            <a:tailEnd type="triangle"/>
+          </a:ln>
+        </p:spPr>
+        <p:style>
+          <a:lnRef idx="1">
+            <a:schemeClr val="accent1"/>
+          </a:lnRef>
+          <a:fillRef idx="0">
+            <a:schemeClr val="accent1"/>
+          </a:fillRef>
+          <a:effectRef idx="0">
+            <a:schemeClr val="accent1"/>
+          </a:effectRef>
+          <a:fontRef idx="minor">
+            <a:schemeClr val="tx1"/>
+          </a:fontRef>
+        </p:style>
+      </p:cxnSp>
+      <p:sp>
+        <p:nvSpPr>
+          <p:cNvPr id="27" name="TextBox 26">
+            <a:extLst>
+              <a:ext uri="{FF2B5EF4-FFF2-40B4-BE49-F238E27FC236}">
+                <a16:creationId xmlns:a16="http://schemas.microsoft.com/office/drawing/2014/main" id="{5081DCAD-2B50-E40A-CE57-3AA6EC11C633}"/>
+              </a:ext>
+            </a:extLst>
+          </p:cNvPr>
+          <p:cNvSpPr txBox="1"/>
+          <p:nvPr/>
+        </p:nvSpPr>
+        <p:spPr>
+          <a:xfrm>
+            <a:off x="6858000" y="5177136"/>
+            <a:ext cx="2270760" cy="646331"/>
+          </a:xfrm>
+          <a:prstGeom prst="rect">
+            <a:avLst/>
+          </a:prstGeom>
+          <a:noFill/>
+          <a:ln>
+            <a:solidFill>
+              <a:schemeClr val="tx2">
+                <a:lumMod val="50000"/>
+              </a:schemeClr>
+            </a:solidFill>
+          </a:ln>
+        </p:spPr>
+        <p:txBody>
+          <a:bodyPr wrap="square" rtlCol="0">
+            <a:spAutoFit/>
+          </a:bodyPr>
+          <a:lstStyle/>
+          <a:p>
+            <a:r>
+              <a:rPr lang="en-US" dirty="0"/>
+              <a:t>Apps Export function</a:t>
+            </a:r>
+          </a:p>
+        </p:txBody>
+      </p:sp>
+    </p:spTree>
+    <p:extLst>
+      <p:ext uri="{BB962C8B-B14F-4D97-AF65-F5344CB8AC3E}">
+        <p14:creationId xmlns:p14="http://schemas.microsoft.com/office/powerpoint/2010/main" val="1923733883"/>
+      </p:ext>
+    </p:extLst>
+  </p:cSld>
+  <p:clrMapOvr>
+    <a:masterClrMapping/>
+  </p:clrMapOvr>
+  <p:transition spd="slow">
+    <p:push dir="u"/>
+  </p:transition>
+  <p:timing>
+    <p:tnLst>
+      <p:par>
+        <p:cTn id="1" dur="indefinite" restart="never" nodeType="tmRoot">
+          <p:childTnLst>
+            <p:seq concurrent="1" nextAc="seek">
+              <p:cTn id="2" dur="indefinite" nodeType="mainSeq">
+                <p:childTnLst>
+                  <p:par>
+                    <p:cTn id="3" fill="hold">
+                      <p:stCondLst>
+                        <p:cond delay="indefinite"/>
+                      </p:stCondLst>
+                      <p:childTnLst>
+                        <p:par>
+                          <p:cTn id="4" fill="hold">
+                            <p:stCondLst>
+                              <p:cond delay="0"/>
+                            </p:stCondLst>
+                            <p:childTnLst>
+                              <p:par>
+                                <p:cTn id="5" presetID="10" presetClass="exit" presetSubtype="0" fill="hold" grpId="0" nodeType="clickEffect">
+                                  <p:stCondLst>
+                                    <p:cond delay="0"/>
+                                  </p:stCondLst>
+                                  <p:childTnLst>
+                                    <p:animEffect transition="out" filter="fade">
+                                      <p:cBhvr>
+                                        <p:cTn id="6" dur="500"/>
+                                        <p:tgtEl>
+                                          <p:spTgt spid="8"/>
+                                        </p:tgtEl>
+                                      </p:cBhvr>
+                                    </p:animEffect>
+                                    <p:set>
+                                      <p:cBhvr>
+                                        <p:cTn id="7" dur="1" fill="hold">
+                                          <p:stCondLst>
+                                            <p:cond delay="499"/>
+                                          </p:stCondLst>
+                                        </p:cTn>
+                                        <p:tgtEl>
+                                          <p:spTgt spid="8"/>
+                                        </p:tgtEl>
+                                        <p:attrNameLst>
+                                          <p:attrName>style.visibility</p:attrName>
+                                        </p:attrNameLst>
+                                      </p:cBhvr>
+                                      <p:to>
+                                        <p:strVal val="hidden"/>
+                                      </p:to>
+                                    </p:set>
+                                  </p:childTnLst>
+                                </p:cTn>
+                              </p:par>
+                              <p:par>
+                                <p:cTn id="8" presetID="10" presetClass="exit" presetSubtype="0" fill="hold" nodeType="withEffect">
+                                  <p:stCondLst>
+                                    <p:cond delay="0"/>
+                                  </p:stCondLst>
+                                  <p:childTnLst>
+                                    <p:animEffect transition="out" filter="fade">
+                                      <p:cBhvr>
+                                        <p:cTn id="9" dur="500"/>
+                                        <p:tgtEl>
+                                          <p:spTgt spid="9"/>
+                                        </p:tgtEl>
+                                      </p:cBhvr>
+                                    </p:animEffect>
+                                    <p:set>
+                                      <p:cBhvr>
+                                        <p:cTn id="10" dur="1" fill="hold">
+                                          <p:stCondLst>
+                                            <p:cond delay="499"/>
+                                          </p:stCondLst>
+                                        </p:cTn>
+                                        <p:tgtEl>
+                                          <p:spTgt spid="9"/>
+                                        </p:tgtEl>
+                                        <p:attrNameLst>
+                                          <p:attrName>style.visibility</p:attrName>
+                                        </p:attrNameLst>
+                                      </p:cBhvr>
+                                      <p:to>
+                                        <p:strVal val="hidden"/>
+                                      </p:to>
+                                    </p:set>
+                                  </p:childTnLst>
+                                </p:cTn>
+                              </p:par>
+                              <p:par>
+                                <p:cTn id="11" presetID="10" presetClass="exit" presetSubtype="0" fill="hold" grpId="0" nodeType="withEffect">
+                                  <p:stCondLst>
+                                    <p:cond delay="0"/>
+                                  </p:stCondLst>
+                                  <p:childTnLst>
+                                    <p:animEffect transition="out" filter="fade">
+                                      <p:cBhvr>
+                                        <p:cTn id="12" dur="500"/>
+                                        <p:tgtEl>
+                                          <p:spTgt spid="10"/>
+                                        </p:tgtEl>
+                                      </p:cBhvr>
+                                    </p:animEffect>
+                                    <p:set>
+                                      <p:cBhvr>
+                                        <p:cTn id="13" dur="1" fill="hold">
+                                          <p:stCondLst>
+                                            <p:cond delay="499"/>
+                                          </p:stCondLst>
+                                        </p:cTn>
+                                        <p:tgtEl>
+                                          <p:spTgt spid="10"/>
+                                        </p:tgtEl>
+                                        <p:attrNameLst>
+                                          <p:attrName>style.visibility</p:attrName>
+                                        </p:attrNameLst>
+                                      </p:cBhvr>
+                                      <p:to>
+                                        <p:strVal val="hidden"/>
+                                      </p:to>
+                                    </p:set>
+                                  </p:childTnLst>
+                                </p:cTn>
+                              </p:par>
+                              <p:par>
+                                <p:cTn id="14" presetID="10" presetClass="entr" presetSubtype="0" fill="hold" grpId="0" nodeType="withEffect">
+                                  <p:stCondLst>
+                                    <p:cond delay="0"/>
+                                  </p:stCondLst>
+                                  <p:childTnLst>
+                                    <p:set>
+                                      <p:cBhvr>
+                                        <p:cTn id="15" dur="1" fill="hold">
+                                          <p:stCondLst>
+                                            <p:cond delay="0"/>
+                                          </p:stCondLst>
+                                        </p:cTn>
+                                        <p:tgtEl>
+                                          <p:spTgt spid="21"/>
+                                        </p:tgtEl>
+                                        <p:attrNameLst>
+                                          <p:attrName>style.visibility</p:attrName>
+                                        </p:attrNameLst>
+                                      </p:cBhvr>
+                                      <p:to>
+                                        <p:strVal val="visible"/>
+                                      </p:to>
+                                    </p:set>
+                                    <p:animEffect transition="in" filter="fade">
+                                      <p:cBhvr>
+                                        <p:cTn id="16" dur="500"/>
+                                        <p:tgtEl>
+                                          <p:spTgt spid="21"/>
+                                        </p:tgtEl>
+                                      </p:cBhvr>
+                                    </p:animEffect>
+                                  </p:childTnLst>
+                                </p:cTn>
+                              </p:par>
+                              <p:par>
+                                <p:cTn id="17" presetID="10" presetClass="entr" presetSubtype="0" fill="hold" nodeType="withEffect">
+                                  <p:stCondLst>
+                                    <p:cond delay="0"/>
+                                  </p:stCondLst>
+                                  <p:childTnLst>
+                                    <p:set>
+                                      <p:cBhvr>
+                                        <p:cTn id="18" dur="1" fill="hold">
+                                          <p:stCondLst>
+                                            <p:cond delay="0"/>
+                                          </p:stCondLst>
+                                        </p:cTn>
+                                        <p:tgtEl>
+                                          <p:spTgt spid="20"/>
+                                        </p:tgtEl>
+                                        <p:attrNameLst>
+                                          <p:attrName>style.visibility</p:attrName>
+                                        </p:attrNameLst>
+                                      </p:cBhvr>
+                                      <p:to>
+                                        <p:strVal val="visible"/>
+                                      </p:to>
+                                    </p:set>
+                                    <p:animEffect transition="in" filter="fade">
+                                      <p:cBhvr>
+                                        <p:cTn id="19" dur="500"/>
+                                        <p:tgtEl>
+                                          <p:spTgt spid="20"/>
+                                        </p:tgtEl>
+                                      </p:cBhvr>
+                                    </p:animEffect>
+                                  </p:childTnLst>
+                                </p:cTn>
+                              </p:par>
+                              <p:par>
+                                <p:cTn id="20" presetID="10" presetClass="entr" presetSubtype="0" fill="hold" grpId="0" nodeType="withEffect">
+                                  <p:stCondLst>
+                                    <p:cond delay="0"/>
+                                  </p:stCondLst>
+                                  <p:childTnLst>
+                                    <p:set>
+                                      <p:cBhvr>
+                                        <p:cTn id="21" dur="1" fill="hold">
+                                          <p:stCondLst>
+                                            <p:cond delay="0"/>
+                                          </p:stCondLst>
+                                        </p:cTn>
+                                        <p:tgtEl>
+                                          <p:spTgt spid="19"/>
+                                        </p:tgtEl>
+                                        <p:attrNameLst>
+                                          <p:attrName>style.visibility</p:attrName>
+                                        </p:attrNameLst>
+                                      </p:cBhvr>
+                                      <p:to>
+                                        <p:strVal val="visible"/>
+                                      </p:to>
+                                    </p:set>
+                                    <p:animEffect transition="in" filter="fade">
+                                      <p:cBhvr>
+                                        <p:cTn id="22" dur="500"/>
+                                        <p:tgtEl>
+                                          <p:spTgt spid="19"/>
+                                        </p:tgtEl>
+                                      </p:cBhvr>
+                                    </p:animEffect>
+                                  </p:childTnLst>
+                                </p:cTn>
+                              </p:par>
+                            </p:childTnLst>
+                          </p:cTn>
+                        </p:par>
+                      </p:childTnLst>
+                    </p:cTn>
+                  </p:par>
+                  <p:par>
+                    <p:cTn id="23" fill="hold">
+                      <p:stCondLst>
+                        <p:cond delay="indefinite"/>
+                      </p:stCondLst>
+                      <p:childTnLst>
+                        <p:par>
+                          <p:cTn id="24" fill="hold">
+                            <p:stCondLst>
+                              <p:cond delay="0"/>
+                            </p:stCondLst>
+                            <p:childTnLst>
+                              <p:par>
+                                <p:cTn id="25" presetID="10" presetClass="exit" presetSubtype="0" fill="hold" grpId="1" nodeType="clickEffect">
+                                  <p:stCondLst>
+                                    <p:cond delay="0"/>
+                                  </p:stCondLst>
+                                  <p:childTnLst>
+                                    <p:animEffect transition="out" filter="fade">
+                                      <p:cBhvr>
+                                        <p:cTn id="26" dur="500"/>
+                                        <p:tgtEl>
+                                          <p:spTgt spid="19"/>
+                                        </p:tgtEl>
+                                      </p:cBhvr>
+                                    </p:animEffect>
+                                    <p:set>
+                                      <p:cBhvr>
+                                        <p:cTn id="27" dur="1" fill="hold">
+                                          <p:stCondLst>
+                                            <p:cond delay="499"/>
+                                          </p:stCondLst>
+                                        </p:cTn>
+                                        <p:tgtEl>
+                                          <p:spTgt spid="19"/>
+                                        </p:tgtEl>
+                                        <p:attrNameLst>
+                                          <p:attrName>style.visibility</p:attrName>
+                                        </p:attrNameLst>
+                                      </p:cBhvr>
+                                      <p:to>
+                                        <p:strVal val="hidden"/>
+                                      </p:to>
+                                    </p:set>
+                                  </p:childTnLst>
+                                </p:cTn>
+                              </p:par>
+                              <p:par>
+                                <p:cTn id="28" presetID="10" presetClass="entr" presetSubtype="0" fill="hold" grpId="0" nodeType="withEffect">
+                                  <p:stCondLst>
+                                    <p:cond delay="0"/>
+                                  </p:stCondLst>
+                                  <p:childTnLst>
+                                    <p:set>
+                                      <p:cBhvr>
+                                        <p:cTn id="29" dur="1" fill="hold">
+                                          <p:stCondLst>
+                                            <p:cond delay="0"/>
+                                          </p:stCondLst>
+                                        </p:cTn>
+                                        <p:tgtEl>
+                                          <p:spTgt spid="23"/>
+                                        </p:tgtEl>
+                                        <p:attrNameLst>
+                                          <p:attrName>style.visibility</p:attrName>
+                                        </p:attrNameLst>
+                                      </p:cBhvr>
+                                      <p:to>
+                                        <p:strVal val="visible"/>
+                                      </p:to>
+                                    </p:set>
+                                    <p:animEffect transition="in" filter="fade">
+                                      <p:cBhvr>
+                                        <p:cTn id="30" dur="500"/>
+                                        <p:tgtEl>
+                                          <p:spTgt spid="23"/>
+                                        </p:tgtEl>
+                                      </p:cBhvr>
+                                    </p:animEffect>
+                                  </p:childTnLst>
+                                </p:cTn>
+                              </p:par>
+                            </p:childTnLst>
+                          </p:cTn>
+                        </p:par>
+                      </p:childTnLst>
+                    </p:cTn>
+                  </p:par>
+                  <p:par>
+                    <p:cTn id="31" fill="hold">
+                      <p:stCondLst>
+                        <p:cond delay="indefinite"/>
+                      </p:stCondLst>
+                      <p:childTnLst>
+                        <p:par>
+                          <p:cTn id="32" fill="hold">
+                            <p:stCondLst>
+                              <p:cond delay="0"/>
+                            </p:stCondLst>
+                            <p:childTnLst>
+                              <p:par>
+                                <p:cTn id="33" presetID="10" presetClass="entr" presetSubtype="0" fill="hold" grpId="0" nodeType="clickEffect">
+                                  <p:stCondLst>
+                                    <p:cond delay="0"/>
+                                  </p:stCondLst>
+                                  <p:childTnLst>
+                                    <p:set>
+                                      <p:cBhvr>
+                                        <p:cTn id="34" dur="1" fill="hold">
+                                          <p:stCondLst>
+                                            <p:cond delay="0"/>
+                                          </p:stCondLst>
+                                        </p:cTn>
+                                        <p:tgtEl>
+                                          <p:spTgt spid="25"/>
+                                        </p:tgtEl>
+                                        <p:attrNameLst>
+                                          <p:attrName>style.visibility</p:attrName>
+                                        </p:attrNameLst>
+                                      </p:cBhvr>
+                                      <p:to>
+                                        <p:strVal val="visible"/>
+                                      </p:to>
+                                    </p:set>
+                                    <p:animEffect transition="in" filter="fade">
+                                      <p:cBhvr>
+                                        <p:cTn id="35" dur="500"/>
+                                        <p:tgtEl>
+                                          <p:spTgt spid="25"/>
+                                        </p:tgtEl>
+                                      </p:cBhvr>
+                                    </p:animEffect>
+                                  </p:childTnLst>
+                                </p:cTn>
+                              </p:par>
+                              <p:par>
+                                <p:cTn id="36" presetID="10" presetClass="exit" presetSubtype="0" fill="hold" grpId="1" nodeType="withEffect">
+                                  <p:stCondLst>
+                                    <p:cond delay="0"/>
+                                  </p:stCondLst>
+                                  <p:childTnLst>
+                                    <p:animEffect transition="out" filter="fade">
+                                      <p:cBhvr>
+                                        <p:cTn id="37" dur="500"/>
+                                        <p:tgtEl>
+                                          <p:spTgt spid="23"/>
+                                        </p:tgtEl>
+                                      </p:cBhvr>
+                                    </p:animEffect>
+                                    <p:set>
+                                      <p:cBhvr>
+                                        <p:cTn id="38" dur="1" fill="hold">
+                                          <p:stCondLst>
+                                            <p:cond delay="499"/>
+                                          </p:stCondLst>
+                                        </p:cTn>
+                                        <p:tgtEl>
+                                          <p:spTgt spid="23"/>
+                                        </p:tgtEl>
+                                        <p:attrNameLst>
+                                          <p:attrName>style.visibility</p:attrName>
+                                        </p:attrNameLst>
+                                      </p:cBhvr>
+                                      <p:to>
+                                        <p:strVal val="hidden"/>
+                                      </p:to>
+                                    </p:set>
+                                  </p:childTnLst>
+                                </p:cTn>
+                              </p:par>
+                              <p:par>
+                                <p:cTn id="39" presetID="10" presetClass="entr" presetSubtype="0" fill="hold" grpId="0" nodeType="withEffect">
+                                  <p:stCondLst>
+                                    <p:cond delay="0"/>
+                                  </p:stCondLst>
+                                  <p:childTnLst>
+                                    <p:set>
+                                      <p:cBhvr>
+                                        <p:cTn id="40" dur="1" fill="hold">
+                                          <p:stCondLst>
+                                            <p:cond delay="0"/>
+                                          </p:stCondLst>
+                                        </p:cTn>
+                                        <p:tgtEl>
+                                          <p:spTgt spid="27"/>
+                                        </p:tgtEl>
+                                        <p:attrNameLst>
+                                          <p:attrName>style.visibility</p:attrName>
+                                        </p:attrNameLst>
+                                      </p:cBhvr>
+                                      <p:to>
+                                        <p:strVal val="visible"/>
+                                      </p:to>
+                                    </p:set>
+                                    <p:animEffect transition="in" filter="fade">
+                                      <p:cBhvr>
+                                        <p:cTn id="41" dur="500"/>
+                                        <p:tgtEl>
+                                          <p:spTgt spid="27"/>
+                                        </p:tgtEl>
+                                      </p:cBhvr>
+                                    </p:animEffect>
+                                  </p:childTnLst>
+                                </p:cTn>
+                              </p:par>
+                              <p:par>
+                                <p:cTn id="42" presetID="10" presetClass="entr" presetSubtype="0" fill="hold" nodeType="withEffect">
+                                  <p:stCondLst>
+                                    <p:cond delay="0"/>
+                                  </p:stCondLst>
+                                  <p:childTnLst>
+                                    <p:set>
+                                      <p:cBhvr>
+                                        <p:cTn id="43" dur="1" fill="hold">
+                                          <p:stCondLst>
+                                            <p:cond delay="0"/>
+                                          </p:stCondLst>
+                                        </p:cTn>
+                                        <p:tgtEl>
+                                          <p:spTgt spid="26"/>
+                                        </p:tgtEl>
+                                        <p:attrNameLst>
+                                          <p:attrName>style.visibility</p:attrName>
+                                        </p:attrNameLst>
+                                      </p:cBhvr>
+                                      <p:to>
+                                        <p:strVal val="visible"/>
+                                      </p:to>
+                                    </p:set>
+                                    <p:animEffect transition="in" filter="fade">
+                                      <p:cBhvr>
+                                        <p:cTn id="44" dur="500"/>
+                                        <p:tgtEl>
+                                          <p:spTgt spid="26"/>
+                                        </p:tgtEl>
+                                      </p:cBhvr>
+                                    </p:animEffect>
+                                  </p:childTnLst>
+                                </p:cTn>
+                              </p:par>
+                              <p:par>
+                                <p:cTn id="45" presetID="10" presetClass="exit" presetSubtype="0" fill="hold" grpId="1" nodeType="withEffect">
+                                  <p:stCondLst>
+                                    <p:cond delay="0"/>
+                                  </p:stCondLst>
+                                  <p:childTnLst>
+                                    <p:animEffect transition="out" filter="fade">
+                                      <p:cBhvr>
+                                        <p:cTn id="46" dur="500"/>
+                                        <p:tgtEl>
+                                          <p:spTgt spid="21"/>
+                                        </p:tgtEl>
+                                      </p:cBhvr>
+                                    </p:animEffect>
+                                    <p:set>
+                                      <p:cBhvr>
+                                        <p:cTn id="47" dur="1" fill="hold">
+                                          <p:stCondLst>
+                                            <p:cond delay="499"/>
+                                          </p:stCondLst>
+                                        </p:cTn>
+                                        <p:tgtEl>
+                                          <p:spTgt spid="21"/>
+                                        </p:tgtEl>
+                                        <p:attrNameLst>
+                                          <p:attrName>style.visibility</p:attrName>
+                                        </p:attrNameLst>
+                                      </p:cBhvr>
+                                      <p:to>
+                                        <p:strVal val="hidden"/>
+                                      </p:to>
+                                    </p:set>
+                                  </p:childTnLst>
+                                </p:cTn>
+                              </p:par>
+                              <p:par>
+                                <p:cTn id="48" presetID="10" presetClass="exit" presetSubtype="0" fill="hold" nodeType="withEffect">
+                                  <p:stCondLst>
+                                    <p:cond delay="0"/>
+                                  </p:stCondLst>
+                                  <p:childTnLst>
+                                    <p:animEffect transition="out" filter="fade">
+                                      <p:cBhvr>
+                                        <p:cTn id="49" dur="500"/>
+                                        <p:tgtEl>
+                                          <p:spTgt spid="20"/>
+                                        </p:tgtEl>
+                                      </p:cBhvr>
+                                    </p:animEffect>
+                                    <p:set>
+                                      <p:cBhvr>
+                                        <p:cTn id="50" dur="1" fill="hold">
+                                          <p:stCondLst>
+                                            <p:cond delay="499"/>
+                                          </p:stCondLst>
+                                        </p:cTn>
+                                        <p:tgtEl>
+                                          <p:spTgt spid="20"/>
+                                        </p:tgtEl>
+                                        <p:attrNameLst>
+                                          <p:attrName>style.visibility</p:attrName>
+                                        </p:attrNameLst>
+                                      </p:cBhvr>
+                                      <p:to>
+                                        <p:strVal val="hidden"/>
+                                      </p:to>
+                                    </p:set>
+                                  </p:childTnLst>
+                                </p:cTn>
+                              </p:par>
+                            </p:childTnLst>
+                          </p:cTn>
+                        </p:par>
+                      </p:childTnLst>
+                    </p:cTn>
+                  </p:par>
+                </p:childTnLst>
+              </p:cTn>
+              <p:prevCondLst>
+                <p:cond evt="onPrev" delay="0">
+                  <p:tgtEl>
+                    <p:sldTgt/>
+                  </p:tgtEl>
+                </p:cond>
+              </p:prevCondLst>
+              <p:nextCondLst>
+                <p:cond evt="onNext" delay="0">
+                  <p:tgtEl>
+                    <p:sldTgt/>
+                  </p:tgtEl>
+                </p:cond>
+              </p:nextCondLst>
+            </p:seq>
+          </p:childTnLst>
+        </p:cTn>
+      </p:par>
+    </p:tnLst>
+    <p:bldLst>
+      <p:bldP spid="8" grpId="0" animBg="1"/>
+      <p:bldP spid="10" grpId="0" animBg="1"/>
+      <p:bldP spid="19" grpId="0" animBg="1"/>
+      <p:bldP spid="19" grpId="1" animBg="1"/>
+      <p:bldP spid="21" grpId="0" animBg="1"/>
+      <p:bldP spid="21" grpId="1" animBg="1"/>
+      <p:bldP spid="23" grpId="0" animBg="1"/>
+      <p:bldP spid="23" grpId="1" animBg="1"/>
+      <p:bldP spid="25" grpId="0" animBg="1"/>
+      <p:bldP spid="27" grpId="0" animBg="1"/>
+    </p:bldLst>
+  </p:timing>
+</p:sld>
+</file>
+
+<file path=ppt/slides/slide8.xml><?xml version="1.0" encoding="utf-8"?>
 <p:sld xmlns:a="http://schemas.openxmlformats.org/drawingml/2006/main" xmlns:r="http://schemas.openxmlformats.org/officeDocument/2006/relationships" xmlns:p="http://schemas.openxmlformats.org/presentationml/2006/main">
   <p:cSld>
     <p:bg>
@@ -8080,150 +16781,6 @@
 </p:sld>
 </file>
 
-<file path=ppt/slides/slide8.xml><?xml version="1.0" encoding="utf-8"?>
-<p:sld xmlns:a="http://schemas.openxmlformats.org/drawingml/2006/main" xmlns:r="http://schemas.openxmlformats.org/officeDocument/2006/relationships" xmlns:p="http://schemas.openxmlformats.org/presentationml/2006/main">
-  <p:cSld>
-    <p:bg>
-      <p:bgPr>
-        <a:blipFill dpi="0" rotWithShape="0">
-          <a:blip r:embed="rId3" cstate="print"/>
-          <a:srcRect/>
-          <a:stretch>
-            <a:fillRect/>
-          </a:stretch>
-        </a:blipFill>
-        <a:effectLst/>
-      </p:bgPr>
-    </p:bg>
-    <p:spTree>
-      <p:nvGrpSpPr>
-        <p:cNvPr id="1" name=""/>
-        <p:cNvGrpSpPr/>
-        <p:nvPr/>
-      </p:nvGrpSpPr>
-      <p:grpSpPr>
-        <a:xfrm>
-          <a:off x="0" y="0"/>
-          <a:ext cx="0" cy="0"/>
-          <a:chOff x="0" y="0"/>
-          <a:chExt cx="0" cy="0"/>
-        </a:xfrm>
-      </p:grpSpPr>
-      <p:sp>
-        <p:nvSpPr>
-          <p:cNvPr id="5122" name="Rectangle 2"/>
-          <p:cNvSpPr>
-            <a:spLocks noGrp="1" noChangeArrowheads="1"/>
-          </p:cNvSpPr>
-          <p:nvPr>
-            <p:ph type="title"/>
-          </p:nvPr>
-        </p:nvSpPr>
-        <p:spPr>
-          <a:xfrm>
-            <a:off x="1908175" y="117475"/>
-            <a:ext cx="7056438" cy="719138"/>
-          </a:xfrm>
-        </p:spPr>
-        <p:txBody>
-          <a:bodyPr/>
-          <a:lstStyle/>
-          <a:p>
-            <a:pPr eaLnBrk="1" hangingPunct="1"/>
-            <a:r>
-              <a:rPr lang="en-US" b="1" dirty="0">
-                <a:solidFill>
-                  <a:schemeClr val="bg2"/>
-                </a:solidFill>
-              </a:rPr>
-              <a:t>Print Slide Master</a:t>
-            </a:r>
-          </a:p>
-        </p:txBody>
-      </p:sp>
-      <p:sp>
-        <p:nvSpPr>
-          <p:cNvPr id="5123" name="Rectangle 3"/>
-          <p:cNvSpPr>
-            <a:spLocks noGrp="1" noChangeArrowheads="1"/>
-          </p:cNvSpPr>
-          <p:nvPr>
-            <p:ph type="body" idx="1"/>
-          </p:nvPr>
-        </p:nvSpPr>
-        <p:spPr>
-          <a:xfrm>
-            <a:off x="1908175" y="909638"/>
-            <a:ext cx="7056438" cy="5832475"/>
-          </a:xfrm>
-        </p:spPr>
-        <p:txBody>
-          <a:bodyPr/>
-          <a:lstStyle/>
-          <a:p>
-            <a:pPr eaLnBrk="1" hangingPunct="1"/>
-            <a:r>
-              <a:rPr lang="en-US" sz="2000" dirty="0">
-                <a:solidFill>
-                  <a:schemeClr val="bg2"/>
-                </a:solidFill>
-              </a:rPr>
-              <a:t>Our PowerPoint templates and backgrounds are «pre-made» presentation shells («pre-made» slides). All design backgrounds, graphics, typefaces, and colors have been created and are pre-set by an expert graphic designers which are working with some of the most prominent businesses in the world.</a:t>
-            </a:r>
-          </a:p>
-          <a:p>
-            <a:pPr eaLnBrk="1" hangingPunct="1"/>
-            <a:endParaRPr lang="en-US" sz="2000" dirty="0">
-              <a:solidFill>
-                <a:schemeClr val="bg2"/>
-              </a:solidFill>
-            </a:endParaRPr>
-          </a:p>
-          <a:p>
-            <a:pPr eaLnBrk="1" hangingPunct="1"/>
-            <a:r>
-              <a:rPr lang="en-US" sz="2000" dirty="0">
-                <a:solidFill>
-                  <a:schemeClr val="bg2"/>
-                </a:solidFill>
-              </a:rPr>
-              <a:t>You simply insert your text. That's it! You just can't go wrong with these templates and backgrounds!</a:t>
-            </a:r>
-          </a:p>
-          <a:p>
-            <a:pPr eaLnBrk="1" hangingPunct="1"/>
-            <a:endParaRPr lang="en-US" sz="2000" dirty="0">
-              <a:solidFill>
-                <a:schemeClr val="bg2"/>
-              </a:solidFill>
-            </a:endParaRPr>
-          </a:p>
-          <a:p>
-            <a:pPr eaLnBrk="1" hangingPunct="1"/>
-            <a:r>
-              <a:rPr lang="en-US" sz="2000" dirty="0">
-                <a:solidFill>
-                  <a:schemeClr val="bg2"/>
-                </a:solidFill>
-              </a:rPr>
-              <a:t>Download this template as well as our others at http://poweredtemplate.com/technology-computers-ppt-powerpoint-templates.html </a:t>
-            </a:r>
-          </a:p>
-        </p:txBody>
-      </p:sp>
-    </p:spTree>
-    <p:extLst>
-      <p:ext uri="{BB962C8B-B14F-4D97-AF65-F5344CB8AC3E}">
-        <p14:creationId xmlns:p14="http://schemas.microsoft.com/office/powerpoint/2010/main" val="1923733883"/>
-      </p:ext>
-    </p:extLst>
-  </p:cSld>
-  <p:clrMapOvr>
-    <a:masterClrMapping/>
-  </p:clrMapOvr>
-</p:sld>
-</file>
-
 <file path=ppt/slides/slide9.xml><?xml version="1.0" encoding="utf-8"?>
 <p:sld xmlns:a="http://schemas.openxmlformats.org/drawingml/2006/main" xmlns:r="http://schemas.openxmlformats.org/officeDocument/2006/relationships" xmlns:p="http://schemas.openxmlformats.org/presentationml/2006/main">
   <p:cSld>
@@ -8255,38 +16812,6 @@
       </p:grpSpPr>
       <p:sp>
         <p:nvSpPr>
-          <p:cNvPr id="5122" name="Rectangle 2"/>
-          <p:cNvSpPr>
-            <a:spLocks noGrp="1" noChangeArrowheads="1"/>
-          </p:cNvSpPr>
-          <p:nvPr>
-            <p:ph type="title"/>
-          </p:nvPr>
-        </p:nvSpPr>
-        <p:spPr>
-          <a:xfrm>
-            <a:off x="1908175" y="117475"/>
-            <a:ext cx="7056438" cy="719138"/>
-          </a:xfrm>
-        </p:spPr>
-        <p:txBody>
-          <a:bodyPr/>
-          <a:lstStyle/>
-          <a:p>
-            <a:pPr eaLnBrk="1" hangingPunct="1"/>
-            <a:r>
-              <a:rPr lang="en-US" b="1">
-                <a:solidFill>
-                  <a:schemeClr val="bg2"/>
-                </a:solidFill>
-              </a:rPr>
-              <a:t>Print Slide Master</a:t>
-            </a:r>
-          </a:p>
-        </p:txBody>
-      </p:sp>
-      <p:sp>
-        <p:nvSpPr>
           <p:cNvPr id="5123" name="Rectangle 3"/>
           <p:cNvSpPr>
             <a:spLocks noGrp="1" noChangeArrowheads="1"/>
@@ -8307,51 +16832,232 @@
           <a:p>
             <a:pPr eaLnBrk="1" hangingPunct="1"/>
             <a:r>
-              <a:rPr lang="en-US" sz="2000" dirty="0">
+              <a:rPr lang="en-US" sz="2400" dirty="0">
                 <a:solidFill>
                   <a:schemeClr val="bg2"/>
                 </a:solidFill>
-              </a:rPr>
-              <a:t>Our PowerPoint templates and backgrounds are «pre-made» presentation shells («pre-made» slides). All design backgrounds, graphics, typefaces, and colors have been created and are pre-set by an expert graphic designers which are working with some of the most prominent businesses in the world.</a:t>
-            </a:r>
+                <a:latin typeface="Amasis MT Pro Medium" panose="02040604050005020304" pitchFamily="18" charset="0"/>
+              </a:rPr>
+              <a:t>The XML export method had to be added into all node classes, which bore the risk of breaking the whole application if any bugs slipped through along with the change.</a:t>
+            </a:r>
+          </a:p>
+          <a:p>
+            <a:pPr marL="0" indent="0" eaLnBrk="1" hangingPunct="1">
+              <a:buNone/>
+            </a:pPr>
+            <a:endParaRPr lang="en-US" sz="2400" dirty="0">
+              <a:solidFill>
+                <a:schemeClr val="bg2"/>
+              </a:solidFill>
+              <a:latin typeface="Amasis MT Pro Medium" panose="02040604050005020304" pitchFamily="18" charset="0"/>
+            </a:endParaRPr>
+          </a:p>
+          <a:p>
+            <a:pPr marL="0" indent="0" eaLnBrk="1" hangingPunct="1">
+              <a:buNone/>
+            </a:pPr>
+            <a:endParaRPr lang="en-US" sz="2400" dirty="0">
+              <a:solidFill>
+                <a:schemeClr val="bg2"/>
+              </a:solidFill>
+              <a:latin typeface="Amasis MT Pro Medium" panose="02040604050005020304" pitchFamily="18" charset="0"/>
+            </a:endParaRPr>
           </a:p>
           <a:p>
             <a:pPr eaLnBrk="1" hangingPunct="1"/>
-            <a:endParaRPr lang="en-US" sz="2000" dirty="0">
+            <a:r>
+              <a:rPr lang="en-US" sz="2400" dirty="0">
+                <a:solidFill>
+                  <a:schemeClr val="bg2"/>
+                </a:solidFill>
+                <a:latin typeface="Amasis MT Pro Medium" panose="02040604050005020304" pitchFamily="18" charset="0"/>
+              </a:rPr>
+              <a:t>Besides, the primary job of these classes was to work with geodata. If this feature was implemented and your client would ask you to provide the ability to export into another format or request some other weird stuff, this would force you to change those precious and fragile classes again. The solution would then become complicated and cause errors.</a:t>
+            </a:r>
+          </a:p>
+        </p:txBody>
+      </p:sp>
+      <p:sp>
+        <p:nvSpPr>
+          <p:cNvPr id="2" name="Rectangle 2">
+            <a:extLst>
+              <a:ext uri="{FF2B5EF4-FFF2-40B4-BE49-F238E27FC236}">
+                <a16:creationId xmlns:a16="http://schemas.microsoft.com/office/drawing/2014/main" id="{B84A39EB-96C1-1DE3-19BF-112949E870D7}"/>
+              </a:ext>
+            </a:extLst>
+          </p:cNvPr>
+          <p:cNvSpPr txBox="1">
+            <a:spLocks noChangeArrowheads="1"/>
+          </p:cNvSpPr>
+          <p:nvPr/>
+        </p:nvSpPr>
+        <p:spPr bwMode="auto">
+          <a:xfrm>
+            <a:off x="1828800" y="30480"/>
+            <a:ext cx="7447281" cy="719138"/>
+          </a:xfrm>
+          <a:prstGeom prst="rect">
+            <a:avLst/>
+          </a:prstGeom>
+          <a:noFill/>
+          <a:ln w="9525">
+            <a:noFill/>
+            <a:miter lim="800000"/>
+            <a:headEnd/>
+            <a:tailEnd/>
+          </a:ln>
+          <a:effectLst/>
+        </p:spPr>
+        <p:txBody>
+          <a:bodyPr vert="horz" wrap="square" lIns="91440" tIns="45720" rIns="91440" bIns="45720" numCol="1" anchor="ctr" anchorCtr="0" compatLnSpc="1">
+            <a:prstTxWarp prst="textNoShape">
+              <a:avLst/>
+            </a:prstTxWarp>
+          </a:bodyPr>
+          <a:lstStyle>
+            <a:lvl1pPr algn="l" rtl="0" eaLnBrk="1" fontAlgn="base" hangingPunct="1">
+              <a:spcBef>
+                <a:spcPct val="0"/>
+              </a:spcBef>
+              <a:spcAft>
+                <a:spcPct val="0"/>
+              </a:spcAft>
+              <a:defRPr sz="3200">
+                <a:solidFill>
+                  <a:schemeClr val="bg1"/>
+                </a:solidFill>
+                <a:latin typeface="+mj-lt"/>
+                <a:ea typeface="+mj-ea"/>
+                <a:cs typeface="+mj-cs"/>
+              </a:defRPr>
+            </a:lvl1pPr>
+            <a:lvl2pPr algn="l" rtl="0" eaLnBrk="1" fontAlgn="base" hangingPunct="1">
+              <a:spcBef>
+                <a:spcPct val="0"/>
+              </a:spcBef>
+              <a:spcAft>
+                <a:spcPct val="0"/>
+              </a:spcAft>
+              <a:defRPr sz="3200">
+                <a:solidFill>
+                  <a:schemeClr val="bg1"/>
+                </a:solidFill>
+                <a:latin typeface="Arial" charset="0"/>
+              </a:defRPr>
+            </a:lvl2pPr>
+            <a:lvl3pPr algn="l" rtl="0" eaLnBrk="1" fontAlgn="base" hangingPunct="1">
+              <a:spcBef>
+                <a:spcPct val="0"/>
+              </a:spcBef>
+              <a:spcAft>
+                <a:spcPct val="0"/>
+              </a:spcAft>
+              <a:defRPr sz="3200">
+                <a:solidFill>
+                  <a:schemeClr val="bg1"/>
+                </a:solidFill>
+                <a:latin typeface="Arial" charset="0"/>
+              </a:defRPr>
+            </a:lvl3pPr>
+            <a:lvl4pPr algn="l" rtl="0" eaLnBrk="1" fontAlgn="base" hangingPunct="1">
+              <a:spcBef>
+                <a:spcPct val="0"/>
+              </a:spcBef>
+              <a:spcAft>
+                <a:spcPct val="0"/>
+              </a:spcAft>
+              <a:defRPr sz="3200">
+                <a:solidFill>
+                  <a:schemeClr val="bg1"/>
+                </a:solidFill>
+                <a:latin typeface="Arial" charset="0"/>
+              </a:defRPr>
+            </a:lvl4pPr>
+            <a:lvl5pPr algn="l" rtl="0" eaLnBrk="1" fontAlgn="base" hangingPunct="1">
+              <a:spcBef>
+                <a:spcPct val="0"/>
+              </a:spcBef>
+              <a:spcAft>
+                <a:spcPct val="0"/>
+              </a:spcAft>
+              <a:defRPr sz="3200">
+                <a:solidFill>
+                  <a:schemeClr val="bg1"/>
+                </a:solidFill>
+                <a:latin typeface="Arial" charset="0"/>
+              </a:defRPr>
+            </a:lvl5pPr>
+            <a:lvl6pPr marL="457200" algn="l" rtl="0" eaLnBrk="1" fontAlgn="base" hangingPunct="1">
+              <a:spcBef>
+                <a:spcPct val="0"/>
+              </a:spcBef>
+              <a:spcAft>
+                <a:spcPct val="0"/>
+              </a:spcAft>
+              <a:defRPr sz="3200">
+                <a:solidFill>
+                  <a:schemeClr val="bg1"/>
+                </a:solidFill>
+                <a:latin typeface="Arial" charset="0"/>
+              </a:defRPr>
+            </a:lvl6pPr>
+            <a:lvl7pPr marL="914400" algn="l" rtl="0" eaLnBrk="1" fontAlgn="base" hangingPunct="1">
+              <a:spcBef>
+                <a:spcPct val="0"/>
+              </a:spcBef>
+              <a:spcAft>
+                <a:spcPct val="0"/>
+              </a:spcAft>
+              <a:defRPr sz="3200">
+                <a:solidFill>
+                  <a:schemeClr val="bg1"/>
+                </a:solidFill>
+                <a:latin typeface="Arial" charset="0"/>
+              </a:defRPr>
+            </a:lvl7pPr>
+            <a:lvl8pPr marL="1371600" algn="l" rtl="0" eaLnBrk="1" fontAlgn="base" hangingPunct="1">
+              <a:spcBef>
+                <a:spcPct val="0"/>
+              </a:spcBef>
+              <a:spcAft>
+                <a:spcPct val="0"/>
+              </a:spcAft>
+              <a:defRPr sz="3200">
+                <a:solidFill>
+                  <a:schemeClr val="bg1"/>
+                </a:solidFill>
+                <a:latin typeface="Arial" charset="0"/>
+              </a:defRPr>
+            </a:lvl8pPr>
+            <a:lvl9pPr marL="1828800" algn="l" rtl="0" eaLnBrk="1" fontAlgn="base" hangingPunct="1">
+              <a:spcBef>
+                <a:spcPct val="0"/>
+              </a:spcBef>
+              <a:spcAft>
+                <a:spcPct val="0"/>
+              </a:spcAft>
+              <a:defRPr sz="3200">
+                <a:solidFill>
+                  <a:schemeClr val="bg1"/>
+                </a:solidFill>
+                <a:latin typeface="Arial" charset="0"/>
+              </a:defRPr>
+            </a:lvl9pPr>
+          </a:lstStyle>
+          <a:p>
+            <a:r>
+              <a:rPr lang="en-US" b="1" kern="0">
+                <a:solidFill>
+                  <a:schemeClr val="bg2"/>
+                </a:solidFill>
+              </a:rPr>
+              <a:t>Trouble - Why we shouldn’t use it:</a:t>
+            </a:r>
+            <a:endParaRPr lang="en-US" b="1" kern="0" dirty="0">
               <a:solidFill>
                 <a:schemeClr val="bg2"/>
               </a:solidFill>
             </a:endParaRPr>
-          </a:p>
-          <a:p>
-            <a:pPr eaLnBrk="1" hangingPunct="1"/>
-            <a:r>
-              <a:rPr lang="en-US" sz="2000" dirty="0">
-                <a:solidFill>
-                  <a:schemeClr val="bg2"/>
-                </a:solidFill>
-              </a:rPr>
-              <a:t>You simply insert your text. That's it! You just can't go wrong with these templates and backgrounds!</a:t>
-            </a:r>
-          </a:p>
-          <a:p>
-            <a:pPr eaLnBrk="1" hangingPunct="1"/>
-            <a:endParaRPr lang="en-US" sz="2000" dirty="0">
-              <a:solidFill>
-                <a:schemeClr val="bg2"/>
-              </a:solidFill>
-            </a:endParaRPr>
-          </a:p>
-          <a:p>
-            <a:pPr eaLnBrk="1" hangingPunct="1"/>
-            <a:r>
-              <a:rPr lang="en-US" sz="2000" dirty="0">
-                <a:solidFill>
-                  <a:schemeClr val="bg2"/>
-                </a:solidFill>
-              </a:rPr>
-              <a:t>Download this template as well as our others at http://poweredtemplate.com/technology-computers-ppt-powerpoint-templates.html </a:t>
-            </a:r>
           </a:p>
         </p:txBody>
       </p:sp>
@@ -8365,6 +17071,9 @@
   <p:clrMapOvr>
     <a:masterClrMapping/>
   </p:clrMapOvr>
+  <p:transition spd="slow">
+    <p:push dir="d"/>
+  </p:transition>
 </p:sld>
 </file>
 

--- a/Design Pattern.pptx
+++ b/Design Pattern.pptx
@@ -5,10 +5,10 @@
     <p:sldMasterId id="2147483648" r:id="rId1"/>
   </p:sldMasterIdLst>
   <p:notesMasterIdLst>
-    <p:notesMasterId r:id="rId21"/>
+    <p:notesMasterId r:id="rId26"/>
   </p:notesMasterIdLst>
   <p:handoutMasterIdLst>
-    <p:handoutMasterId r:id="rId22"/>
+    <p:handoutMasterId r:id="rId27"/>
   </p:handoutMasterIdLst>
   <p:sldIdLst>
     <p:sldId id="256" r:id="rId2"/>
@@ -28,8 +28,13 @@
     <p:sldId id="275" r:id="rId16"/>
     <p:sldId id="274" r:id="rId17"/>
     <p:sldId id="273" r:id="rId18"/>
-    <p:sldId id="272" r:id="rId19"/>
-    <p:sldId id="258" r:id="rId20"/>
+    <p:sldId id="276" r:id="rId19"/>
+    <p:sldId id="279" r:id="rId20"/>
+    <p:sldId id="280" r:id="rId21"/>
+    <p:sldId id="278" r:id="rId22"/>
+    <p:sldId id="277" r:id="rId23"/>
+    <p:sldId id="272" r:id="rId24"/>
+    <p:sldId id="258" r:id="rId25"/>
   </p:sldIdLst>
   <p:sldSz cx="9144000" cy="6858000" type="screen4x3"/>
   <p:notesSz cx="6858000" cy="9144000"/>
@@ -1960,7 +1965,7 @@
     </p:spTree>
     <p:extLst>
       <p:ext uri="{BB962C8B-B14F-4D97-AF65-F5344CB8AC3E}">
-        <p14:creationId xmlns:p14="http://schemas.microsoft.com/office/powerpoint/2010/main" val="1247715328"/>
+        <p14:creationId xmlns:p14="http://schemas.microsoft.com/office/powerpoint/2010/main" val="251707563"/>
       </p:ext>
     </p:extLst>
   </p:cSld>
@@ -2009,12 +2014,71 @@
           <a:bodyPr/>
           <a:lstStyle/>
           <a:p>
+            <a:pPr marL="0" marR="0" lvl="0" indent="0" algn="r" defTabSz="914400" rtl="0" eaLnBrk="1" fontAlgn="base" latinLnBrk="0" hangingPunct="1">
+              <a:lnSpc>
+                <a:spcPct val="100000"/>
+              </a:lnSpc>
+              <a:spcBef>
+                <a:spcPct val="0"/>
+              </a:spcBef>
+              <a:spcAft>
+                <a:spcPct val="0"/>
+              </a:spcAft>
+              <a:buClrTx/>
+              <a:buSzTx/>
+              <a:buFontTx/>
+              <a:buNone/>
+              <a:tabLst/>
+              <a:defRPr/>
+            </a:pPr>
             <a:fld id="{4CBBC889-3F4B-46E7-9B71-B94EA8D542E0}" type="slidenum">
-              <a:rPr lang="en-US"/>
-              <a:pPr/>
+              <a:rPr kumimoji="0" lang="en-US" sz="1200" b="0" i="0" u="none" strike="noStrike" kern="1200" cap="none" spc="0" normalizeH="0" baseline="0" noProof="0">
+                <a:ln>
+                  <a:noFill/>
+                </a:ln>
+                <a:solidFill>
+                  <a:srgbClr val="000000"/>
+                </a:solidFill>
+                <a:effectLst/>
+                <a:uLnTx/>
+                <a:uFillTx/>
+                <a:latin typeface="Arial" charset="0"/>
+                <a:ea typeface="+mn-ea"/>
+                <a:cs typeface="+mn-cs"/>
+              </a:rPr>
+              <a:pPr marL="0" marR="0" lvl="0" indent="0" algn="r" defTabSz="914400" rtl="0" eaLnBrk="1" fontAlgn="base" latinLnBrk="0" hangingPunct="1">
+                <a:lnSpc>
+                  <a:spcPct val="100000"/>
+                </a:lnSpc>
+                <a:spcBef>
+                  <a:spcPct val="0"/>
+                </a:spcBef>
+                <a:spcAft>
+                  <a:spcPct val="0"/>
+                </a:spcAft>
+                <a:buClrTx/>
+                <a:buSzTx/>
+                <a:buFontTx/>
+                <a:buNone/>
+                <a:tabLst/>
+                <a:defRPr/>
+              </a:pPr>
               <a:t>19</a:t>
             </a:fld>
-            <a:endParaRPr lang="en-US"/>
+            <a:endParaRPr kumimoji="0" lang="en-US" sz="1200" b="0" i="0" u="none" strike="noStrike" kern="1200" cap="none" spc="0" normalizeH="0" baseline="0" noProof="0">
+              <a:ln>
+                <a:noFill/>
+              </a:ln>
+              <a:solidFill>
+                <a:srgbClr val="000000"/>
+              </a:solidFill>
+              <a:effectLst/>
+              <a:uLnTx/>
+              <a:uFillTx/>
+              <a:latin typeface="Arial" charset="0"/>
+              <a:ea typeface="+mn-ea"/>
+              <a:cs typeface="+mn-cs"/>
+            </a:endParaRPr>
           </a:p>
         </p:txBody>
       </p:sp>
@@ -2055,6 +2119,323 @@
         </p:txBody>
       </p:sp>
     </p:spTree>
+    <p:extLst>
+      <p:ext uri="{BB962C8B-B14F-4D97-AF65-F5344CB8AC3E}">
+        <p14:creationId xmlns:p14="http://schemas.microsoft.com/office/powerpoint/2010/main" val="61415567"/>
+      </p:ext>
+    </p:extLst>
+  </p:cSld>
+  <p:clrMapOvr>
+    <a:masterClrMapping/>
+  </p:clrMapOvr>
+</p:notes>
+</file>
+
+<file path=ppt/notesSlides/notesSlide18.xml><?xml version="1.0" encoding="utf-8"?>
+<p:notes xmlns:a="http://schemas.openxmlformats.org/drawingml/2006/main" xmlns:r="http://schemas.openxmlformats.org/officeDocument/2006/relationships" xmlns:p="http://schemas.openxmlformats.org/presentationml/2006/main">
+  <p:cSld>
+    <p:spTree>
+      <p:nvGrpSpPr>
+        <p:cNvPr id="1" name=""/>
+        <p:cNvGrpSpPr/>
+        <p:nvPr/>
+      </p:nvGrpSpPr>
+      <p:grpSpPr>
+        <a:xfrm>
+          <a:off x="0" y="0"/>
+          <a:ext cx="0" cy="0"/>
+          <a:chOff x="0" y="0"/>
+          <a:chExt cx="0" cy="0"/>
+        </a:xfrm>
+      </p:grpSpPr>
+      <p:sp>
+        <p:nvSpPr>
+          <p:cNvPr id="9218" name="Rectangle 7"/>
+          <p:cNvSpPr>
+            <a:spLocks noGrp="1" noChangeArrowheads="1"/>
+          </p:cNvSpPr>
+          <p:nvPr>
+            <p:ph type="sldNum" sz="quarter" idx="5"/>
+          </p:nvPr>
+        </p:nvSpPr>
+        <p:spPr>
+          <a:noFill/>
+          <a:ln>
+            <a:miter lim="800000"/>
+            <a:headEnd/>
+            <a:tailEnd/>
+          </a:ln>
+        </p:spPr>
+        <p:txBody>
+          <a:bodyPr/>
+          <a:lstStyle/>
+          <a:p>
+            <a:pPr marL="0" marR="0" lvl="0" indent="0" algn="r" defTabSz="914400" rtl="0" eaLnBrk="1" fontAlgn="base" latinLnBrk="0" hangingPunct="1">
+              <a:lnSpc>
+                <a:spcPct val="100000"/>
+              </a:lnSpc>
+              <a:spcBef>
+                <a:spcPct val="0"/>
+              </a:spcBef>
+              <a:spcAft>
+                <a:spcPct val="0"/>
+              </a:spcAft>
+              <a:buClrTx/>
+              <a:buSzTx/>
+              <a:buFontTx/>
+              <a:buNone/>
+              <a:tabLst/>
+              <a:defRPr/>
+            </a:pPr>
+            <a:fld id="{4CBBC889-3F4B-46E7-9B71-B94EA8D542E0}" type="slidenum">
+              <a:rPr kumimoji="0" lang="en-US" sz="1200" b="0" i="0" u="none" strike="noStrike" kern="1200" cap="none" spc="0" normalizeH="0" baseline="0" noProof="0">
+                <a:ln>
+                  <a:noFill/>
+                </a:ln>
+                <a:solidFill>
+                  <a:srgbClr val="000000"/>
+                </a:solidFill>
+                <a:effectLst/>
+                <a:uLnTx/>
+                <a:uFillTx/>
+                <a:latin typeface="Arial" charset="0"/>
+                <a:ea typeface="+mn-ea"/>
+                <a:cs typeface="+mn-cs"/>
+              </a:rPr>
+              <a:pPr marL="0" marR="0" lvl="0" indent="0" algn="r" defTabSz="914400" rtl="0" eaLnBrk="1" fontAlgn="base" latinLnBrk="0" hangingPunct="1">
+                <a:lnSpc>
+                  <a:spcPct val="100000"/>
+                </a:lnSpc>
+                <a:spcBef>
+                  <a:spcPct val="0"/>
+                </a:spcBef>
+                <a:spcAft>
+                  <a:spcPct val="0"/>
+                </a:spcAft>
+                <a:buClrTx/>
+                <a:buSzTx/>
+                <a:buFontTx/>
+                <a:buNone/>
+                <a:tabLst/>
+                <a:defRPr/>
+              </a:pPr>
+              <a:t>20</a:t>
+            </a:fld>
+            <a:endParaRPr kumimoji="0" lang="en-US" sz="1200" b="0" i="0" u="none" strike="noStrike" kern="1200" cap="none" spc="0" normalizeH="0" baseline="0" noProof="0">
+              <a:ln>
+                <a:noFill/>
+              </a:ln>
+              <a:solidFill>
+                <a:srgbClr val="000000"/>
+              </a:solidFill>
+              <a:effectLst/>
+              <a:uLnTx/>
+              <a:uFillTx/>
+              <a:latin typeface="Arial" charset="0"/>
+              <a:ea typeface="+mn-ea"/>
+              <a:cs typeface="+mn-cs"/>
+            </a:endParaRPr>
+          </a:p>
+        </p:txBody>
+      </p:sp>
+      <p:sp>
+        <p:nvSpPr>
+          <p:cNvPr id="9219" name="Rectangle 2"/>
+          <p:cNvSpPr>
+            <a:spLocks noGrp="1" noRot="1" noChangeAspect="1" noChangeArrowheads="1" noTextEdit="1"/>
+          </p:cNvSpPr>
+          <p:nvPr>
+            <p:ph type="sldImg"/>
+          </p:nvPr>
+        </p:nvSpPr>
+        <p:spPr>
+          <a:ln/>
+        </p:spPr>
+      </p:sp>
+      <p:sp>
+        <p:nvSpPr>
+          <p:cNvPr id="9220" name="Rectangle 3"/>
+          <p:cNvSpPr>
+            <a:spLocks noGrp="1" noChangeArrowheads="1"/>
+          </p:cNvSpPr>
+          <p:nvPr>
+            <p:ph type="body" idx="1"/>
+          </p:nvPr>
+        </p:nvSpPr>
+        <p:spPr>
+          <a:noFill/>
+        </p:spPr>
+        <p:txBody>
+          <a:bodyPr/>
+          <a:lstStyle/>
+          <a:p>
+            <a:pPr eaLnBrk="1" hangingPunct="1"/>
+            <a:endParaRPr lang="en-US"/>
+          </a:p>
+        </p:txBody>
+      </p:sp>
+    </p:spTree>
+    <p:extLst>
+      <p:ext uri="{BB962C8B-B14F-4D97-AF65-F5344CB8AC3E}">
+        <p14:creationId xmlns:p14="http://schemas.microsoft.com/office/powerpoint/2010/main" val="3608382322"/>
+      </p:ext>
+    </p:extLst>
+  </p:cSld>
+  <p:clrMapOvr>
+    <a:masterClrMapping/>
+  </p:clrMapOvr>
+</p:notes>
+</file>
+
+<file path=ppt/notesSlides/notesSlide19.xml><?xml version="1.0" encoding="utf-8"?>
+<p:notes xmlns:a="http://schemas.openxmlformats.org/drawingml/2006/main" xmlns:r="http://schemas.openxmlformats.org/officeDocument/2006/relationships" xmlns:p="http://schemas.openxmlformats.org/presentationml/2006/main">
+  <p:cSld>
+    <p:spTree>
+      <p:nvGrpSpPr>
+        <p:cNvPr id="1" name=""/>
+        <p:cNvGrpSpPr/>
+        <p:nvPr/>
+      </p:nvGrpSpPr>
+      <p:grpSpPr>
+        <a:xfrm>
+          <a:off x="0" y="0"/>
+          <a:ext cx="0" cy="0"/>
+          <a:chOff x="0" y="0"/>
+          <a:chExt cx="0" cy="0"/>
+        </a:xfrm>
+      </p:grpSpPr>
+      <p:sp>
+        <p:nvSpPr>
+          <p:cNvPr id="9218" name="Rectangle 7"/>
+          <p:cNvSpPr>
+            <a:spLocks noGrp="1" noChangeArrowheads="1"/>
+          </p:cNvSpPr>
+          <p:nvPr>
+            <p:ph type="sldNum" sz="quarter" idx="5"/>
+          </p:nvPr>
+        </p:nvSpPr>
+        <p:spPr>
+          <a:noFill/>
+          <a:ln>
+            <a:miter lim="800000"/>
+            <a:headEnd/>
+            <a:tailEnd/>
+          </a:ln>
+        </p:spPr>
+        <p:txBody>
+          <a:bodyPr/>
+          <a:lstStyle/>
+          <a:p>
+            <a:pPr marL="0" marR="0" lvl="0" indent="0" algn="r" defTabSz="914400" rtl="0" eaLnBrk="1" fontAlgn="base" latinLnBrk="0" hangingPunct="1">
+              <a:lnSpc>
+                <a:spcPct val="100000"/>
+              </a:lnSpc>
+              <a:spcBef>
+                <a:spcPct val="0"/>
+              </a:spcBef>
+              <a:spcAft>
+                <a:spcPct val="0"/>
+              </a:spcAft>
+              <a:buClrTx/>
+              <a:buSzTx/>
+              <a:buFontTx/>
+              <a:buNone/>
+              <a:tabLst/>
+              <a:defRPr/>
+            </a:pPr>
+            <a:fld id="{4CBBC889-3F4B-46E7-9B71-B94EA8D542E0}" type="slidenum">
+              <a:rPr kumimoji="0" lang="en-US" sz="1200" b="0" i="0" u="none" strike="noStrike" kern="1200" cap="none" spc="0" normalizeH="0" baseline="0" noProof="0">
+                <a:ln>
+                  <a:noFill/>
+                </a:ln>
+                <a:solidFill>
+                  <a:srgbClr val="000000"/>
+                </a:solidFill>
+                <a:effectLst/>
+                <a:uLnTx/>
+                <a:uFillTx/>
+                <a:latin typeface="Arial" charset="0"/>
+                <a:ea typeface="+mn-ea"/>
+                <a:cs typeface="+mn-cs"/>
+              </a:rPr>
+              <a:pPr marL="0" marR="0" lvl="0" indent="0" algn="r" defTabSz="914400" rtl="0" eaLnBrk="1" fontAlgn="base" latinLnBrk="0" hangingPunct="1">
+                <a:lnSpc>
+                  <a:spcPct val="100000"/>
+                </a:lnSpc>
+                <a:spcBef>
+                  <a:spcPct val="0"/>
+                </a:spcBef>
+                <a:spcAft>
+                  <a:spcPct val="0"/>
+                </a:spcAft>
+                <a:buClrTx/>
+                <a:buSzTx/>
+                <a:buFontTx/>
+                <a:buNone/>
+                <a:tabLst/>
+                <a:defRPr/>
+              </a:pPr>
+              <a:t>21</a:t>
+            </a:fld>
+            <a:endParaRPr kumimoji="0" lang="en-US" sz="1200" b="0" i="0" u="none" strike="noStrike" kern="1200" cap="none" spc="0" normalizeH="0" baseline="0" noProof="0">
+              <a:ln>
+                <a:noFill/>
+              </a:ln>
+              <a:solidFill>
+                <a:srgbClr val="000000"/>
+              </a:solidFill>
+              <a:effectLst/>
+              <a:uLnTx/>
+              <a:uFillTx/>
+              <a:latin typeface="Arial" charset="0"/>
+              <a:ea typeface="+mn-ea"/>
+              <a:cs typeface="+mn-cs"/>
+            </a:endParaRPr>
+          </a:p>
+        </p:txBody>
+      </p:sp>
+      <p:sp>
+        <p:nvSpPr>
+          <p:cNvPr id="9219" name="Rectangle 2"/>
+          <p:cNvSpPr>
+            <a:spLocks noGrp="1" noRot="1" noChangeAspect="1" noChangeArrowheads="1" noTextEdit="1"/>
+          </p:cNvSpPr>
+          <p:nvPr>
+            <p:ph type="sldImg"/>
+          </p:nvPr>
+        </p:nvSpPr>
+        <p:spPr>
+          <a:ln/>
+        </p:spPr>
+      </p:sp>
+      <p:sp>
+        <p:nvSpPr>
+          <p:cNvPr id="9220" name="Rectangle 3"/>
+          <p:cNvSpPr>
+            <a:spLocks noGrp="1" noChangeArrowheads="1"/>
+          </p:cNvSpPr>
+          <p:nvPr>
+            <p:ph type="body" idx="1"/>
+          </p:nvPr>
+        </p:nvSpPr>
+        <p:spPr>
+          <a:noFill/>
+        </p:spPr>
+        <p:txBody>
+          <a:bodyPr/>
+          <a:lstStyle/>
+          <a:p>
+            <a:pPr eaLnBrk="1" hangingPunct="1"/>
+            <a:endParaRPr lang="en-US"/>
+          </a:p>
+        </p:txBody>
+      </p:sp>
+    </p:spTree>
+    <p:extLst>
+      <p:ext uri="{BB962C8B-B14F-4D97-AF65-F5344CB8AC3E}">
+        <p14:creationId xmlns:p14="http://schemas.microsoft.com/office/powerpoint/2010/main" val="3618074917"/>
+      </p:ext>
+    </p:extLst>
   </p:cSld>
   <p:clrMapOvr>
     <a:masterClrMapping/>
@@ -2127,6 +2508,410 @@
       <p:sp>
         <p:nvSpPr>
           <p:cNvPr id="8196" name="Rectangle 3"/>
+          <p:cNvSpPr>
+            <a:spLocks noGrp="1" noChangeArrowheads="1"/>
+          </p:cNvSpPr>
+          <p:nvPr>
+            <p:ph type="body" idx="1"/>
+          </p:nvPr>
+        </p:nvSpPr>
+        <p:spPr>
+          <a:noFill/>
+        </p:spPr>
+        <p:txBody>
+          <a:bodyPr/>
+          <a:lstStyle/>
+          <a:p>
+            <a:pPr eaLnBrk="1" hangingPunct="1"/>
+            <a:endParaRPr lang="en-US"/>
+          </a:p>
+        </p:txBody>
+      </p:sp>
+    </p:spTree>
+  </p:cSld>
+  <p:clrMapOvr>
+    <a:masterClrMapping/>
+  </p:clrMapOvr>
+</p:notes>
+</file>
+
+<file path=ppt/notesSlides/notesSlide20.xml><?xml version="1.0" encoding="utf-8"?>
+<p:notes xmlns:a="http://schemas.openxmlformats.org/drawingml/2006/main" xmlns:r="http://schemas.openxmlformats.org/officeDocument/2006/relationships" xmlns:p="http://schemas.openxmlformats.org/presentationml/2006/main">
+  <p:cSld>
+    <p:spTree>
+      <p:nvGrpSpPr>
+        <p:cNvPr id="1" name=""/>
+        <p:cNvGrpSpPr/>
+        <p:nvPr/>
+      </p:nvGrpSpPr>
+      <p:grpSpPr>
+        <a:xfrm>
+          <a:off x="0" y="0"/>
+          <a:ext cx="0" cy="0"/>
+          <a:chOff x="0" y="0"/>
+          <a:chExt cx="0" cy="0"/>
+        </a:xfrm>
+      </p:grpSpPr>
+      <p:sp>
+        <p:nvSpPr>
+          <p:cNvPr id="9218" name="Rectangle 7"/>
+          <p:cNvSpPr>
+            <a:spLocks noGrp="1" noChangeArrowheads="1"/>
+          </p:cNvSpPr>
+          <p:nvPr>
+            <p:ph type="sldNum" sz="quarter" idx="5"/>
+          </p:nvPr>
+        </p:nvSpPr>
+        <p:spPr>
+          <a:noFill/>
+          <a:ln>
+            <a:miter lim="800000"/>
+            <a:headEnd/>
+            <a:tailEnd/>
+          </a:ln>
+        </p:spPr>
+        <p:txBody>
+          <a:bodyPr/>
+          <a:lstStyle/>
+          <a:p>
+            <a:pPr marL="0" marR="0" lvl="0" indent="0" algn="r" defTabSz="914400" rtl="0" eaLnBrk="1" fontAlgn="base" latinLnBrk="0" hangingPunct="1">
+              <a:lnSpc>
+                <a:spcPct val="100000"/>
+              </a:lnSpc>
+              <a:spcBef>
+                <a:spcPct val="0"/>
+              </a:spcBef>
+              <a:spcAft>
+                <a:spcPct val="0"/>
+              </a:spcAft>
+              <a:buClrTx/>
+              <a:buSzTx/>
+              <a:buFontTx/>
+              <a:buNone/>
+              <a:tabLst/>
+              <a:defRPr/>
+            </a:pPr>
+            <a:fld id="{4CBBC889-3F4B-46E7-9B71-B94EA8D542E0}" type="slidenum">
+              <a:rPr kumimoji="0" lang="en-US" sz="1200" b="0" i="0" u="none" strike="noStrike" kern="1200" cap="none" spc="0" normalizeH="0" baseline="0" noProof="0">
+                <a:ln>
+                  <a:noFill/>
+                </a:ln>
+                <a:solidFill>
+                  <a:srgbClr val="000000"/>
+                </a:solidFill>
+                <a:effectLst/>
+                <a:uLnTx/>
+                <a:uFillTx/>
+                <a:latin typeface="Arial" charset="0"/>
+                <a:ea typeface="+mn-ea"/>
+                <a:cs typeface="+mn-cs"/>
+              </a:rPr>
+              <a:pPr marL="0" marR="0" lvl="0" indent="0" algn="r" defTabSz="914400" rtl="0" eaLnBrk="1" fontAlgn="base" latinLnBrk="0" hangingPunct="1">
+                <a:lnSpc>
+                  <a:spcPct val="100000"/>
+                </a:lnSpc>
+                <a:spcBef>
+                  <a:spcPct val="0"/>
+                </a:spcBef>
+                <a:spcAft>
+                  <a:spcPct val="0"/>
+                </a:spcAft>
+                <a:buClrTx/>
+                <a:buSzTx/>
+                <a:buFontTx/>
+                <a:buNone/>
+                <a:tabLst/>
+                <a:defRPr/>
+              </a:pPr>
+              <a:t>22</a:t>
+            </a:fld>
+            <a:endParaRPr kumimoji="0" lang="en-US" sz="1200" b="0" i="0" u="none" strike="noStrike" kern="1200" cap="none" spc="0" normalizeH="0" baseline="0" noProof="0">
+              <a:ln>
+                <a:noFill/>
+              </a:ln>
+              <a:solidFill>
+                <a:srgbClr val="000000"/>
+              </a:solidFill>
+              <a:effectLst/>
+              <a:uLnTx/>
+              <a:uFillTx/>
+              <a:latin typeface="Arial" charset="0"/>
+              <a:ea typeface="+mn-ea"/>
+              <a:cs typeface="+mn-cs"/>
+            </a:endParaRPr>
+          </a:p>
+        </p:txBody>
+      </p:sp>
+      <p:sp>
+        <p:nvSpPr>
+          <p:cNvPr id="9219" name="Rectangle 2"/>
+          <p:cNvSpPr>
+            <a:spLocks noGrp="1" noRot="1" noChangeAspect="1" noChangeArrowheads="1" noTextEdit="1"/>
+          </p:cNvSpPr>
+          <p:nvPr>
+            <p:ph type="sldImg"/>
+          </p:nvPr>
+        </p:nvSpPr>
+        <p:spPr>
+          <a:ln/>
+        </p:spPr>
+      </p:sp>
+      <p:sp>
+        <p:nvSpPr>
+          <p:cNvPr id="9220" name="Rectangle 3"/>
+          <p:cNvSpPr>
+            <a:spLocks noGrp="1" noChangeArrowheads="1"/>
+          </p:cNvSpPr>
+          <p:nvPr>
+            <p:ph type="body" idx="1"/>
+          </p:nvPr>
+        </p:nvSpPr>
+        <p:spPr>
+          <a:noFill/>
+        </p:spPr>
+        <p:txBody>
+          <a:bodyPr/>
+          <a:lstStyle/>
+          <a:p>
+            <a:pPr eaLnBrk="1" hangingPunct="1"/>
+            <a:endParaRPr lang="en-US"/>
+          </a:p>
+        </p:txBody>
+      </p:sp>
+    </p:spTree>
+    <p:extLst>
+      <p:ext uri="{BB962C8B-B14F-4D97-AF65-F5344CB8AC3E}">
+        <p14:creationId xmlns:p14="http://schemas.microsoft.com/office/powerpoint/2010/main" val="1215663364"/>
+      </p:ext>
+    </p:extLst>
+  </p:cSld>
+  <p:clrMapOvr>
+    <a:masterClrMapping/>
+  </p:clrMapOvr>
+</p:notes>
+</file>
+
+<file path=ppt/notesSlides/notesSlide21.xml><?xml version="1.0" encoding="utf-8"?>
+<p:notes xmlns:a="http://schemas.openxmlformats.org/drawingml/2006/main" xmlns:r="http://schemas.openxmlformats.org/officeDocument/2006/relationships" xmlns:p="http://schemas.openxmlformats.org/presentationml/2006/main">
+  <p:cSld>
+    <p:spTree>
+      <p:nvGrpSpPr>
+        <p:cNvPr id="1" name=""/>
+        <p:cNvGrpSpPr/>
+        <p:nvPr/>
+      </p:nvGrpSpPr>
+      <p:grpSpPr>
+        <a:xfrm>
+          <a:off x="0" y="0"/>
+          <a:ext cx="0" cy="0"/>
+          <a:chOff x="0" y="0"/>
+          <a:chExt cx="0" cy="0"/>
+        </a:xfrm>
+      </p:grpSpPr>
+      <p:sp>
+        <p:nvSpPr>
+          <p:cNvPr id="9218" name="Rectangle 7"/>
+          <p:cNvSpPr>
+            <a:spLocks noGrp="1" noChangeArrowheads="1"/>
+          </p:cNvSpPr>
+          <p:nvPr>
+            <p:ph type="sldNum" sz="quarter" idx="5"/>
+          </p:nvPr>
+        </p:nvSpPr>
+        <p:spPr>
+          <a:noFill/>
+          <a:ln>
+            <a:miter lim="800000"/>
+            <a:headEnd/>
+            <a:tailEnd/>
+          </a:ln>
+        </p:spPr>
+        <p:txBody>
+          <a:bodyPr/>
+          <a:lstStyle/>
+          <a:p>
+            <a:pPr marL="0" marR="0" lvl="0" indent="0" algn="r" defTabSz="914400" rtl="0" eaLnBrk="1" fontAlgn="base" latinLnBrk="0" hangingPunct="1">
+              <a:lnSpc>
+                <a:spcPct val="100000"/>
+              </a:lnSpc>
+              <a:spcBef>
+                <a:spcPct val="0"/>
+              </a:spcBef>
+              <a:spcAft>
+                <a:spcPct val="0"/>
+              </a:spcAft>
+              <a:buClrTx/>
+              <a:buSzTx/>
+              <a:buFontTx/>
+              <a:buNone/>
+              <a:tabLst/>
+              <a:defRPr/>
+            </a:pPr>
+            <a:fld id="{4CBBC889-3F4B-46E7-9B71-B94EA8D542E0}" type="slidenum">
+              <a:rPr kumimoji="0" lang="en-US" sz="1200" b="0" i="0" u="none" strike="noStrike" kern="1200" cap="none" spc="0" normalizeH="0" baseline="0" noProof="0">
+                <a:ln>
+                  <a:noFill/>
+                </a:ln>
+                <a:solidFill>
+                  <a:srgbClr val="000000"/>
+                </a:solidFill>
+                <a:effectLst/>
+                <a:uLnTx/>
+                <a:uFillTx/>
+                <a:latin typeface="Arial" charset="0"/>
+                <a:ea typeface="+mn-ea"/>
+                <a:cs typeface="+mn-cs"/>
+              </a:rPr>
+              <a:pPr marL="0" marR="0" lvl="0" indent="0" algn="r" defTabSz="914400" rtl="0" eaLnBrk="1" fontAlgn="base" latinLnBrk="0" hangingPunct="1">
+                <a:lnSpc>
+                  <a:spcPct val="100000"/>
+                </a:lnSpc>
+                <a:spcBef>
+                  <a:spcPct val="0"/>
+                </a:spcBef>
+                <a:spcAft>
+                  <a:spcPct val="0"/>
+                </a:spcAft>
+                <a:buClrTx/>
+                <a:buSzTx/>
+                <a:buFontTx/>
+                <a:buNone/>
+                <a:tabLst/>
+                <a:defRPr/>
+              </a:pPr>
+              <a:t>23</a:t>
+            </a:fld>
+            <a:endParaRPr kumimoji="0" lang="en-US" sz="1200" b="0" i="0" u="none" strike="noStrike" kern="1200" cap="none" spc="0" normalizeH="0" baseline="0" noProof="0">
+              <a:ln>
+                <a:noFill/>
+              </a:ln>
+              <a:solidFill>
+                <a:srgbClr val="000000"/>
+              </a:solidFill>
+              <a:effectLst/>
+              <a:uLnTx/>
+              <a:uFillTx/>
+              <a:latin typeface="Arial" charset="0"/>
+              <a:ea typeface="+mn-ea"/>
+              <a:cs typeface="+mn-cs"/>
+            </a:endParaRPr>
+          </a:p>
+        </p:txBody>
+      </p:sp>
+      <p:sp>
+        <p:nvSpPr>
+          <p:cNvPr id="9219" name="Rectangle 2"/>
+          <p:cNvSpPr>
+            <a:spLocks noGrp="1" noRot="1" noChangeAspect="1" noChangeArrowheads="1" noTextEdit="1"/>
+          </p:cNvSpPr>
+          <p:nvPr>
+            <p:ph type="sldImg"/>
+          </p:nvPr>
+        </p:nvSpPr>
+        <p:spPr>
+          <a:ln/>
+        </p:spPr>
+      </p:sp>
+      <p:sp>
+        <p:nvSpPr>
+          <p:cNvPr id="9220" name="Rectangle 3"/>
+          <p:cNvSpPr>
+            <a:spLocks noGrp="1" noChangeArrowheads="1"/>
+          </p:cNvSpPr>
+          <p:nvPr>
+            <p:ph type="body" idx="1"/>
+          </p:nvPr>
+        </p:nvSpPr>
+        <p:spPr>
+          <a:noFill/>
+        </p:spPr>
+        <p:txBody>
+          <a:bodyPr/>
+          <a:lstStyle/>
+          <a:p>
+            <a:pPr eaLnBrk="1" hangingPunct="1"/>
+            <a:endParaRPr lang="en-US"/>
+          </a:p>
+        </p:txBody>
+      </p:sp>
+    </p:spTree>
+    <p:extLst>
+      <p:ext uri="{BB962C8B-B14F-4D97-AF65-F5344CB8AC3E}">
+        <p14:creationId xmlns:p14="http://schemas.microsoft.com/office/powerpoint/2010/main" val="1247715328"/>
+      </p:ext>
+    </p:extLst>
+  </p:cSld>
+  <p:clrMapOvr>
+    <a:masterClrMapping/>
+  </p:clrMapOvr>
+</p:notes>
+</file>
+
+<file path=ppt/notesSlides/notesSlide22.xml><?xml version="1.0" encoding="utf-8"?>
+<p:notes xmlns:a="http://schemas.openxmlformats.org/drawingml/2006/main" xmlns:r="http://schemas.openxmlformats.org/officeDocument/2006/relationships" xmlns:p="http://schemas.openxmlformats.org/presentationml/2006/main">
+  <p:cSld>
+    <p:spTree>
+      <p:nvGrpSpPr>
+        <p:cNvPr id="1" name=""/>
+        <p:cNvGrpSpPr/>
+        <p:nvPr/>
+      </p:nvGrpSpPr>
+      <p:grpSpPr>
+        <a:xfrm>
+          <a:off x="0" y="0"/>
+          <a:ext cx="0" cy="0"/>
+          <a:chOff x="0" y="0"/>
+          <a:chExt cx="0" cy="0"/>
+        </a:xfrm>
+      </p:grpSpPr>
+      <p:sp>
+        <p:nvSpPr>
+          <p:cNvPr id="9218" name="Rectangle 7"/>
+          <p:cNvSpPr>
+            <a:spLocks noGrp="1" noChangeArrowheads="1"/>
+          </p:cNvSpPr>
+          <p:nvPr>
+            <p:ph type="sldNum" sz="quarter" idx="5"/>
+          </p:nvPr>
+        </p:nvSpPr>
+        <p:spPr>
+          <a:noFill/>
+          <a:ln>
+            <a:miter lim="800000"/>
+            <a:headEnd/>
+            <a:tailEnd/>
+          </a:ln>
+        </p:spPr>
+        <p:txBody>
+          <a:bodyPr/>
+          <a:lstStyle/>
+          <a:p>
+            <a:fld id="{4CBBC889-3F4B-46E7-9B71-B94EA8D542E0}" type="slidenum">
+              <a:rPr lang="en-US"/>
+              <a:pPr/>
+              <a:t>24</a:t>
+            </a:fld>
+            <a:endParaRPr lang="en-US"/>
+          </a:p>
+        </p:txBody>
+      </p:sp>
+      <p:sp>
+        <p:nvSpPr>
+          <p:cNvPr id="9219" name="Rectangle 2"/>
+          <p:cNvSpPr>
+            <a:spLocks noGrp="1" noRot="1" noChangeAspect="1" noChangeArrowheads="1" noTextEdit="1"/>
+          </p:cNvSpPr>
+          <p:nvPr>
+            <p:ph type="sldImg"/>
+          </p:nvPr>
+        </p:nvSpPr>
+        <p:spPr>
+          <a:ln/>
+        </p:spPr>
+      </p:sp>
+      <p:sp>
+        <p:nvSpPr>
+          <p:cNvPr id="9220" name="Rectangle 3"/>
           <p:cNvSpPr>
             <a:spLocks noGrp="1" noChangeArrowheads="1"/>
           </p:cNvSpPr>
@@ -8369,7 +9154,7 @@
     </p:spTree>
     <p:extLst>
       <p:ext uri="{BB962C8B-B14F-4D97-AF65-F5344CB8AC3E}">
-        <p14:creationId xmlns:p14="http://schemas.microsoft.com/office/powerpoint/2010/main" val="2285385099"/>
+        <p14:creationId xmlns:p14="http://schemas.microsoft.com/office/powerpoint/2010/main" val="1613122407"/>
       </p:ext>
     </p:extLst>
   </p:cSld>
@@ -8430,7 +9215,7 @@
           <a:p>
             <a:pPr eaLnBrk="1" hangingPunct="1"/>
             <a:r>
-              <a:rPr lang="en-US" b="1" dirty="0">
+              <a:rPr lang="en-US" b="1">
                 <a:solidFill>
                   <a:schemeClr val="bg2"/>
                 </a:solidFill>
@@ -8511,6 +9296,11 @@
         </p:txBody>
       </p:sp>
     </p:spTree>
+    <p:extLst>
+      <p:ext uri="{BB962C8B-B14F-4D97-AF65-F5344CB8AC3E}">
+        <p14:creationId xmlns:p14="http://schemas.microsoft.com/office/powerpoint/2010/main" val="4276827683"/>
+      </p:ext>
+    </p:extLst>
   </p:cSld>
   <p:clrMapOvr>
     <a:masterClrMapping/>
@@ -8711,6 +9501,721 @@
               <a:t>Pros and cons to our design pattern.</a:t>
             </a:r>
             <a:endParaRPr lang="uk-UA" dirty="0"/>
+          </a:p>
+        </p:txBody>
+      </p:sp>
+    </p:spTree>
+  </p:cSld>
+  <p:clrMapOvr>
+    <a:masterClrMapping/>
+  </p:clrMapOvr>
+</p:sld>
+</file>
+
+<file path=ppt/slides/slide20.xml><?xml version="1.0" encoding="utf-8"?>
+<p:sld xmlns:a="http://schemas.openxmlformats.org/drawingml/2006/main" xmlns:r="http://schemas.openxmlformats.org/officeDocument/2006/relationships" xmlns:p="http://schemas.openxmlformats.org/presentationml/2006/main">
+  <p:cSld>
+    <p:bg>
+      <p:bgPr>
+        <a:blipFill dpi="0" rotWithShape="0">
+          <a:blip r:embed="rId3" cstate="print"/>
+          <a:srcRect/>
+          <a:stretch>
+            <a:fillRect/>
+          </a:stretch>
+        </a:blipFill>
+        <a:effectLst/>
+      </p:bgPr>
+    </p:bg>
+    <p:spTree>
+      <p:nvGrpSpPr>
+        <p:cNvPr id="1" name=""/>
+        <p:cNvGrpSpPr/>
+        <p:nvPr/>
+      </p:nvGrpSpPr>
+      <p:grpSpPr>
+        <a:xfrm>
+          <a:off x="0" y="0"/>
+          <a:ext cx="0" cy="0"/>
+          <a:chOff x="0" y="0"/>
+          <a:chExt cx="0" cy="0"/>
+        </a:xfrm>
+      </p:grpSpPr>
+      <p:sp>
+        <p:nvSpPr>
+          <p:cNvPr id="5122" name="Rectangle 2"/>
+          <p:cNvSpPr>
+            <a:spLocks noGrp="1" noChangeArrowheads="1"/>
+          </p:cNvSpPr>
+          <p:nvPr>
+            <p:ph type="title"/>
+          </p:nvPr>
+        </p:nvSpPr>
+        <p:spPr>
+          <a:xfrm>
+            <a:off x="1908175" y="117475"/>
+            <a:ext cx="7056438" cy="719138"/>
+          </a:xfrm>
+        </p:spPr>
+        <p:txBody>
+          <a:bodyPr/>
+          <a:lstStyle/>
+          <a:p>
+            <a:pPr eaLnBrk="1" hangingPunct="1"/>
+            <a:r>
+              <a:rPr lang="en-US" b="1">
+                <a:solidFill>
+                  <a:schemeClr val="bg2"/>
+                </a:solidFill>
+              </a:rPr>
+              <a:t>Print Slide Master</a:t>
+            </a:r>
+          </a:p>
+        </p:txBody>
+      </p:sp>
+      <p:sp>
+        <p:nvSpPr>
+          <p:cNvPr id="5123" name="Rectangle 3"/>
+          <p:cNvSpPr>
+            <a:spLocks noGrp="1" noChangeArrowheads="1"/>
+          </p:cNvSpPr>
+          <p:nvPr>
+            <p:ph type="body" idx="1"/>
+          </p:nvPr>
+        </p:nvSpPr>
+        <p:spPr>
+          <a:xfrm>
+            <a:off x="1908175" y="909638"/>
+            <a:ext cx="7056438" cy="5832475"/>
+          </a:xfrm>
+        </p:spPr>
+        <p:txBody>
+          <a:bodyPr/>
+          <a:lstStyle/>
+          <a:p>
+            <a:pPr eaLnBrk="1" hangingPunct="1"/>
+            <a:r>
+              <a:rPr lang="en-US" sz="2000" dirty="0">
+                <a:solidFill>
+                  <a:schemeClr val="bg2"/>
+                </a:solidFill>
+              </a:rPr>
+              <a:t>Our PowerPoint templates and backgrounds are «pre-made» presentation shells («pre-made» slides). All design backgrounds, graphics, typefaces, and colors have been created and are pre-set by an expert graphic designers which are working with some of the most prominent businesses in the world.</a:t>
+            </a:r>
+          </a:p>
+          <a:p>
+            <a:pPr eaLnBrk="1" hangingPunct="1"/>
+            <a:endParaRPr lang="en-US" sz="2000" dirty="0">
+              <a:solidFill>
+                <a:schemeClr val="bg2"/>
+              </a:solidFill>
+            </a:endParaRPr>
+          </a:p>
+          <a:p>
+            <a:pPr eaLnBrk="1" hangingPunct="1"/>
+            <a:r>
+              <a:rPr lang="en-US" sz="2000" dirty="0">
+                <a:solidFill>
+                  <a:schemeClr val="bg2"/>
+                </a:solidFill>
+              </a:rPr>
+              <a:t>You simply insert your text. That's it! You just can't go wrong with these templates and backgrounds!</a:t>
+            </a:r>
+          </a:p>
+          <a:p>
+            <a:pPr eaLnBrk="1" hangingPunct="1"/>
+            <a:endParaRPr lang="en-US" sz="2000" dirty="0">
+              <a:solidFill>
+                <a:schemeClr val="bg2"/>
+              </a:solidFill>
+            </a:endParaRPr>
+          </a:p>
+          <a:p>
+            <a:pPr eaLnBrk="1" hangingPunct="1"/>
+            <a:r>
+              <a:rPr lang="en-US" sz="2000" dirty="0">
+                <a:solidFill>
+                  <a:schemeClr val="bg2"/>
+                </a:solidFill>
+              </a:rPr>
+              <a:t>Download this template as well as our others at http://poweredtemplate.com/technology-computers-ppt-powerpoint-templates.html </a:t>
+            </a:r>
+          </a:p>
+        </p:txBody>
+      </p:sp>
+    </p:spTree>
+    <p:extLst>
+      <p:ext uri="{BB962C8B-B14F-4D97-AF65-F5344CB8AC3E}">
+        <p14:creationId xmlns:p14="http://schemas.microsoft.com/office/powerpoint/2010/main" val="3540050517"/>
+      </p:ext>
+    </p:extLst>
+  </p:cSld>
+  <p:clrMapOvr>
+    <a:masterClrMapping/>
+  </p:clrMapOvr>
+</p:sld>
+</file>
+
+<file path=ppt/slides/slide21.xml><?xml version="1.0" encoding="utf-8"?>
+<p:sld xmlns:a="http://schemas.openxmlformats.org/drawingml/2006/main" xmlns:r="http://schemas.openxmlformats.org/officeDocument/2006/relationships" xmlns:p="http://schemas.openxmlformats.org/presentationml/2006/main">
+  <p:cSld>
+    <p:bg>
+      <p:bgPr>
+        <a:blipFill dpi="0" rotWithShape="0">
+          <a:blip r:embed="rId3" cstate="print"/>
+          <a:srcRect/>
+          <a:stretch>
+            <a:fillRect/>
+          </a:stretch>
+        </a:blipFill>
+        <a:effectLst/>
+      </p:bgPr>
+    </p:bg>
+    <p:spTree>
+      <p:nvGrpSpPr>
+        <p:cNvPr id="1" name=""/>
+        <p:cNvGrpSpPr/>
+        <p:nvPr/>
+      </p:nvGrpSpPr>
+      <p:grpSpPr>
+        <a:xfrm>
+          <a:off x="0" y="0"/>
+          <a:ext cx="0" cy="0"/>
+          <a:chOff x="0" y="0"/>
+          <a:chExt cx="0" cy="0"/>
+        </a:xfrm>
+      </p:grpSpPr>
+      <p:sp>
+        <p:nvSpPr>
+          <p:cNvPr id="5122" name="Rectangle 2"/>
+          <p:cNvSpPr>
+            <a:spLocks noGrp="1" noChangeArrowheads="1"/>
+          </p:cNvSpPr>
+          <p:nvPr>
+            <p:ph type="title"/>
+          </p:nvPr>
+        </p:nvSpPr>
+        <p:spPr>
+          <a:xfrm>
+            <a:off x="1908175" y="117475"/>
+            <a:ext cx="7056438" cy="719138"/>
+          </a:xfrm>
+        </p:spPr>
+        <p:txBody>
+          <a:bodyPr/>
+          <a:lstStyle/>
+          <a:p>
+            <a:pPr eaLnBrk="1" hangingPunct="1"/>
+            <a:r>
+              <a:rPr lang="en-US" b="1">
+                <a:solidFill>
+                  <a:schemeClr val="bg2"/>
+                </a:solidFill>
+              </a:rPr>
+              <a:t>Print Slide Master</a:t>
+            </a:r>
+          </a:p>
+        </p:txBody>
+      </p:sp>
+      <p:sp>
+        <p:nvSpPr>
+          <p:cNvPr id="5123" name="Rectangle 3"/>
+          <p:cNvSpPr>
+            <a:spLocks noGrp="1" noChangeArrowheads="1"/>
+          </p:cNvSpPr>
+          <p:nvPr>
+            <p:ph type="body" idx="1"/>
+          </p:nvPr>
+        </p:nvSpPr>
+        <p:spPr>
+          <a:xfrm>
+            <a:off x="1908175" y="909638"/>
+            <a:ext cx="7056438" cy="5832475"/>
+          </a:xfrm>
+        </p:spPr>
+        <p:txBody>
+          <a:bodyPr/>
+          <a:lstStyle/>
+          <a:p>
+            <a:pPr eaLnBrk="1" hangingPunct="1"/>
+            <a:r>
+              <a:rPr lang="en-US" sz="2000" dirty="0">
+                <a:solidFill>
+                  <a:schemeClr val="bg2"/>
+                </a:solidFill>
+              </a:rPr>
+              <a:t>Our PowerPoint templates and backgrounds are «pre-made» presentation shells («pre-made» slides). All design backgrounds, graphics, typefaces, and colors have been created and are pre-set by an expert graphic designers which are working with some of the most prominent businesses in the world.</a:t>
+            </a:r>
+          </a:p>
+          <a:p>
+            <a:pPr eaLnBrk="1" hangingPunct="1"/>
+            <a:endParaRPr lang="en-US" sz="2000" dirty="0">
+              <a:solidFill>
+                <a:schemeClr val="bg2"/>
+              </a:solidFill>
+            </a:endParaRPr>
+          </a:p>
+          <a:p>
+            <a:pPr eaLnBrk="1" hangingPunct="1"/>
+            <a:r>
+              <a:rPr lang="en-US" sz="2000" dirty="0">
+                <a:solidFill>
+                  <a:schemeClr val="bg2"/>
+                </a:solidFill>
+              </a:rPr>
+              <a:t>You simply insert your text. That's it! You just can't go wrong with these templates and backgrounds!</a:t>
+            </a:r>
+          </a:p>
+          <a:p>
+            <a:pPr eaLnBrk="1" hangingPunct="1"/>
+            <a:endParaRPr lang="en-US" sz="2000" dirty="0">
+              <a:solidFill>
+                <a:schemeClr val="bg2"/>
+              </a:solidFill>
+            </a:endParaRPr>
+          </a:p>
+          <a:p>
+            <a:pPr eaLnBrk="1" hangingPunct="1"/>
+            <a:r>
+              <a:rPr lang="en-US" sz="2000" dirty="0">
+                <a:solidFill>
+                  <a:schemeClr val="bg2"/>
+                </a:solidFill>
+              </a:rPr>
+              <a:t>Download this template as well as our others at http://poweredtemplate.com/technology-computers-ppt-powerpoint-templates.html </a:t>
+            </a:r>
+          </a:p>
+        </p:txBody>
+      </p:sp>
+    </p:spTree>
+    <p:extLst>
+      <p:ext uri="{BB962C8B-B14F-4D97-AF65-F5344CB8AC3E}">
+        <p14:creationId xmlns:p14="http://schemas.microsoft.com/office/powerpoint/2010/main" val="1044912715"/>
+      </p:ext>
+    </p:extLst>
+  </p:cSld>
+  <p:clrMapOvr>
+    <a:masterClrMapping/>
+  </p:clrMapOvr>
+</p:sld>
+</file>
+
+<file path=ppt/slides/slide22.xml><?xml version="1.0" encoding="utf-8"?>
+<p:sld xmlns:a="http://schemas.openxmlformats.org/drawingml/2006/main" xmlns:r="http://schemas.openxmlformats.org/officeDocument/2006/relationships" xmlns:p="http://schemas.openxmlformats.org/presentationml/2006/main">
+  <p:cSld>
+    <p:bg>
+      <p:bgPr>
+        <a:blipFill dpi="0" rotWithShape="0">
+          <a:blip r:embed="rId3" cstate="print"/>
+          <a:srcRect/>
+          <a:stretch>
+            <a:fillRect/>
+          </a:stretch>
+        </a:blipFill>
+        <a:effectLst/>
+      </p:bgPr>
+    </p:bg>
+    <p:spTree>
+      <p:nvGrpSpPr>
+        <p:cNvPr id="1" name=""/>
+        <p:cNvGrpSpPr/>
+        <p:nvPr/>
+      </p:nvGrpSpPr>
+      <p:grpSpPr>
+        <a:xfrm>
+          <a:off x="0" y="0"/>
+          <a:ext cx="0" cy="0"/>
+          <a:chOff x="0" y="0"/>
+          <a:chExt cx="0" cy="0"/>
+        </a:xfrm>
+      </p:grpSpPr>
+      <p:sp>
+        <p:nvSpPr>
+          <p:cNvPr id="5122" name="Rectangle 2"/>
+          <p:cNvSpPr>
+            <a:spLocks noGrp="1" noChangeArrowheads="1"/>
+          </p:cNvSpPr>
+          <p:nvPr>
+            <p:ph type="title"/>
+          </p:nvPr>
+        </p:nvSpPr>
+        <p:spPr>
+          <a:xfrm>
+            <a:off x="1908175" y="117475"/>
+            <a:ext cx="7056438" cy="719138"/>
+          </a:xfrm>
+        </p:spPr>
+        <p:txBody>
+          <a:bodyPr/>
+          <a:lstStyle/>
+          <a:p>
+            <a:pPr eaLnBrk="1" hangingPunct="1"/>
+            <a:r>
+              <a:rPr lang="en-US" b="1">
+                <a:solidFill>
+                  <a:schemeClr val="bg2"/>
+                </a:solidFill>
+              </a:rPr>
+              <a:t>Print Slide Master</a:t>
+            </a:r>
+          </a:p>
+        </p:txBody>
+      </p:sp>
+      <p:sp>
+        <p:nvSpPr>
+          <p:cNvPr id="5123" name="Rectangle 3"/>
+          <p:cNvSpPr>
+            <a:spLocks noGrp="1" noChangeArrowheads="1"/>
+          </p:cNvSpPr>
+          <p:nvPr>
+            <p:ph type="body" idx="1"/>
+          </p:nvPr>
+        </p:nvSpPr>
+        <p:spPr>
+          <a:xfrm>
+            <a:off x="1908175" y="909638"/>
+            <a:ext cx="7056438" cy="5832475"/>
+          </a:xfrm>
+        </p:spPr>
+        <p:txBody>
+          <a:bodyPr/>
+          <a:lstStyle/>
+          <a:p>
+            <a:pPr eaLnBrk="1" hangingPunct="1"/>
+            <a:r>
+              <a:rPr lang="en-US" sz="2000" dirty="0">
+                <a:solidFill>
+                  <a:schemeClr val="bg2"/>
+                </a:solidFill>
+              </a:rPr>
+              <a:t>Our PowerPoint templates and backgrounds are «pre-made» presentation shells («pre-made» slides). All design backgrounds, graphics, typefaces, and colors have been created and are pre-set by an expert graphic designers which are working with some of the most prominent businesses in the world.</a:t>
+            </a:r>
+          </a:p>
+          <a:p>
+            <a:pPr eaLnBrk="1" hangingPunct="1"/>
+            <a:endParaRPr lang="en-US" sz="2000" dirty="0">
+              <a:solidFill>
+                <a:schemeClr val="bg2"/>
+              </a:solidFill>
+            </a:endParaRPr>
+          </a:p>
+          <a:p>
+            <a:pPr eaLnBrk="1" hangingPunct="1"/>
+            <a:r>
+              <a:rPr lang="en-US" sz="2000" dirty="0">
+                <a:solidFill>
+                  <a:schemeClr val="bg2"/>
+                </a:solidFill>
+              </a:rPr>
+              <a:t>You simply insert your text. That's it! You just can't go wrong with these templates and backgrounds!</a:t>
+            </a:r>
+          </a:p>
+          <a:p>
+            <a:pPr eaLnBrk="1" hangingPunct="1"/>
+            <a:endParaRPr lang="en-US" sz="2000" dirty="0">
+              <a:solidFill>
+                <a:schemeClr val="bg2"/>
+              </a:solidFill>
+            </a:endParaRPr>
+          </a:p>
+          <a:p>
+            <a:pPr eaLnBrk="1" hangingPunct="1"/>
+            <a:r>
+              <a:rPr lang="en-US" sz="2000" dirty="0">
+                <a:solidFill>
+                  <a:schemeClr val="bg2"/>
+                </a:solidFill>
+              </a:rPr>
+              <a:t>Download this template as well as our others at http://poweredtemplate.com/technology-computers-ppt-powerpoint-templates.html </a:t>
+            </a:r>
+          </a:p>
+        </p:txBody>
+      </p:sp>
+    </p:spTree>
+    <p:extLst>
+      <p:ext uri="{BB962C8B-B14F-4D97-AF65-F5344CB8AC3E}">
+        <p14:creationId xmlns:p14="http://schemas.microsoft.com/office/powerpoint/2010/main" val="3530471002"/>
+      </p:ext>
+    </p:extLst>
+  </p:cSld>
+  <p:clrMapOvr>
+    <a:masterClrMapping/>
+  </p:clrMapOvr>
+</p:sld>
+</file>
+
+<file path=ppt/slides/slide23.xml><?xml version="1.0" encoding="utf-8"?>
+<p:sld xmlns:a="http://schemas.openxmlformats.org/drawingml/2006/main" xmlns:r="http://schemas.openxmlformats.org/officeDocument/2006/relationships" xmlns:p="http://schemas.openxmlformats.org/presentationml/2006/main">
+  <p:cSld>
+    <p:bg>
+      <p:bgPr>
+        <a:blipFill dpi="0" rotWithShape="0">
+          <a:blip r:embed="rId3" cstate="print"/>
+          <a:srcRect/>
+          <a:stretch>
+            <a:fillRect/>
+          </a:stretch>
+        </a:blipFill>
+        <a:effectLst/>
+      </p:bgPr>
+    </p:bg>
+    <p:spTree>
+      <p:nvGrpSpPr>
+        <p:cNvPr id="1" name=""/>
+        <p:cNvGrpSpPr/>
+        <p:nvPr/>
+      </p:nvGrpSpPr>
+      <p:grpSpPr>
+        <a:xfrm>
+          <a:off x="0" y="0"/>
+          <a:ext cx="0" cy="0"/>
+          <a:chOff x="0" y="0"/>
+          <a:chExt cx="0" cy="0"/>
+        </a:xfrm>
+      </p:grpSpPr>
+      <p:sp>
+        <p:nvSpPr>
+          <p:cNvPr id="5122" name="Rectangle 2"/>
+          <p:cNvSpPr>
+            <a:spLocks noGrp="1" noChangeArrowheads="1"/>
+          </p:cNvSpPr>
+          <p:nvPr>
+            <p:ph type="title"/>
+          </p:nvPr>
+        </p:nvSpPr>
+        <p:spPr>
+          <a:xfrm>
+            <a:off x="1908175" y="117475"/>
+            <a:ext cx="7056438" cy="719138"/>
+          </a:xfrm>
+        </p:spPr>
+        <p:txBody>
+          <a:bodyPr/>
+          <a:lstStyle/>
+          <a:p>
+            <a:pPr eaLnBrk="1" hangingPunct="1"/>
+            <a:r>
+              <a:rPr lang="en-US" b="1">
+                <a:solidFill>
+                  <a:schemeClr val="bg2"/>
+                </a:solidFill>
+              </a:rPr>
+              <a:t>Print Slide Master</a:t>
+            </a:r>
+          </a:p>
+        </p:txBody>
+      </p:sp>
+      <p:sp>
+        <p:nvSpPr>
+          <p:cNvPr id="5123" name="Rectangle 3"/>
+          <p:cNvSpPr>
+            <a:spLocks noGrp="1" noChangeArrowheads="1"/>
+          </p:cNvSpPr>
+          <p:nvPr>
+            <p:ph type="body" idx="1"/>
+          </p:nvPr>
+        </p:nvSpPr>
+        <p:spPr>
+          <a:xfrm>
+            <a:off x="1908175" y="909638"/>
+            <a:ext cx="7056438" cy="5832475"/>
+          </a:xfrm>
+        </p:spPr>
+        <p:txBody>
+          <a:bodyPr/>
+          <a:lstStyle/>
+          <a:p>
+            <a:pPr eaLnBrk="1" hangingPunct="1"/>
+            <a:r>
+              <a:rPr lang="en-US" sz="2000" dirty="0">
+                <a:solidFill>
+                  <a:schemeClr val="bg2"/>
+                </a:solidFill>
+              </a:rPr>
+              <a:t>Our PowerPoint templates and backgrounds are «pre-made» presentation shells («pre-made» slides). All design backgrounds, graphics, typefaces, and colors have been created and are pre-set by an expert graphic designers which are working with some of the most prominent businesses in the world.</a:t>
+            </a:r>
+          </a:p>
+          <a:p>
+            <a:pPr eaLnBrk="1" hangingPunct="1"/>
+            <a:endParaRPr lang="en-US" sz="2000" dirty="0">
+              <a:solidFill>
+                <a:schemeClr val="bg2"/>
+              </a:solidFill>
+            </a:endParaRPr>
+          </a:p>
+          <a:p>
+            <a:pPr eaLnBrk="1" hangingPunct="1"/>
+            <a:r>
+              <a:rPr lang="en-US" sz="2000" dirty="0">
+                <a:solidFill>
+                  <a:schemeClr val="bg2"/>
+                </a:solidFill>
+              </a:rPr>
+              <a:t>You simply insert your text. That's it! You just can't go wrong with these templates and backgrounds!</a:t>
+            </a:r>
+          </a:p>
+          <a:p>
+            <a:pPr eaLnBrk="1" hangingPunct="1"/>
+            <a:endParaRPr lang="en-US" sz="2000" dirty="0">
+              <a:solidFill>
+                <a:schemeClr val="bg2"/>
+              </a:solidFill>
+            </a:endParaRPr>
+          </a:p>
+          <a:p>
+            <a:pPr eaLnBrk="1" hangingPunct="1"/>
+            <a:r>
+              <a:rPr lang="en-US" sz="2000" dirty="0">
+                <a:solidFill>
+                  <a:schemeClr val="bg2"/>
+                </a:solidFill>
+              </a:rPr>
+              <a:t>Download this template as well as our others at http://poweredtemplate.com/technology-computers-ppt-powerpoint-templates.html </a:t>
+            </a:r>
+          </a:p>
+        </p:txBody>
+      </p:sp>
+    </p:spTree>
+    <p:extLst>
+      <p:ext uri="{BB962C8B-B14F-4D97-AF65-F5344CB8AC3E}">
+        <p14:creationId xmlns:p14="http://schemas.microsoft.com/office/powerpoint/2010/main" val="2285385099"/>
+      </p:ext>
+    </p:extLst>
+  </p:cSld>
+  <p:clrMapOvr>
+    <a:masterClrMapping/>
+  </p:clrMapOvr>
+</p:sld>
+</file>
+
+<file path=ppt/slides/slide24.xml><?xml version="1.0" encoding="utf-8"?>
+<p:sld xmlns:a="http://schemas.openxmlformats.org/drawingml/2006/main" xmlns:r="http://schemas.openxmlformats.org/officeDocument/2006/relationships" xmlns:p="http://schemas.openxmlformats.org/presentationml/2006/main">
+  <p:cSld>
+    <p:bg>
+      <p:bgPr>
+        <a:blipFill dpi="0" rotWithShape="0">
+          <a:blip r:embed="rId3" cstate="print"/>
+          <a:srcRect/>
+          <a:stretch>
+            <a:fillRect/>
+          </a:stretch>
+        </a:blipFill>
+        <a:effectLst/>
+      </p:bgPr>
+    </p:bg>
+    <p:spTree>
+      <p:nvGrpSpPr>
+        <p:cNvPr id="1" name=""/>
+        <p:cNvGrpSpPr/>
+        <p:nvPr/>
+      </p:nvGrpSpPr>
+      <p:grpSpPr>
+        <a:xfrm>
+          <a:off x="0" y="0"/>
+          <a:ext cx="0" cy="0"/>
+          <a:chOff x="0" y="0"/>
+          <a:chExt cx="0" cy="0"/>
+        </a:xfrm>
+      </p:grpSpPr>
+      <p:sp>
+        <p:nvSpPr>
+          <p:cNvPr id="5122" name="Rectangle 2"/>
+          <p:cNvSpPr>
+            <a:spLocks noGrp="1" noChangeArrowheads="1"/>
+          </p:cNvSpPr>
+          <p:nvPr>
+            <p:ph type="title"/>
+          </p:nvPr>
+        </p:nvSpPr>
+        <p:spPr>
+          <a:xfrm>
+            <a:off x="1908175" y="117475"/>
+            <a:ext cx="7056438" cy="719138"/>
+          </a:xfrm>
+        </p:spPr>
+        <p:txBody>
+          <a:bodyPr/>
+          <a:lstStyle/>
+          <a:p>
+            <a:pPr eaLnBrk="1" hangingPunct="1"/>
+            <a:r>
+              <a:rPr lang="en-US" b="1" dirty="0">
+                <a:solidFill>
+                  <a:schemeClr val="bg2"/>
+                </a:solidFill>
+              </a:rPr>
+              <a:t>Print Slide Master</a:t>
+            </a:r>
+          </a:p>
+        </p:txBody>
+      </p:sp>
+      <p:sp>
+        <p:nvSpPr>
+          <p:cNvPr id="5123" name="Rectangle 3"/>
+          <p:cNvSpPr>
+            <a:spLocks noGrp="1" noChangeArrowheads="1"/>
+          </p:cNvSpPr>
+          <p:nvPr>
+            <p:ph type="body" idx="1"/>
+          </p:nvPr>
+        </p:nvSpPr>
+        <p:spPr>
+          <a:xfrm>
+            <a:off x="1908175" y="909638"/>
+            <a:ext cx="7056438" cy="5832475"/>
+          </a:xfrm>
+        </p:spPr>
+        <p:txBody>
+          <a:bodyPr/>
+          <a:lstStyle/>
+          <a:p>
+            <a:pPr eaLnBrk="1" hangingPunct="1"/>
+            <a:r>
+              <a:rPr lang="en-US" sz="2000" dirty="0">
+                <a:solidFill>
+                  <a:schemeClr val="bg2"/>
+                </a:solidFill>
+              </a:rPr>
+              <a:t>Our PowerPoint templates and backgrounds are «pre-made» presentation shells («pre-made» slides). All design backgrounds, graphics, typefaces, and colors have been created and are pre-set by an expert graphic designers which are working with some of the most prominent businesses in the world.</a:t>
+            </a:r>
+          </a:p>
+          <a:p>
+            <a:pPr eaLnBrk="1" hangingPunct="1"/>
+            <a:endParaRPr lang="en-US" sz="2000" dirty="0">
+              <a:solidFill>
+                <a:schemeClr val="bg2"/>
+              </a:solidFill>
+            </a:endParaRPr>
+          </a:p>
+          <a:p>
+            <a:pPr eaLnBrk="1" hangingPunct="1"/>
+            <a:r>
+              <a:rPr lang="en-US" sz="2000" dirty="0">
+                <a:solidFill>
+                  <a:schemeClr val="bg2"/>
+                </a:solidFill>
+              </a:rPr>
+              <a:t>You simply insert your text. That's it! You just can't go wrong with these templates and backgrounds!</a:t>
+            </a:r>
+          </a:p>
+          <a:p>
+            <a:pPr eaLnBrk="1" hangingPunct="1"/>
+            <a:endParaRPr lang="en-US" sz="2000" dirty="0">
+              <a:solidFill>
+                <a:schemeClr val="bg2"/>
+              </a:solidFill>
+            </a:endParaRPr>
+          </a:p>
+          <a:p>
+            <a:pPr eaLnBrk="1" hangingPunct="1"/>
+            <a:r>
+              <a:rPr lang="en-US" sz="2000" dirty="0">
+                <a:solidFill>
+                  <a:schemeClr val="bg2"/>
+                </a:solidFill>
+              </a:rPr>
+              <a:t>Download this template as well as our others at http://poweredtemplate.com/technology-computers-ppt-powerpoint-templates.html </a:t>
+            </a:r>
           </a:p>
         </p:txBody>
       </p:sp>

--- a/Design Pattern.pptx
+++ b/Design Pattern.pptx
@@ -5,10 +5,10 @@
     <p:sldMasterId id="2147483648" r:id="rId1"/>
   </p:sldMasterIdLst>
   <p:notesMasterIdLst>
-    <p:notesMasterId r:id="rId26"/>
+    <p:notesMasterId r:id="rId30"/>
   </p:notesMasterIdLst>
   <p:handoutMasterIdLst>
-    <p:handoutMasterId r:id="rId27"/>
+    <p:handoutMasterId r:id="rId31"/>
   </p:handoutMasterIdLst>
   <p:sldIdLst>
     <p:sldId id="256" r:id="rId2"/>
@@ -27,14 +27,18 @@
     <p:sldId id="267" r:id="rId15"/>
     <p:sldId id="275" r:id="rId16"/>
     <p:sldId id="274" r:id="rId17"/>
-    <p:sldId id="273" r:id="rId18"/>
+    <p:sldId id="281" r:id="rId18"/>
     <p:sldId id="276" r:id="rId19"/>
-    <p:sldId id="279" r:id="rId20"/>
-    <p:sldId id="280" r:id="rId21"/>
-    <p:sldId id="278" r:id="rId22"/>
-    <p:sldId id="277" r:id="rId23"/>
-    <p:sldId id="272" r:id="rId24"/>
-    <p:sldId id="258" r:id="rId25"/>
+    <p:sldId id="273" r:id="rId20"/>
+    <p:sldId id="282" r:id="rId21"/>
+    <p:sldId id="279" r:id="rId22"/>
+    <p:sldId id="284" r:id="rId23"/>
+    <p:sldId id="283" r:id="rId24"/>
+    <p:sldId id="280" r:id="rId25"/>
+    <p:sldId id="278" r:id="rId26"/>
+    <p:sldId id="277" r:id="rId27"/>
+    <p:sldId id="272" r:id="rId28"/>
+    <p:sldId id="258" r:id="rId29"/>
   </p:sldIdLst>
   <p:sldSz cx="9144000" cy="6858000" type="screen4x3"/>
   <p:notesSz cx="6858000" cy="9144000"/>
@@ -313,7 +317,7 @@
             <a:pPr>
               <a:defRPr/>
             </a:pPr>
-            <a:endParaRPr lang="en-US"/>
+            <a:endParaRPr lang="en-US" dirty="0"/>
           </a:p>
         </p:txBody>
       </p:sp>
@@ -384,7 +388,7 @@
             <a:pPr>
               <a:defRPr/>
             </a:pPr>
-            <a:endParaRPr lang="en-US"/>
+            <a:endParaRPr lang="en-US" dirty="0"/>
           </a:p>
         </p:txBody>
       </p:sp>
@@ -581,7 +585,7 @@
             <a:pPr>
               <a:defRPr/>
             </a:pPr>
-            <a:endParaRPr lang="en-US"/>
+            <a:endParaRPr lang="en-US" dirty="0"/>
           </a:p>
         </p:txBody>
       </p:sp>
@@ -659,7 +663,7 @@
               </a:pPr>
               <a:t>‹#›</a:t>
             </a:fld>
-            <a:endParaRPr lang="en-US"/>
+            <a:endParaRPr lang="en-US" dirty="0"/>
           </a:p>
         </p:txBody>
       </p:sp>
@@ -1751,7 +1755,7 @@
                 <a:tabLst/>
                 <a:defRPr/>
               </a:pPr>
-              <a:t>17</a:t>
+              <a:t>18</a:t>
             </a:fld>
             <a:endParaRPr kumimoji="0" lang="en-US" sz="1200" b="0" i="0" u="none" strike="noStrike" kern="1200" cap="none" spc="0" normalizeH="0" baseline="0" noProof="0">
               <a:ln>
@@ -1809,7 +1813,7 @@
     </p:spTree>
     <p:extLst>
       <p:ext uri="{BB962C8B-B14F-4D97-AF65-F5344CB8AC3E}">
-        <p14:creationId xmlns:p14="http://schemas.microsoft.com/office/powerpoint/2010/main" val="4068404724"/>
+        <p14:creationId xmlns:p14="http://schemas.microsoft.com/office/powerpoint/2010/main" val="251707563"/>
       </p:ext>
     </p:extLst>
   </p:cSld>
@@ -1907,9 +1911,9 @@
                 <a:tabLst/>
                 <a:defRPr/>
               </a:pPr>
-              <a:t>18</a:t>
+              <a:t>19</a:t>
             </a:fld>
-            <a:endParaRPr kumimoji="0" lang="en-US" sz="1200" b="0" i="0" u="none" strike="noStrike" kern="1200" cap="none" spc="0" normalizeH="0" baseline="0" noProof="0">
+            <a:endParaRPr kumimoji="0" lang="en-US" sz="1200" b="0" i="0" u="none" strike="noStrike" kern="1200" cap="none" spc="0" normalizeH="0" baseline="0" noProof="0" dirty="0">
               <a:ln>
                 <a:noFill/>
               </a:ln>
@@ -1958,14 +1962,14 @@
           <a:lstStyle/>
           <a:p>
             <a:pPr eaLnBrk="1" hangingPunct="1"/>
-            <a:endParaRPr lang="en-US"/>
+            <a:endParaRPr lang="en-US" dirty="0"/>
           </a:p>
         </p:txBody>
       </p:sp>
     </p:spTree>
     <p:extLst>
       <p:ext uri="{BB962C8B-B14F-4D97-AF65-F5344CB8AC3E}">
-        <p14:creationId xmlns:p14="http://schemas.microsoft.com/office/powerpoint/2010/main" val="251707563"/>
+        <p14:creationId xmlns:p14="http://schemas.microsoft.com/office/powerpoint/2010/main" val="4068404724"/>
       </p:ext>
     </p:extLst>
   </p:cSld>
@@ -2063,9 +2067,9 @@
                 <a:tabLst/>
                 <a:defRPr/>
               </a:pPr>
-              <a:t>19</a:t>
+              <a:t>21</a:t>
             </a:fld>
-            <a:endParaRPr kumimoji="0" lang="en-US" sz="1200" b="0" i="0" u="none" strike="noStrike" kern="1200" cap="none" spc="0" normalizeH="0" baseline="0" noProof="0">
+            <a:endParaRPr kumimoji="0" lang="en-US" sz="1200" b="0" i="0" u="none" strike="noStrike" kern="1200" cap="none" spc="0" normalizeH="0" baseline="0" noProof="0" dirty="0">
               <a:ln>
                 <a:noFill/>
               </a:ln>
@@ -2114,7 +2118,7 @@
           <a:lstStyle/>
           <a:p>
             <a:pPr eaLnBrk="1" hangingPunct="1"/>
-            <a:endParaRPr lang="en-US"/>
+            <a:endParaRPr lang="en-US" dirty="0"/>
           </a:p>
         </p:txBody>
       </p:sp>
@@ -2219,9 +2223,9 @@
                 <a:tabLst/>
                 <a:defRPr/>
               </a:pPr>
-              <a:t>20</a:t>
+              <a:t>22</a:t>
             </a:fld>
-            <a:endParaRPr kumimoji="0" lang="en-US" sz="1200" b="0" i="0" u="none" strike="noStrike" kern="1200" cap="none" spc="0" normalizeH="0" baseline="0" noProof="0">
+            <a:endParaRPr kumimoji="0" lang="en-US" sz="1200" b="0" i="0" u="none" strike="noStrike" kern="1200" cap="none" spc="0" normalizeH="0" baseline="0" noProof="0" dirty="0">
               <a:ln>
                 <a:noFill/>
               </a:ln>
@@ -2270,14 +2274,14 @@
           <a:lstStyle/>
           <a:p>
             <a:pPr eaLnBrk="1" hangingPunct="1"/>
-            <a:endParaRPr lang="en-US"/>
+            <a:endParaRPr lang="en-US" dirty="0"/>
           </a:p>
         </p:txBody>
       </p:sp>
     </p:spTree>
     <p:extLst>
       <p:ext uri="{BB962C8B-B14F-4D97-AF65-F5344CB8AC3E}">
-        <p14:creationId xmlns:p14="http://schemas.microsoft.com/office/powerpoint/2010/main" val="3608382322"/>
+        <p14:creationId xmlns:p14="http://schemas.microsoft.com/office/powerpoint/2010/main" val="1923291400"/>
       </p:ext>
     </p:extLst>
   </p:cSld>
@@ -2375,9 +2379,9 @@
                 <a:tabLst/>
                 <a:defRPr/>
               </a:pPr>
-              <a:t>21</a:t>
+              <a:t>23</a:t>
             </a:fld>
-            <a:endParaRPr kumimoji="0" lang="en-US" sz="1200" b="0" i="0" u="none" strike="noStrike" kern="1200" cap="none" spc="0" normalizeH="0" baseline="0" noProof="0">
+            <a:endParaRPr kumimoji="0" lang="en-US" sz="1200" b="0" i="0" u="none" strike="noStrike" kern="1200" cap="none" spc="0" normalizeH="0" baseline="0" noProof="0" dirty="0">
               <a:ln>
                 <a:noFill/>
               </a:ln>
@@ -2426,14 +2430,14 @@
           <a:lstStyle/>
           <a:p>
             <a:pPr eaLnBrk="1" hangingPunct="1"/>
-            <a:endParaRPr lang="en-US"/>
+            <a:endParaRPr lang="en-US" dirty="0"/>
           </a:p>
         </p:txBody>
       </p:sp>
     </p:spTree>
     <p:extLst>
       <p:ext uri="{BB962C8B-B14F-4D97-AF65-F5344CB8AC3E}">
-        <p14:creationId xmlns:p14="http://schemas.microsoft.com/office/powerpoint/2010/main" val="3618074917"/>
+        <p14:creationId xmlns:p14="http://schemas.microsoft.com/office/powerpoint/2010/main" val="31145387"/>
       </p:ext>
     </p:extLst>
   </p:cSld>
@@ -2623,9 +2627,9 @@
                 <a:tabLst/>
                 <a:defRPr/>
               </a:pPr>
-              <a:t>22</a:t>
+              <a:t>24</a:t>
             </a:fld>
-            <a:endParaRPr kumimoji="0" lang="en-US" sz="1200" b="0" i="0" u="none" strike="noStrike" kern="1200" cap="none" spc="0" normalizeH="0" baseline="0" noProof="0">
+            <a:endParaRPr kumimoji="0" lang="en-US" sz="1200" b="0" i="0" u="none" strike="noStrike" kern="1200" cap="none" spc="0" normalizeH="0" baseline="0" noProof="0" dirty="0">
               <a:ln>
                 <a:noFill/>
               </a:ln>
@@ -2674,14 +2678,14 @@
           <a:lstStyle/>
           <a:p>
             <a:pPr eaLnBrk="1" hangingPunct="1"/>
-            <a:endParaRPr lang="en-US"/>
+            <a:endParaRPr lang="en-US" dirty="0"/>
           </a:p>
         </p:txBody>
       </p:sp>
     </p:spTree>
     <p:extLst>
       <p:ext uri="{BB962C8B-B14F-4D97-AF65-F5344CB8AC3E}">
-        <p14:creationId xmlns:p14="http://schemas.microsoft.com/office/powerpoint/2010/main" val="1215663364"/>
+        <p14:creationId xmlns:p14="http://schemas.microsoft.com/office/powerpoint/2010/main" val="3608382322"/>
       </p:ext>
     </p:extLst>
   </p:cSld>
@@ -2779,9 +2783,9 @@
                 <a:tabLst/>
                 <a:defRPr/>
               </a:pPr>
-              <a:t>23</a:t>
+              <a:t>25</a:t>
             </a:fld>
-            <a:endParaRPr kumimoji="0" lang="en-US" sz="1200" b="0" i="0" u="none" strike="noStrike" kern="1200" cap="none" spc="0" normalizeH="0" baseline="0" noProof="0">
+            <a:endParaRPr kumimoji="0" lang="en-US" sz="1200" b="0" i="0" u="none" strike="noStrike" kern="1200" cap="none" spc="0" normalizeH="0" baseline="0" noProof="0" dirty="0">
               <a:ln>
                 <a:noFill/>
               </a:ln>
@@ -2830,14 +2834,14 @@
           <a:lstStyle/>
           <a:p>
             <a:pPr eaLnBrk="1" hangingPunct="1"/>
-            <a:endParaRPr lang="en-US"/>
+            <a:endParaRPr lang="en-US" dirty="0"/>
           </a:p>
         </p:txBody>
       </p:sp>
     </p:spTree>
     <p:extLst>
       <p:ext uri="{BB962C8B-B14F-4D97-AF65-F5344CB8AC3E}">
-        <p14:creationId xmlns:p14="http://schemas.microsoft.com/office/powerpoint/2010/main" val="1247715328"/>
+        <p14:creationId xmlns:p14="http://schemas.microsoft.com/office/powerpoint/2010/main" val="3618074917"/>
       </p:ext>
     </p:extLst>
   </p:cSld>
@@ -2886,12 +2890,71 @@
           <a:bodyPr/>
           <a:lstStyle/>
           <a:p>
+            <a:pPr marL="0" marR="0" lvl="0" indent="0" algn="r" defTabSz="914400" rtl="0" eaLnBrk="1" fontAlgn="base" latinLnBrk="0" hangingPunct="1">
+              <a:lnSpc>
+                <a:spcPct val="100000"/>
+              </a:lnSpc>
+              <a:spcBef>
+                <a:spcPct val="0"/>
+              </a:spcBef>
+              <a:spcAft>
+                <a:spcPct val="0"/>
+              </a:spcAft>
+              <a:buClrTx/>
+              <a:buSzTx/>
+              <a:buFontTx/>
+              <a:buNone/>
+              <a:tabLst/>
+              <a:defRPr/>
+            </a:pPr>
             <a:fld id="{4CBBC889-3F4B-46E7-9B71-B94EA8D542E0}" type="slidenum">
-              <a:rPr lang="en-US"/>
-              <a:pPr/>
-              <a:t>24</a:t>
+              <a:rPr kumimoji="0" lang="en-US" sz="1200" b="0" i="0" u="none" strike="noStrike" kern="1200" cap="none" spc="0" normalizeH="0" baseline="0" noProof="0">
+                <a:ln>
+                  <a:noFill/>
+                </a:ln>
+                <a:solidFill>
+                  <a:srgbClr val="000000"/>
+                </a:solidFill>
+                <a:effectLst/>
+                <a:uLnTx/>
+                <a:uFillTx/>
+                <a:latin typeface="Arial" charset="0"/>
+                <a:ea typeface="+mn-ea"/>
+                <a:cs typeface="+mn-cs"/>
+              </a:rPr>
+              <a:pPr marL="0" marR="0" lvl="0" indent="0" algn="r" defTabSz="914400" rtl="0" eaLnBrk="1" fontAlgn="base" latinLnBrk="0" hangingPunct="1">
+                <a:lnSpc>
+                  <a:spcPct val="100000"/>
+                </a:lnSpc>
+                <a:spcBef>
+                  <a:spcPct val="0"/>
+                </a:spcBef>
+                <a:spcAft>
+                  <a:spcPct val="0"/>
+                </a:spcAft>
+                <a:buClrTx/>
+                <a:buSzTx/>
+                <a:buFontTx/>
+                <a:buNone/>
+                <a:tabLst/>
+                <a:defRPr/>
+              </a:pPr>
+              <a:t>26</a:t>
             </a:fld>
-            <a:endParaRPr lang="en-US"/>
+            <a:endParaRPr kumimoji="0" lang="en-US" sz="1200" b="0" i="0" u="none" strike="noStrike" kern="1200" cap="none" spc="0" normalizeH="0" baseline="0" noProof="0" dirty="0">
+              <a:ln>
+                <a:noFill/>
+              </a:ln>
+              <a:solidFill>
+                <a:srgbClr val="000000"/>
+              </a:solidFill>
+              <a:effectLst/>
+              <a:uLnTx/>
+              <a:uFillTx/>
+              <a:latin typeface="Arial" charset="0"/>
+              <a:ea typeface="+mn-ea"/>
+              <a:cs typeface="+mn-cs"/>
+            </a:endParaRPr>
           </a:p>
         </p:txBody>
       </p:sp>
@@ -2927,7 +2990,260 @@
           <a:lstStyle/>
           <a:p>
             <a:pPr eaLnBrk="1" hangingPunct="1"/>
-            <a:endParaRPr lang="en-US"/>
+            <a:endParaRPr lang="en-US" dirty="0"/>
+          </a:p>
+        </p:txBody>
+      </p:sp>
+    </p:spTree>
+    <p:extLst>
+      <p:ext uri="{BB962C8B-B14F-4D97-AF65-F5344CB8AC3E}">
+        <p14:creationId xmlns:p14="http://schemas.microsoft.com/office/powerpoint/2010/main" val="1215663364"/>
+      </p:ext>
+    </p:extLst>
+  </p:cSld>
+  <p:clrMapOvr>
+    <a:masterClrMapping/>
+  </p:clrMapOvr>
+</p:notes>
+</file>
+
+<file path=ppt/notesSlides/notesSlide23.xml><?xml version="1.0" encoding="utf-8"?>
+<p:notes xmlns:a="http://schemas.openxmlformats.org/drawingml/2006/main" xmlns:r="http://schemas.openxmlformats.org/officeDocument/2006/relationships" xmlns:p="http://schemas.openxmlformats.org/presentationml/2006/main">
+  <p:cSld>
+    <p:spTree>
+      <p:nvGrpSpPr>
+        <p:cNvPr id="1" name=""/>
+        <p:cNvGrpSpPr/>
+        <p:nvPr/>
+      </p:nvGrpSpPr>
+      <p:grpSpPr>
+        <a:xfrm>
+          <a:off x="0" y="0"/>
+          <a:ext cx="0" cy="0"/>
+          <a:chOff x="0" y="0"/>
+          <a:chExt cx="0" cy="0"/>
+        </a:xfrm>
+      </p:grpSpPr>
+      <p:sp>
+        <p:nvSpPr>
+          <p:cNvPr id="9218" name="Rectangle 7"/>
+          <p:cNvSpPr>
+            <a:spLocks noGrp="1" noChangeArrowheads="1"/>
+          </p:cNvSpPr>
+          <p:nvPr>
+            <p:ph type="sldNum" sz="quarter" idx="5"/>
+          </p:nvPr>
+        </p:nvSpPr>
+        <p:spPr>
+          <a:noFill/>
+          <a:ln>
+            <a:miter lim="800000"/>
+            <a:headEnd/>
+            <a:tailEnd/>
+          </a:ln>
+        </p:spPr>
+        <p:txBody>
+          <a:bodyPr/>
+          <a:lstStyle/>
+          <a:p>
+            <a:pPr marL="0" marR="0" lvl="0" indent="0" algn="r" defTabSz="914400" rtl="0" eaLnBrk="1" fontAlgn="base" latinLnBrk="0" hangingPunct="1">
+              <a:lnSpc>
+                <a:spcPct val="100000"/>
+              </a:lnSpc>
+              <a:spcBef>
+                <a:spcPct val="0"/>
+              </a:spcBef>
+              <a:spcAft>
+                <a:spcPct val="0"/>
+              </a:spcAft>
+              <a:buClrTx/>
+              <a:buSzTx/>
+              <a:buFontTx/>
+              <a:buNone/>
+              <a:tabLst/>
+              <a:defRPr/>
+            </a:pPr>
+            <a:fld id="{4CBBC889-3F4B-46E7-9B71-B94EA8D542E0}" type="slidenum">
+              <a:rPr kumimoji="0" lang="en-US" sz="1200" b="0" i="0" u="none" strike="noStrike" kern="1200" cap="none" spc="0" normalizeH="0" baseline="0" noProof="0">
+                <a:ln>
+                  <a:noFill/>
+                </a:ln>
+                <a:solidFill>
+                  <a:srgbClr val="000000"/>
+                </a:solidFill>
+                <a:effectLst/>
+                <a:uLnTx/>
+                <a:uFillTx/>
+                <a:latin typeface="Arial" charset="0"/>
+                <a:ea typeface="+mn-ea"/>
+                <a:cs typeface="+mn-cs"/>
+              </a:rPr>
+              <a:pPr marL="0" marR="0" lvl="0" indent="0" algn="r" defTabSz="914400" rtl="0" eaLnBrk="1" fontAlgn="base" latinLnBrk="0" hangingPunct="1">
+                <a:lnSpc>
+                  <a:spcPct val="100000"/>
+                </a:lnSpc>
+                <a:spcBef>
+                  <a:spcPct val="0"/>
+                </a:spcBef>
+                <a:spcAft>
+                  <a:spcPct val="0"/>
+                </a:spcAft>
+                <a:buClrTx/>
+                <a:buSzTx/>
+                <a:buFontTx/>
+                <a:buNone/>
+                <a:tabLst/>
+                <a:defRPr/>
+              </a:pPr>
+              <a:t>27</a:t>
+            </a:fld>
+            <a:endParaRPr kumimoji="0" lang="en-US" sz="1200" b="0" i="0" u="none" strike="noStrike" kern="1200" cap="none" spc="0" normalizeH="0" baseline="0" noProof="0" dirty="0">
+              <a:ln>
+                <a:noFill/>
+              </a:ln>
+              <a:solidFill>
+                <a:srgbClr val="000000"/>
+              </a:solidFill>
+              <a:effectLst/>
+              <a:uLnTx/>
+              <a:uFillTx/>
+              <a:latin typeface="Arial" charset="0"/>
+              <a:ea typeface="+mn-ea"/>
+              <a:cs typeface="+mn-cs"/>
+            </a:endParaRPr>
+          </a:p>
+        </p:txBody>
+      </p:sp>
+      <p:sp>
+        <p:nvSpPr>
+          <p:cNvPr id="9219" name="Rectangle 2"/>
+          <p:cNvSpPr>
+            <a:spLocks noGrp="1" noRot="1" noChangeAspect="1" noChangeArrowheads="1" noTextEdit="1"/>
+          </p:cNvSpPr>
+          <p:nvPr>
+            <p:ph type="sldImg"/>
+          </p:nvPr>
+        </p:nvSpPr>
+        <p:spPr>
+          <a:ln/>
+        </p:spPr>
+      </p:sp>
+      <p:sp>
+        <p:nvSpPr>
+          <p:cNvPr id="9220" name="Rectangle 3"/>
+          <p:cNvSpPr>
+            <a:spLocks noGrp="1" noChangeArrowheads="1"/>
+          </p:cNvSpPr>
+          <p:nvPr>
+            <p:ph type="body" idx="1"/>
+          </p:nvPr>
+        </p:nvSpPr>
+        <p:spPr>
+          <a:noFill/>
+        </p:spPr>
+        <p:txBody>
+          <a:bodyPr/>
+          <a:lstStyle/>
+          <a:p>
+            <a:pPr eaLnBrk="1" hangingPunct="1"/>
+            <a:endParaRPr lang="en-US" dirty="0"/>
+          </a:p>
+        </p:txBody>
+      </p:sp>
+    </p:spTree>
+    <p:extLst>
+      <p:ext uri="{BB962C8B-B14F-4D97-AF65-F5344CB8AC3E}">
+        <p14:creationId xmlns:p14="http://schemas.microsoft.com/office/powerpoint/2010/main" val="1247715328"/>
+      </p:ext>
+    </p:extLst>
+  </p:cSld>
+  <p:clrMapOvr>
+    <a:masterClrMapping/>
+  </p:clrMapOvr>
+</p:notes>
+</file>
+
+<file path=ppt/notesSlides/notesSlide24.xml><?xml version="1.0" encoding="utf-8"?>
+<p:notes xmlns:a="http://schemas.openxmlformats.org/drawingml/2006/main" xmlns:r="http://schemas.openxmlformats.org/officeDocument/2006/relationships" xmlns:p="http://schemas.openxmlformats.org/presentationml/2006/main">
+  <p:cSld>
+    <p:spTree>
+      <p:nvGrpSpPr>
+        <p:cNvPr id="1" name=""/>
+        <p:cNvGrpSpPr/>
+        <p:nvPr/>
+      </p:nvGrpSpPr>
+      <p:grpSpPr>
+        <a:xfrm>
+          <a:off x="0" y="0"/>
+          <a:ext cx="0" cy="0"/>
+          <a:chOff x="0" y="0"/>
+          <a:chExt cx="0" cy="0"/>
+        </a:xfrm>
+      </p:grpSpPr>
+      <p:sp>
+        <p:nvSpPr>
+          <p:cNvPr id="9218" name="Rectangle 7"/>
+          <p:cNvSpPr>
+            <a:spLocks noGrp="1" noChangeArrowheads="1"/>
+          </p:cNvSpPr>
+          <p:nvPr>
+            <p:ph type="sldNum" sz="quarter" idx="5"/>
+          </p:nvPr>
+        </p:nvSpPr>
+        <p:spPr>
+          <a:noFill/>
+          <a:ln>
+            <a:miter lim="800000"/>
+            <a:headEnd/>
+            <a:tailEnd/>
+          </a:ln>
+        </p:spPr>
+        <p:txBody>
+          <a:bodyPr/>
+          <a:lstStyle/>
+          <a:p>
+            <a:fld id="{4CBBC889-3F4B-46E7-9B71-B94EA8D542E0}" type="slidenum">
+              <a:rPr lang="en-US"/>
+              <a:pPr/>
+              <a:t>28</a:t>
+            </a:fld>
+            <a:endParaRPr lang="en-US" dirty="0"/>
+          </a:p>
+        </p:txBody>
+      </p:sp>
+      <p:sp>
+        <p:nvSpPr>
+          <p:cNvPr id="9219" name="Rectangle 2"/>
+          <p:cNvSpPr>
+            <a:spLocks noGrp="1" noRot="1" noChangeAspect="1" noChangeArrowheads="1" noTextEdit="1"/>
+          </p:cNvSpPr>
+          <p:nvPr>
+            <p:ph type="sldImg"/>
+          </p:nvPr>
+        </p:nvSpPr>
+        <p:spPr>
+          <a:ln/>
+        </p:spPr>
+      </p:sp>
+      <p:sp>
+        <p:nvSpPr>
+          <p:cNvPr id="9220" name="Rectangle 3"/>
+          <p:cNvSpPr>
+            <a:spLocks noGrp="1" noChangeArrowheads="1"/>
+          </p:cNvSpPr>
+          <p:nvPr>
+            <p:ph type="body" idx="1"/>
+          </p:nvPr>
+        </p:nvSpPr>
+        <p:spPr>
+          <a:noFill/>
+        </p:spPr>
+        <p:txBody>
+          <a:bodyPr/>
+          <a:lstStyle/>
+          <a:p>
+            <a:pPr eaLnBrk="1" hangingPunct="1"/>
+            <a:endParaRPr lang="en-US" dirty="0"/>
           </a:p>
         </p:txBody>
       </p:sp>
@@ -5542,7 +5858,7 @@
           <a:p>
             <a:pPr lvl="0"/>
             <a:r>
-              <a:rPr lang="en-US" noProof="0"/>
+              <a:rPr lang="en-US" noProof="0" dirty="0"/>
               <a:t>Click icon to add picture</a:t>
             </a:r>
             <a:endParaRPr lang="ru-RU" noProof="0"/>
@@ -8879,18 +9195,6 @@
 <file path=ppt/slides/slide17.xml><?xml version="1.0" encoding="utf-8"?>
 <p:sld xmlns:a="http://schemas.openxmlformats.org/drawingml/2006/main" xmlns:r="http://schemas.openxmlformats.org/officeDocument/2006/relationships" xmlns:p="http://schemas.openxmlformats.org/presentationml/2006/main">
   <p:cSld>
-    <p:bg>
-      <p:bgPr>
-        <a:blipFill dpi="0" rotWithShape="0">
-          <a:blip r:embed="rId3" cstate="print"/>
-          <a:srcRect/>
-          <a:stretch>
-            <a:fillRect/>
-          </a:stretch>
-        </a:blipFill>
-        <a:effectLst/>
-      </p:bgPr>
-    </p:bg>
     <p:spTree>
       <p:nvGrpSpPr>
         <p:cNvPr id="1" name=""/>
@@ -8907,102 +9211,93 @@
       </p:grpSpPr>
       <p:sp>
         <p:nvSpPr>
-          <p:cNvPr id="5122" name="Rectangle 2"/>
+          <p:cNvPr id="3" name="Text Placeholder 2">
+            <a:extLst>
+              <a:ext uri="{FF2B5EF4-FFF2-40B4-BE49-F238E27FC236}">
+                <a16:creationId xmlns:a16="http://schemas.microsoft.com/office/drawing/2014/main" id="{53224ED7-4865-89F4-4EF5-E75E3F40CBD0}"/>
+              </a:ext>
+            </a:extLst>
+          </p:cNvPr>
           <p:cNvSpPr>
-            <a:spLocks noGrp="1" noChangeArrowheads="1"/>
-          </p:cNvSpPr>
-          <p:nvPr>
-            <p:ph type="title"/>
-          </p:nvPr>
-        </p:nvSpPr>
-        <p:spPr>
-          <a:xfrm>
-            <a:off x="1908175" y="117475"/>
-            <a:ext cx="7056438" cy="719138"/>
-          </a:xfrm>
-        </p:spPr>
-        <p:txBody>
-          <a:bodyPr/>
-          <a:lstStyle/>
-          <a:p>
-            <a:pPr eaLnBrk="1" hangingPunct="1"/>
-            <a:r>
-              <a:rPr lang="en-US" b="1">
-                <a:solidFill>
-                  <a:schemeClr val="bg2"/>
-                </a:solidFill>
-              </a:rPr>
-              <a:t>Print Slide Master</a:t>
-            </a:r>
-          </a:p>
-        </p:txBody>
-      </p:sp>
-      <p:sp>
-        <p:nvSpPr>
-          <p:cNvPr id="5123" name="Rectangle 3"/>
-          <p:cNvSpPr>
-            <a:spLocks noGrp="1" noChangeArrowheads="1"/>
+            <a:spLocks noGrp="1"/>
           </p:cNvSpPr>
           <p:nvPr>
             <p:ph type="body" idx="1"/>
           </p:nvPr>
         </p:nvSpPr>
-        <p:spPr>
-          <a:xfrm>
-            <a:off x="1908175" y="909638"/>
-            <a:ext cx="7056438" cy="5832475"/>
-          </a:xfrm>
-        </p:spPr>
+        <p:spPr/>
         <p:txBody>
           <a:bodyPr/>
           <a:lstStyle/>
           <a:p>
-            <a:pPr eaLnBrk="1" hangingPunct="1"/>
-            <a:r>
-              <a:rPr lang="en-US" sz="2000" dirty="0">
-                <a:solidFill>
-                  <a:schemeClr val="bg2"/>
-                </a:solidFill>
-              </a:rPr>
-              <a:t>Our PowerPoint templates and backgrounds are «pre-made» presentation shells («pre-made» slides). All design backgrounds, graphics, typefaces, and colors have been created and are pre-set by an expert graphic designers which are working with some of the most prominent businesses in the world.</a:t>
-            </a:r>
-          </a:p>
-          <a:p>
-            <a:pPr eaLnBrk="1" hangingPunct="1"/>
-            <a:endParaRPr lang="en-US" sz="2000" dirty="0">
-              <a:solidFill>
-                <a:schemeClr val="bg2"/>
-              </a:solidFill>
-            </a:endParaRPr>
-          </a:p>
-          <a:p>
-            <a:pPr eaLnBrk="1" hangingPunct="1"/>
-            <a:r>
-              <a:rPr lang="en-US" sz="2000" dirty="0">
-                <a:solidFill>
-                  <a:schemeClr val="bg2"/>
-                </a:solidFill>
-              </a:rPr>
-              <a:t>You simply insert your text. That's it! You just can't go wrong with these templates and backgrounds!</a:t>
-            </a:r>
-          </a:p>
-          <a:p>
-            <a:pPr eaLnBrk="1" hangingPunct="1"/>
-            <a:endParaRPr lang="en-US" sz="2000" dirty="0">
-              <a:solidFill>
-                <a:schemeClr val="bg2"/>
-              </a:solidFill>
-            </a:endParaRPr>
-          </a:p>
-          <a:p>
-            <a:pPr eaLnBrk="1" hangingPunct="1"/>
-            <a:r>
-              <a:rPr lang="en-US" sz="2000" dirty="0">
-                <a:solidFill>
-                  <a:schemeClr val="bg2"/>
-                </a:solidFill>
-              </a:rPr>
-              <a:t>Download this template as well as our others at http://poweredtemplate.com/technology-computers-ppt-powerpoint-templates.html </a:t>
+            <a:r>
+              <a:rPr lang="en-US" sz="2800" dirty="0">
+                <a:latin typeface="Amasis MT Pro Medium" panose="02040604050005020304" pitchFamily="18" charset="0"/>
+              </a:rPr>
+              <a:t>Check out class diagram for solution to our problem.</a:t>
+            </a:r>
+          </a:p>
+        </p:txBody>
+      </p:sp>
+      <p:sp>
+        <p:nvSpPr>
+          <p:cNvPr id="4" name="Rectangle 3">
+            <a:extLst>
+              <a:ext uri="{FF2B5EF4-FFF2-40B4-BE49-F238E27FC236}">
+                <a16:creationId xmlns:a16="http://schemas.microsoft.com/office/drawing/2014/main" id="{BD1EAE21-99E6-A614-F13F-298D77312A22}"/>
+              </a:ext>
+            </a:extLst>
+          </p:cNvPr>
+          <p:cNvSpPr/>
+          <p:nvPr/>
+        </p:nvSpPr>
+        <p:spPr>
+          <a:xfrm>
+            <a:off x="-152400" y="685800"/>
+            <a:ext cx="9144000" cy="1754326"/>
+          </a:xfrm>
+          <a:prstGeom prst="rect">
+            <a:avLst/>
+          </a:prstGeom>
+          <a:noFill/>
+        </p:spPr>
+        <p:txBody>
+          <a:bodyPr wrap="square" lIns="91440" tIns="45720" rIns="91440" bIns="45720">
+            <a:spAutoFit/>
+          </a:bodyPr>
+          <a:lstStyle/>
+          <a:p>
+            <a:pPr algn="ctr"/>
+            <a:r>
+              <a:rPr lang="en-US" sz="5400" b="1" cap="none" spc="0" dirty="0">
+                <a:ln w="12700">
+                  <a:solidFill>
+                    <a:schemeClr val="accent3">
+                      <a:lumMod val="50000"/>
+                    </a:schemeClr>
+                  </a:solidFill>
+                  <a:prstDash val="solid"/>
+                </a:ln>
+                <a:pattFill prst="narHorz">
+                  <a:fgClr>
+                    <a:schemeClr val="accent3"/>
+                  </a:fgClr>
+                  <a:bgClr>
+                    <a:schemeClr val="accent3">
+                      <a:lumMod val="40000"/>
+                      <a:lumOff val="60000"/>
+                    </a:schemeClr>
+                  </a:bgClr>
+                </a:pattFill>
+                <a:effectLst>
+                  <a:innerShdw blurRad="177800">
+                    <a:schemeClr val="accent3">
+                      <a:lumMod val="50000"/>
+                    </a:schemeClr>
+                  </a:innerShdw>
+                </a:effectLst>
+              </a:rPr>
+              <a:t>NOW, LET’S COMEBACK TO OUR MAIN PROBLEM.</a:t>
             </a:r>
           </a:p>
         </p:txBody>
@@ -9010,7 +9305,7 @@
     </p:spTree>
     <p:extLst>
       <p:ext uri="{BB962C8B-B14F-4D97-AF65-F5344CB8AC3E}">
-        <p14:creationId xmlns:p14="http://schemas.microsoft.com/office/powerpoint/2010/main" val="2131242654"/>
+        <p14:creationId xmlns:p14="http://schemas.microsoft.com/office/powerpoint/2010/main" val="1647253634"/>
       </p:ext>
     </p:extLst>
   </p:cSld>
@@ -9071,12 +9366,12 @@
           <a:p>
             <a:pPr eaLnBrk="1" hangingPunct="1"/>
             <a:r>
-              <a:rPr lang="en-US" b="1">
+              <a:rPr lang="en-US" b="1" dirty="0">
                 <a:solidFill>
                   <a:schemeClr val="bg2"/>
                 </a:solidFill>
               </a:rPr>
-              <a:t>Print Slide Master</a:t>
+              <a:t>Class diagram for problem</a:t>
             </a:r>
           </a:p>
         </p:txBody>
@@ -9093,8 +9388,8 @@
         </p:nvSpPr>
         <p:spPr>
           <a:xfrm>
-            <a:off x="1908175" y="909638"/>
-            <a:ext cx="7056438" cy="5832475"/>
+            <a:off x="1908175" y="909639"/>
+            <a:ext cx="7056438" cy="919162"/>
           </a:xfrm>
         </p:spPr>
         <p:txBody>
@@ -9103,54 +9398,82 @@
           <a:p>
             <a:pPr eaLnBrk="1" hangingPunct="1"/>
             <a:r>
-              <a:rPr lang="en-US" sz="2000" dirty="0">
+              <a:rPr lang="en-US" sz="2400" dirty="0">
                 <a:solidFill>
                   <a:schemeClr val="bg2"/>
                 </a:solidFill>
-              </a:rPr>
-              <a:t>Our PowerPoint templates and backgrounds are «pre-made» presentation shells («pre-made» slides). All design backgrounds, graphics, typefaces, and colors have been created and are pre-set by an expert graphic designers which are working with some of the most prominent businesses in the world.</a:t>
-            </a:r>
-          </a:p>
-          <a:p>
-            <a:pPr eaLnBrk="1" hangingPunct="1"/>
-            <a:endParaRPr lang="en-US" sz="2000" dirty="0">
-              <a:solidFill>
-                <a:schemeClr val="bg2"/>
-              </a:solidFill>
-            </a:endParaRPr>
-          </a:p>
-          <a:p>
-            <a:pPr eaLnBrk="1" hangingPunct="1"/>
-            <a:r>
-              <a:rPr lang="en-US" sz="2000" dirty="0">
+                <a:latin typeface="Amasis MT Pro Medium" panose="02040604050005020304" pitchFamily="18" charset="0"/>
+              </a:rPr>
+              <a:t>The </a:t>
+            </a:r>
+            <a:r>
+              <a:rPr lang="en-US" sz="2400" b="1" dirty="0">
                 <a:solidFill>
                   <a:schemeClr val="bg2"/>
                 </a:solidFill>
-              </a:rPr>
-              <a:t>You simply insert your text. That's it! You just can't go wrong with these templates and backgrounds!</a:t>
-            </a:r>
-          </a:p>
-          <a:p>
-            <a:pPr eaLnBrk="1" hangingPunct="1"/>
-            <a:endParaRPr lang="en-US" sz="2000" dirty="0">
-              <a:solidFill>
-                <a:schemeClr val="bg2"/>
-              </a:solidFill>
-            </a:endParaRPr>
-          </a:p>
-          <a:p>
-            <a:pPr eaLnBrk="1" hangingPunct="1"/>
-            <a:r>
-              <a:rPr lang="en-US" sz="2000" dirty="0">
+                <a:latin typeface="Amasis MT Pro Medium" panose="02040604050005020304" pitchFamily="18" charset="0"/>
+              </a:rPr>
+              <a:t>Visitor</a:t>
+            </a:r>
+            <a:r>
+              <a:rPr lang="en-US" sz="2400" dirty="0">
                 <a:solidFill>
                   <a:schemeClr val="bg2"/>
                 </a:solidFill>
-              </a:rPr>
-              <a:t>Download this template as well as our others at http://poweredtemplate.com/technology-computers-ppt-powerpoint-templates.html </a:t>
+                <a:latin typeface="Amasis MT Pro Medium" panose="02040604050005020304" pitchFamily="18" charset="0"/>
+              </a:rPr>
+              <a:t> pattern adds XML export support to the class hierarchy of geometric shapes.</a:t>
             </a:r>
           </a:p>
         </p:txBody>
       </p:sp>
+      <p:pic>
+        <p:nvPicPr>
+          <p:cNvPr id="1026" name="Picture 2" descr="Structure of the Visitor pattern example">
+            <a:extLst>
+              <a:ext uri="{FF2B5EF4-FFF2-40B4-BE49-F238E27FC236}">
+                <a16:creationId xmlns:a16="http://schemas.microsoft.com/office/drawing/2014/main" id="{3AAD51E9-E9F4-2CA1-27A9-C9A5E6251E12}"/>
+              </a:ext>
+            </a:extLst>
+          </p:cNvPr>
+          <p:cNvPicPr>
+            <a:picLocks noChangeAspect="1" noChangeArrowheads="1"/>
+          </p:cNvPicPr>
+          <p:nvPr/>
+        </p:nvPicPr>
+        <p:blipFill>
+          <a:blip r:embed="rId4">
+            <a:extLst>
+              <a:ext uri="{28A0092B-C50C-407E-A947-70E740481C1C}">
+                <a14:useLocalDpi xmlns:a14="http://schemas.microsoft.com/office/drawing/2010/main" val="0"/>
+              </a:ext>
+            </a:extLst>
+          </a:blip>
+          <a:srcRect/>
+          <a:stretch>
+            <a:fillRect/>
+          </a:stretch>
+        </p:blipFill>
+        <p:spPr bwMode="auto">
+          <a:xfrm>
+            <a:off x="2743200" y="1901827"/>
+            <a:ext cx="5119963" cy="4476751"/>
+          </a:xfrm>
+          <a:prstGeom prst="rect">
+            <a:avLst/>
+          </a:prstGeom>
+          <a:noFill/>
+          <a:extLst>
+            <a:ext uri="{909E8E84-426E-40DD-AFC4-6F175D3DCCD1}">
+              <a14:hiddenFill xmlns:a14="http://schemas.microsoft.com/office/drawing/2010/main">
+                <a:solidFill>
+                  <a:srgbClr val="FFFFFF"/>
+                </a:solidFill>
+              </a14:hiddenFill>
+            </a:ext>
+          </a:extLst>
+        </p:spPr>
+      </p:pic>
     </p:spTree>
     <p:extLst>
       <p:ext uri="{BB962C8B-B14F-4D97-AF65-F5344CB8AC3E}">
@@ -9215,82 +9538,94 @@
           <a:p>
             <a:pPr eaLnBrk="1" hangingPunct="1"/>
             <a:r>
-              <a:rPr lang="en-US" b="1">
+              <a:rPr lang="en-US" b="1" dirty="0">
                 <a:solidFill>
                   <a:schemeClr val="bg2"/>
                 </a:solidFill>
               </a:rPr>
-              <a:t>Print Slide Master</a:t>
+              <a:t>Explain on class diagram: </a:t>
             </a:r>
           </a:p>
         </p:txBody>
       </p:sp>
+      <p:pic>
+        <p:nvPicPr>
+          <p:cNvPr id="4" name="Picture 2" descr="Structure of the Visitor pattern example">
+            <a:extLst>
+              <a:ext uri="{FF2B5EF4-FFF2-40B4-BE49-F238E27FC236}">
+                <a16:creationId xmlns:a16="http://schemas.microsoft.com/office/drawing/2014/main" id="{F3C6AA27-EC2B-E1EF-9A0F-7474296B715A}"/>
+              </a:ext>
+            </a:extLst>
+          </p:cNvPr>
+          <p:cNvPicPr>
+            <a:picLocks noChangeAspect="1" noChangeArrowheads="1"/>
+          </p:cNvPicPr>
+          <p:nvPr/>
+        </p:nvPicPr>
+        <p:blipFill>
+          <a:blip r:embed="rId4">
+            <a:extLst>
+              <a:ext uri="{28A0092B-C50C-407E-A947-70E740481C1C}">
+                <a14:useLocalDpi xmlns:a14="http://schemas.microsoft.com/office/drawing/2010/main" val="0"/>
+              </a:ext>
+            </a:extLst>
+          </a:blip>
+          <a:srcRect/>
+          <a:stretch>
+            <a:fillRect/>
+          </a:stretch>
+        </p:blipFill>
+        <p:spPr bwMode="auto">
+          <a:xfrm>
+            <a:off x="2876412" y="914400"/>
+            <a:ext cx="5119963" cy="4476751"/>
+          </a:xfrm>
+          <a:prstGeom prst="rect">
+            <a:avLst/>
+          </a:prstGeom>
+          <a:noFill/>
+          <a:extLst>
+            <a:ext uri="{909E8E84-426E-40DD-AFC4-6F175D3DCCD1}">
+              <a14:hiddenFill xmlns:a14="http://schemas.microsoft.com/office/drawing/2010/main">
+                <a:solidFill>
+                  <a:srgbClr val="FFFFFF"/>
+                </a:solidFill>
+              </a14:hiddenFill>
+            </a:ext>
+          </a:extLst>
+        </p:spPr>
+      </p:pic>
       <p:sp>
         <p:nvSpPr>
-          <p:cNvPr id="5123" name="Rectangle 3"/>
-          <p:cNvSpPr>
-            <a:spLocks noGrp="1" noChangeArrowheads="1"/>
-          </p:cNvSpPr>
-          <p:nvPr>
-            <p:ph type="body" idx="1"/>
-          </p:nvPr>
+          <p:cNvPr id="9" name="TextBox 8">
+            <a:extLst>
+              <a:ext uri="{FF2B5EF4-FFF2-40B4-BE49-F238E27FC236}">
+                <a16:creationId xmlns:a16="http://schemas.microsoft.com/office/drawing/2014/main" id="{9FCAE1DA-B81C-367E-9EFA-2F1D736D9F41}"/>
+              </a:ext>
+            </a:extLst>
+          </p:cNvPr>
+          <p:cNvSpPr txBox="1"/>
+          <p:nvPr/>
         </p:nvSpPr>
         <p:spPr>
           <a:xfrm>
-            <a:off x="1908175" y="909638"/>
-            <a:ext cx="7056438" cy="5832475"/>
+            <a:off x="2057400" y="5391151"/>
+            <a:ext cx="6324600" cy="923330"/>
           </a:xfrm>
+          <a:prstGeom prst="rect">
+            <a:avLst/>
+          </a:prstGeom>
+          <a:noFill/>
         </p:spPr>
         <p:txBody>
-          <a:bodyPr/>
+          <a:bodyPr wrap="square" rtlCol="0">
+            <a:spAutoFit/>
+          </a:bodyPr>
           <a:lstStyle/>
           <a:p>
-            <a:pPr eaLnBrk="1" hangingPunct="1"/>
-            <a:r>
-              <a:rPr lang="en-US" sz="2000" dirty="0">
-                <a:solidFill>
-                  <a:schemeClr val="bg2"/>
-                </a:solidFill>
-              </a:rPr>
-              <a:t>Our PowerPoint templates and backgrounds are «pre-made» presentation shells («pre-made» slides). All design backgrounds, graphics, typefaces, and colors have been created and are pre-set by an expert graphic designers which are working with some of the most prominent businesses in the world.</a:t>
-            </a:r>
-          </a:p>
-          <a:p>
-            <a:pPr eaLnBrk="1" hangingPunct="1"/>
-            <a:endParaRPr lang="en-US" sz="2000" dirty="0">
-              <a:solidFill>
-                <a:schemeClr val="bg2"/>
-              </a:solidFill>
-            </a:endParaRPr>
-          </a:p>
-          <a:p>
-            <a:pPr eaLnBrk="1" hangingPunct="1"/>
-            <a:r>
-              <a:rPr lang="en-US" sz="2000" dirty="0">
-                <a:solidFill>
-                  <a:schemeClr val="bg2"/>
-                </a:solidFill>
-              </a:rPr>
-              <a:t>You simply insert your text. That's it! You just can't go wrong with these templates and backgrounds!</a:t>
-            </a:r>
-          </a:p>
-          <a:p>
-            <a:pPr eaLnBrk="1" hangingPunct="1"/>
-            <a:endParaRPr lang="en-US" sz="2000" dirty="0">
-              <a:solidFill>
-                <a:schemeClr val="bg2"/>
-              </a:solidFill>
-            </a:endParaRPr>
-          </a:p>
-          <a:p>
-            <a:pPr eaLnBrk="1" hangingPunct="1"/>
-            <a:r>
-              <a:rPr lang="en-US" sz="2000" dirty="0">
-                <a:solidFill>
-                  <a:schemeClr val="bg2"/>
-                </a:solidFill>
-              </a:rPr>
-              <a:t>Download this template as well as our others at http://poweredtemplate.com/technology-computers-ppt-powerpoint-templates.html </a:t>
+            <a:r>
+              <a:rPr lang="en-US" dirty="0"/>
+              <a:t>Shape is equivalent to Element in the diagram, and the list of Shape equivalent to Concrete Element. The application is the Client we’re looking for. </a:t>
             </a:r>
           </a:p>
         </p:txBody>
@@ -9298,7 +9633,7 @@
     </p:spTree>
     <p:extLst>
       <p:ext uri="{BB962C8B-B14F-4D97-AF65-F5344CB8AC3E}">
-        <p14:creationId xmlns:p14="http://schemas.microsoft.com/office/powerpoint/2010/main" val="4276827683"/>
+        <p14:creationId xmlns:p14="http://schemas.microsoft.com/office/powerpoint/2010/main" val="2131242654"/>
       </p:ext>
     </p:extLst>
   </p:cSld>
@@ -9515,18 +9850,6 @@
 <file path=ppt/slides/slide20.xml><?xml version="1.0" encoding="utf-8"?>
 <p:sld xmlns:a="http://schemas.openxmlformats.org/drawingml/2006/main" xmlns:r="http://schemas.openxmlformats.org/officeDocument/2006/relationships" xmlns:p="http://schemas.openxmlformats.org/presentationml/2006/main">
   <p:cSld>
-    <p:bg>
-      <p:bgPr>
-        <a:blipFill dpi="0" rotWithShape="0">
-          <a:blip r:embed="rId3" cstate="print"/>
-          <a:srcRect/>
-          <a:stretch>
-            <a:fillRect/>
-          </a:stretch>
-        </a:blipFill>
-        <a:effectLst/>
-      </p:bgPr>
-    </p:bg>
     <p:spTree>
       <p:nvGrpSpPr>
         <p:cNvPr id="1" name=""/>
@@ -9543,9 +9866,15 @@
       </p:grpSpPr>
       <p:sp>
         <p:nvSpPr>
-          <p:cNvPr id="5122" name="Rectangle 2"/>
+          <p:cNvPr id="2" name="Title 1">
+            <a:extLst>
+              <a:ext uri="{FF2B5EF4-FFF2-40B4-BE49-F238E27FC236}">
+                <a16:creationId xmlns:a16="http://schemas.microsoft.com/office/drawing/2014/main" id="{70A0CE00-180D-308D-3D95-D0D58AC9377A}"/>
+              </a:ext>
+            </a:extLst>
+          </p:cNvPr>
           <p:cNvSpPr>
-            <a:spLocks noGrp="1" noChangeArrowheads="1"/>
+            <a:spLocks noGrp="1"/>
           </p:cNvSpPr>
           <p:nvPr>
             <p:ph type="title"/>
@@ -9553,100 +9882,61 @@
         </p:nvSpPr>
         <p:spPr>
           <a:xfrm>
-            <a:off x="1908175" y="117475"/>
-            <a:ext cx="7056438" cy="719138"/>
+            <a:off x="722313" y="1371600"/>
+            <a:ext cx="7772400" cy="1362075"/>
           </a:xfrm>
         </p:spPr>
         <p:txBody>
           <a:bodyPr/>
           <a:lstStyle/>
           <a:p>
-            <a:pPr eaLnBrk="1" hangingPunct="1"/>
-            <a:r>
-              <a:rPr lang="en-US" b="1">
-                <a:solidFill>
-                  <a:schemeClr val="bg2"/>
-                </a:solidFill>
-              </a:rPr>
-              <a:t>Print Slide Master</a:t>
+            <a:r>
+              <a:rPr lang="en-US" dirty="0"/>
+              <a:t>implementation for visitor in this problem</a:t>
             </a:r>
           </a:p>
         </p:txBody>
       </p:sp>
-      <p:sp>
-        <p:nvSpPr>
-          <p:cNvPr id="5123" name="Rectangle 3"/>
-          <p:cNvSpPr>
-            <a:spLocks noGrp="1" noChangeArrowheads="1"/>
-          </p:cNvSpPr>
-          <p:nvPr>
-            <p:ph type="body" idx="1"/>
-          </p:nvPr>
-        </p:nvSpPr>
+      <p:pic>
+        <p:nvPicPr>
+          <p:cNvPr id="5" name="Picture 4" descr="Steel gears">
+            <a:extLst>
+              <a:ext uri="{FF2B5EF4-FFF2-40B4-BE49-F238E27FC236}">
+                <a16:creationId xmlns:a16="http://schemas.microsoft.com/office/drawing/2014/main" id="{CADA5D5C-C3BF-F950-2A26-DF19B0393C39}"/>
+              </a:ext>
+            </a:extLst>
+          </p:cNvPr>
+          <p:cNvPicPr>
+            <a:picLocks noChangeAspect="1"/>
+          </p:cNvPicPr>
+          <p:nvPr/>
+        </p:nvPicPr>
+        <p:blipFill>
+          <a:blip r:embed="rId2" cstate="print">
+            <a:extLst>
+              <a:ext uri="{28A0092B-C50C-407E-A947-70E740481C1C}">
+                <a14:useLocalDpi xmlns:a14="http://schemas.microsoft.com/office/drawing/2010/main" val="0"/>
+              </a:ext>
+            </a:extLst>
+          </a:blip>
+          <a:stretch>
+            <a:fillRect/>
+          </a:stretch>
+        </p:blipFill>
         <p:spPr>
           <a:xfrm>
-            <a:off x="1908175" y="909638"/>
-            <a:ext cx="7056438" cy="5832475"/>
+            <a:off x="1447800" y="2895600"/>
+            <a:ext cx="5562600" cy="3707495"/>
           </a:xfrm>
-        </p:spPr>
-        <p:txBody>
-          <a:bodyPr/>
-          <a:lstStyle/>
-          <a:p>
-            <a:pPr eaLnBrk="1" hangingPunct="1"/>
-            <a:r>
-              <a:rPr lang="en-US" sz="2000" dirty="0">
-                <a:solidFill>
-                  <a:schemeClr val="bg2"/>
-                </a:solidFill>
-              </a:rPr>
-              <a:t>Our PowerPoint templates and backgrounds are «pre-made» presentation shells («pre-made» slides). All design backgrounds, graphics, typefaces, and colors have been created and are pre-set by an expert graphic designers which are working with some of the most prominent businesses in the world.</a:t>
-            </a:r>
-          </a:p>
-          <a:p>
-            <a:pPr eaLnBrk="1" hangingPunct="1"/>
-            <a:endParaRPr lang="en-US" sz="2000" dirty="0">
-              <a:solidFill>
-                <a:schemeClr val="bg2"/>
-              </a:solidFill>
-            </a:endParaRPr>
-          </a:p>
-          <a:p>
-            <a:pPr eaLnBrk="1" hangingPunct="1"/>
-            <a:r>
-              <a:rPr lang="en-US" sz="2000" dirty="0">
-                <a:solidFill>
-                  <a:schemeClr val="bg2"/>
-                </a:solidFill>
-              </a:rPr>
-              <a:t>You simply insert your text. That's it! You just can't go wrong with these templates and backgrounds!</a:t>
-            </a:r>
-          </a:p>
-          <a:p>
-            <a:pPr eaLnBrk="1" hangingPunct="1"/>
-            <a:endParaRPr lang="en-US" sz="2000" dirty="0">
-              <a:solidFill>
-                <a:schemeClr val="bg2"/>
-              </a:solidFill>
-            </a:endParaRPr>
-          </a:p>
-          <a:p>
-            <a:pPr eaLnBrk="1" hangingPunct="1"/>
-            <a:r>
-              <a:rPr lang="en-US" sz="2000" dirty="0">
-                <a:solidFill>
-                  <a:schemeClr val="bg2"/>
-                </a:solidFill>
-              </a:rPr>
-              <a:t>Download this template as well as our others at http://poweredtemplate.com/technology-computers-ppt-powerpoint-templates.html </a:t>
-            </a:r>
-          </a:p>
-        </p:txBody>
-      </p:sp>
+          <a:prstGeom prst="rect">
+            <a:avLst/>
+          </a:prstGeom>
+        </p:spPr>
+      </p:pic>
     </p:spTree>
     <p:extLst>
       <p:ext uri="{BB962C8B-B14F-4D97-AF65-F5344CB8AC3E}">
-        <p14:creationId xmlns:p14="http://schemas.microsoft.com/office/powerpoint/2010/main" val="3540050517"/>
+        <p14:creationId xmlns:p14="http://schemas.microsoft.com/office/powerpoint/2010/main" val="1120748477"/>
       </p:ext>
     </p:extLst>
   </p:cSld>
@@ -9707,7 +9997,7 @@
           <a:p>
             <a:pPr eaLnBrk="1" hangingPunct="1"/>
             <a:r>
-              <a:rPr lang="en-US" b="1">
+              <a:rPr lang="en-US" b="1" dirty="0">
                 <a:solidFill>
                   <a:schemeClr val="bg2"/>
                 </a:solidFill>
@@ -9790,7 +10080,7 @@
     </p:spTree>
     <p:extLst>
       <p:ext uri="{BB962C8B-B14F-4D97-AF65-F5344CB8AC3E}">
-        <p14:creationId xmlns:p14="http://schemas.microsoft.com/office/powerpoint/2010/main" val="1044912715"/>
+        <p14:creationId xmlns:p14="http://schemas.microsoft.com/office/powerpoint/2010/main" val="4276827683"/>
       </p:ext>
     </p:extLst>
   </p:cSld>
@@ -9851,7 +10141,7 @@
           <a:p>
             <a:pPr eaLnBrk="1" hangingPunct="1"/>
             <a:r>
-              <a:rPr lang="en-US" b="1">
+              <a:rPr lang="en-US" b="1" dirty="0">
                 <a:solidFill>
                   <a:schemeClr val="bg2"/>
                 </a:solidFill>
@@ -9934,7 +10224,7 @@
     </p:spTree>
     <p:extLst>
       <p:ext uri="{BB962C8B-B14F-4D97-AF65-F5344CB8AC3E}">
-        <p14:creationId xmlns:p14="http://schemas.microsoft.com/office/powerpoint/2010/main" val="3530471002"/>
+        <p14:creationId xmlns:p14="http://schemas.microsoft.com/office/powerpoint/2010/main" val="427716012"/>
       </p:ext>
     </p:extLst>
   </p:cSld>
@@ -9995,7 +10285,7 @@
           <a:p>
             <a:pPr eaLnBrk="1" hangingPunct="1"/>
             <a:r>
-              <a:rPr lang="en-US" b="1">
+              <a:rPr lang="en-US" b="1" dirty="0">
                 <a:solidFill>
                   <a:schemeClr val="bg2"/>
                 </a:solidFill>
@@ -10078,6 +10368,582 @@
     </p:spTree>
     <p:extLst>
       <p:ext uri="{BB962C8B-B14F-4D97-AF65-F5344CB8AC3E}">
+        <p14:creationId xmlns:p14="http://schemas.microsoft.com/office/powerpoint/2010/main" val="1105470338"/>
+      </p:ext>
+    </p:extLst>
+  </p:cSld>
+  <p:clrMapOvr>
+    <a:masterClrMapping/>
+  </p:clrMapOvr>
+</p:sld>
+</file>
+
+<file path=ppt/slides/slide24.xml><?xml version="1.0" encoding="utf-8"?>
+<p:sld xmlns:a="http://schemas.openxmlformats.org/drawingml/2006/main" xmlns:r="http://schemas.openxmlformats.org/officeDocument/2006/relationships" xmlns:p="http://schemas.openxmlformats.org/presentationml/2006/main">
+  <p:cSld>
+    <p:bg>
+      <p:bgPr>
+        <a:blipFill dpi="0" rotWithShape="0">
+          <a:blip r:embed="rId3" cstate="print"/>
+          <a:srcRect/>
+          <a:stretch>
+            <a:fillRect/>
+          </a:stretch>
+        </a:blipFill>
+        <a:effectLst/>
+      </p:bgPr>
+    </p:bg>
+    <p:spTree>
+      <p:nvGrpSpPr>
+        <p:cNvPr id="1" name=""/>
+        <p:cNvGrpSpPr/>
+        <p:nvPr/>
+      </p:nvGrpSpPr>
+      <p:grpSpPr>
+        <a:xfrm>
+          <a:off x="0" y="0"/>
+          <a:ext cx="0" cy="0"/>
+          <a:chOff x="0" y="0"/>
+          <a:chExt cx="0" cy="0"/>
+        </a:xfrm>
+      </p:grpSpPr>
+      <p:sp>
+        <p:nvSpPr>
+          <p:cNvPr id="5122" name="Rectangle 2"/>
+          <p:cNvSpPr>
+            <a:spLocks noGrp="1" noChangeArrowheads="1"/>
+          </p:cNvSpPr>
+          <p:nvPr>
+            <p:ph type="title"/>
+          </p:nvPr>
+        </p:nvSpPr>
+        <p:spPr>
+          <a:xfrm>
+            <a:off x="1908175" y="117475"/>
+            <a:ext cx="7056438" cy="719138"/>
+          </a:xfrm>
+        </p:spPr>
+        <p:txBody>
+          <a:bodyPr/>
+          <a:lstStyle/>
+          <a:p>
+            <a:pPr eaLnBrk="1" hangingPunct="1"/>
+            <a:r>
+              <a:rPr lang="en-US" b="1" dirty="0">
+                <a:solidFill>
+                  <a:schemeClr val="bg2"/>
+                </a:solidFill>
+              </a:rPr>
+              <a:t>Print Slide Master</a:t>
+            </a:r>
+          </a:p>
+        </p:txBody>
+      </p:sp>
+      <p:sp>
+        <p:nvSpPr>
+          <p:cNvPr id="5123" name="Rectangle 3"/>
+          <p:cNvSpPr>
+            <a:spLocks noGrp="1" noChangeArrowheads="1"/>
+          </p:cNvSpPr>
+          <p:nvPr>
+            <p:ph type="body" idx="1"/>
+          </p:nvPr>
+        </p:nvSpPr>
+        <p:spPr>
+          <a:xfrm>
+            <a:off x="1908175" y="909638"/>
+            <a:ext cx="7056438" cy="5832475"/>
+          </a:xfrm>
+        </p:spPr>
+        <p:txBody>
+          <a:bodyPr/>
+          <a:lstStyle/>
+          <a:p>
+            <a:pPr eaLnBrk="1" hangingPunct="1"/>
+            <a:r>
+              <a:rPr lang="en-US" sz="2000" dirty="0">
+                <a:solidFill>
+                  <a:schemeClr val="bg2"/>
+                </a:solidFill>
+              </a:rPr>
+              <a:t>Our PowerPoint templates and backgrounds are «pre-made» presentation shells («pre-made» slides). All design backgrounds, graphics, typefaces, and colors have been created and are pre-set by an expert graphic designers which are working with some of the most prominent businesses in the world.</a:t>
+            </a:r>
+          </a:p>
+          <a:p>
+            <a:pPr eaLnBrk="1" hangingPunct="1"/>
+            <a:endParaRPr lang="en-US" sz="2000" dirty="0">
+              <a:solidFill>
+                <a:schemeClr val="bg2"/>
+              </a:solidFill>
+            </a:endParaRPr>
+          </a:p>
+          <a:p>
+            <a:pPr eaLnBrk="1" hangingPunct="1"/>
+            <a:r>
+              <a:rPr lang="en-US" sz="2000" dirty="0">
+                <a:solidFill>
+                  <a:schemeClr val="bg2"/>
+                </a:solidFill>
+              </a:rPr>
+              <a:t>You simply insert your text. That's it! You just can't go wrong with these templates and backgrounds!</a:t>
+            </a:r>
+          </a:p>
+          <a:p>
+            <a:pPr eaLnBrk="1" hangingPunct="1"/>
+            <a:endParaRPr lang="en-US" sz="2000" dirty="0">
+              <a:solidFill>
+                <a:schemeClr val="bg2"/>
+              </a:solidFill>
+            </a:endParaRPr>
+          </a:p>
+          <a:p>
+            <a:pPr eaLnBrk="1" hangingPunct="1"/>
+            <a:r>
+              <a:rPr lang="en-US" sz="2000" dirty="0">
+                <a:solidFill>
+                  <a:schemeClr val="bg2"/>
+                </a:solidFill>
+              </a:rPr>
+              <a:t>Download this template as well as our others at http://poweredtemplate.com/technology-computers-ppt-powerpoint-templates.html </a:t>
+            </a:r>
+          </a:p>
+        </p:txBody>
+      </p:sp>
+    </p:spTree>
+    <p:extLst>
+      <p:ext uri="{BB962C8B-B14F-4D97-AF65-F5344CB8AC3E}">
+        <p14:creationId xmlns:p14="http://schemas.microsoft.com/office/powerpoint/2010/main" val="3540050517"/>
+      </p:ext>
+    </p:extLst>
+  </p:cSld>
+  <p:clrMapOvr>
+    <a:masterClrMapping/>
+  </p:clrMapOvr>
+</p:sld>
+</file>
+
+<file path=ppt/slides/slide25.xml><?xml version="1.0" encoding="utf-8"?>
+<p:sld xmlns:a="http://schemas.openxmlformats.org/drawingml/2006/main" xmlns:r="http://schemas.openxmlformats.org/officeDocument/2006/relationships" xmlns:p="http://schemas.openxmlformats.org/presentationml/2006/main">
+  <p:cSld>
+    <p:bg>
+      <p:bgPr>
+        <a:blipFill dpi="0" rotWithShape="0">
+          <a:blip r:embed="rId3" cstate="print"/>
+          <a:srcRect/>
+          <a:stretch>
+            <a:fillRect/>
+          </a:stretch>
+        </a:blipFill>
+        <a:effectLst/>
+      </p:bgPr>
+    </p:bg>
+    <p:spTree>
+      <p:nvGrpSpPr>
+        <p:cNvPr id="1" name=""/>
+        <p:cNvGrpSpPr/>
+        <p:nvPr/>
+      </p:nvGrpSpPr>
+      <p:grpSpPr>
+        <a:xfrm>
+          <a:off x="0" y="0"/>
+          <a:ext cx="0" cy="0"/>
+          <a:chOff x="0" y="0"/>
+          <a:chExt cx="0" cy="0"/>
+        </a:xfrm>
+      </p:grpSpPr>
+      <p:sp>
+        <p:nvSpPr>
+          <p:cNvPr id="5122" name="Rectangle 2"/>
+          <p:cNvSpPr>
+            <a:spLocks noGrp="1" noChangeArrowheads="1"/>
+          </p:cNvSpPr>
+          <p:nvPr>
+            <p:ph type="title"/>
+          </p:nvPr>
+        </p:nvSpPr>
+        <p:spPr>
+          <a:xfrm>
+            <a:off x="1908175" y="117475"/>
+            <a:ext cx="7056438" cy="719138"/>
+          </a:xfrm>
+        </p:spPr>
+        <p:txBody>
+          <a:bodyPr/>
+          <a:lstStyle/>
+          <a:p>
+            <a:pPr eaLnBrk="1" hangingPunct="1"/>
+            <a:r>
+              <a:rPr lang="en-US" b="1" dirty="0">
+                <a:solidFill>
+                  <a:schemeClr val="bg2"/>
+                </a:solidFill>
+              </a:rPr>
+              <a:t>Print Slide Master</a:t>
+            </a:r>
+          </a:p>
+        </p:txBody>
+      </p:sp>
+      <p:sp>
+        <p:nvSpPr>
+          <p:cNvPr id="5123" name="Rectangle 3"/>
+          <p:cNvSpPr>
+            <a:spLocks noGrp="1" noChangeArrowheads="1"/>
+          </p:cNvSpPr>
+          <p:nvPr>
+            <p:ph type="body" idx="1"/>
+          </p:nvPr>
+        </p:nvSpPr>
+        <p:spPr>
+          <a:xfrm>
+            <a:off x="1908175" y="909638"/>
+            <a:ext cx="7056438" cy="5832475"/>
+          </a:xfrm>
+        </p:spPr>
+        <p:txBody>
+          <a:bodyPr/>
+          <a:lstStyle/>
+          <a:p>
+            <a:pPr eaLnBrk="1" hangingPunct="1"/>
+            <a:r>
+              <a:rPr lang="en-US" sz="2000" dirty="0">
+                <a:solidFill>
+                  <a:schemeClr val="bg2"/>
+                </a:solidFill>
+              </a:rPr>
+              <a:t>Our PowerPoint templates and backgrounds are «pre-made» presentation shells («pre-made» slides). All design backgrounds, graphics, typefaces, and colors have been created and are pre-set by an expert graphic designers which are working with some of the most prominent businesses in the world.</a:t>
+            </a:r>
+          </a:p>
+          <a:p>
+            <a:pPr eaLnBrk="1" hangingPunct="1"/>
+            <a:endParaRPr lang="en-US" sz="2000" dirty="0">
+              <a:solidFill>
+                <a:schemeClr val="bg2"/>
+              </a:solidFill>
+            </a:endParaRPr>
+          </a:p>
+          <a:p>
+            <a:pPr eaLnBrk="1" hangingPunct="1"/>
+            <a:r>
+              <a:rPr lang="en-US" sz="2000" dirty="0">
+                <a:solidFill>
+                  <a:schemeClr val="bg2"/>
+                </a:solidFill>
+              </a:rPr>
+              <a:t>You simply insert your text. That's it! You just can't go wrong with these templates and backgrounds!</a:t>
+            </a:r>
+          </a:p>
+          <a:p>
+            <a:pPr eaLnBrk="1" hangingPunct="1"/>
+            <a:endParaRPr lang="en-US" sz="2000" dirty="0">
+              <a:solidFill>
+                <a:schemeClr val="bg2"/>
+              </a:solidFill>
+            </a:endParaRPr>
+          </a:p>
+          <a:p>
+            <a:pPr eaLnBrk="1" hangingPunct="1"/>
+            <a:r>
+              <a:rPr lang="en-US" sz="2000" dirty="0">
+                <a:solidFill>
+                  <a:schemeClr val="bg2"/>
+                </a:solidFill>
+              </a:rPr>
+              <a:t>Download this template as well as our others at http://poweredtemplate.com/technology-computers-ppt-powerpoint-templates.html </a:t>
+            </a:r>
+          </a:p>
+        </p:txBody>
+      </p:sp>
+    </p:spTree>
+    <p:extLst>
+      <p:ext uri="{BB962C8B-B14F-4D97-AF65-F5344CB8AC3E}">
+        <p14:creationId xmlns:p14="http://schemas.microsoft.com/office/powerpoint/2010/main" val="1044912715"/>
+      </p:ext>
+    </p:extLst>
+  </p:cSld>
+  <p:clrMapOvr>
+    <a:masterClrMapping/>
+  </p:clrMapOvr>
+</p:sld>
+</file>
+
+<file path=ppt/slides/slide26.xml><?xml version="1.0" encoding="utf-8"?>
+<p:sld xmlns:a="http://schemas.openxmlformats.org/drawingml/2006/main" xmlns:r="http://schemas.openxmlformats.org/officeDocument/2006/relationships" xmlns:p="http://schemas.openxmlformats.org/presentationml/2006/main">
+  <p:cSld>
+    <p:bg>
+      <p:bgPr>
+        <a:blipFill dpi="0" rotWithShape="0">
+          <a:blip r:embed="rId3" cstate="print"/>
+          <a:srcRect/>
+          <a:stretch>
+            <a:fillRect/>
+          </a:stretch>
+        </a:blipFill>
+        <a:effectLst/>
+      </p:bgPr>
+    </p:bg>
+    <p:spTree>
+      <p:nvGrpSpPr>
+        <p:cNvPr id="1" name=""/>
+        <p:cNvGrpSpPr/>
+        <p:nvPr/>
+      </p:nvGrpSpPr>
+      <p:grpSpPr>
+        <a:xfrm>
+          <a:off x="0" y="0"/>
+          <a:ext cx="0" cy="0"/>
+          <a:chOff x="0" y="0"/>
+          <a:chExt cx="0" cy="0"/>
+        </a:xfrm>
+      </p:grpSpPr>
+      <p:sp>
+        <p:nvSpPr>
+          <p:cNvPr id="5122" name="Rectangle 2"/>
+          <p:cNvSpPr>
+            <a:spLocks noGrp="1" noChangeArrowheads="1"/>
+          </p:cNvSpPr>
+          <p:nvPr>
+            <p:ph type="title"/>
+          </p:nvPr>
+        </p:nvSpPr>
+        <p:spPr>
+          <a:xfrm>
+            <a:off x="1908175" y="117475"/>
+            <a:ext cx="7056438" cy="719138"/>
+          </a:xfrm>
+        </p:spPr>
+        <p:txBody>
+          <a:bodyPr/>
+          <a:lstStyle/>
+          <a:p>
+            <a:pPr eaLnBrk="1" hangingPunct="1"/>
+            <a:r>
+              <a:rPr lang="en-US" b="1" dirty="0">
+                <a:solidFill>
+                  <a:schemeClr val="bg2"/>
+                </a:solidFill>
+              </a:rPr>
+              <a:t>Print Slide Master</a:t>
+            </a:r>
+          </a:p>
+        </p:txBody>
+      </p:sp>
+      <p:sp>
+        <p:nvSpPr>
+          <p:cNvPr id="5123" name="Rectangle 3"/>
+          <p:cNvSpPr>
+            <a:spLocks noGrp="1" noChangeArrowheads="1"/>
+          </p:cNvSpPr>
+          <p:nvPr>
+            <p:ph type="body" idx="1"/>
+          </p:nvPr>
+        </p:nvSpPr>
+        <p:spPr>
+          <a:xfrm>
+            <a:off x="1908175" y="909638"/>
+            <a:ext cx="7056438" cy="5832475"/>
+          </a:xfrm>
+        </p:spPr>
+        <p:txBody>
+          <a:bodyPr/>
+          <a:lstStyle/>
+          <a:p>
+            <a:pPr eaLnBrk="1" hangingPunct="1"/>
+            <a:r>
+              <a:rPr lang="en-US" sz="2000" dirty="0">
+                <a:solidFill>
+                  <a:schemeClr val="bg2"/>
+                </a:solidFill>
+              </a:rPr>
+              <a:t>Our PowerPoint templates and backgrounds are «pre-made» presentation shells («pre-made» slides). All design backgrounds, graphics, typefaces, and colors have been created and are pre-set by an expert graphic designers which are working with some of the most prominent businesses in the world.</a:t>
+            </a:r>
+          </a:p>
+          <a:p>
+            <a:pPr eaLnBrk="1" hangingPunct="1"/>
+            <a:endParaRPr lang="en-US" sz="2000" dirty="0">
+              <a:solidFill>
+                <a:schemeClr val="bg2"/>
+              </a:solidFill>
+            </a:endParaRPr>
+          </a:p>
+          <a:p>
+            <a:pPr eaLnBrk="1" hangingPunct="1"/>
+            <a:r>
+              <a:rPr lang="en-US" sz="2000" dirty="0">
+                <a:solidFill>
+                  <a:schemeClr val="bg2"/>
+                </a:solidFill>
+              </a:rPr>
+              <a:t>You simply insert your text. That's it! You just can't go wrong with these templates and backgrounds!</a:t>
+            </a:r>
+          </a:p>
+          <a:p>
+            <a:pPr eaLnBrk="1" hangingPunct="1"/>
+            <a:endParaRPr lang="en-US" sz="2000" dirty="0">
+              <a:solidFill>
+                <a:schemeClr val="bg2"/>
+              </a:solidFill>
+            </a:endParaRPr>
+          </a:p>
+          <a:p>
+            <a:pPr eaLnBrk="1" hangingPunct="1"/>
+            <a:r>
+              <a:rPr lang="en-US" sz="2000" dirty="0">
+                <a:solidFill>
+                  <a:schemeClr val="bg2"/>
+                </a:solidFill>
+              </a:rPr>
+              <a:t>Download this template as well as our others at http://poweredtemplate.com/technology-computers-ppt-powerpoint-templates.html </a:t>
+            </a:r>
+          </a:p>
+        </p:txBody>
+      </p:sp>
+    </p:spTree>
+    <p:extLst>
+      <p:ext uri="{BB962C8B-B14F-4D97-AF65-F5344CB8AC3E}">
+        <p14:creationId xmlns:p14="http://schemas.microsoft.com/office/powerpoint/2010/main" val="3530471002"/>
+      </p:ext>
+    </p:extLst>
+  </p:cSld>
+  <p:clrMapOvr>
+    <a:masterClrMapping/>
+  </p:clrMapOvr>
+</p:sld>
+</file>
+
+<file path=ppt/slides/slide27.xml><?xml version="1.0" encoding="utf-8"?>
+<p:sld xmlns:a="http://schemas.openxmlformats.org/drawingml/2006/main" xmlns:r="http://schemas.openxmlformats.org/officeDocument/2006/relationships" xmlns:p="http://schemas.openxmlformats.org/presentationml/2006/main">
+  <p:cSld>
+    <p:bg>
+      <p:bgPr>
+        <a:blipFill dpi="0" rotWithShape="0">
+          <a:blip r:embed="rId3" cstate="print"/>
+          <a:srcRect/>
+          <a:stretch>
+            <a:fillRect/>
+          </a:stretch>
+        </a:blipFill>
+        <a:effectLst/>
+      </p:bgPr>
+    </p:bg>
+    <p:spTree>
+      <p:nvGrpSpPr>
+        <p:cNvPr id="1" name=""/>
+        <p:cNvGrpSpPr/>
+        <p:nvPr/>
+      </p:nvGrpSpPr>
+      <p:grpSpPr>
+        <a:xfrm>
+          <a:off x="0" y="0"/>
+          <a:ext cx="0" cy="0"/>
+          <a:chOff x="0" y="0"/>
+          <a:chExt cx="0" cy="0"/>
+        </a:xfrm>
+      </p:grpSpPr>
+      <p:sp>
+        <p:nvSpPr>
+          <p:cNvPr id="5122" name="Rectangle 2"/>
+          <p:cNvSpPr>
+            <a:spLocks noGrp="1" noChangeArrowheads="1"/>
+          </p:cNvSpPr>
+          <p:nvPr>
+            <p:ph type="title"/>
+          </p:nvPr>
+        </p:nvSpPr>
+        <p:spPr>
+          <a:xfrm>
+            <a:off x="1908175" y="117475"/>
+            <a:ext cx="7056438" cy="719138"/>
+          </a:xfrm>
+        </p:spPr>
+        <p:txBody>
+          <a:bodyPr/>
+          <a:lstStyle/>
+          <a:p>
+            <a:pPr eaLnBrk="1" hangingPunct="1"/>
+            <a:r>
+              <a:rPr lang="en-US" b="1" dirty="0">
+                <a:solidFill>
+                  <a:schemeClr val="bg2"/>
+                </a:solidFill>
+              </a:rPr>
+              <a:t>Print Slide Master</a:t>
+            </a:r>
+          </a:p>
+        </p:txBody>
+      </p:sp>
+      <p:sp>
+        <p:nvSpPr>
+          <p:cNvPr id="5123" name="Rectangle 3"/>
+          <p:cNvSpPr>
+            <a:spLocks noGrp="1" noChangeArrowheads="1"/>
+          </p:cNvSpPr>
+          <p:nvPr>
+            <p:ph type="body" idx="1"/>
+          </p:nvPr>
+        </p:nvSpPr>
+        <p:spPr>
+          <a:xfrm>
+            <a:off x="1908175" y="909638"/>
+            <a:ext cx="7056438" cy="5832475"/>
+          </a:xfrm>
+        </p:spPr>
+        <p:txBody>
+          <a:bodyPr/>
+          <a:lstStyle/>
+          <a:p>
+            <a:pPr eaLnBrk="1" hangingPunct="1"/>
+            <a:r>
+              <a:rPr lang="en-US" sz="2000" dirty="0">
+                <a:solidFill>
+                  <a:schemeClr val="bg2"/>
+                </a:solidFill>
+              </a:rPr>
+              <a:t>Our PowerPoint templates and backgrounds are «pre-made» presentation shells («pre-made» slides). All design backgrounds, graphics, typefaces, and colors have been created and are pre-set by an expert graphic designers which are working with some of the most prominent businesses in the world.</a:t>
+            </a:r>
+          </a:p>
+          <a:p>
+            <a:pPr eaLnBrk="1" hangingPunct="1"/>
+            <a:endParaRPr lang="en-US" sz="2000" dirty="0">
+              <a:solidFill>
+                <a:schemeClr val="bg2"/>
+              </a:solidFill>
+            </a:endParaRPr>
+          </a:p>
+          <a:p>
+            <a:pPr eaLnBrk="1" hangingPunct="1"/>
+            <a:r>
+              <a:rPr lang="en-US" sz="2000" dirty="0">
+                <a:solidFill>
+                  <a:schemeClr val="bg2"/>
+                </a:solidFill>
+              </a:rPr>
+              <a:t>You simply insert your text. That's it! You just can't go wrong with these templates and backgrounds!</a:t>
+            </a:r>
+          </a:p>
+          <a:p>
+            <a:pPr eaLnBrk="1" hangingPunct="1"/>
+            <a:endParaRPr lang="en-US" sz="2000" dirty="0">
+              <a:solidFill>
+                <a:schemeClr val="bg2"/>
+              </a:solidFill>
+            </a:endParaRPr>
+          </a:p>
+          <a:p>
+            <a:pPr eaLnBrk="1" hangingPunct="1"/>
+            <a:r>
+              <a:rPr lang="en-US" sz="2000" dirty="0">
+                <a:solidFill>
+                  <a:schemeClr val="bg2"/>
+                </a:solidFill>
+              </a:rPr>
+              <a:t>Download this template as well as our others at http://poweredtemplate.com/technology-computers-ppt-powerpoint-templates.html </a:t>
+            </a:r>
+          </a:p>
+        </p:txBody>
+      </p:sp>
+    </p:spTree>
+    <p:extLst>
+      <p:ext uri="{BB962C8B-B14F-4D97-AF65-F5344CB8AC3E}">
         <p14:creationId xmlns:p14="http://schemas.microsoft.com/office/powerpoint/2010/main" val="2285385099"/>
       </p:ext>
     </p:extLst>
@@ -10088,7 +10954,7 @@
 </p:sld>
 </file>
 
-<file path=ppt/slides/slide24.xml><?xml version="1.0" encoding="utf-8"?>
+<file path=ppt/slides/slide28.xml><?xml version="1.0" encoding="utf-8"?>
 <p:sld xmlns:a="http://schemas.openxmlformats.org/drawingml/2006/main" xmlns:r="http://schemas.openxmlformats.org/officeDocument/2006/relationships" xmlns:p="http://schemas.openxmlformats.org/presentationml/2006/main">
   <p:cSld>
     <p:bg>

--- a/Design Pattern.pptx
+++ b/Design Pattern.pptx
@@ -8115,7 +8115,7 @@
         </p:nvSpPr>
         <p:spPr>
           <a:xfrm>
-            <a:off x="76200" y="1510506"/>
+            <a:off x="21771" y="1405843"/>
             <a:ext cx="5410200" cy="1938992"/>
           </a:xfrm>
           <a:prstGeom prst="rect">
@@ -8132,7 +8132,7 @@
             <a:r>
               <a:rPr lang="en-US" sz="2400" b="1" dirty="0">
                 <a:solidFill>
-                  <a:srgbClr val="373839"/>
+                  <a:srgbClr val="FFC000"/>
                 </a:solidFill>
                 <a:latin typeface="Amasis MT Pro Medium" panose="020B0604020202020204" pitchFamily="18" charset="0"/>
               </a:rPr>
@@ -8147,7 +8147,7 @@
             <a:r>
               <a:rPr lang="en-US" sz="2400" b="1" dirty="0" err="1">
                 <a:solidFill>
-                  <a:srgbClr val="373839"/>
+                  <a:srgbClr val="FFC000"/>
                 </a:solidFill>
                 <a:latin typeface="Amasis MT Pro Medium" panose="020B0604020202020204" pitchFamily="18" charset="0"/>
               </a:rPr>
@@ -8156,7 +8156,7 @@
             <a:r>
               <a:rPr lang="en-US" sz="2400" b="1" dirty="0">
                 <a:solidFill>
-                  <a:srgbClr val="373839"/>
+                  <a:srgbClr val="FFC000"/>
                 </a:solidFill>
                 <a:latin typeface="Amasis MT Pro Medium" panose="020B0604020202020204" pitchFamily="18" charset="0"/>
               </a:rPr>
@@ -8165,7 +8165,7 @@
             <a:r>
               <a:rPr lang="en-US" sz="2400" b="1" dirty="0" err="1">
                 <a:solidFill>
-                  <a:srgbClr val="373839"/>
+                  <a:srgbClr val="FFC000"/>
                 </a:solidFill>
                 <a:latin typeface="Amasis MT Pro Medium" panose="020B0604020202020204" pitchFamily="18" charset="0"/>
               </a:rPr>
@@ -8174,7 +8174,7 @@
             <a:r>
               <a:rPr lang="en-US" sz="2400" b="1" dirty="0">
                 <a:solidFill>
-                  <a:srgbClr val="373839"/>
+                  <a:srgbClr val="FFC000"/>
                 </a:solidFill>
                 <a:latin typeface="Amasis MT Pro Medium" panose="020B0604020202020204" pitchFamily="18" charset="0"/>
               </a:rPr>
@@ -8189,7 +8189,7 @@
             <a:r>
               <a:rPr lang="en-US" sz="2400" b="1" dirty="0" err="1">
                 <a:solidFill>
-                  <a:srgbClr val="373839"/>
+                  <a:srgbClr val="FFC000"/>
                 </a:solidFill>
                 <a:latin typeface="Amasis MT Pro Medium" panose="020B0604020202020204" pitchFamily="18" charset="0"/>
               </a:rPr>
@@ -8198,7 +8198,7 @@
             <a:r>
               <a:rPr lang="en-US" sz="2400" b="1" dirty="0">
                 <a:solidFill>
-                  <a:srgbClr val="373839"/>
+                  <a:srgbClr val="FFC000"/>
                 </a:solidFill>
                 <a:latin typeface="Amasis MT Pro Medium" panose="020B0604020202020204" pitchFamily="18" charset="0"/>
               </a:rPr>
@@ -8207,7 +8207,7 @@
             <a:r>
               <a:rPr lang="en-US" sz="2400" b="1" dirty="0" err="1">
                 <a:solidFill>
-                  <a:srgbClr val="373839"/>
+                  <a:srgbClr val="FFC000"/>
                 </a:solidFill>
                 <a:latin typeface="Amasis MT Pro Medium" panose="020B0604020202020204" pitchFamily="18" charset="0"/>
               </a:rPr>
@@ -8216,7 +8216,7 @@
             <a:r>
               <a:rPr lang="en-US" sz="2400" b="1" dirty="0">
                 <a:solidFill>
-                  <a:srgbClr val="373839"/>
+                  <a:srgbClr val="FFC000"/>
                 </a:solidFill>
                 <a:latin typeface="Amasis MT Pro Medium" panose="020B0604020202020204" pitchFamily="18" charset="0"/>
               </a:rPr>
@@ -8225,7 +8225,7 @@
             <a:r>
               <a:rPr lang="en-US" sz="2400" b="1" dirty="0" err="1">
                 <a:solidFill>
-                  <a:srgbClr val="373839"/>
+                  <a:srgbClr val="FFC000"/>
                 </a:solidFill>
                 <a:latin typeface="Amasis MT Pro Medium" panose="020B0604020202020204" pitchFamily="18" charset="0"/>
               </a:rPr>
@@ -8234,7 +8234,7 @@
             <a:r>
               <a:rPr lang="en-US" sz="2400" b="1" dirty="0">
                 <a:solidFill>
-                  <a:srgbClr val="373839"/>
+                  <a:srgbClr val="FFC000"/>
                 </a:solidFill>
                 <a:latin typeface="Amasis MT Pro Medium" panose="020B0604020202020204" pitchFamily="18" charset="0"/>
               </a:rPr>
@@ -8243,7 +8243,7 @@
             <a:r>
               <a:rPr lang="en-US" sz="2400" b="1" dirty="0" err="1">
                 <a:solidFill>
-                  <a:srgbClr val="373839"/>
+                  <a:srgbClr val="FFC000"/>
                 </a:solidFill>
                 <a:latin typeface="Amasis MT Pro Medium" panose="020B0604020202020204" pitchFamily="18" charset="0"/>
               </a:rPr>
@@ -8252,7 +8252,7 @@
             <a:r>
               <a:rPr lang="en-US" sz="2400" b="1" dirty="0">
                 <a:solidFill>
-                  <a:srgbClr val="373839"/>
+                  <a:srgbClr val="FFC000"/>
                 </a:solidFill>
                 <a:latin typeface="Amasis MT Pro Medium" panose="020B0604020202020204" pitchFamily="18" charset="0"/>
               </a:rPr>
@@ -8267,7 +8267,7 @@
             <a:r>
               <a:rPr lang="en-US" sz="2400" b="1" dirty="0" err="1">
                 <a:solidFill>
-                  <a:srgbClr val="373839"/>
+                  <a:srgbClr val="FFC000"/>
                 </a:solidFill>
                 <a:latin typeface="Amasis MT Pro Medium" panose="020B0604020202020204" pitchFamily="18" charset="0"/>
               </a:rPr>
@@ -8276,7 +8276,7 @@
             <a:r>
               <a:rPr lang="en-US" sz="2400" b="1" dirty="0">
                 <a:solidFill>
-                  <a:srgbClr val="373839"/>
+                  <a:srgbClr val="FFC000"/>
                 </a:solidFill>
                 <a:latin typeface="Amasis MT Pro Medium" panose="020B0604020202020204" pitchFamily="18" charset="0"/>
               </a:rPr>
@@ -8285,7 +8285,7 @@
             <a:r>
               <a:rPr lang="en-US" sz="2400" b="1" dirty="0" err="1">
                 <a:solidFill>
-                  <a:srgbClr val="373839"/>
+                  <a:srgbClr val="FFC000"/>
                 </a:solidFill>
                 <a:latin typeface="Amasis MT Pro Medium" panose="020B0604020202020204" pitchFamily="18" charset="0"/>
               </a:rPr>
@@ -8294,7 +8294,7 @@
             <a:r>
               <a:rPr lang="en-US" sz="2400" b="1" dirty="0">
                 <a:solidFill>
-                  <a:srgbClr val="373839"/>
+                  <a:srgbClr val="FFC000"/>
                 </a:solidFill>
                 <a:latin typeface="Amasis MT Pro Medium" panose="020B0604020202020204" pitchFamily="18" charset="0"/>
               </a:rPr>
@@ -8309,7 +8309,7 @@
             <a:r>
               <a:rPr lang="en-US" sz="2400" b="1" dirty="0">
                 <a:solidFill>
-                  <a:srgbClr val="373839"/>
+                  <a:srgbClr val="FFC000"/>
                 </a:solidFill>
                 <a:latin typeface="Amasis MT Pro Medium" panose="020B0604020202020204" pitchFamily="18" charset="0"/>
               </a:rPr>
@@ -8318,7 +8318,7 @@
             <a:r>
               <a:rPr lang="en-US" sz="2400" b="1" dirty="0" err="1">
                 <a:solidFill>
-                  <a:srgbClr val="373839"/>
+                  <a:srgbClr val="FFC000"/>
                 </a:solidFill>
                 <a:latin typeface="Amasis MT Pro Medium" panose="020B0604020202020204" pitchFamily="18" charset="0"/>
               </a:rPr>
@@ -8327,7 +8327,7 @@
             <a:r>
               <a:rPr lang="en-US" sz="2400" b="1" dirty="0">
                 <a:solidFill>
-                  <a:srgbClr val="373839"/>
+                  <a:srgbClr val="FFC000"/>
                 </a:solidFill>
                 <a:latin typeface="Amasis MT Pro Medium" panose="020B0604020202020204" pitchFamily="18" charset="0"/>
               </a:rPr>
@@ -8336,7 +8336,7 @@
             <a:r>
               <a:rPr lang="en-US" sz="2400" b="1" dirty="0" err="1">
                 <a:solidFill>
-                  <a:srgbClr val="373839"/>
+                  <a:srgbClr val="FFC000"/>
                 </a:solidFill>
                 <a:latin typeface="Amasis MT Pro Medium" panose="020B0604020202020204" pitchFamily="18" charset="0"/>
               </a:rPr>
@@ -8345,7 +8345,7 @@
             <a:r>
               <a:rPr lang="en-US" sz="2400" b="1" dirty="0">
                 <a:solidFill>
-                  <a:srgbClr val="373839"/>
+                  <a:srgbClr val="FFC000"/>
                 </a:solidFill>
                 <a:latin typeface="Amasis MT Pro Medium" panose="020B0604020202020204" pitchFamily="18" charset="0"/>
               </a:rPr>

--- a/Design Pattern.pptx
+++ b/Design Pattern.pptx
@@ -11362,7 +11362,7 @@
             </a:r>
           </a:p>
           <a:p>
-            <a:pPr marL="457200" indent="-457200" eaLnBrk="1" hangingPunct="1">
+            <a:pPr marL="457200" indent="-457200">
               <a:lnSpc>
                 <a:spcPct val="90000"/>
               </a:lnSpc>
@@ -11372,8 +11372,9 @@
             </a:pPr>
             <a:r>
               <a:rPr lang="en-US" dirty="0"/>
-              <a:t>Similar problem.</a:t>
-            </a:r>
+              <a:t>Pros and cons to our design pattern.</a:t>
+            </a:r>
+            <a:endParaRPr lang="uk-UA" dirty="0"/>
           </a:p>
           <a:p>
             <a:pPr marL="457200" indent="-457200" eaLnBrk="1" hangingPunct="1">
@@ -11386,9 +11387,8 @@
             </a:pPr>
             <a:r>
               <a:rPr lang="en-US" dirty="0"/>
-              <a:t>Pros and cons to our design pattern.</a:t>
-            </a:r>
-            <a:endParaRPr lang="uk-UA" dirty="0"/>
+              <a:t>Similar problem.</a:t>
+            </a:r>
           </a:p>
         </p:txBody>
       </p:sp>
